--- a/backend/outputs/output.pptx
+++ b/backend/outputs/output.pptx
@@ -4,9 +4,21 @@
   <p:sldMasterIdLst>
     <p:sldMasterId id="2147483648" r:id="rId1"/>
   </p:sldMasterIdLst>
+  <p:notesMasterIdLst>
+    <p:notesMasterId r:id="rId13"/>
+  </p:notesMasterIdLst>
   <p:sldIdLst>
     <p:sldId id="256" r:id="rId2"/>
-    <p:sldId id="257" r:id="rId3"/>
+    <p:sldId id="310" r:id="rId3"/>
+    <p:sldId id="311" r:id="rId4"/>
+    <p:sldId id="346" r:id="rId5"/>
+    <p:sldId id="347" r:id="rId6"/>
+    <p:sldId id="348" r:id="rId7"/>
+    <p:sldId id="349" r:id="rId8"/>
+    <p:sldId id="350" r:id="rId9"/>
+    <p:sldId id="351" r:id="rId10"/>
+    <p:sldId id="334" r:id="rId11"/>
+    <p:sldId id="336" r:id="rId12"/>
   </p:sldIdLst>
   <p:sldSz cx="12192000" cy="6858000"/>
   <p:notesSz cx="6858000" cy="9144000"/>
@@ -105,7 +117,572 @@
       </a:defRPr>
     </a:lvl9pPr>
   </p:defaultTextStyle>
+  <p:extLst>
+    <p:ext uri="{EFAFB233-063F-42B5-8137-9DF3F51BA10A}">
+      <p15:sldGuideLst xmlns:p15="http://schemas.microsoft.com/office/powerpoint/2012/main">
+        <p15:guide id="1" orient="horz" pos="2160" userDrawn="1">
+          <p15:clr>
+            <a:srgbClr val="A4A3A4"/>
+          </p15:clr>
+        </p15:guide>
+        <p15:guide id="2" pos="3840" userDrawn="1">
+          <p15:clr>
+            <a:srgbClr val="A4A3A4"/>
+          </p15:clr>
+        </p15:guide>
+      </p15:sldGuideLst>
+    </p:ext>
+  </p:extLst>
 </p:presentation>
+</file>
+
+<file path=ppt/notesMasters/notesMaster1.xml><?xml version="1.0" encoding="utf-8"?>
+<p:notesMaster xmlns:a="http://schemas.openxmlformats.org/drawingml/2006/main" xmlns:r="http://schemas.openxmlformats.org/officeDocument/2006/relationships" xmlns:p="http://schemas.openxmlformats.org/presentationml/2006/main">
+  <p:cSld>
+    <p:bg>
+      <p:bgRef idx="1001">
+        <a:schemeClr val="bg1"/>
+      </p:bgRef>
+    </p:bg>
+    <p:spTree>
+      <p:nvGrpSpPr>
+        <p:cNvPr id="1" name=""/>
+        <p:cNvGrpSpPr/>
+        <p:nvPr/>
+      </p:nvGrpSpPr>
+      <p:grpSpPr>
+        <a:xfrm>
+          <a:off x="0" y="0"/>
+          <a:ext cx="0" cy="0"/>
+          <a:chOff x="0" y="0"/>
+          <a:chExt cx="0" cy="0"/>
+        </a:xfrm>
+      </p:grpSpPr>
+      <p:sp>
+        <p:nvSpPr>
+          <p:cNvPr id="2" name="ヘッダー プレースホルダー 1"/>
+          <p:cNvSpPr>
+            <a:spLocks noGrp="1"/>
+          </p:cNvSpPr>
+          <p:nvPr>
+            <p:ph type="hdr" sz="quarter"/>
+          </p:nvPr>
+        </p:nvSpPr>
+        <p:spPr>
+          <a:xfrm>
+            <a:off x="0" y="0"/>
+            <a:ext cx="2971800" cy="458788"/>
+          </a:xfrm>
+          <a:prstGeom prst="rect">
+            <a:avLst/>
+          </a:prstGeom>
+        </p:spPr>
+        <p:txBody>
+          <a:bodyPr vert="horz" lIns="91440" tIns="45720" rIns="91440" bIns="45720" rtlCol="0"/>
+          <a:lstStyle>
+            <a:lvl1pPr algn="l">
+              <a:defRPr sz="1200"/>
+            </a:lvl1pPr>
+          </a:lstStyle>
+          <a:p>
+            <a:endParaRPr kumimoji="1" lang="ja-JP" altLang="en-US"/>
+          </a:p>
+        </p:txBody>
+      </p:sp>
+      <p:sp>
+        <p:nvSpPr>
+          <p:cNvPr id="3" name="日付プレースホルダー 2"/>
+          <p:cNvSpPr>
+            <a:spLocks noGrp="1"/>
+          </p:cNvSpPr>
+          <p:nvPr>
+            <p:ph type="dt" idx="1"/>
+          </p:nvPr>
+        </p:nvSpPr>
+        <p:spPr>
+          <a:xfrm>
+            <a:off x="3884613" y="0"/>
+            <a:ext cx="2971800" cy="458788"/>
+          </a:xfrm>
+          <a:prstGeom prst="rect">
+            <a:avLst/>
+          </a:prstGeom>
+        </p:spPr>
+        <p:txBody>
+          <a:bodyPr vert="horz" lIns="91440" tIns="45720" rIns="91440" bIns="45720" rtlCol="0"/>
+          <a:lstStyle>
+            <a:lvl1pPr algn="r">
+              <a:defRPr sz="1200"/>
+            </a:lvl1pPr>
+          </a:lstStyle>
+          <a:p>
+            <a:fld id="{245399AD-8A10-4D6F-A285-36A0E4D274F4}" type="datetimeFigureOut">
+              <a:rPr kumimoji="1" lang="ja-JP" altLang="en-US" smtClean="0"/>
+              <a:t>2023/4/7</a:t>
+            </a:fld>
+            <a:endParaRPr kumimoji="1" lang="ja-JP" altLang="en-US"/>
+          </a:p>
+        </p:txBody>
+      </p:sp>
+      <p:sp>
+        <p:nvSpPr>
+          <p:cNvPr id="4" name="スライド イメージ プレースホルダー 3"/>
+          <p:cNvSpPr>
+            <a:spLocks noGrp="1" noRot="1" noChangeAspect="1"/>
+          </p:cNvSpPr>
+          <p:nvPr>
+            <p:ph type="sldImg" idx="2"/>
+          </p:nvPr>
+        </p:nvSpPr>
+        <p:spPr>
+          <a:xfrm>
+            <a:off x="685800" y="1143000"/>
+            <a:ext cx="5486400" cy="3086100"/>
+          </a:xfrm>
+          <a:prstGeom prst="rect">
+            <a:avLst/>
+          </a:prstGeom>
+          <a:noFill/>
+          <a:ln w="12700">
+            <a:solidFill>
+              <a:prstClr val="black"/>
+            </a:solidFill>
+          </a:ln>
+        </p:spPr>
+        <p:txBody>
+          <a:bodyPr vert="horz" lIns="91440" tIns="45720" rIns="91440" bIns="45720" rtlCol="0" anchor="ctr"/>
+          <a:lstStyle/>
+          <a:p>
+            <a:endParaRPr lang="ja-JP" altLang="en-US"/>
+          </a:p>
+        </p:txBody>
+      </p:sp>
+      <p:sp>
+        <p:nvSpPr>
+          <p:cNvPr id="5" name="ノート プレースホルダー 4"/>
+          <p:cNvSpPr>
+            <a:spLocks noGrp="1"/>
+          </p:cNvSpPr>
+          <p:nvPr>
+            <p:ph type="body" sz="quarter" idx="3"/>
+          </p:nvPr>
+        </p:nvSpPr>
+        <p:spPr>
+          <a:xfrm>
+            <a:off x="685800" y="4400550"/>
+            <a:ext cx="5486400" cy="3600450"/>
+          </a:xfrm>
+          <a:prstGeom prst="rect">
+            <a:avLst/>
+          </a:prstGeom>
+        </p:spPr>
+        <p:txBody>
+          <a:bodyPr vert="horz" lIns="91440" tIns="45720" rIns="91440" bIns="45720" rtlCol="0"/>
+          <a:lstStyle/>
+          <a:p>
+            <a:pPr lvl="0"/>
+            <a:r>
+              <a:rPr kumimoji="1" lang="ja-JP" altLang="en-US"/>
+              <a:t>マスター テキストの書式設定</a:t>
+            </a:r>
+          </a:p>
+          <a:p>
+            <a:pPr lvl="1"/>
+            <a:r>
+              <a:rPr kumimoji="1" lang="ja-JP" altLang="en-US"/>
+              <a:t>第 </a:t>
+            </a:r>
+            <a:r>
+              <a:rPr kumimoji="1" lang="en-US" altLang="ja-JP"/>
+              <a:t>2 </a:t>
+            </a:r>
+            <a:r>
+              <a:rPr kumimoji="1" lang="ja-JP" altLang="en-US"/>
+              <a:t>レベル</a:t>
+            </a:r>
+          </a:p>
+          <a:p>
+            <a:pPr lvl="2"/>
+            <a:r>
+              <a:rPr kumimoji="1" lang="ja-JP" altLang="en-US"/>
+              <a:t>第 </a:t>
+            </a:r>
+            <a:r>
+              <a:rPr kumimoji="1" lang="en-US" altLang="ja-JP"/>
+              <a:t>3 </a:t>
+            </a:r>
+            <a:r>
+              <a:rPr kumimoji="1" lang="ja-JP" altLang="en-US"/>
+              <a:t>レベル</a:t>
+            </a:r>
+          </a:p>
+          <a:p>
+            <a:pPr lvl="3"/>
+            <a:r>
+              <a:rPr kumimoji="1" lang="ja-JP" altLang="en-US"/>
+              <a:t>第 </a:t>
+            </a:r>
+            <a:r>
+              <a:rPr kumimoji="1" lang="en-US" altLang="ja-JP"/>
+              <a:t>4 </a:t>
+            </a:r>
+            <a:r>
+              <a:rPr kumimoji="1" lang="ja-JP" altLang="en-US"/>
+              <a:t>レベル</a:t>
+            </a:r>
+          </a:p>
+          <a:p>
+            <a:pPr lvl="4"/>
+            <a:r>
+              <a:rPr kumimoji="1" lang="ja-JP" altLang="en-US"/>
+              <a:t>第 </a:t>
+            </a:r>
+            <a:r>
+              <a:rPr kumimoji="1" lang="en-US" altLang="ja-JP"/>
+              <a:t>5 </a:t>
+            </a:r>
+            <a:r>
+              <a:rPr kumimoji="1" lang="ja-JP" altLang="en-US"/>
+              <a:t>レベル</a:t>
+            </a:r>
+          </a:p>
+        </p:txBody>
+      </p:sp>
+      <p:sp>
+        <p:nvSpPr>
+          <p:cNvPr id="6" name="フッター プレースホルダー 5"/>
+          <p:cNvSpPr>
+            <a:spLocks noGrp="1"/>
+          </p:cNvSpPr>
+          <p:nvPr>
+            <p:ph type="ftr" sz="quarter" idx="4"/>
+          </p:nvPr>
+        </p:nvSpPr>
+        <p:spPr>
+          <a:xfrm>
+            <a:off x="0" y="8685213"/>
+            <a:ext cx="2971800" cy="458787"/>
+          </a:xfrm>
+          <a:prstGeom prst="rect">
+            <a:avLst/>
+          </a:prstGeom>
+        </p:spPr>
+        <p:txBody>
+          <a:bodyPr vert="horz" lIns="91440" tIns="45720" rIns="91440" bIns="45720" rtlCol="0" anchor="b"/>
+          <a:lstStyle>
+            <a:lvl1pPr algn="l">
+              <a:defRPr sz="1200"/>
+            </a:lvl1pPr>
+          </a:lstStyle>
+          <a:p>
+            <a:endParaRPr kumimoji="1" lang="ja-JP" altLang="en-US"/>
+          </a:p>
+        </p:txBody>
+      </p:sp>
+      <p:sp>
+        <p:nvSpPr>
+          <p:cNvPr id="7" name="スライド番号プレースホルダー 6"/>
+          <p:cNvSpPr>
+            <a:spLocks noGrp="1"/>
+          </p:cNvSpPr>
+          <p:nvPr>
+            <p:ph type="sldNum" sz="quarter" idx="5"/>
+          </p:nvPr>
+        </p:nvSpPr>
+        <p:spPr>
+          <a:xfrm>
+            <a:off x="3884613" y="8685213"/>
+            <a:ext cx="2971800" cy="458787"/>
+          </a:xfrm>
+          <a:prstGeom prst="rect">
+            <a:avLst/>
+          </a:prstGeom>
+        </p:spPr>
+        <p:txBody>
+          <a:bodyPr vert="horz" lIns="91440" tIns="45720" rIns="91440" bIns="45720" rtlCol="0" anchor="b"/>
+          <a:lstStyle>
+            <a:lvl1pPr algn="r">
+              <a:defRPr sz="1200"/>
+            </a:lvl1pPr>
+          </a:lstStyle>
+          <a:p>
+            <a:fld id="{DFB74502-7093-42C1-A9B1-6F1C7BBDB171}" type="slidenum">
+              <a:rPr kumimoji="1" lang="ja-JP" altLang="en-US" smtClean="0"/>
+              <a:t>‹#›</a:t>
+            </a:fld>
+            <a:endParaRPr kumimoji="1" lang="ja-JP" altLang="en-US"/>
+          </a:p>
+        </p:txBody>
+      </p:sp>
+    </p:spTree>
+    <p:extLst>
+      <p:ext uri="{BB962C8B-B14F-4D97-AF65-F5344CB8AC3E}">
+        <p14:creationId xmlns:p14="http://schemas.microsoft.com/office/powerpoint/2010/main" val="2937973521"/>
+      </p:ext>
+    </p:extLst>
+  </p:cSld>
+  <p:clrMap bg1="lt1" tx1="dk1" bg2="lt2" tx2="dk2" accent1="accent1" accent2="accent2" accent3="accent3" accent4="accent4" accent5="accent5" accent6="accent6" hlink="hlink" folHlink="folHlink"/>
+  <p:notesStyle>
+    <a:lvl1pPr marL="0" algn="l" defTabSz="914400" rtl="0" eaLnBrk="1" latinLnBrk="0" hangingPunct="1">
+      <a:defRPr kumimoji="1" sz="1200" kern="1200">
+        <a:solidFill>
+          <a:schemeClr val="tx1"/>
+        </a:solidFill>
+        <a:latin typeface="+mn-lt"/>
+        <a:ea typeface="+mn-ea"/>
+        <a:cs typeface="+mn-cs"/>
+      </a:defRPr>
+    </a:lvl1pPr>
+    <a:lvl2pPr marL="457200" algn="l" defTabSz="914400" rtl="0" eaLnBrk="1" latinLnBrk="0" hangingPunct="1">
+      <a:defRPr kumimoji="1" sz="1200" kern="1200">
+        <a:solidFill>
+          <a:schemeClr val="tx1"/>
+        </a:solidFill>
+        <a:latin typeface="+mn-lt"/>
+        <a:ea typeface="+mn-ea"/>
+        <a:cs typeface="+mn-cs"/>
+      </a:defRPr>
+    </a:lvl2pPr>
+    <a:lvl3pPr marL="914400" algn="l" defTabSz="914400" rtl="0" eaLnBrk="1" latinLnBrk="0" hangingPunct="1">
+      <a:defRPr kumimoji="1" sz="1200" kern="1200">
+        <a:solidFill>
+          <a:schemeClr val="tx1"/>
+        </a:solidFill>
+        <a:latin typeface="+mn-lt"/>
+        <a:ea typeface="+mn-ea"/>
+        <a:cs typeface="+mn-cs"/>
+      </a:defRPr>
+    </a:lvl3pPr>
+    <a:lvl4pPr marL="1371600" algn="l" defTabSz="914400" rtl="0" eaLnBrk="1" latinLnBrk="0" hangingPunct="1">
+      <a:defRPr kumimoji="1" sz="1200" kern="1200">
+        <a:solidFill>
+          <a:schemeClr val="tx1"/>
+        </a:solidFill>
+        <a:latin typeface="+mn-lt"/>
+        <a:ea typeface="+mn-ea"/>
+        <a:cs typeface="+mn-cs"/>
+      </a:defRPr>
+    </a:lvl4pPr>
+    <a:lvl5pPr marL="1828800" algn="l" defTabSz="914400" rtl="0" eaLnBrk="1" latinLnBrk="0" hangingPunct="1">
+      <a:defRPr kumimoji="1" sz="1200" kern="1200">
+        <a:solidFill>
+          <a:schemeClr val="tx1"/>
+        </a:solidFill>
+        <a:latin typeface="+mn-lt"/>
+        <a:ea typeface="+mn-ea"/>
+        <a:cs typeface="+mn-cs"/>
+      </a:defRPr>
+    </a:lvl5pPr>
+    <a:lvl6pPr marL="2286000" algn="l" defTabSz="914400" rtl="0" eaLnBrk="1" latinLnBrk="0" hangingPunct="1">
+      <a:defRPr kumimoji="1" sz="1200" kern="1200">
+        <a:solidFill>
+          <a:schemeClr val="tx1"/>
+        </a:solidFill>
+        <a:latin typeface="+mn-lt"/>
+        <a:ea typeface="+mn-ea"/>
+        <a:cs typeface="+mn-cs"/>
+      </a:defRPr>
+    </a:lvl6pPr>
+    <a:lvl7pPr marL="2743200" algn="l" defTabSz="914400" rtl="0" eaLnBrk="1" latinLnBrk="0" hangingPunct="1">
+      <a:defRPr kumimoji="1" sz="1200" kern="1200">
+        <a:solidFill>
+          <a:schemeClr val="tx1"/>
+        </a:solidFill>
+        <a:latin typeface="+mn-lt"/>
+        <a:ea typeface="+mn-ea"/>
+        <a:cs typeface="+mn-cs"/>
+      </a:defRPr>
+    </a:lvl7pPr>
+    <a:lvl8pPr marL="3200400" algn="l" defTabSz="914400" rtl="0" eaLnBrk="1" latinLnBrk="0" hangingPunct="1">
+      <a:defRPr kumimoji="1" sz="1200" kern="1200">
+        <a:solidFill>
+          <a:schemeClr val="tx1"/>
+        </a:solidFill>
+        <a:latin typeface="+mn-lt"/>
+        <a:ea typeface="+mn-ea"/>
+        <a:cs typeface="+mn-cs"/>
+      </a:defRPr>
+    </a:lvl8pPr>
+    <a:lvl9pPr marL="3657600" algn="l" defTabSz="914400" rtl="0" eaLnBrk="1" latinLnBrk="0" hangingPunct="1">
+      <a:defRPr kumimoji="1" sz="1200" kern="1200">
+        <a:solidFill>
+          <a:schemeClr val="tx1"/>
+        </a:solidFill>
+        <a:latin typeface="+mn-lt"/>
+        <a:ea typeface="+mn-ea"/>
+        <a:cs typeface="+mn-cs"/>
+      </a:defRPr>
+    </a:lvl9pPr>
+  </p:notesStyle>
+</p:notesMaster>
+</file>
+
+<file path=ppt/notesSlides/notesSlide1.xml><?xml version="1.0" encoding="utf-8"?>
+<p:notes xmlns:a="http://schemas.openxmlformats.org/drawingml/2006/main" xmlns:r="http://schemas.openxmlformats.org/officeDocument/2006/relationships" xmlns:p="http://schemas.openxmlformats.org/presentationml/2006/main">
+  <p:cSld>
+    <p:spTree>
+      <p:nvGrpSpPr>
+        <p:cNvPr id="1" name=""/>
+        <p:cNvGrpSpPr/>
+        <p:nvPr/>
+      </p:nvGrpSpPr>
+      <p:grpSpPr>
+        <a:xfrm>
+          <a:off x="0" y="0"/>
+          <a:ext cx="0" cy="0"/>
+          <a:chOff x="0" y="0"/>
+          <a:chExt cx="0" cy="0"/>
+        </a:xfrm>
+      </p:grpSpPr>
+      <p:sp>
+        <p:nvSpPr>
+          <p:cNvPr id="2" name="スライド イメージ プレースホルダー 1"/>
+          <p:cNvSpPr>
+            <a:spLocks noGrp="1" noRot="1" noChangeAspect="1"/>
+          </p:cNvSpPr>
+          <p:nvPr>
+            <p:ph type="sldImg"/>
+          </p:nvPr>
+        </p:nvSpPr>
+        <p:spPr/>
+      </p:sp>
+      <p:sp>
+        <p:nvSpPr>
+          <p:cNvPr id="3" name="ノート プレースホルダー 2"/>
+          <p:cNvSpPr>
+            <a:spLocks noGrp="1"/>
+          </p:cNvSpPr>
+          <p:nvPr>
+            <p:ph type="body" idx="1"/>
+          </p:nvPr>
+        </p:nvSpPr>
+        <p:spPr/>
+        <p:txBody>
+          <a:bodyPr/>
+          <a:lstStyle/>
+          <a:p>
+            <a:endParaRPr kumimoji="1" lang="ja-JP" altLang="en-US" dirty="0"/>
+          </a:p>
+        </p:txBody>
+      </p:sp>
+      <p:sp>
+        <p:nvSpPr>
+          <p:cNvPr id="4" name="スライド番号プレースホルダー 3"/>
+          <p:cNvSpPr>
+            <a:spLocks noGrp="1"/>
+          </p:cNvSpPr>
+          <p:nvPr>
+            <p:ph type="sldNum" sz="quarter" idx="5"/>
+          </p:nvPr>
+        </p:nvSpPr>
+        <p:spPr/>
+        <p:txBody>
+          <a:bodyPr/>
+          <a:lstStyle/>
+          <a:p>
+            <a:fld id="{DFB74502-7093-42C1-A9B1-6F1C7BBDB171}" type="slidenum">
+              <a:rPr kumimoji="1" lang="ja-JP" altLang="en-US" smtClean="0"/>
+              <a:t>1</a:t>
+            </a:fld>
+            <a:endParaRPr kumimoji="1" lang="ja-JP" altLang="en-US"/>
+          </a:p>
+        </p:txBody>
+      </p:sp>
+    </p:spTree>
+    <p:extLst>
+      <p:ext uri="{BB962C8B-B14F-4D97-AF65-F5344CB8AC3E}">
+        <p14:creationId xmlns:p14="http://schemas.microsoft.com/office/powerpoint/2010/main" val="3512194179"/>
+      </p:ext>
+    </p:extLst>
+  </p:cSld>
+  <p:clrMapOvr>
+    <a:masterClrMapping/>
+  </p:clrMapOvr>
+</p:notes>
+</file>
+
+<file path=ppt/notesSlides/notesSlide2.xml><?xml version="1.0" encoding="utf-8"?>
+<p:notes xmlns:a="http://schemas.openxmlformats.org/drawingml/2006/main" xmlns:r="http://schemas.openxmlformats.org/officeDocument/2006/relationships" xmlns:p="http://schemas.openxmlformats.org/presentationml/2006/main">
+  <p:cSld>
+    <p:spTree>
+      <p:nvGrpSpPr>
+        <p:cNvPr id="1" name=""/>
+        <p:cNvGrpSpPr/>
+        <p:nvPr/>
+      </p:nvGrpSpPr>
+      <p:grpSpPr>
+        <a:xfrm>
+          <a:off x="0" y="0"/>
+          <a:ext cx="0" cy="0"/>
+          <a:chOff x="0" y="0"/>
+          <a:chExt cx="0" cy="0"/>
+        </a:xfrm>
+      </p:grpSpPr>
+      <p:sp>
+        <p:nvSpPr>
+          <p:cNvPr id="2" name="スライド イメージ プレースホルダー 1"/>
+          <p:cNvSpPr>
+            <a:spLocks noGrp="1" noRot="1" noChangeAspect="1"/>
+          </p:cNvSpPr>
+          <p:nvPr>
+            <p:ph type="sldImg"/>
+          </p:nvPr>
+        </p:nvSpPr>
+        <p:spPr/>
+      </p:sp>
+      <p:sp>
+        <p:nvSpPr>
+          <p:cNvPr id="3" name="ノート プレースホルダー 2"/>
+          <p:cNvSpPr>
+            <a:spLocks noGrp="1"/>
+          </p:cNvSpPr>
+          <p:nvPr>
+            <p:ph type="body" idx="1"/>
+          </p:nvPr>
+        </p:nvSpPr>
+        <p:spPr/>
+        <p:txBody>
+          <a:bodyPr/>
+          <a:lstStyle/>
+          <a:p>
+            <a:endParaRPr kumimoji="1" lang="ja-JP" altLang="en-US"/>
+          </a:p>
+        </p:txBody>
+      </p:sp>
+      <p:sp>
+        <p:nvSpPr>
+          <p:cNvPr id="4" name="スライド番号プレースホルダー 3"/>
+          <p:cNvSpPr>
+            <a:spLocks noGrp="1"/>
+          </p:cNvSpPr>
+          <p:nvPr>
+            <p:ph type="sldNum" sz="quarter" idx="5"/>
+          </p:nvPr>
+        </p:nvSpPr>
+        <p:spPr/>
+        <p:txBody>
+          <a:bodyPr/>
+          <a:lstStyle/>
+          <a:p>
+            <a:fld id="{DFB74502-7093-42C1-A9B1-6F1C7BBDB171}" type="slidenum">
+              <a:rPr kumimoji="1" lang="ja-JP" altLang="en-US" smtClean="0"/>
+              <a:t>3</a:t>
+            </a:fld>
+            <a:endParaRPr kumimoji="1" lang="ja-JP" altLang="en-US"/>
+          </a:p>
+        </p:txBody>
+      </p:sp>
+    </p:spTree>
+    <p:extLst>
+      <p:ext uri="{BB962C8B-B14F-4D97-AF65-F5344CB8AC3E}">
+        <p14:creationId xmlns:p14="http://schemas.microsoft.com/office/powerpoint/2010/main" val="2680476218"/>
+      </p:ext>
+    </p:extLst>
+  </p:cSld>
+  <p:clrMapOvr>
+    <a:masterClrMapping/>
+  </p:clrMapOvr>
+</p:notes>
 </file>
 
 <file path=ppt/slideLayouts/slideLayout1.xml><?xml version="1.0" encoding="utf-8"?>
@@ -130,7 +707,7 @@
           <p:cNvPr id="2" name="タイトル 1">
             <a:extLst>
               <a:ext uri="{FF2B5EF4-FFF2-40B4-BE49-F238E27FC236}">
-                <a16:creationId xmlns:a16="http://schemas.microsoft.com/office/drawing/2014/main" id="{6FBF0581-1DE1-5ED8-A505-B03006936B6B}"/>
+                <a16:creationId xmlns:a16="http://schemas.microsoft.com/office/drawing/2014/main" id="{CB4A4F0B-2BA4-406B-9945-50BA65176B8E}"/>
               </a:ext>
             </a:extLst>
           </p:cNvPr>
@@ -167,7 +744,7 @@
           <p:cNvPr id="3" name="字幕 2">
             <a:extLst>
               <a:ext uri="{FF2B5EF4-FFF2-40B4-BE49-F238E27FC236}">
-                <a16:creationId xmlns:a16="http://schemas.microsoft.com/office/drawing/2014/main" id="{FAC9A360-8672-7CD1-3B60-3B39462C9149}"/>
+                <a16:creationId xmlns:a16="http://schemas.microsoft.com/office/drawing/2014/main" id="{597031CD-B257-46F5-A135-A19AE7800B97}"/>
               </a:ext>
             </a:extLst>
           </p:cNvPr>
@@ -237,7 +814,7 @@
           <p:cNvPr id="4" name="日付プレースホルダー 3">
             <a:extLst>
               <a:ext uri="{FF2B5EF4-FFF2-40B4-BE49-F238E27FC236}">
-                <a16:creationId xmlns:a16="http://schemas.microsoft.com/office/drawing/2014/main" id="{66A483AE-C0C5-29D8-3BFB-E204C8DABD0F}"/>
+                <a16:creationId xmlns:a16="http://schemas.microsoft.com/office/drawing/2014/main" id="{1EFF2259-FCCA-4723-96AE-C74B774406E4}"/>
               </a:ext>
             </a:extLst>
           </p:cNvPr>
@@ -253,9 +830,9 @@
           <a:bodyPr/>
           <a:lstStyle/>
           <a:p>
-            <a:fld id="{690E477F-8790-4710-B968-AEEF74883170}" type="datetimeFigureOut">
+            <a:fld id="{A74D7350-153A-42C5-BB78-C79D2B48DBB0}" type="datetimeFigureOut">
               <a:rPr kumimoji="1" lang="ja-JP" altLang="en-US" smtClean="0"/>
-              <a:t>2023/4/10</a:t>
+              <a:t>2023/4/7</a:t>
             </a:fld>
             <a:endParaRPr kumimoji="1" lang="ja-JP" altLang="en-US"/>
           </a:p>
@@ -266,7 +843,7 @@
           <p:cNvPr id="5" name="フッター プレースホルダー 4">
             <a:extLst>
               <a:ext uri="{FF2B5EF4-FFF2-40B4-BE49-F238E27FC236}">
-                <a16:creationId xmlns:a16="http://schemas.microsoft.com/office/drawing/2014/main" id="{C03ED0F5-C1D6-9A30-B22E-23FEB4F5A9FC}"/>
+                <a16:creationId xmlns:a16="http://schemas.microsoft.com/office/drawing/2014/main" id="{0FF7F783-38AB-42EC-88FB-66503A1E8AA2}"/>
               </a:ext>
             </a:extLst>
           </p:cNvPr>
@@ -291,7 +868,7 @@
           <p:cNvPr id="6" name="スライド番号プレースホルダー 5">
             <a:extLst>
               <a:ext uri="{FF2B5EF4-FFF2-40B4-BE49-F238E27FC236}">
-                <a16:creationId xmlns:a16="http://schemas.microsoft.com/office/drawing/2014/main" id="{2E5046D4-72A8-5567-37E3-6478E4B6C718}"/>
+                <a16:creationId xmlns:a16="http://schemas.microsoft.com/office/drawing/2014/main" id="{B2431209-66FD-4EF7-A0C6-F4ED7156F892}"/>
               </a:ext>
             </a:extLst>
           </p:cNvPr>
@@ -307,7 +884,7 @@
           <a:bodyPr/>
           <a:lstStyle/>
           <a:p>
-            <a:fld id="{6A52849B-4EC1-4B23-B151-A15F80D0261D}" type="slidenum">
+            <a:fld id="{928D5765-098E-4049-84B8-6BC66488581C}" type="slidenum">
               <a:rPr kumimoji="1" lang="ja-JP" altLang="en-US" smtClean="0"/>
               <a:t>‹#›</a:t>
             </a:fld>
@@ -318,7 +895,7 @@
     </p:spTree>
     <p:extLst>
       <p:ext uri="{BB962C8B-B14F-4D97-AF65-F5344CB8AC3E}">
-        <p14:creationId xmlns:p14="http://schemas.microsoft.com/office/powerpoint/2010/main" val="375203606"/>
+        <p14:creationId xmlns:p14="http://schemas.microsoft.com/office/powerpoint/2010/main" val="4113872023"/>
       </p:ext>
     </p:extLst>
   </p:cSld>
@@ -350,7 +927,7 @@
           <p:cNvPr id="2" name="タイトル 1">
             <a:extLst>
               <a:ext uri="{FF2B5EF4-FFF2-40B4-BE49-F238E27FC236}">
-                <a16:creationId xmlns:a16="http://schemas.microsoft.com/office/drawing/2014/main" id="{AC4872B4-9E88-3798-AD0D-BD22293E30FC}"/>
+                <a16:creationId xmlns:a16="http://schemas.microsoft.com/office/drawing/2014/main" id="{046E0E4A-AF6B-402E-B13C-3FC031579826}"/>
               </a:ext>
             </a:extLst>
           </p:cNvPr>
@@ -378,7 +955,7 @@
           <p:cNvPr id="3" name="縦書きテキスト プレースホルダー 2">
             <a:extLst>
               <a:ext uri="{FF2B5EF4-FFF2-40B4-BE49-F238E27FC236}">
-                <a16:creationId xmlns:a16="http://schemas.microsoft.com/office/drawing/2014/main" id="{DD84ACC8-44AE-0B60-9391-A32E0A9F3509}"/>
+                <a16:creationId xmlns:a16="http://schemas.microsoft.com/office/drawing/2014/main" id="{F9303D12-88C3-4BC5-9857-AE3E8B16B1BA}"/>
               </a:ext>
             </a:extLst>
           </p:cNvPr>
@@ -467,7 +1044,7 @@
           <p:cNvPr id="4" name="日付プレースホルダー 3">
             <a:extLst>
               <a:ext uri="{FF2B5EF4-FFF2-40B4-BE49-F238E27FC236}">
-                <a16:creationId xmlns:a16="http://schemas.microsoft.com/office/drawing/2014/main" id="{3F1277DA-67FD-42B9-340B-DC48EC7F0DB4}"/>
+                <a16:creationId xmlns:a16="http://schemas.microsoft.com/office/drawing/2014/main" id="{C863E60C-3134-40E7-8E83-88D127EC0E02}"/>
               </a:ext>
             </a:extLst>
           </p:cNvPr>
@@ -483,9 +1060,9 @@
           <a:bodyPr/>
           <a:lstStyle/>
           <a:p>
-            <a:fld id="{690E477F-8790-4710-B968-AEEF74883170}" type="datetimeFigureOut">
+            <a:fld id="{A74D7350-153A-42C5-BB78-C79D2B48DBB0}" type="datetimeFigureOut">
               <a:rPr kumimoji="1" lang="ja-JP" altLang="en-US" smtClean="0"/>
-              <a:t>2023/4/10</a:t>
+              <a:t>2023/4/7</a:t>
             </a:fld>
             <a:endParaRPr kumimoji="1" lang="ja-JP" altLang="en-US"/>
           </a:p>
@@ -496,7 +1073,7 @@
           <p:cNvPr id="5" name="フッター プレースホルダー 4">
             <a:extLst>
               <a:ext uri="{FF2B5EF4-FFF2-40B4-BE49-F238E27FC236}">
-                <a16:creationId xmlns:a16="http://schemas.microsoft.com/office/drawing/2014/main" id="{8E075824-3972-A6AE-29F9-269ED81226B3}"/>
+                <a16:creationId xmlns:a16="http://schemas.microsoft.com/office/drawing/2014/main" id="{7F6A2D19-0511-48C6-B26D-824C3D825BC9}"/>
               </a:ext>
             </a:extLst>
           </p:cNvPr>
@@ -521,7 +1098,7 @@
           <p:cNvPr id="6" name="スライド番号プレースホルダー 5">
             <a:extLst>
               <a:ext uri="{FF2B5EF4-FFF2-40B4-BE49-F238E27FC236}">
-                <a16:creationId xmlns:a16="http://schemas.microsoft.com/office/drawing/2014/main" id="{5101EBD5-9A2F-3AF8-E098-DDF1758F6FAB}"/>
+                <a16:creationId xmlns:a16="http://schemas.microsoft.com/office/drawing/2014/main" id="{43006C86-7728-450F-B42F-3BB523C92ED0}"/>
               </a:ext>
             </a:extLst>
           </p:cNvPr>
@@ -537,7 +1114,7 @@
           <a:bodyPr/>
           <a:lstStyle/>
           <a:p>
-            <a:fld id="{6A52849B-4EC1-4B23-B151-A15F80D0261D}" type="slidenum">
+            <a:fld id="{928D5765-098E-4049-84B8-6BC66488581C}" type="slidenum">
               <a:rPr kumimoji="1" lang="ja-JP" altLang="en-US" smtClean="0"/>
               <a:t>‹#›</a:t>
             </a:fld>
@@ -548,7 +1125,7 @@
     </p:spTree>
     <p:extLst>
       <p:ext uri="{BB962C8B-B14F-4D97-AF65-F5344CB8AC3E}">
-        <p14:creationId xmlns:p14="http://schemas.microsoft.com/office/powerpoint/2010/main" val="1228389590"/>
+        <p14:creationId xmlns:p14="http://schemas.microsoft.com/office/powerpoint/2010/main" val="9874813"/>
       </p:ext>
     </p:extLst>
   </p:cSld>
@@ -580,7 +1157,7 @@
           <p:cNvPr id="2" name="縦書きタイトル 1">
             <a:extLst>
               <a:ext uri="{FF2B5EF4-FFF2-40B4-BE49-F238E27FC236}">
-                <a16:creationId xmlns:a16="http://schemas.microsoft.com/office/drawing/2014/main" id="{44ABC8C7-71DD-AC9F-DE6B-4F2B77AFAB8F}"/>
+                <a16:creationId xmlns:a16="http://schemas.microsoft.com/office/drawing/2014/main" id="{29D1DD76-FE7F-48DA-89A0-AE0D759380E2}"/>
               </a:ext>
             </a:extLst>
           </p:cNvPr>
@@ -613,7 +1190,7 @@
           <p:cNvPr id="3" name="縦書きテキスト プレースホルダー 2">
             <a:extLst>
               <a:ext uri="{FF2B5EF4-FFF2-40B4-BE49-F238E27FC236}">
-                <a16:creationId xmlns:a16="http://schemas.microsoft.com/office/drawing/2014/main" id="{16011CE6-4DA9-0979-A935-7520DD558470}"/>
+                <a16:creationId xmlns:a16="http://schemas.microsoft.com/office/drawing/2014/main" id="{87D58B76-CF03-4E9A-A51C-A3E6C243DFFB}"/>
               </a:ext>
             </a:extLst>
           </p:cNvPr>
@@ -707,7 +1284,7 @@
           <p:cNvPr id="4" name="日付プレースホルダー 3">
             <a:extLst>
               <a:ext uri="{FF2B5EF4-FFF2-40B4-BE49-F238E27FC236}">
-                <a16:creationId xmlns:a16="http://schemas.microsoft.com/office/drawing/2014/main" id="{45BF31FD-BB60-2449-0E1A-A2DFBBCFC044}"/>
+                <a16:creationId xmlns:a16="http://schemas.microsoft.com/office/drawing/2014/main" id="{7D7048DF-1E01-4B18-8656-B424F76FAAB9}"/>
               </a:ext>
             </a:extLst>
           </p:cNvPr>
@@ -723,9 +1300,9 @@
           <a:bodyPr/>
           <a:lstStyle/>
           <a:p>
-            <a:fld id="{690E477F-8790-4710-B968-AEEF74883170}" type="datetimeFigureOut">
+            <a:fld id="{A74D7350-153A-42C5-BB78-C79D2B48DBB0}" type="datetimeFigureOut">
               <a:rPr kumimoji="1" lang="ja-JP" altLang="en-US" smtClean="0"/>
-              <a:t>2023/4/10</a:t>
+              <a:t>2023/4/7</a:t>
             </a:fld>
             <a:endParaRPr kumimoji="1" lang="ja-JP" altLang="en-US"/>
           </a:p>
@@ -736,7 +1313,7 @@
           <p:cNvPr id="5" name="フッター プレースホルダー 4">
             <a:extLst>
               <a:ext uri="{FF2B5EF4-FFF2-40B4-BE49-F238E27FC236}">
-                <a16:creationId xmlns:a16="http://schemas.microsoft.com/office/drawing/2014/main" id="{111182F1-D781-2FD5-1743-09A6541C5F82}"/>
+                <a16:creationId xmlns:a16="http://schemas.microsoft.com/office/drawing/2014/main" id="{CF060D5A-053E-4D27-A59C-F0BA79E828C8}"/>
               </a:ext>
             </a:extLst>
           </p:cNvPr>
@@ -761,7 +1338,7 @@
           <p:cNvPr id="6" name="スライド番号プレースホルダー 5">
             <a:extLst>
               <a:ext uri="{FF2B5EF4-FFF2-40B4-BE49-F238E27FC236}">
-                <a16:creationId xmlns:a16="http://schemas.microsoft.com/office/drawing/2014/main" id="{158EE41F-DD57-9925-CCC1-714D72DC57DB}"/>
+                <a16:creationId xmlns:a16="http://schemas.microsoft.com/office/drawing/2014/main" id="{177AFBFD-585C-486C-A8BE-8E5D20AE88B1}"/>
               </a:ext>
             </a:extLst>
           </p:cNvPr>
@@ -777,7 +1354,7 @@
           <a:bodyPr/>
           <a:lstStyle/>
           <a:p>
-            <a:fld id="{6A52849B-4EC1-4B23-B151-A15F80D0261D}" type="slidenum">
+            <a:fld id="{928D5765-098E-4049-84B8-6BC66488581C}" type="slidenum">
               <a:rPr kumimoji="1" lang="ja-JP" altLang="en-US" smtClean="0"/>
               <a:t>‹#›</a:t>
             </a:fld>
@@ -788,7 +1365,7 @@
     </p:spTree>
     <p:extLst>
       <p:ext uri="{BB962C8B-B14F-4D97-AF65-F5344CB8AC3E}">
-        <p14:creationId xmlns:p14="http://schemas.microsoft.com/office/powerpoint/2010/main" val="1520027759"/>
+        <p14:creationId xmlns:p14="http://schemas.microsoft.com/office/powerpoint/2010/main" val="3262295242"/>
       </p:ext>
     </p:extLst>
   </p:cSld>
@@ -820,7 +1397,7 @@
           <p:cNvPr id="2" name="タイトル 1">
             <a:extLst>
               <a:ext uri="{FF2B5EF4-FFF2-40B4-BE49-F238E27FC236}">
-                <a16:creationId xmlns:a16="http://schemas.microsoft.com/office/drawing/2014/main" id="{C1748001-9297-B791-98DF-2EF762F72F81}"/>
+                <a16:creationId xmlns:a16="http://schemas.microsoft.com/office/drawing/2014/main" id="{A25939DA-EFBF-46BF-9680-DF4F22EDD427}"/>
               </a:ext>
             </a:extLst>
           </p:cNvPr>
@@ -848,7 +1425,7 @@
           <p:cNvPr id="3" name="コンテンツ プレースホルダー 2">
             <a:extLst>
               <a:ext uri="{FF2B5EF4-FFF2-40B4-BE49-F238E27FC236}">
-                <a16:creationId xmlns:a16="http://schemas.microsoft.com/office/drawing/2014/main" id="{9954627F-3587-92EC-0E61-E3996490BDE1}"/>
+                <a16:creationId xmlns:a16="http://schemas.microsoft.com/office/drawing/2014/main" id="{125F9782-A67B-4C05-BDB3-2DF69BA4D203}"/>
               </a:ext>
             </a:extLst>
           </p:cNvPr>
@@ -937,7 +1514,7 @@
           <p:cNvPr id="4" name="日付プレースホルダー 3">
             <a:extLst>
               <a:ext uri="{FF2B5EF4-FFF2-40B4-BE49-F238E27FC236}">
-                <a16:creationId xmlns:a16="http://schemas.microsoft.com/office/drawing/2014/main" id="{E080E38B-8D85-A632-F518-DAEE7FE609E9}"/>
+                <a16:creationId xmlns:a16="http://schemas.microsoft.com/office/drawing/2014/main" id="{42C40545-6B27-41D6-9B6A-195ECBEAF125}"/>
               </a:ext>
             </a:extLst>
           </p:cNvPr>
@@ -953,9 +1530,9 @@
           <a:bodyPr/>
           <a:lstStyle/>
           <a:p>
-            <a:fld id="{690E477F-8790-4710-B968-AEEF74883170}" type="datetimeFigureOut">
+            <a:fld id="{A74D7350-153A-42C5-BB78-C79D2B48DBB0}" type="datetimeFigureOut">
               <a:rPr kumimoji="1" lang="ja-JP" altLang="en-US" smtClean="0"/>
-              <a:t>2023/4/10</a:t>
+              <a:t>2023/4/7</a:t>
             </a:fld>
             <a:endParaRPr kumimoji="1" lang="ja-JP" altLang="en-US"/>
           </a:p>
@@ -966,7 +1543,7 @@
           <p:cNvPr id="5" name="フッター プレースホルダー 4">
             <a:extLst>
               <a:ext uri="{FF2B5EF4-FFF2-40B4-BE49-F238E27FC236}">
-                <a16:creationId xmlns:a16="http://schemas.microsoft.com/office/drawing/2014/main" id="{12A7FB14-72BF-F4E7-24FC-09195AC4FD75}"/>
+                <a16:creationId xmlns:a16="http://schemas.microsoft.com/office/drawing/2014/main" id="{72193EB9-6686-4FA1-BE68-A96546680E5F}"/>
               </a:ext>
             </a:extLst>
           </p:cNvPr>
@@ -991,7 +1568,7 @@
           <p:cNvPr id="6" name="スライド番号プレースホルダー 5">
             <a:extLst>
               <a:ext uri="{FF2B5EF4-FFF2-40B4-BE49-F238E27FC236}">
-                <a16:creationId xmlns:a16="http://schemas.microsoft.com/office/drawing/2014/main" id="{6C111996-9FE5-1C71-691B-8D5DDD58C1B3}"/>
+                <a16:creationId xmlns:a16="http://schemas.microsoft.com/office/drawing/2014/main" id="{34A2E33B-16C6-4E8A-A34D-35B4A8C65C51}"/>
               </a:ext>
             </a:extLst>
           </p:cNvPr>
@@ -1007,7 +1584,7 @@
           <a:bodyPr/>
           <a:lstStyle/>
           <a:p>
-            <a:fld id="{6A52849B-4EC1-4B23-B151-A15F80D0261D}" type="slidenum">
+            <a:fld id="{928D5765-098E-4049-84B8-6BC66488581C}" type="slidenum">
               <a:rPr kumimoji="1" lang="ja-JP" altLang="en-US" smtClean="0"/>
               <a:t>‹#›</a:t>
             </a:fld>
@@ -1015,10 +1592,56 @@
           </a:p>
         </p:txBody>
       </p:sp>
+      <p:sp>
+        <p:nvSpPr>
+          <p:cNvPr id="7" name="正方形/長方形 6">
+            <a:extLst>
+              <a:ext uri="{FF2B5EF4-FFF2-40B4-BE49-F238E27FC236}">
+                <a16:creationId xmlns:a16="http://schemas.microsoft.com/office/drawing/2014/main" id="{0958444F-0B36-4CC1-AEFD-9C5B5B168BAE}"/>
+              </a:ext>
+            </a:extLst>
+          </p:cNvPr>
+          <p:cNvSpPr/>
+          <p:nvPr userDrawn="1"/>
+        </p:nvSpPr>
+        <p:spPr>
+          <a:xfrm>
+            <a:off x="0" y="0"/>
+            <a:ext cx="12192000" cy="1325563"/>
+          </a:xfrm>
+          <a:prstGeom prst="rect">
+            <a:avLst/>
+          </a:prstGeom>
+        </p:spPr>
+        <p:style>
+          <a:lnRef idx="2">
+            <a:schemeClr val="accent1">
+              <a:shade val="50000"/>
+            </a:schemeClr>
+          </a:lnRef>
+          <a:fillRef idx="1">
+            <a:schemeClr val="accent1"/>
+          </a:fillRef>
+          <a:effectRef idx="0">
+            <a:schemeClr val="accent1"/>
+          </a:effectRef>
+          <a:fontRef idx="minor">
+            <a:schemeClr val="lt1"/>
+          </a:fontRef>
+        </p:style>
+        <p:txBody>
+          <a:bodyPr rtlCol="0" anchor="ctr"/>
+          <a:lstStyle/>
+          <a:p>
+            <a:pPr algn="ctr"/>
+            <a:endParaRPr kumimoji="1" lang="ja-JP" altLang="en-US"/>
+          </a:p>
+        </p:txBody>
+      </p:sp>
     </p:spTree>
     <p:extLst>
       <p:ext uri="{BB962C8B-B14F-4D97-AF65-F5344CB8AC3E}">
-        <p14:creationId xmlns:p14="http://schemas.microsoft.com/office/powerpoint/2010/main" val="31933288"/>
+        <p14:creationId xmlns:p14="http://schemas.microsoft.com/office/powerpoint/2010/main" val="706005702"/>
       </p:ext>
     </p:extLst>
   </p:cSld>
@@ -1050,7 +1673,7 @@
           <p:cNvPr id="2" name="タイトル 1">
             <a:extLst>
               <a:ext uri="{FF2B5EF4-FFF2-40B4-BE49-F238E27FC236}">
-                <a16:creationId xmlns:a16="http://schemas.microsoft.com/office/drawing/2014/main" id="{892C1C1E-49C7-7F2D-1063-4132F77F7E65}"/>
+                <a16:creationId xmlns:a16="http://schemas.microsoft.com/office/drawing/2014/main" id="{2E997907-2B3D-41FE-BF23-1F352E0BE24A}"/>
               </a:ext>
             </a:extLst>
           </p:cNvPr>
@@ -1087,7 +1710,7 @@
           <p:cNvPr id="3" name="テキスト プレースホルダー 2">
             <a:extLst>
               <a:ext uri="{FF2B5EF4-FFF2-40B4-BE49-F238E27FC236}">
-                <a16:creationId xmlns:a16="http://schemas.microsoft.com/office/drawing/2014/main" id="{3E7AC2A8-61EA-E91C-CE16-D998D48ED31E}"/>
+                <a16:creationId xmlns:a16="http://schemas.microsoft.com/office/drawing/2014/main" id="{823255E8-7904-4BA3-9736-0EF634D20693}"/>
               </a:ext>
             </a:extLst>
           </p:cNvPr>
@@ -1212,7 +1835,7 @@
           <p:cNvPr id="4" name="日付プレースホルダー 3">
             <a:extLst>
               <a:ext uri="{FF2B5EF4-FFF2-40B4-BE49-F238E27FC236}">
-                <a16:creationId xmlns:a16="http://schemas.microsoft.com/office/drawing/2014/main" id="{0916DC87-8596-B44E-E634-5411A2C30B01}"/>
+                <a16:creationId xmlns:a16="http://schemas.microsoft.com/office/drawing/2014/main" id="{5C6C3868-669E-4231-B41D-7C3B95853772}"/>
               </a:ext>
             </a:extLst>
           </p:cNvPr>
@@ -1228,9 +1851,9 @@
           <a:bodyPr/>
           <a:lstStyle/>
           <a:p>
-            <a:fld id="{690E477F-8790-4710-B968-AEEF74883170}" type="datetimeFigureOut">
+            <a:fld id="{A74D7350-153A-42C5-BB78-C79D2B48DBB0}" type="datetimeFigureOut">
               <a:rPr kumimoji="1" lang="ja-JP" altLang="en-US" smtClean="0"/>
-              <a:t>2023/4/10</a:t>
+              <a:t>2023/4/7</a:t>
             </a:fld>
             <a:endParaRPr kumimoji="1" lang="ja-JP" altLang="en-US"/>
           </a:p>
@@ -1241,7 +1864,7 @@
           <p:cNvPr id="5" name="フッター プレースホルダー 4">
             <a:extLst>
               <a:ext uri="{FF2B5EF4-FFF2-40B4-BE49-F238E27FC236}">
-                <a16:creationId xmlns:a16="http://schemas.microsoft.com/office/drawing/2014/main" id="{06C84024-C778-E06C-7593-C622FBB09CD1}"/>
+                <a16:creationId xmlns:a16="http://schemas.microsoft.com/office/drawing/2014/main" id="{9711D501-77A0-4965-AA79-4AE5F4F6FE0D}"/>
               </a:ext>
             </a:extLst>
           </p:cNvPr>
@@ -1266,7 +1889,7 @@
           <p:cNvPr id="6" name="スライド番号プレースホルダー 5">
             <a:extLst>
               <a:ext uri="{FF2B5EF4-FFF2-40B4-BE49-F238E27FC236}">
-                <a16:creationId xmlns:a16="http://schemas.microsoft.com/office/drawing/2014/main" id="{6947DE66-8E43-D71D-7E83-1D2166CF0752}"/>
+                <a16:creationId xmlns:a16="http://schemas.microsoft.com/office/drawing/2014/main" id="{4CF3164E-5CB6-4434-8A21-890E93FA6F49}"/>
               </a:ext>
             </a:extLst>
           </p:cNvPr>
@@ -1282,7 +1905,7 @@
           <a:bodyPr/>
           <a:lstStyle/>
           <a:p>
-            <a:fld id="{6A52849B-4EC1-4B23-B151-A15F80D0261D}" type="slidenum">
+            <a:fld id="{928D5765-098E-4049-84B8-6BC66488581C}" type="slidenum">
               <a:rPr kumimoji="1" lang="ja-JP" altLang="en-US" smtClean="0"/>
               <a:t>‹#›</a:t>
             </a:fld>
@@ -1293,7 +1916,7 @@
     </p:spTree>
     <p:extLst>
       <p:ext uri="{BB962C8B-B14F-4D97-AF65-F5344CB8AC3E}">
-        <p14:creationId xmlns:p14="http://schemas.microsoft.com/office/powerpoint/2010/main" val="3720083673"/>
+        <p14:creationId xmlns:p14="http://schemas.microsoft.com/office/powerpoint/2010/main" val="2651212509"/>
       </p:ext>
     </p:extLst>
   </p:cSld>
@@ -1325,7 +1948,7 @@
           <p:cNvPr id="2" name="タイトル 1">
             <a:extLst>
               <a:ext uri="{FF2B5EF4-FFF2-40B4-BE49-F238E27FC236}">
-                <a16:creationId xmlns:a16="http://schemas.microsoft.com/office/drawing/2014/main" id="{AEC9053A-DA67-6C43-D4DB-40F92238BD9C}"/>
+                <a16:creationId xmlns:a16="http://schemas.microsoft.com/office/drawing/2014/main" id="{554148A1-0F47-4BE3-9C24-C18ED00F41B1}"/>
               </a:ext>
             </a:extLst>
           </p:cNvPr>
@@ -1353,7 +1976,7 @@
           <p:cNvPr id="3" name="コンテンツ プレースホルダー 2">
             <a:extLst>
               <a:ext uri="{FF2B5EF4-FFF2-40B4-BE49-F238E27FC236}">
-                <a16:creationId xmlns:a16="http://schemas.microsoft.com/office/drawing/2014/main" id="{9B9A725B-1E9F-325C-B7DC-6AAD29124002}"/>
+                <a16:creationId xmlns:a16="http://schemas.microsoft.com/office/drawing/2014/main" id="{44441472-60F3-4BF2-8DBE-5ED5C6DFAFEB}"/>
               </a:ext>
             </a:extLst>
           </p:cNvPr>
@@ -1447,7 +2070,7 @@
           <p:cNvPr id="4" name="コンテンツ プレースホルダー 3">
             <a:extLst>
               <a:ext uri="{FF2B5EF4-FFF2-40B4-BE49-F238E27FC236}">
-                <a16:creationId xmlns:a16="http://schemas.microsoft.com/office/drawing/2014/main" id="{5653964E-F653-9B2E-793E-8A509A9E1F02}"/>
+                <a16:creationId xmlns:a16="http://schemas.microsoft.com/office/drawing/2014/main" id="{23E39C6B-3BF2-4D0B-A52C-77C7D4598D99}"/>
               </a:ext>
             </a:extLst>
           </p:cNvPr>
@@ -1541,7 +2164,7 @@
           <p:cNvPr id="5" name="日付プレースホルダー 4">
             <a:extLst>
               <a:ext uri="{FF2B5EF4-FFF2-40B4-BE49-F238E27FC236}">
-                <a16:creationId xmlns:a16="http://schemas.microsoft.com/office/drawing/2014/main" id="{3432FF52-9B9B-8365-BFDA-C87D00721BAF}"/>
+                <a16:creationId xmlns:a16="http://schemas.microsoft.com/office/drawing/2014/main" id="{0207B02E-5CE3-4395-9975-DC5A2E4AA548}"/>
               </a:ext>
             </a:extLst>
           </p:cNvPr>
@@ -1557,9 +2180,9 @@
           <a:bodyPr/>
           <a:lstStyle/>
           <a:p>
-            <a:fld id="{690E477F-8790-4710-B968-AEEF74883170}" type="datetimeFigureOut">
+            <a:fld id="{A74D7350-153A-42C5-BB78-C79D2B48DBB0}" type="datetimeFigureOut">
               <a:rPr kumimoji="1" lang="ja-JP" altLang="en-US" smtClean="0"/>
-              <a:t>2023/4/10</a:t>
+              <a:t>2023/4/7</a:t>
             </a:fld>
             <a:endParaRPr kumimoji="1" lang="ja-JP" altLang="en-US"/>
           </a:p>
@@ -1570,7 +2193,7 @@
           <p:cNvPr id="6" name="フッター プレースホルダー 5">
             <a:extLst>
               <a:ext uri="{FF2B5EF4-FFF2-40B4-BE49-F238E27FC236}">
-                <a16:creationId xmlns:a16="http://schemas.microsoft.com/office/drawing/2014/main" id="{55158595-6359-EC76-7BD9-C1B7BB71DDCE}"/>
+                <a16:creationId xmlns:a16="http://schemas.microsoft.com/office/drawing/2014/main" id="{D17E5C45-5556-4A51-AAFE-B6E184DB1550}"/>
               </a:ext>
             </a:extLst>
           </p:cNvPr>
@@ -1595,7 +2218,7 @@
           <p:cNvPr id="7" name="スライド番号プレースホルダー 6">
             <a:extLst>
               <a:ext uri="{FF2B5EF4-FFF2-40B4-BE49-F238E27FC236}">
-                <a16:creationId xmlns:a16="http://schemas.microsoft.com/office/drawing/2014/main" id="{73DD4757-5D30-CD2F-EEE0-EC183BBF0E09}"/>
+                <a16:creationId xmlns:a16="http://schemas.microsoft.com/office/drawing/2014/main" id="{87EB2069-88CC-49F2-A5EE-21A36755219F}"/>
               </a:ext>
             </a:extLst>
           </p:cNvPr>
@@ -1611,7 +2234,7 @@
           <a:bodyPr/>
           <a:lstStyle/>
           <a:p>
-            <a:fld id="{6A52849B-4EC1-4B23-B151-A15F80D0261D}" type="slidenum">
+            <a:fld id="{928D5765-098E-4049-84B8-6BC66488581C}" type="slidenum">
               <a:rPr kumimoji="1" lang="ja-JP" altLang="en-US" smtClean="0"/>
               <a:t>‹#›</a:t>
             </a:fld>
@@ -1622,7 +2245,7 @@
     </p:spTree>
     <p:extLst>
       <p:ext uri="{BB962C8B-B14F-4D97-AF65-F5344CB8AC3E}">
-        <p14:creationId xmlns:p14="http://schemas.microsoft.com/office/powerpoint/2010/main" val="1348701896"/>
+        <p14:creationId xmlns:p14="http://schemas.microsoft.com/office/powerpoint/2010/main" val="526771432"/>
       </p:ext>
     </p:extLst>
   </p:cSld>
@@ -1654,7 +2277,7 @@
           <p:cNvPr id="2" name="タイトル 1">
             <a:extLst>
               <a:ext uri="{FF2B5EF4-FFF2-40B4-BE49-F238E27FC236}">
-                <a16:creationId xmlns:a16="http://schemas.microsoft.com/office/drawing/2014/main" id="{5E0ED008-5908-0B75-36CF-DE7BC01A7E4C}"/>
+                <a16:creationId xmlns:a16="http://schemas.microsoft.com/office/drawing/2014/main" id="{1D5C9004-5902-44A8-B58D-C76FD96DFBF6}"/>
               </a:ext>
             </a:extLst>
           </p:cNvPr>
@@ -1687,7 +2310,7 @@
           <p:cNvPr id="3" name="テキスト プレースホルダー 2">
             <a:extLst>
               <a:ext uri="{FF2B5EF4-FFF2-40B4-BE49-F238E27FC236}">
-                <a16:creationId xmlns:a16="http://schemas.microsoft.com/office/drawing/2014/main" id="{121C5FC0-854A-5675-5D49-9916AF333652}"/>
+                <a16:creationId xmlns:a16="http://schemas.microsoft.com/office/drawing/2014/main" id="{9858233C-0501-455F-B1D3-2674F340416E}"/>
               </a:ext>
             </a:extLst>
           </p:cNvPr>
@@ -1758,7 +2381,7 @@
           <p:cNvPr id="4" name="コンテンツ プレースホルダー 3">
             <a:extLst>
               <a:ext uri="{FF2B5EF4-FFF2-40B4-BE49-F238E27FC236}">
-                <a16:creationId xmlns:a16="http://schemas.microsoft.com/office/drawing/2014/main" id="{D2256166-82C7-9314-402C-BC16C3E68816}"/>
+                <a16:creationId xmlns:a16="http://schemas.microsoft.com/office/drawing/2014/main" id="{3D151785-F24D-47B1-B54A-269D1B39AF61}"/>
               </a:ext>
             </a:extLst>
           </p:cNvPr>
@@ -1852,7 +2475,7 @@
           <p:cNvPr id="5" name="テキスト プレースホルダー 4">
             <a:extLst>
               <a:ext uri="{FF2B5EF4-FFF2-40B4-BE49-F238E27FC236}">
-                <a16:creationId xmlns:a16="http://schemas.microsoft.com/office/drawing/2014/main" id="{33BAED81-AA12-3B79-106D-BF1272E57E8C}"/>
+                <a16:creationId xmlns:a16="http://schemas.microsoft.com/office/drawing/2014/main" id="{012031C3-682D-4BF0-AB6D-92069B7C3984}"/>
               </a:ext>
             </a:extLst>
           </p:cNvPr>
@@ -1923,7 +2546,7 @@
           <p:cNvPr id="6" name="コンテンツ プレースホルダー 5">
             <a:extLst>
               <a:ext uri="{FF2B5EF4-FFF2-40B4-BE49-F238E27FC236}">
-                <a16:creationId xmlns:a16="http://schemas.microsoft.com/office/drawing/2014/main" id="{7A45C102-9CDE-725F-A345-EA5A164385DE}"/>
+                <a16:creationId xmlns:a16="http://schemas.microsoft.com/office/drawing/2014/main" id="{65C47066-2A14-4A8A-B398-6259071F24AA}"/>
               </a:ext>
             </a:extLst>
           </p:cNvPr>
@@ -2017,7 +2640,7 @@
           <p:cNvPr id="7" name="日付プレースホルダー 6">
             <a:extLst>
               <a:ext uri="{FF2B5EF4-FFF2-40B4-BE49-F238E27FC236}">
-                <a16:creationId xmlns:a16="http://schemas.microsoft.com/office/drawing/2014/main" id="{C0AB164F-C95E-263D-EED5-6001DA22CCF2}"/>
+                <a16:creationId xmlns:a16="http://schemas.microsoft.com/office/drawing/2014/main" id="{516C143D-BB73-4359-82E2-AC84ACDDCE1A}"/>
               </a:ext>
             </a:extLst>
           </p:cNvPr>
@@ -2033,9 +2656,9 @@
           <a:bodyPr/>
           <a:lstStyle/>
           <a:p>
-            <a:fld id="{690E477F-8790-4710-B968-AEEF74883170}" type="datetimeFigureOut">
+            <a:fld id="{A74D7350-153A-42C5-BB78-C79D2B48DBB0}" type="datetimeFigureOut">
               <a:rPr kumimoji="1" lang="ja-JP" altLang="en-US" smtClean="0"/>
-              <a:t>2023/4/10</a:t>
+              <a:t>2023/4/7</a:t>
             </a:fld>
             <a:endParaRPr kumimoji="1" lang="ja-JP" altLang="en-US"/>
           </a:p>
@@ -2046,7 +2669,7 @@
           <p:cNvPr id="8" name="フッター プレースホルダー 7">
             <a:extLst>
               <a:ext uri="{FF2B5EF4-FFF2-40B4-BE49-F238E27FC236}">
-                <a16:creationId xmlns:a16="http://schemas.microsoft.com/office/drawing/2014/main" id="{4989F5AA-D11D-7423-6BDC-B2723F53AF04}"/>
+                <a16:creationId xmlns:a16="http://schemas.microsoft.com/office/drawing/2014/main" id="{4E1578E9-BE2F-477C-B801-BC8B33BFCCE6}"/>
               </a:ext>
             </a:extLst>
           </p:cNvPr>
@@ -2071,7 +2694,7 @@
           <p:cNvPr id="9" name="スライド番号プレースホルダー 8">
             <a:extLst>
               <a:ext uri="{FF2B5EF4-FFF2-40B4-BE49-F238E27FC236}">
-                <a16:creationId xmlns:a16="http://schemas.microsoft.com/office/drawing/2014/main" id="{F614321D-641B-4B33-3CAD-5977896FD86C}"/>
+                <a16:creationId xmlns:a16="http://schemas.microsoft.com/office/drawing/2014/main" id="{72615209-9F6D-489B-86B8-A1EEE8445BF6}"/>
               </a:ext>
             </a:extLst>
           </p:cNvPr>
@@ -2087,7 +2710,7 @@
           <a:bodyPr/>
           <a:lstStyle/>
           <a:p>
-            <a:fld id="{6A52849B-4EC1-4B23-B151-A15F80D0261D}" type="slidenum">
+            <a:fld id="{928D5765-098E-4049-84B8-6BC66488581C}" type="slidenum">
               <a:rPr kumimoji="1" lang="ja-JP" altLang="en-US" smtClean="0"/>
               <a:t>‹#›</a:t>
             </a:fld>
@@ -2098,7 +2721,7 @@
     </p:spTree>
     <p:extLst>
       <p:ext uri="{BB962C8B-B14F-4D97-AF65-F5344CB8AC3E}">
-        <p14:creationId xmlns:p14="http://schemas.microsoft.com/office/powerpoint/2010/main" val="4220507090"/>
+        <p14:creationId xmlns:p14="http://schemas.microsoft.com/office/powerpoint/2010/main" val="2972168219"/>
       </p:ext>
     </p:extLst>
   </p:cSld>
@@ -2130,7 +2753,7 @@
           <p:cNvPr id="2" name="タイトル 1">
             <a:extLst>
               <a:ext uri="{FF2B5EF4-FFF2-40B4-BE49-F238E27FC236}">
-                <a16:creationId xmlns:a16="http://schemas.microsoft.com/office/drawing/2014/main" id="{D0E9CFC8-8F23-02B4-8656-D35BB1D1FEE8}"/>
+                <a16:creationId xmlns:a16="http://schemas.microsoft.com/office/drawing/2014/main" id="{390AF263-22EA-4F60-B330-2913FA8C3AFB}"/>
               </a:ext>
             </a:extLst>
           </p:cNvPr>
@@ -2158,7 +2781,7 @@
           <p:cNvPr id="3" name="日付プレースホルダー 2">
             <a:extLst>
               <a:ext uri="{FF2B5EF4-FFF2-40B4-BE49-F238E27FC236}">
-                <a16:creationId xmlns:a16="http://schemas.microsoft.com/office/drawing/2014/main" id="{14AED479-4295-0AAA-FCBD-13D91DE230F2}"/>
+                <a16:creationId xmlns:a16="http://schemas.microsoft.com/office/drawing/2014/main" id="{8DB621B5-DFB8-41D1-8096-428ECFCEDE75}"/>
               </a:ext>
             </a:extLst>
           </p:cNvPr>
@@ -2174,9 +2797,9 @@
           <a:bodyPr/>
           <a:lstStyle/>
           <a:p>
-            <a:fld id="{690E477F-8790-4710-B968-AEEF74883170}" type="datetimeFigureOut">
+            <a:fld id="{A74D7350-153A-42C5-BB78-C79D2B48DBB0}" type="datetimeFigureOut">
               <a:rPr kumimoji="1" lang="ja-JP" altLang="en-US" smtClean="0"/>
-              <a:t>2023/4/10</a:t>
+              <a:t>2023/4/7</a:t>
             </a:fld>
             <a:endParaRPr kumimoji="1" lang="ja-JP" altLang="en-US"/>
           </a:p>
@@ -2187,7 +2810,7 @@
           <p:cNvPr id="4" name="フッター プレースホルダー 3">
             <a:extLst>
               <a:ext uri="{FF2B5EF4-FFF2-40B4-BE49-F238E27FC236}">
-                <a16:creationId xmlns:a16="http://schemas.microsoft.com/office/drawing/2014/main" id="{68E8AA89-D728-EF76-D8F4-CD071FE097D2}"/>
+                <a16:creationId xmlns:a16="http://schemas.microsoft.com/office/drawing/2014/main" id="{FD950BAD-321E-43F6-8EA4-CCB75E67DF24}"/>
               </a:ext>
             </a:extLst>
           </p:cNvPr>
@@ -2212,7 +2835,7 @@
           <p:cNvPr id="5" name="スライド番号プレースホルダー 4">
             <a:extLst>
               <a:ext uri="{FF2B5EF4-FFF2-40B4-BE49-F238E27FC236}">
-                <a16:creationId xmlns:a16="http://schemas.microsoft.com/office/drawing/2014/main" id="{BE97B3CF-B468-B460-A584-18980898FB47}"/>
+                <a16:creationId xmlns:a16="http://schemas.microsoft.com/office/drawing/2014/main" id="{7FAD09EB-AB78-4542-AA9D-F20F8EDDC38A}"/>
               </a:ext>
             </a:extLst>
           </p:cNvPr>
@@ -2228,7 +2851,7 @@
           <a:bodyPr/>
           <a:lstStyle/>
           <a:p>
-            <a:fld id="{6A52849B-4EC1-4B23-B151-A15F80D0261D}" type="slidenum">
+            <a:fld id="{928D5765-098E-4049-84B8-6BC66488581C}" type="slidenum">
               <a:rPr kumimoji="1" lang="ja-JP" altLang="en-US" smtClean="0"/>
               <a:t>‹#›</a:t>
             </a:fld>
@@ -2239,7 +2862,7 @@
     </p:spTree>
     <p:extLst>
       <p:ext uri="{BB962C8B-B14F-4D97-AF65-F5344CB8AC3E}">
-        <p14:creationId xmlns:p14="http://schemas.microsoft.com/office/powerpoint/2010/main" val="3364096725"/>
+        <p14:creationId xmlns:p14="http://schemas.microsoft.com/office/powerpoint/2010/main" val="1747533526"/>
       </p:ext>
     </p:extLst>
   </p:cSld>
@@ -2271,7 +2894,7 @@
           <p:cNvPr id="2" name="日付プレースホルダー 1">
             <a:extLst>
               <a:ext uri="{FF2B5EF4-FFF2-40B4-BE49-F238E27FC236}">
-                <a16:creationId xmlns:a16="http://schemas.microsoft.com/office/drawing/2014/main" id="{027557A8-CFFC-0931-3325-2A40D2A52258}"/>
+                <a16:creationId xmlns:a16="http://schemas.microsoft.com/office/drawing/2014/main" id="{A72E7914-2C9E-455C-8913-CD768E24E0D5}"/>
               </a:ext>
             </a:extLst>
           </p:cNvPr>
@@ -2287,9 +2910,9 @@
           <a:bodyPr/>
           <a:lstStyle/>
           <a:p>
-            <a:fld id="{690E477F-8790-4710-B968-AEEF74883170}" type="datetimeFigureOut">
+            <a:fld id="{A74D7350-153A-42C5-BB78-C79D2B48DBB0}" type="datetimeFigureOut">
               <a:rPr kumimoji="1" lang="ja-JP" altLang="en-US" smtClean="0"/>
-              <a:t>2023/4/10</a:t>
+              <a:t>2023/4/7</a:t>
             </a:fld>
             <a:endParaRPr kumimoji="1" lang="ja-JP" altLang="en-US"/>
           </a:p>
@@ -2300,7 +2923,7 @@
           <p:cNvPr id="3" name="フッター プレースホルダー 2">
             <a:extLst>
               <a:ext uri="{FF2B5EF4-FFF2-40B4-BE49-F238E27FC236}">
-                <a16:creationId xmlns:a16="http://schemas.microsoft.com/office/drawing/2014/main" id="{393B7BD9-CABD-0464-94D2-CDDFE2BE2A5C}"/>
+                <a16:creationId xmlns:a16="http://schemas.microsoft.com/office/drawing/2014/main" id="{83471282-E179-40B1-9773-AB319B762FE5}"/>
               </a:ext>
             </a:extLst>
           </p:cNvPr>
@@ -2325,7 +2948,7 @@
           <p:cNvPr id="4" name="スライド番号プレースホルダー 3">
             <a:extLst>
               <a:ext uri="{FF2B5EF4-FFF2-40B4-BE49-F238E27FC236}">
-                <a16:creationId xmlns:a16="http://schemas.microsoft.com/office/drawing/2014/main" id="{35012AB3-BC72-58B9-C482-D3E961FDCEDD}"/>
+                <a16:creationId xmlns:a16="http://schemas.microsoft.com/office/drawing/2014/main" id="{0C50D426-9F3D-4895-8E09-26CAE5F5496A}"/>
               </a:ext>
             </a:extLst>
           </p:cNvPr>
@@ -2341,7 +2964,7 @@
           <a:bodyPr/>
           <a:lstStyle/>
           <a:p>
-            <a:fld id="{6A52849B-4EC1-4B23-B151-A15F80D0261D}" type="slidenum">
+            <a:fld id="{928D5765-098E-4049-84B8-6BC66488581C}" type="slidenum">
               <a:rPr kumimoji="1" lang="ja-JP" altLang="en-US" smtClean="0"/>
               <a:t>‹#›</a:t>
             </a:fld>
@@ -2352,7 +2975,7 @@
     </p:spTree>
     <p:extLst>
       <p:ext uri="{BB962C8B-B14F-4D97-AF65-F5344CB8AC3E}">
-        <p14:creationId xmlns:p14="http://schemas.microsoft.com/office/powerpoint/2010/main" val="1721512925"/>
+        <p14:creationId xmlns:p14="http://schemas.microsoft.com/office/powerpoint/2010/main" val="4014476821"/>
       </p:ext>
     </p:extLst>
   </p:cSld>
@@ -2384,7 +3007,7 @@
           <p:cNvPr id="2" name="タイトル 1">
             <a:extLst>
               <a:ext uri="{FF2B5EF4-FFF2-40B4-BE49-F238E27FC236}">
-                <a16:creationId xmlns:a16="http://schemas.microsoft.com/office/drawing/2014/main" id="{496B0982-7F33-1DE6-04A0-A7AA3D549BFF}"/>
+                <a16:creationId xmlns:a16="http://schemas.microsoft.com/office/drawing/2014/main" id="{D9233A53-0D13-4143-956A-A4DE2BFC9B2E}"/>
               </a:ext>
             </a:extLst>
           </p:cNvPr>
@@ -2421,7 +3044,7 @@
           <p:cNvPr id="3" name="コンテンツ プレースホルダー 2">
             <a:extLst>
               <a:ext uri="{FF2B5EF4-FFF2-40B4-BE49-F238E27FC236}">
-                <a16:creationId xmlns:a16="http://schemas.microsoft.com/office/drawing/2014/main" id="{F2D16290-2F5B-6CAE-A4EE-1638E22C062B}"/>
+                <a16:creationId xmlns:a16="http://schemas.microsoft.com/office/drawing/2014/main" id="{2A1A7BE8-361A-437B-9AF3-E39AD4591CFE}"/>
               </a:ext>
             </a:extLst>
           </p:cNvPr>
@@ -2543,7 +3166,7 @@
           <p:cNvPr id="4" name="テキスト プレースホルダー 3">
             <a:extLst>
               <a:ext uri="{FF2B5EF4-FFF2-40B4-BE49-F238E27FC236}">
-                <a16:creationId xmlns:a16="http://schemas.microsoft.com/office/drawing/2014/main" id="{0CBC93DB-4FC5-6FA3-82C4-8D52561E9683}"/>
+                <a16:creationId xmlns:a16="http://schemas.microsoft.com/office/drawing/2014/main" id="{949641BF-4793-4064-8704-16718B556F89}"/>
               </a:ext>
             </a:extLst>
           </p:cNvPr>
@@ -2614,7 +3237,7 @@
           <p:cNvPr id="5" name="日付プレースホルダー 4">
             <a:extLst>
               <a:ext uri="{FF2B5EF4-FFF2-40B4-BE49-F238E27FC236}">
-                <a16:creationId xmlns:a16="http://schemas.microsoft.com/office/drawing/2014/main" id="{DBEEC909-CD42-AAB3-E70E-C4CF26CEDABD}"/>
+                <a16:creationId xmlns:a16="http://schemas.microsoft.com/office/drawing/2014/main" id="{CC4F92F5-2CA0-4824-BDF4-7CE5E161B120}"/>
               </a:ext>
             </a:extLst>
           </p:cNvPr>
@@ -2630,9 +3253,9 @@
           <a:bodyPr/>
           <a:lstStyle/>
           <a:p>
-            <a:fld id="{690E477F-8790-4710-B968-AEEF74883170}" type="datetimeFigureOut">
+            <a:fld id="{A74D7350-153A-42C5-BB78-C79D2B48DBB0}" type="datetimeFigureOut">
               <a:rPr kumimoji="1" lang="ja-JP" altLang="en-US" smtClean="0"/>
-              <a:t>2023/4/10</a:t>
+              <a:t>2023/4/7</a:t>
             </a:fld>
             <a:endParaRPr kumimoji="1" lang="ja-JP" altLang="en-US"/>
           </a:p>
@@ -2643,7 +3266,7 @@
           <p:cNvPr id="6" name="フッター プレースホルダー 5">
             <a:extLst>
               <a:ext uri="{FF2B5EF4-FFF2-40B4-BE49-F238E27FC236}">
-                <a16:creationId xmlns:a16="http://schemas.microsoft.com/office/drawing/2014/main" id="{A41FA123-B484-4850-8A84-46D78AD28744}"/>
+                <a16:creationId xmlns:a16="http://schemas.microsoft.com/office/drawing/2014/main" id="{0FEECB3B-576D-4318-832C-22FFEAE291B1}"/>
               </a:ext>
             </a:extLst>
           </p:cNvPr>
@@ -2668,7 +3291,7 @@
           <p:cNvPr id="7" name="スライド番号プレースホルダー 6">
             <a:extLst>
               <a:ext uri="{FF2B5EF4-FFF2-40B4-BE49-F238E27FC236}">
-                <a16:creationId xmlns:a16="http://schemas.microsoft.com/office/drawing/2014/main" id="{F748751E-B4EF-58A7-0D73-978CC8953DF9}"/>
+                <a16:creationId xmlns:a16="http://schemas.microsoft.com/office/drawing/2014/main" id="{F7AAE0F3-C7D8-40C9-A70C-4D18B1D25C9F}"/>
               </a:ext>
             </a:extLst>
           </p:cNvPr>
@@ -2684,7 +3307,7 @@
           <a:bodyPr/>
           <a:lstStyle/>
           <a:p>
-            <a:fld id="{6A52849B-4EC1-4B23-B151-A15F80D0261D}" type="slidenum">
+            <a:fld id="{928D5765-098E-4049-84B8-6BC66488581C}" type="slidenum">
               <a:rPr kumimoji="1" lang="ja-JP" altLang="en-US" smtClean="0"/>
               <a:t>‹#›</a:t>
             </a:fld>
@@ -2695,7 +3318,7 @@
     </p:spTree>
     <p:extLst>
       <p:ext uri="{BB962C8B-B14F-4D97-AF65-F5344CB8AC3E}">
-        <p14:creationId xmlns:p14="http://schemas.microsoft.com/office/powerpoint/2010/main" val="2187500830"/>
+        <p14:creationId xmlns:p14="http://schemas.microsoft.com/office/powerpoint/2010/main" val="700241984"/>
       </p:ext>
     </p:extLst>
   </p:cSld>
@@ -2727,7 +3350,7 @@
           <p:cNvPr id="2" name="タイトル 1">
             <a:extLst>
               <a:ext uri="{FF2B5EF4-FFF2-40B4-BE49-F238E27FC236}">
-                <a16:creationId xmlns:a16="http://schemas.microsoft.com/office/drawing/2014/main" id="{67B62CC2-BBBF-0C5C-DA9F-F51411530121}"/>
+                <a16:creationId xmlns:a16="http://schemas.microsoft.com/office/drawing/2014/main" id="{1A59F556-4D22-43BD-8494-C08D707DB60F}"/>
               </a:ext>
             </a:extLst>
           </p:cNvPr>
@@ -2764,7 +3387,7 @@
           <p:cNvPr id="3" name="図プレースホルダー 2">
             <a:extLst>
               <a:ext uri="{FF2B5EF4-FFF2-40B4-BE49-F238E27FC236}">
-                <a16:creationId xmlns:a16="http://schemas.microsoft.com/office/drawing/2014/main" id="{5E8D8364-49D5-522B-5D53-F252B6023970}"/>
+                <a16:creationId xmlns:a16="http://schemas.microsoft.com/office/drawing/2014/main" id="{91D6C1DA-20AC-47A0-9E27-FCDD071F31C7}"/>
               </a:ext>
             </a:extLst>
           </p:cNvPr>
@@ -2831,7 +3454,7 @@
           <p:cNvPr id="4" name="テキスト プレースホルダー 3">
             <a:extLst>
               <a:ext uri="{FF2B5EF4-FFF2-40B4-BE49-F238E27FC236}">
-                <a16:creationId xmlns:a16="http://schemas.microsoft.com/office/drawing/2014/main" id="{91259941-3D21-360F-151F-E2B4EE1D97DC}"/>
+                <a16:creationId xmlns:a16="http://schemas.microsoft.com/office/drawing/2014/main" id="{994FDAE0-7F31-4ACF-91AD-2122D1FDA4C2}"/>
               </a:ext>
             </a:extLst>
           </p:cNvPr>
@@ -2902,7 +3525,7 @@
           <p:cNvPr id="5" name="日付プレースホルダー 4">
             <a:extLst>
               <a:ext uri="{FF2B5EF4-FFF2-40B4-BE49-F238E27FC236}">
-                <a16:creationId xmlns:a16="http://schemas.microsoft.com/office/drawing/2014/main" id="{32886623-27B8-4476-495A-CADB8C705514}"/>
+                <a16:creationId xmlns:a16="http://schemas.microsoft.com/office/drawing/2014/main" id="{10210C43-8BB0-4A4B-8AAB-FA3925E2C3F0}"/>
               </a:ext>
             </a:extLst>
           </p:cNvPr>
@@ -2918,9 +3541,9 @@
           <a:bodyPr/>
           <a:lstStyle/>
           <a:p>
-            <a:fld id="{690E477F-8790-4710-B968-AEEF74883170}" type="datetimeFigureOut">
+            <a:fld id="{A74D7350-153A-42C5-BB78-C79D2B48DBB0}" type="datetimeFigureOut">
               <a:rPr kumimoji="1" lang="ja-JP" altLang="en-US" smtClean="0"/>
-              <a:t>2023/4/10</a:t>
+              <a:t>2023/4/7</a:t>
             </a:fld>
             <a:endParaRPr kumimoji="1" lang="ja-JP" altLang="en-US"/>
           </a:p>
@@ -2931,7 +3554,7 @@
           <p:cNvPr id="6" name="フッター プレースホルダー 5">
             <a:extLst>
               <a:ext uri="{FF2B5EF4-FFF2-40B4-BE49-F238E27FC236}">
-                <a16:creationId xmlns:a16="http://schemas.microsoft.com/office/drawing/2014/main" id="{C29F44FA-5E72-161C-4859-3E5F6AF605EA}"/>
+                <a16:creationId xmlns:a16="http://schemas.microsoft.com/office/drawing/2014/main" id="{45D9A9AE-13B1-4622-A9E0-663D96C88D66}"/>
               </a:ext>
             </a:extLst>
           </p:cNvPr>
@@ -2956,7 +3579,7 @@
           <p:cNvPr id="7" name="スライド番号プレースホルダー 6">
             <a:extLst>
               <a:ext uri="{FF2B5EF4-FFF2-40B4-BE49-F238E27FC236}">
-                <a16:creationId xmlns:a16="http://schemas.microsoft.com/office/drawing/2014/main" id="{61F0E8AC-754C-A075-1487-CDA04649996F}"/>
+                <a16:creationId xmlns:a16="http://schemas.microsoft.com/office/drawing/2014/main" id="{B16DAED1-B91F-42FA-AAF4-8A905CF78F6E}"/>
               </a:ext>
             </a:extLst>
           </p:cNvPr>
@@ -2972,7 +3595,7 @@
           <a:bodyPr/>
           <a:lstStyle/>
           <a:p>
-            <a:fld id="{6A52849B-4EC1-4B23-B151-A15F80D0261D}" type="slidenum">
+            <a:fld id="{928D5765-098E-4049-84B8-6BC66488581C}" type="slidenum">
               <a:rPr kumimoji="1" lang="ja-JP" altLang="en-US" smtClean="0"/>
               <a:t>‹#›</a:t>
             </a:fld>
@@ -2983,7 +3606,7 @@
     </p:spTree>
     <p:extLst>
       <p:ext uri="{BB962C8B-B14F-4D97-AF65-F5344CB8AC3E}">
-        <p14:creationId xmlns:p14="http://schemas.microsoft.com/office/powerpoint/2010/main" val="3645590084"/>
+        <p14:creationId xmlns:p14="http://schemas.microsoft.com/office/powerpoint/2010/main" val="705348050"/>
       </p:ext>
     </p:extLst>
   </p:cSld>
@@ -3020,7 +3643,7 @@
           <p:cNvPr id="2" name="タイトル プレースホルダー 1">
             <a:extLst>
               <a:ext uri="{FF2B5EF4-FFF2-40B4-BE49-F238E27FC236}">
-                <a16:creationId xmlns:a16="http://schemas.microsoft.com/office/drawing/2014/main" id="{980AFB54-6329-8900-05C7-61C0C38B1DCC}"/>
+                <a16:creationId xmlns:a16="http://schemas.microsoft.com/office/drawing/2014/main" id="{38C82537-4B54-4D05-810F-56D020DCC57D}"/>
               </a:ext>
             </a:extLst>
           </p:cNvPr>
@@ -3058,7 +3681,7 @@
           <p:cNvPr id="3" name="テキスト プレースホルダー 2">
             <a:extLst>
               <a:ext uri="{FF2B5EF4-FFF2-40B4-BE49-F238E27FC236}">
-                <a16:creationId xmlns:a16="http://schemas.microsoft.com/office/drawing/2014/main" id="{267B79F4-1C1F-749C-A77C-9BF9BF1F86D4}"/>
+                <a16:creationId xmlns:a16="http://schemas.microsoft.com/office/drawing/2014/main" id="{EB6BFB9C-6B40-48C4-BC55-FD34BB93AF53}"/>
               </a:ext>
             </a:extLst>
           </p:cNvPr>
@@ -3157,7 +3780,7 @@
           <p:cNvPr id="4" name="日付プレースホルダー 3">
             <a:extLst>
               <a:ext uri="{FF2B5EF4-FFF2-40B4-BE49-F238E27FC236}">
-                <a16:creationId xmlns:a16="http://schemas.microsoft.com/office/drawing/2014/main" id="{CEB02BB8-A444-8DCF-7F7C-146BBA20225A}"/>
+                <a16:creationId xmlns:a16="http://schemas.microsoft.com/office/drawing/2014/main" id="{B15DAB85-C04A-4748-904D-7285096F40F3}"/>
               </a:ext>
             </a:extLst>
           </p:cNvPr>
@@ -3191,9 +3814,9 @@
             </a:lvl1pPr>
           </a:lstStyle>
           <a:p>
-            <a:fld id="{690E477F-8790-4710-B968-AEEF74883170}" type="datetimeFigureOut">
+            <a:fld id="{A74D7350-153A-42C5-BB78-C79D2B48DBB0}" type="datetimeFigureOut">
               <a:rPr kumimoji="1" lang="ja-JP" altLang="en-US" smtClean="0"/>
-              <a:t>2023/4/10</a:t>
+              <a:t>2023/4/7</a:t>
             </a:fld>
             <a:endParaRPr kumimoji="1" lang="ja-JP" altLang="en-US"/>
           </a:p>
@@ -3204,7 +3827,7 @@
           <p:cNvPr id="5" name="フッター プレースホルダー 4">
             <a:extLst>
               <a:ext uri="{FF2B5EF4-FFF2-40B4-BE49-F238E27FC236}">
-                <a16:creationId xmlns:a16="http://schemas.microsoft.com/office/drawing/2014/main" id="{12422F16-7AF3-6F47-6696-5A00DD5A7A82}"/>
+                <a16:creationId xmlns:a16="http://schemas.microsoft.com/office/drawing/2014/main" id="{9D38F45F-F966-4DBA-9D7E-8B348CC7B34C}"/>
               </a:ext>
             </a:extLst>
           </p:cNvPr>
@@ -3247,7 +3870,7 @@
           <p:cNvPr id="6" name="スライド番号プレースホルダー 5">
             <a:extLst>
               <a:ext uri="{FF2B5EF4-FFF2-40B4-BE49-F238E27FC236}">
-                <a16:creationId xmlns:a16="http://schemas.microsoft.com/office/drawing/2014/main" id="{C25D1D83-B0B9-3E59-FBD9-75F1AF523E6E}"/>
+                <a16:creationId xmlns:a16="http://schemas.microsoft.com/office/drawing/2014/main" id="{1B0CE8DC-6EC3-4705-AEFD-2AA2BCC92E08}"/>
               </a:ext>
             </a:extLst>
           </p:cNvPr>
@@ -3281,7 +3904,7 @@
             </a:lvl1pPr>
           </a:lstStyle>
           <a:p>
-            <a:fld id="{6A52849B-4EC1-4B23-B151-A15F80D0261D}" type="slidenum">
+            <a:fld id="{928D5765-098E-4049-84B8-6BC66488581C}" type="slidenum">
               <a:rPr kumimoji="1" lang="ja-JP" altLang="en-US" smtClean="0"/>
               <a:t>‹#›</a:t>
             </a:fld>
@@ -3292,7 +3915,7 @@
     </p:spTree>
     <p:extLst>
       <p:ext uri="{BB962C8B-B14F-4D97-AF65-F5344CB8AC3E}">
-        <p14:creationId xmlns:p14="http://schemas.microsoft.com/office/powerpoint/2010/main" val="3247691926"/>
+        <p14:creationId xmlns:p14="http://schemas.microsoft.com/office/powerpoint/2010/main" val="2069431082"/>
       </p:ext>
     </p:extLst>
   </p:cSld>
@@ -3324,8 +3947,8 @@
           <a:solidFill>
             <a:schemeClr val="tx1"/>
           </a:solidFill>
-          <a:latin typeface="+mj-lt"/>
-          <a:ea typeface="+mj-ea"/>
+          <a:latin typeface="メイリオ" panose="020B0604030504040204" pitchFamily="50" charset="-128"/>
+          <a:ea typeface="メイリオ" panose="020B0604030504040204" pitchFamily="50" charset="-128"/>
           <a:cs typeface="+mj-cs"/>
         </a:defRPr>
       </a:lvl1pPr>
@@ -3344,8 +3967,8 @@
           <a:solidFill>
             <a:schemeClr val="tx1"/>
           </a:solidFill>
-          <a:latin typeface="+mn-lt"/>
-          <a:ea typeface="+mn-ea"/>
+          <a:latin typeface="メイリオ" panose="020B0604030504040204" pitchFamily="50" charset="-128"/>
+          <a:ea typeface="メイリオ" panose="020B0604030504040204" pitchFamily="50" charset="-128"/>
           <a:cs typeface="+mn-cs"/>
         </a:defRPr>
       </a:lvl1pPr>
@@ -3362,8 +3985,8 @@
           <a:solidFill>
             <a:schemeClr val="tx1"/>
           </a:solidFill>
-          <a:latin typeface="+mn-lt"/>
-          <a:ea typeface="+mn-ea"/>
+          <a:latin typeface="メイリオ" panose="020B0604030504040204" pitchFamily="50" charset="-128"/>
+          <a:ea typeface="メイリオ" panose="020B0604030504040204" pitchFamily="50" charset="-128"/>
           <a:cs typeface="+mn-cs"/>
         </a:defRPr>
       </a:lvl2pPr>
@@ -3380,8 +4003,8 @@
           <a:solidFill>
             <a:schemeClr val="tx1"/>
           </a:solidFill>
-          <a:latin typeface="+mn-lt"/>
-          <a:ea typeface="+mn-ea"/>
+          <a:latin typeface="メイリオ" panose="020B0604030504040204" pitchFamily="50" charset="-128"/>
+          <a:ea typeface="メイリオ" panose="020B0604030504040204" pitchFamily="50" charset="-128"/>
           <a:cs typeface="+mn-cs"/>
         </a:defRPr>
       </a:lvl3pPr>
@@ -3398,8 +4021,8 @@
           <a:solidFill>
             <a:schemeClr val="tx1"/>
           </a:solidFill>
-          <a:latin typeface="+mn-lt"/>
-          <a:ea typeface="+mn-ea"/>
+          <a:latin typeface="メイリオ" panose="020B0604030504040204" pitchFamily="50" charset="-128"/>
+          <a:ea typeface="メイリオ" panose="020B0604030504040204" pitchFamily="50" charset="-128"/>
           <a:cs typeface="+mn-cs"/>
         </a:defRPr>
       </a:lvl4pPr>
@@ -3416,8 +4039,8 @@
           <a:solidFill>
             <a:schemeClr val="tx1"/>
           </a:solidFill>
-          <a:latin typeface="+mn-lt"/>
-          <a:ea typeface="+mn-ea"/>
+          <a:latin typeface="メイリオ" panose="020B0604030504040204" pitchFamily="50" charset="-128"/>
+          <a:ea typeface="メイリオ" panose="020B0604030504040204" pitchFamily="50" charset="-128"/>
           <a:cs typeface="+mn-cs"/>
         </a:defRPr>
       </a:lvl5pPr>
@@ -3615,7 +4238,7 @@
           <p:cNvPr id="2" name="タイトル 1">
             <a:extLst>
               <a:ext uri="{FF2B5EF4-FFF2-40B4-BE49-F238E27FC236}">
-                <a16:creationId xmlns:a16="http://schemas.microsoft.com/office/drawing/2014/main" id="{81F1AE97-8C8E-633B-8C8B-F2221C379883}"/>
+                <a16:creationId xmlns:a16="http://schemas.microsoft.com/office/drawing/2014/main" id="{1BE7DA57-D461-463E-8AFE-69788EC6A206}"/>
               </a:ext>
             </a:extLst>
           </p:cNvPr>
@@ -3626,20 +4249,31 @@
             <p:ph type="ctrTitle"/>
           </p:nvPr>
         </p:nvSpPr>
-        <p:spPr/>
-        <p:txBody>
-          <a:bodyPr/>
-          <a:lstStyle/>
-          <a:p>
-            <a:r>
-              <a:rPr kumimoji="1" lang="en-US" altLang="ja-JP" dirty="0"/>
-              <a:t>Template </a:t>
-            </a:r>
-            <a:r>
-              <a:rPr kumimoji="1" lang="en-US" altLang="ja-JP" dirty="0" err="1"/>
-              <a:t>powerpoint</a:t>
-            </a:r>
-            <a:endParaRPr kumimoji="1" lang="ja-JP" altLang="en-US" dirty="0"/>
+        <p:spPr>
+          <a:xfrm>
+            <a:off x="1524000" y="1272265"/>
+            <a:ext cx="9144000" cy="2387600"/>
+          </a:xfrm>
+        </p:spPr>
+        <p:txBody>
+          <a:bodyPr>
+            <a:normAutofit/>
+          </a:bodyPr>
+          <a:lstStyle/>
+          <a:p>
+            <a:r>
+              <a:rPr kumimoji="1" lang="ja-JP" altLang="en-US" sz="13800" b="1" dirty="0">
+                <a:solidFill>
+                  <a:schemeClr val="tx1">
+                    <a:lumMod val="75000"/>
+                    <a:lumOff val="25000"/>
+                  </a:schemeClr>
+                </a:solidFill>
+                <a:latin typeface="メイリオ" panose="020B0604030504040204" pitchFamily="50" charset="-128"/>
+                <a:ea typeface="メイリオ" panose="020B0604030504040204" pitchFamily="50" charset="-128"/>
+              </a:rPr>
+              <a:t>報告会</a:t>
+            </a:r>
           </a:p>
         </p:txBody>
       </p:sp>
@@ -3648,7 +4282,7 @@
           <p:cNvPr id="3" name="字幕 2">
             <a:extLst>
               <a:ext uri="{FF2B5EF4-FFF2-40B4-BE49-F238E27FC236}">
-                <a16:creationId xmlns:a16="http://schemas.microsoft.com/office/drawing/2014/main" id="{647440A1-5B67-D899-3D5D-0098C7B25BC2}"/>
+                <a16:creationId xmlns:a16="http://schemas.microsoft.com/office/drawing/2014/main" id="{CA09A200-64EA-4487-82AE-20AC07491BEB}"/>
               </a:ext>
             </a:extLst>
           </p:cNvPr>
@@ -3659,26 +4293,243 @@
             <p:ph type="subTitle" idx="1"/>
           </p:nvPr>
         </p:nvSpPr>
-        <p:spPr/>
-        <p:txBody>
-          <a:bodyPr/>
-          <a:lstStyle/>
-          <a:p>
-            <a:r>
-              <a:rPr kumimoji="1" lang="en-US" altLang="ja-JP" dirty="0"/>
-              <a:t>python</a:t>
-            </a:r>
-            <a:r>
-              <a:rPr kumimoji="1" lang="ja-JP" altLang="en-US" dirty="0"/>
-              <a:t>のライブラリが上手く動いているか確認するためのパワポです</a:t>
-            </a:r>
+        <p:spPr>
+          <a:xfrm>
+            <a:off x="1524000" y="3751940"/>
+            <a:ext cx="9144000" cy="711170"/>
+          </a:xfrm>
+        </p:spPr>
+        <p:txBody>
+          <a:bodyPr>
+            <a:normAutofit/>
+          </a:bodyPr>
+          <a:lstStyle/>
+          <a:p>
+            <a:pPr>
+              <a:defRPr b="1" sz="10000">
+                <a:solidFill>
+                  <a:srgbClr val="404040"/>
+                </a:solidFill>
+              </a:defRPr>
+            </a:pPr>
+            <a:r>
+              <a:t>4月8日</a:t>
+            </a:r>
+            <a:endParaRPr kumimoji="1" lang="en-US" altLang="ja-JP" sz="4000" b="1" dirty="0">
+              <a:solidFill>
+                <a:schemeClr val="tx1">
+                  <a:lumMod val="75000"/>
+                  <a:lumOff val="25000"/>
+                </a:schemeClr>
+              </a:solidFill>
+            </a:endParaRPr>
+          </a:p>
+        </p:txBody>
+      </p:sp>
+      <p:sp>
+        <p:nvSpPr>
+          <p:cNvPr id="5" name="テキスト ボックス 4">
+            <a:extLst>
+              <a:ext uri="{FF2B5EF4-FFF2-40B4-BE49-F238E27FC236}">
+                <a16:creationId xmlns:a16="http://schemas.microsoft.com/office/drawing/2014/main" id="{A6AAE3A8-AF96-414C-9F08-30CCC1E71D2A}"/>
+              </a:ext>
+            </a:extLst>
+          </p:cNvPr>
+          <p:cNvSpPr txBox="1"/>
+          <p:nvPr/>
+        </p:nvSpPr>
+        <p:spPr>
+          <a:xfrm>
+            <a:off x="641349" y="4815922"/>
+            <a:ext cx="10909301" cy="461665"/>
+          </a:xfrm>
+          <a:prstGeom prst="rect">
+            <a:avLst/>
+          </a:prstGeom>
+          <a:noFill/>
+        </p:spPr>
+        <p:txBody>
+          <a:bodyPr wrap="square">
+            <a:spAutoFit/>
+          </a:bodyPr>
+          <a:lstStyle/>
+          <a:p>
+            <a:r>
+              <a:rPr lang="ja-JP" altLang="en-US" sz="2400" b="1" dirty="0">
+                <a:solidFill>
+                  <a:schemeClr val="tx1">
+                    <a:lumMod val="75000"/>
+                    <a:lumOff val="25000"/>
+                  </a:schemeClr>
+                </a:solidFill>
+              </a:rPr>
+              <a:t>出席者（敬称略）：省略</a:t>
+            </a:r>
+            <a:endParaRPr lang="en-US" altLang="ja-JP" sz="2400" b="1" dirty="0">
+              <a:solidFill>
+                <a:schemeClr val="tx1">
+                  <a:lumMod val="75000"/>
+                  <a:lumOff val="25000"/>
+                </a:schemeClr>
+              </a:solidFill>
+            </a:endParaRPr>
           </a:p>
         </p:txBody>
       </p:sp>
     </p:spTree>
     <p:extLst>
       <p:ext uri="{BB962C8B-B14F-4D97-AF65-F5344CB8AC3E}">
-        <p14:creationId xmlns:p14="http://schemas.microsoft.com/office/powerpoint/2010/main" val="2246301377"/>
+        <p14:creationId xmlns:p14="http://schemas.microsoft.com/office/powerpoint/2010/main" val="1297958545"/>
+      </p:ext>
+    </p:extLst>
+  </p:cSld>
+  <p:clrMapOvr>
+    <a:masterClrMapping/>
+  </p:clrMapOvr>
+</p:sld>
+</file>
+
+<file path=ppt/slides/slide10.xml><?xml version="1.0" encoding="utf-8"?>
+<p:sld xmlns:a="http://schemas.openxmlformats.org/drawingml/2006/main" xmlns:r="http://schemas.openxmlformats.org/officeDocument/2006/relationships" xmlns:p="http://schemas.openxmlformats.org/presentationml/2006/main">
+  <p:cSld>
+    <p:spTree>
+      <p:nvGrpSpPr>
+        <p:cNvPr id="1" name=""/>
+        <p:cNvGrpSpPr/>
+        <p:nvPr/>
+      </p:nvGrpSpPr>
+      <p:grpSpPr>
+        <a:xfrm>
+          <a:off x="0" y="0"/>
+          <a:ext cx="0" cy="0"/>
+          <a:chOff x="0" y="0"/>
+          <a:chExt cx="0" cy="0"/>
+        </a:xfrm>
+      </p:grpSpPr>
+      <p:sp>
+        <p:nvSpPr>
+          <p:cNvPr id="4" name="テキスト ボックス 3">
+            <a:extLst>
+              <a:ext uri="{FF2B5EF4-FFF2-40B4-BE49-F238E27FC236}">
+                <a16:creationId xmlns:a16="http://schemas.microsoft.com/office/drawing/2014/main" id="{1ED7EE52-42DE-4770-AA1F-B4965FA23E28}"/>
+              </a:ext>
+            </a:extLst>
+          </p:cNvPr>
+          <p:cNvSpPr txBox="1"/>
+          <p:nvPr/>
+        </p:nvSpPr>
+        <p:spPr>
+          <a:xfrm>
+            <a:off x="127383" y="3018982"/>
+            <a:ext cx="11937234" cy="1107996"/>
+          </a:xfrm>
+          <a:prstGeom prst="rect">
+            <a:avLst/>
+          </a:prstGeom>
+          <a:noFill/>
+        </p:spPr>
+        <p:txBody>
+          <a:bodyPr wrap="square" rtlCol="0">
+            <a:spAutoFit/>
+          </a:bodyPr>
+          <a:lstStyle/>
+          <a:p>
+            <a:pPr algn="ctr"/>
+            <a:r>
+              <a:rPr kumimoji="1" lang="ja-JP" altLang="en-US" sz="6600" b="1" dirty="0">
+                <a:solidFill>
+                  <a:schemeClr val="tx1">
+                    <a:lumMod val="75000"/>
+                    <a:lumOff val="25000"/>
+                  </a:schemeClr>
+                </a:solidFill>
+                <a:latin typeface="+mj-ea"/>
+                <a:ea typeface="+mj-ea"/>
+              </a:rPr>
+              <a:t>他にお知らせ等ありませんか？</a:t>
+            </a:r>
+          </a:p>
+        </p:txBody>
+      </p:sp>
+    </p:spTree>
+    <p:extLst>
+      <p:ext uri="{BB962C8B-B14F-4D97-AF65-F5344CB8AC3E}">
+        <p14:creationId xmlns:p14="http://schemas.microsoft.com/office/powerpoint/2010/main" val="3828346389"/>
+      </p:ext>
+    </p:extLst>
+  </p:cSld>
+  <p:clrMapOvr>
+    <a:masterClrMapping/>
+  </p:clrMapOvr>
+</p:sld>
+</file>
+
+<file path=ppt/slides/slide11.xml><?xml version="1.0" encoding="utf-8"?>
+<p:sld xmlns:a="http://schemas.openxmlformats.org/drawingml/2006/main" xmlns:r="http://schemas.openxmlformats.org/officeDocument/2006/relationships" xmlns:p="http://schemas.openxmlformats.org/presentationml/2006/main">
+  <p:cSld>
+    <p:spTree>
+      <p:nvGrpSpPr>
+        <p:cNvPr id="1" name=""/>
+        <p:cNvGrpSpPr/>
+        <p:nvPr/>
+      </p:nvGrpSpPr>
+      <p:grpSpPr>
+        <a:xfrm>
+          <a:off x="0" y="0"/>
+          <a:ext cx="0" cy="0"/>
+          <a:chOff x="0" y="0"/>
+          <a:chExt cx="0" cy="0"/>
+        </a:xfrm>
+      </p:grpSpPr>
+      <p:sp>
+        <p:nvSpPr>
+          <p:cNvPr id="4" name="テキスト ボックス 3">
+            <a:extLst>
+              <a:ext uri="{FF2B5EF4-FFF2-40B4-BE49-F238E27FC236}">
+                <a16:creationId xmlns:a16="http://schemas.microsoft.com/office/drawing/2014/main" id="{1ED7EE52-42DE-4770-AA1F-B4965FA23E28}"/>
+              </a:ext>
+            </a:extLst>
+          </p:cNvPr>
+          <p:cNvSpPr txBox="1"/>
+          <p:nvPr/>
+        </p:nvSpPr>
+        <p:spPr>
+          <a:xfrm>
+            <a:off x="127383" y="2844811"/>
+            <a:ext cx="11937234" cy="1446550"/>
+          </a:xfrm>
+          <a:prstGeom prst="rect">
+            <a:avLst/>
+          </a:prstGeom>
+          <a:noFill/>
+        </p:spPr>
+        <p:txBody>
+          <a:bodyPr wrap="square" rtlCol="0">
+            <a:spAutoFit/>
+          </a:bodyPr>
+          <a:lstStyle/>
+          <a:p>
+            <a:pPr algn="ctr"/>
+            <a:r>
+              <a:rPr kumimoji="1" lang="ja-JP" altLang="en-US" sz="8800" b="1" dirty="0">
+                <a:solidFill>
+                  <a:schemeClr val="tx1">
+                    <a:lumMod val="75000"/>
+                    <a:lumOff val="25000"/>
+                  </a:schemeClr>
+                </a:solidFill>
+                <a:latin typeface="+mj-ea"/>
+                <a:ea typeface="+mj-ea"/>
+              </a:rPr>
+              <a:t>おしまい</a:t>
+            </a:r>
+          </a:p>
+        </p:txBody>
+      </p:sp>
+    </p:spTree>
+    <p:extLst>
+      <p:ext uri="{BB962C8B-B14F-4D97-AF65-F5344CB8AC3E}">
+        <p14:creationId xmlns:p14="http://schemas.microsoft.com/office/powerpoint/2010/main" val="439532670"/>
       </p:ext>
     </p:extLst>
   </p:cSld>
@@ -3707,10 +4558,127 @@
       </p:grpSpPr>
       <p:sp>
         <p:nvSpPr>
+          <p:cNvPr id="3" name="コンテンツ プレースホルダー 2">
+            <a:extLst>
+              <a:ext uri="{FF2B5EF4-FFF2-40B4-BE49-F238E27FC236}">
+                <a16:creationId xmlns:a16="http://schemas.microsoft.com/office/drawing/2014/main" id="{ABCE2FB9-B301-4F0B-8892-3957F324CA9E}"/>
+              </a:ext>
+            </a:extLst>
+          </p:cNvPr>
+          <p:cNvSpPr>
+            <a:spLocks noGrp="1"/>
+          </p:cNvSpPr>
+          <p:nvPr>
+            <p:ph idx="1"/>
+          </p:nvPr>
+        </p:nvSpPr>
+        <p:spPr>
+          <a:xfrm>
+            <a:off x="350729" y="1628385"/>
+            <a:ext cx="11423737" cy="4922728"/>
+          </a:xfrm>
+        </p:spPr>
+        <p:txBody>
+          <a:bodyPr>
+            <a:normAutofit/>
+          </a:bodyPr>
+          <a:lstStyle/>
+          <a:p>
+            <a:pPr marL="742950" indent="-742950">
+              <a:lnSpc>
+                <a:spcPct val="125000"/>
+              </a:lnSpc>
+              <a:buFont typeface="+mj-lt"/>
+              <a:buAutoNum type="arabicPeriod"/>
+            </a:pPr>
+            <a:r>
+              <a:rPr lang="ja-JP" altLang="en-US" sz="4000" b="1" dirty="0">
+                <a:solidFill>
+                  <a:schemeClr val="tx1">
+                    <a:lumMod val="75000"/>
+                    <a:lumOff val="25000"/>
+                  </a:schemeClr>
+                </a:solidFill>
+              </a:rPr>
+              <a:t>部門報告</a:t>
+            </a:r>
+            <a:endParaRPr lang="en-US" altLang="ja-JP" sz="4000" b="1" dirty="0">
+              <a:solidFill>
+                <a:schemeClr val="tx1">
+                  <a:lumMod val="75000"/>
+                  <a:lumOff val="25000"/>
+                </a:schemeClr>
+              </a:solidFill>
+            </a:endParaRPr>
+          </a:p>
+          <a:p>
+            <a:pPr marL="742950" indent="-742950">
+              <a:lnSpc>
+                <a:spcPct val="125000"/>
+              </a:lnSpc>
+              <a:buFont typeface="+mj-lt"/>
+              <a:buAutoNum type="arabicPeriod"/>
+            </a:pPr>
+            <a:r>
+              <a:rPr lang="ja-JP" altLang="en-US" sz="4000" b="1" dirty="0">
+                <a:solidFill>
+                  <a:schemeClr val="tx1">
+                    <a:lumMod val="75000"/>
+                    <a:lumOff val="25000"/>
+                  </a:schemeClr>
+                </a:solidFill>
+              </a:rPr>
+              <a:t>連絡事項</a:t>
+            </a:r>
+            <a:endParaRPr lang="en-US" altLang="ja-JP" sz="4000" b="1" dirty="0">
+              <a:solidFill>
+                <a:schemeClr val="tx1">
+                  <a:lumMod val="75000"/>
+                  <a:lumOff val="25000"/>
+                </a:schemeClr>
+              </a:solidFill>
+            </a:endParaRPr>
+          </a:p>
+          <a:p>
+            <a:pPr marL="0" indent="0">
+              <a:lnSpc>
+                <a:spcPct val="125000"/>
+              </a:lnSpc>
+              <a:buNone/>
+            </a:pPr>
+            <a:endParaRPr lang="en-US" altLang="ja-JP" sz="4000" b="1" dirty="0">
+              <a:solidFill>
+                <a:schemeClr val="tx1">
+                  <a:lumMod val="75000"/>
+                  <a:lumOff val="25000"/>
+                </a:schemeClr>
+              </a:solidFill>
+            </a:endParaRPr>
+          </a:p>
+          <a:p>
+            <a:pPr marL="0" indent="0">
+              <a:lnSpc>
+                <a:spcPct val="125000"/>
+              </a:lnSpc>
+              <a:buNone/>
+            </a:pPr>
+            <a:endParaRPr lang="en-US" altLang="ja-JP" sz="4000" b="1" dirty="0">
+              <a:solidFill>
+                <a:schemeClr val="tx1">
+                  <a:lumMod val="75000"/>
+                  <a:lumOff val="25000"/>
+                </a:schemeClr>
+              </a:solidFill>
+            </a:endParaRPr>
+          </a:p>
+        </p:txBody>
+      </p:sp>
+      <p:sp>
+        <p:nvSpPr>
           <p:cNvPr id="2" name="タイトル 1">
             <a:extLst>
               <a:ext uri="{FF2B5EF4-FFF2-40B4-BE49-F238E27FC236}">
-                <a16:creationId xmlns:a16="http://schemas.microsoft.com/office/drawing/2014/main" id="{81F1AE97-8C8E-633B-8C8B-F2221C379883}"/>
+                <a16:creationId xmlns:a16="http://schemas.microsoft.com/office/drawing/2014/main" id="{427C9747-9313-495C-8249-65D8D469707E}"/>
               </a:ext>
             </a:extLst>
           </p:cNvPr>
@@ -3721,45 +4689,20 @@
             <p:ph type="title"/>
           </p:nvPr>
         </p:nvSpPr>
-        <p:spPr/>
-        <p:txBody>
-          <a:bodyPr/>
+        <p:spPr>
+          <a:xfrm>
+            <a:off x="320615" y="146513"/>
+            <a:ext cx="10515600" cy="1325563"/>
+          </a:xfrm>
+        </p:spPr>
+        <p:txBody>
+          <a:bodyPr>
+            <a:normAutofit/>
+          </a:bodyPr>
           <a:lstStyle/>
           <a:p>
             <a:r>
               <a:t>新しいタイトル</a:t>
-            </a:r>
-          </a:p>
-        </p:txBody>
-      </p:sp>
-      <p:sp>
-        <p:nvSpPr>
-          <p:cNvPr id="3" name="字幕 2">
-            <a:extLst>
-              <a:ext uri="{FF2B5EF4-FFF2-40B4-BE49-F238E27FC236}">
-                <a16:creationId xmlns:a16="http://schemas.microsoft.com/office/drawing/2014/main" id="{647440A1-5B67-D899-3D5D-0098C7B25BC2}"/>
-              </a:ext>
-            </a:extLst>
-          </p:cNvPr>
-          <p:cNvSpPr>
-            <a:spLocks noGrp="1"/>
-          </p:cNvSpPr>
-          <p:nvPr>
-            <p:ph idx="1"/>
-          </p:nvPr>
-        </p:nvSpPr>
-        <p:spPr/>
-        <p:txBody>
-          <a:bodyPr/>
-          <a:lstStyle/>
-          <a:p>
-            <a:r>
-              <a:rPr kumimoji="1" lang="en-US" altLang="ja-JP" dirty="0"/>
-              <a:t>python</a:t>
-            </a:r>
-            <a:r>
-              <a:rPr kumimoji="1" lang="ja-JP" altLang="en-US" dirty="0"/>
-              <a:t>のライブラリが上手く動いているか確認するためのパワポです</a:t>
             </a:r>
           </a:p>
         </p:txBody>
@@ -3767,7 +4710,1756 @@
     </p:spTree>
     <p:extLst>
       <p:ext uri="{BB962C8B-B14F-4D97-AF65-F5344CB8AC3E}">
-        <p14:creationId xmlns:p14="http://schemas.microsoft.com/office/powerpoint/2010/main" val="4171015950"/>
+        <p14:creationId xmlns:p14="http://schemas.microsoft.com/office/powerpoint/2010/main" val="2443062006"/>
+      </p:ext>
+    </p:extLst>
+  </p:cSld>
+  <p:clrMapOvr>
+    <a:masterClrMapping/>
+  </p:clrMapOvr>
+</p:sld>
+</file>
+
+<file path=ppt/slides/slide3.xml><?xml version="1.0" encoding="utf-8"?>
+<p:sld xmlns:a="http://schemas.openxmlformats.org/drawingml/2006/main" xmlns:r="http://schemas.openxmlformats.org/officeDocument/2006/relationships" xmlns:p="http://schemas.openxmlformats.org/presentationml/2006/main">
+  <p:cSld>
+    <p:spTree>
+      <p:nvGrpSpPr>
+        <p:cNvPr id="1" name=""/>
+        <p:cNvGrpSpPr/>
+        <p:nvPr/>
+      </p:nvGrpSpPr>
+      <p:grpSpPr>
+        <a:xfrm>
+          <a:off x="0" y="0"/>
+          <a:ext cx="0" cy="0"/>
+          <a:chOff x="0" y="0"/>
+          <a:chExt cx="0" cy="0"/>
+        </a:xfrm>
+      </p:grpSpPr>
+      <p:sp>
+        <p:nvSpPr>
+          <p:cNvPr id="2" name="タイトル 1">
+            <a:extLst>
+              <a:ext uri="{FF2B5EF4-FFF2-40B4-BE49-F238E27FC236}">
+                <a16:creationId xmlns:a16="http://schemas.microsoft.com/office/drawing/2014/main" id="{8BE0AF4E-16C7-4130-B1B6-563D7B658C68}"/>
+              </a:ext>
+            </a:extLst>
+          </p:cNvPr>
+          <p:cNvSpPr>
+            <a:spLocks noGrp="1"/>
+          </p:cNvSpPr>
+          <p:nvPr>
+            <p:ph type="title"/>
+          </p:nvPr>
+        </p:nvSpPr>
+        <p:spPr>
+          <a:xfrm>
+            <a:off x="315686" y="218168"/>
+            <a:ext cx="10515600" cy="1325563"/>
+          </a:xfrm>
+        </p:spPr>
+        <p:txBody>
+          <a:bodyPr>
+            <a:normAutofit/>
+          </a:bodyPr>
+          <a:lstStyle/>
+          <a:p>
+            <a:r>
+              <a:rPr kumimoji="1" lang="ja-JP" altLang="en-US" sz="5400" b="1" dirty="0">
+                <a:solidFill>
+                  <a:schemeClr val="bg1"/>
+                </a:solidFill>
+              </a:rPr>
+              <a:t>１．各部門報告</a:t>
+            </a:r>
+            <a:r>
+              <a:rPr kumimoji="1" lang="en-US" altLang="ja-JP" sz="5400" b="1" dirty="0">
+                <a:solidFill>
+                  <a:schemeClr val="bg1"/>
+                </a:solidFill>
+              </a:rPr>
+              <a:t>/</a:t>
+            </a:r>
+            <a:r>
+              <a:rPr kumimoji="1" lang="ja-JP" altLang="en-US" sz="5400" b="1" dirty="0">
+                <a:solidFill>
+                  <a:schemeClr val="bg1"/>
+                </a:solidFill>
+              </a:rPr>
+              <a:t>その他報告</a:t>
+            </a:r>
+          </a:p>
+        </p:txBody>
+      </p:sp>
+      <p:sp>
+        <p:nvSpPr>
+          <p:cNvPr id="3" name="テキスト ボックス 2">
+            <a:extLst>
+              <a:ext uri="{FF2B5EF4-FFF2-40B4-BE49-F238E27FC236}">
+                <a16:creationId xmlns:a16="http://schemas.microsoft.com/office/drawing/2014/main" id="{2DBB6E9C-BC6A-A5DB-E848-6579B901A1F9}"/>
+              </a:ext>
+            </a:extLst>
+          </p:cNvPr>
+          <p:cNvSpPr txBox="1"/>
+          <p:nvPr/>
+        </p:nvSpPr>
+        <p:spPr>
+          <a:xfrm>
+            <a:off x="574066" y="1494188"/>
+            <a:ext cx="10866804" cy="1073371"/>
+          </a:xfrm>
+          <a:prstGeom prst="rect">
+            <a:avLst/>
+          </a:prstGeom>
+          <a:noFill/>
+        </p:spPr>
+        <p:txBody>
+          <a:bodyPr wrap="square" rtlCol="0">
+            <a:spAutoFit/>
+          </a:bodyPr>
+          <a:lstStyle/>
+          <a:p>
+            <a:pPr>
+              <a:lnSpc>
+                <a:spcPct val="125000"/>
+              </a:lnSpc>
+            </a:pPr>
+            <a:r>
+              <a:rPr lang="ja-JP" altLang="en-US" sz="3200" b="1" dirty="0">
+                <a:solidFill>
+                  <a:schemeClr val="tx1">
+                    <a:lumMod val="75000"/>
+                    <a:lumOff val="25000"/>
+                  </a:schemeClr>
+                </a:solidFill>
+                <a:latin typeface="+mj-ea"/>
+                <a:ea typeface="+mj-ea"/>
+              </a:rPr>
+              <a:t>○</a:t>
+            </a:r>
+            <a:r>
+              <a:rPr lang="en-US" altLang="ja-JP" sz="3200" b="1" dirty="0">
+                <a:solidFill>
+                  <a:schemeClr val="tx1">
+                    <a:lumMod val="75000"/>
+                    <a:lumOff val="25000"/>
+                  </a:schemeClr>
+                </a:solidFill>
+                <a:latin typeface="+mj-ea"/>
+                <a:ea typeface="+mj-ea"/>
+              </a:rPr>
+              <a:t>Biz</a:t>
+            </a:r>
+            <a:r>
+              <a:rPr lang="ja-JP" altLang="en-US" sz="3200" b="1" dirty="0">
+                <a:solidFill>
+                  <a:schemeClr val="tx1">
+                    <a:lumMod val="75000"/>
+                    <a:lumOff val="25000"/>
+                  </a:schemeClr>
+                </a:solidFill>
+                <a:latin typeface="+mj-ea"/>
+                <a:ea typeface="+mj-ea"/>
+              </a:rPr>
+              <a:t>部門 </a:t>
+            </a:r>
+            <a:r>
+              <a:rPr lang="en-US" altLang="ja-JP" sz="2400" b="1" dirty="0">
+                <a:solidFill>
+                  <a:schemeClr val="tx1">
+                    <a:lumMod val="75000"/>
+                    <a:lumOff val="25000"/>
+                  </a:schemeClr>
+                </a:solidFill>
+                <a:latin typeface="+mj-ea"/>
+                <a:ea typeface="+mj-ea"/>
+              </a:rPr>
+              <a:t>by</a:t>
+            </a:r>
+            <a:r>
+              <a:rPr lang="ja-JP" altLang="en-US" sz="2400" b="1" dirty="0">
+                <a:solidFill>
+                  <a:schemeClr val="tx1">
+                    <a:lumMod val="75000"/>
+                    <a:lumOff val="25000"/>
+                  </a:schemeClr>
+                </a:solidFill>
+                <a:latin typeface="+mj-ea"/>
+                <a:ea typeface="+mj-ea"/>
+              </a:rPr>
+              <a:t>平野</a:t>
+            </a:r>
+            <a:endParaRPr lang="en-US" altLang="ja-JP" sz="3200" b="1" dirty="0">
+              <a:solidFill>
+                <a:schemeClr val="tx1">
+                  <a:lumMod val="75000"/>
+                  <a:lumOff val="25000"/>
+                </a:schemeClr>
+              </a:solidFill>
+              <a:latin typeface="+mj-ea"/>
+              <a:ea typeface="+mj-ea"/>
+            </a:endParaRPr>
+          </a:p>
+          <a:p>
+            <a:pPr>
+              <a:lnSpc>
+                <a:spcPct val="125000"/>
+              </a:lnSpc>
+            </a:pPr>
+            <a:r>
+              <a:rPr lang="ja-JP" altLang="en-US" sz="2000" b="1" dirty="0">
+                <a:solidFill>
+                  <a:schemeClr val="tx1">
+                    <a:lumMod val="75000"/>
+                    <a:lumOff val="25000"/>
+                  </a:schemeClr>
+                </a:solidFill>
+                <a:latin typeface="+mj-ea"/>
+                <a:ea typeface="+mj-ea"/>
+              </a:rPr>
+              <a:t>　・なし</a:t>
+            </a:r>
+            <a:endParaRPr lang="en-US" altLang="ja-JP" sz="2000" b="1" dirty="0">
+              <a:solidFill>
+                <a:schemeClr val="tx1">
+                  <a:lumMod val="75000"/>
+                  <a:lumOff val="25000"/>
+                </a:schemeClr>
+              </a:solidFill>
+              <a:latin typeface="メイリオ" panose="020B0604030504040204" pitchFamily="50" charset="-128"/>
+              <a:ea typeface="メイリオ" panose="020B0604030504040204" pitchFamily="50" charset="-128"/>
+            </a:endParaRPr>
+          </a:p>
+        </p:txBody>
+      </p:sp>
+      <p:sp>
+        <p:nvSpPr>
+          <p:cNvPr id="7" name="テキスト ボックス 6">
+            <a:extLst>
+              <a:ext uri="{FF2B5EF4-FFF2-40B4-BE49-F238E27FC236}">
+                <a16:creationId xmlns:a16="http://schemas.microsoft.com/office/drawing/2014/main" id="{302A7514-5B92-5FD3-C2E8-282481B33B6A}"/>
+              </a:ext>
+            </a:extLst>
+          </p:cNvPr>
+          <p:cNvSpPr txBox="1"/>
+          <p:nvPr/>
+        </p:nvSpPr>
+        <p:spPr>
+          <a:xfrm>
+            <a:off x="574066" y="4153333"/>
+            <a:ext cx="10866804" cy="1073371"/>
+          </a:xfrm>
+          <a:prstGeom prst="rect">
+            <a:avLst/>
+          </a:prstGeom>
+          <a:noFill/>
+        </p:spPr>
+        <p:txBody>
+          <a:bodyPr wrap="square" rtlCol="0">
+            <a:spAutoFit/>
+          </a:bodyPr>
+          <a:lstStyle/>
+          <a:p>
+            <a:pPr>
+              <a:lnSpc>
+                <a:spcPct val="125000"/>
+              </a:lnSpc>
+            </a:pPr>
+            <a:r>
+              <a:rPr lang="ja-JP" altLang="en-US" sz="3200" b="1" dirty="0">
+                <a:solidFill>
+                  <a:schemeClr val="tx1">
+                    <a:lumMod val="75000"/>
+                    <a:lumOff val="25000"/>
+                  </a:schemeClr>
+                </a:solidFill>
+                <a:latin typeface="+mj-ea"/>
+                <a:ea typeface="+mj-ea"/>
+              </a:rPr>
+              <a:t>○</a:t>
+            </a:r>
+            <a:r>
+              <a:rPr lang="en-US" altLang="ja-JP" sz="3200" b="1" dirty="0">
+                <a:solidFill>
+                  <a:schemeClr val="tx1">
+                    <a:lumMod val="75000"/>
+                    <a:lumOff val="25000"/>
+                  </a:schemeClr>
+                </a:solidFill>
+                <a:latin typeface="+mj-ea"/>
+                <a:ea typeface="+mj-ea"/>
+              </a:rPr>
+              <a:t>DE</a:t>
+            </a:r>
+            <a:r>
+              <a:rPr lang="ja-JP" altLang="en-US" sz="3200" b="1" dirty="0">
+                <a:solidFill>
+                  <a:schemeClr val="tx1">
+                    <a:lumMod val="75000"/>
+                    <a:lumOff val="25000"/>
+                  </a:schemeClr>
+                </a:solidFill>
+                <a:latin typeface="+mj-ea"/>
+                <a:ea typeface="+mj-ea"/>
+              </a:rPr>
+              <a:t>部門 </a:t>
+            </a:r>
+            <a:r>
+              <a:rPr lang="en-US" altLang="ja-JP" sz="2400" b="1" dirty="0">
+                <a:solidFill>
+                  <a:schemeClr val="tx1">
+                    <a:lumMod val="75000"/>
+                    <a:lumOff val="25000"/>
+                  </a:schemeClr>
+                </a:solidFill>
+                <a:latin typeface="+mj-ea"/>
+                <a:ea typeface="+mj-ea"/>
+              </a:rPr>
+              <a:t>by</a:t>
+            </a:r>
+            <a:r>
+              <a:rPr lang="ja-JP" altLang="en-US" sz="2400" b="1" dirty="0">
+                <a:solidFill>
+                  <a:schemeClr val="tx1">
+                    <a:lumMod val="75000"/>
+                    <a:lumOff val="25000"/>
+                  </a:schemeClr>
+                </a:solidFill>
+                <a:latin typeface="+mj-ea"/>
+                <a:ea typeface="+mj-ea"/>
+              </a:rPr>
+              <a:t>猪崎</a:t>
+            </a:r>
+            <a:endParaRPr lang="en-US" altLang="ja-JP" sz="3200" b="1" dirty="0">
+              <a:solidFill>
+                <a:schemeClr val="tx1">
+                  <a:lumMod val="75000"/>
+                  <a:lumOff val="25000"/>
+                </a:schemeClr>
+              </a:solidFill>
+              <a:latin typeface="+mj-ea"/>
+              <a:ea typeface="+mj-ea"/>
+            </a:endParaRPr>
+          </a:p>
+          <a:p>
+            <a:pPr>
+              <a:lnSpc>
+                <a:spcPct val="125000"/>
+              </a:lnSpc>
+            </a:pPr>
+            <a:r>
+              <a:rPr lang="ja-JP" altLang="en-US" sz="2000" b="1" dirty="0">
+                <a:solidFill>
+                  <a:schemeClr val="tx1">
+                    <a:lumMod val="75000"/>
+                    <a:lumOff val="25000"/>
+                  </a:schemeClr>
+                </a:solidFill>
+                <a:latin typeface="+mj-ea"/>
+                <a:ea typeface="+mj-ea"/>
+              </a:rPr>
+              <a:t>　・</a:t>
+            </a:r>
+            <a:r>
+              <a:rPr lang="en-US" altLang="ja-JP" sz="2000" b="1" dirty="0">
+                <a:solidFill>
+                  <a:schemeClr val="tx1">
+                    <a:lumMod val="75000"/>
+                    <a:lumOff val="25000"/>
+                  </a:schemeClr>
+                </a:solidFill>
+                <a:latin typeface="+mj-ea"/>
+                <a:ea typeface="+mj-ea"/>
+              </a:rPr>
+              <a:t>Atcoder-Beginner-Contest295</a:t>
+            </a:r>
+          </a:p>
+        </p:txBody>
+      </p:sp>
+      <p:sp>
+        <p:nvSpPr>
+          <p:cNvPr id="8" name="テキスト ボックス 7">
+            <a:extLst>
+              <a:ext uri="{FF2B5EF4-FFF2-40B4-BE49-F238E27FC236}">
+                <a16:creationId xmlns:a16="http://schemas.microsoft.com/office/drawing/2014/main" id="{AFDA64E1-77F0-A0BA-2AF2-9287EDF2F8E5}"/>
+              </a:ext>
+            </a:extLst>
+          </p:cNvPr>
+          <p:cNvSpPr txBox="1"/>
+          <p:nvPr/>
+        </p:nvSpPr>
+        <p:spPr>
+          <a:xfrm>
+            <a:off x="574066" y="2695242"/>
+            <a:ext cx="10866804" cy="1458091"/>
+          </a:xfrm>
+          <a:prstGeom prst="rect">
+            <a:avLst/>
+          </a:prstGeom>
+          <a:noFill/>
+        </p:spPr>
+        <p:txBody>
+          <a:bodyPr wrap="square" rtlCol="0">
+            <a:spAutoFit/>
+          </a:bodyPr>
+          <a:lstStyle/>
+          <a:p>
+            <a:pPr>
+              <a:lnSpc>
+                <a:spcPct val="125000"/>
+              </a:lnSpc>
+            </a:pPr>
+            <a:r>
+              <a:rPr lang="ja-JP" altLang="en-US" sz="3200" b="1" dirty="0">
+                <a:solidFill>
+                  <a:schemeClr val="tx1">
+                    <a:lumMod val="75000"/>
+                    <a:lumOff val="25000"/>
+                  </a:schemeClr>
+                </a:solidFill>
+                <a:latin typeface="+mj-ea"/>
+                <a:ea typeface="+mj-ea"/>
+              </a:rPr>
+              <a:t>○</a:t>
+            </a:r>
+            <a:r>
+              <a:rPr lang="en-US" altLang="ja-JP" sz="3200" b="1" dirty="0">
+                <a:solidFill>
+                  <a:schemeClr val="tx1">
+                    <a:lumMod val="75000"/>
+                    <a:lumOff val="25000"/>
+                  </a:schemeClr>
+                </a:solidFill>
+                <a:latin typeface="+mj-ea"/>
+                <a:ea typeface="+mj-ea"/>
+              </a:rPr>
+              <a:t>DS</a:t>
+            </a:r>
+            <a:r>
+              <a:rPr lang="ja-JP" altLang="en-US" sz="3200" b="1" dirty="0">
+                <a:solidFill>
+                  <a:schemeClr val="tx1">
+                    <a:lumMod val="75000"/>
+                    <a:lumOff val="25000"/>
+                  </a:schemeClr>
+                </a:solidFill>
+                <a:latin typeface="+mj-ea"/>
+                <a:ea typeface="+mj-ea"/>
+              </a:rPr>
+              <a:t>部門 </a:t>
+            </a:r>
+            <a:r>
+              <a:rPr lang="en-US" altLang="ja-JP" sz="2400" b="1" dirty="0">
+                <a:solidFill>
+                  <a:schemeClr val="tx1">
+                    <a:lumMod val="75000"/>
+                    <a:lumOff val="25000"/>
+                  </a:schemeClr>
+                </a:solidFill>
+                <a:latin typeface="+mj-ea"/>
+                <a:ea typeface="+mj-ea"/>
+              </a:rPr>
+              <a:t>by</a:t>
+            </a:r>
+            <a:r>
+              <a:rPr lang="ja-JP" altLang="en-US" sz="2400" b="1" dirty="0">
+                <a:solidFill>
+                  <a:schemeClr val="tx1">
+                    <a:lumMod val="75000"/>
+                    <a:lumOff val="25000"/>
+                  </a:schemeClr>
+                </a:solidFill>
+                <a:latin typeface="+mj-ea"/>
+                <a:ea typeface="+mj-ea"/>
+              </a:rPr>
+              <a:t>香山</a:t>
+            </a:r>
+            <a:endParaRPr lang="en-US" altLang="ja-JP" sz="2000" b="1" dirty="0">
+              <a:solidFill>
+                <a:schemeClr val="tx1">
+                  <a:lumMod val="75000"/>
+                  <a:lumOff val="25000"/>
+                </a:schemeClr>
+              </a:solidFill>
+              <a:latin typeface="+mj-ea"/>
+              <a:ea typeface="+mj-ea"/>
+            </a:endParaRPr>
+          </a:p>
+          <a:p>
+            <a:pPr>
+              <a:lnSpc>
+                <a:spcPct val="125000"/>
+              </a:lnSpc>
+            </a:pPr>
+            <a:r>
+              <a:rPr lang="ja-JP" altLang="en-US" sz="2000" b="1" dirty="0">
+                <a:solidFill>
+                  <a:schemeClr val="tx1">
+                    <a:lumMod val="75000"/>
+                    <a:lumOff val="25000"/>
+                  </a:schemeClr>
+                </a:solidFill>
+                <a:latin typeface="+mj-ea"/>
+                <a:ea typeface="+mj-ea"/>
+              </a:rPr>
+              <a:t>　・</a:t>
+            </a:r>
+            <a:r>
+              <a:rPr lang="en-US" altLang="ja-JP" sz="2000" b="1" dirty="0">
+                <a:solidFill>
+                  <a:schemeClr val="tx1">
+                    <a:lumMod val="75000"/>
+                    <a:lumOff val="25000"/>
+                  </a:schemeClr>
+                </a:solidFill>
+                <a:latin typeface="+mj-ea"/>
+                <a:ea typeface="+mj-ea"/>
+              </a:rPr>
+              <a:t> </a:t>
+            </a:r>
+            <a:r>
+              <a:rPr lang="ja-JP" altLang="en-US" sz="2000" b="1" dirty="0">
+                <a:solidFill>
+                  <a:schemeClr val="tx1">
+                    <a:lumMod val="75000"/>
+                    <a:lumOff val="25000"/>
+                  </a:schemeClr>
+                </a:solidFill>
+                <a:latin typeface="+mj-ea"/>
+                <a:ea typeface="+mj-ea"/>
+              </a:rPr>
+              <a:t>個人活動</a:t>
+            </a:r>
+            <a:endParaRPr lang="en-US" altLang="ja-JP" sz="2000" b="1" dirty="0">
+              <a:solidFill>
+                <a:schemeClr val="tx1">
+                  <a:lumMod val="75000"/>
+                  <a:lumOff val="25000"/>
+                </a:schemeClr>
+              </a:solidFill>
+              <a:latin typeface="+mj-ea"/>
+              <a:ea typeface="+mj-ea"/>
+            </a:endParaRPr>
+          </a:p>
+          <a:p>
+            <a:pPr>
+              <a:lnSpc>
+                <a:spcPct val="125000"/>
+              </a:lnSpc>
+            </a:pPr>
+            <a:r>
+              <a:rPr lang="ja-JP" altLang="en-US" sz="2000" b="1" dirty="0">
+                <a:solidFill>
+                  <a:schemeClr val="tx1">
+                    <a:lumMod val="75000"/>
+                    <a:lumOff val="25000"/>
+                  </a:schemeClr>
+                </a:solidFill>
+                <a:latin typeface="+mj-ea"/>
+                <a:ea typeface="+mj-ea"/>
+              </a:rPr>
+              <a:t>　・</a:t>
+            </a:r>
+            <a:r>
+              <a:rPr lang="en-US" altLang="ja-JP" sz="2000" b="1" dirty="0" err="1">
+                <a:solidFill>
+                  <a:schemeClr val="tx1">
+                    <a:lumMod val="75000"/>
+                    <a:lumOff val="25000"/>
+                  </a:schemeClr>
+                </a:solidFill>
+                <a:latin typeface="+mj-ea"/>
+                <a:ea typeface="+mj-ea"/>
+              </a:rPr>
+              <a:t>machine_coder</a:t>
+            </a:r>
+            <a:endParaRPr lang="en-US" altLang="ja-JP" sz="2000" b="1" dirty="0">
+              <a:solidFill>
+                <a:schemeClr val="tx1">
+                  <a:lumMod val="75000"/>
+                  <a:lumOff val="25000"/>
+                </a:schemeClr>
+              </a:solidFill>
+              <a:latin typeface="+mj-ea"/>
+              <a:ea typeface="+mj-ea"/>
+            </a:endParaRPr>
+          </a:p>
+        </p:txBody>
+      </p:sp>
+    </p:spTree>
+    <p:extLst>
+      <p:ext uri="{BB962C8B-B14F-4D97-AF65-F5344CB8AC3E}">
+        <p14:creationId xmlns:p14="http://schemas.microsoft.com/office/powerpoint/2010/main" val="2122905749"/>
+      </p:ext>
+    </p:extLst>
+  </p:cSld>
+  <p:clrMapOvr>
+    <a:masterClrMapping/>
+  </p:clrMapOvr>
+</p:sld>
+</file>
+
+<file path=ppt/slides/slide4.xml><?xml version="1.0" encoding="utf-8"?>
+<p:sld xmlns:a="http://schemas.openxmlformats.org/drawingml/2006/main" xmlns:r="http://schemas.openxmlformats.org/officeDocument/2006/relationships" xmlns:p="http://schemas.openxmlformats.org/presentationml/2006/main">
+  <p:cSld>
+    <p:spTree>
+      <p:nvGrpSpPr>
+        <p:cNvPr id="1" name=""/>
+        <p:cNvGrpSpPr/>
+        <p:nvPr/>
+      </p:nvGrpSpPr>
+      <p:grpSpPr>
+        <a:xfrm>
+          <a:off x="0" y="0"/>
+          <a:ext cx="0" cy="0"/>
+          <a:chOff x="0" y="0"/>
+          <a:chExt cx="0" cy="0"/>
+        </a:xfrm>
+      </p:grpSpPr>
+      <p:sp>
+        <p:nvSpPr>
+          <p:cNvPr id="2" name="タイトル 1">
+            <a:extLst>
+              <a:ext uri="{FF2B5EF4-FFF2-40B4-BE49-F238E27FC236}">
+                <a16:creationId xmlns:a16="http://schemas.microsoft.com/office/drawing/2014/main" id="{E8CBF806-088F-A02A-5C6F-73EFDB6EAFC5}"/>
+              </a:ext>
+            </a:extLst>
+          </p:cNvPr>
+          <p:cNvSpPr>
+            <a:spLocks noGrp="1"/>
+          </p:cNvSpPr>
+          <p:nvPr>
+            <p:ph type="title"/>
+          </p:nvPr>
+        </p:nvSpPr>
+        <p:spPr/>
+        <p:txBody>
+          <a:bodyPr/>
+          <a:lstStyle/>
+          <a:p>
+            <a:r>
+              <a:rPr kumimoji="1" lang="en-US" altLang="ja-JP" sz="4400" b="1" dirty="0">
+                <a:solidFill>
+                  <a:schemeClr val="bg1"/>
+                </a:solidFill>
+              </a:rPr>
+              <a:t>2 . </a:t>
+            </a:r>
+            <a:r>
+              <a:rPr kumimoji="1" lang="ja-JP" altLang="en-US" sz="4400" b="1" dirty="0">
+                <a:solidFill>
+                  <a:schemeClr val="bg1"/>
+                </a:solidFill>
+              </a:rPr>
+              <a:t>連絡事項</a:t>
+            </a:r>
+            <a:endParaRPr kumimoji="1" lang="ja-JP" altLang="en-US" dirty="0"/>
+          </a:p>
+        </p:txBody>
+      </p:sp>
+      <p:sp>
+        <p:nvSpPr>
+          <p:cNvPr id="3" name="コンテンツ プレースホルダー 2">
+            <a:extLst>
+              <a:ext uri="{FF2B5EF4-FFF2-40B4-BE49-F238E27FC236}">
+                <a16:creationId xmlns:a16="http://schemas.microsoft.com/office/drawing/2014/main" id="{48108E73-7461-4C4F-C689-D49F5494A025}"/>
+              </a:ext>
+            </a:extLst>
+          </p:cNvPr>
+          <p:cNvSpPr>
+            <a:spLocks noGrp="1"/>
+          </p:cNvSpPr>
+          <p:nvPr>
+            <p:ph idx="1"/>
+          </p:nvPr>
+        </p:nvSpPr>
+        <p:spPr>
+          <a:xfrm>
+            <a:off x="120316" y="1825625"/>
+            <a:ext cx="11951368" cy="4351338"/>
+          </a:xfrm>
+        </p:spPr>
+        <p:txBody>
+          <a:bodyPr anchor="ctr">
+            <a:normAutofit/>
+          </a:bodyPr>
+          <a:lstStyle/>
+          <a:p>
+            <a:pPr marL="0" indent="0" algn="ctr">
+              <a:buNone/>
+            </a:pPr>
+            <a:r>
+              <a:rPr lang="ja-JP" altLang="en-US" sz="3200" b="0" i="0" dirty="0">
+                <a:solidFill>
+                  <a:srgbClr val="1D1C1D"/>
+                </a:solidFill>
+                <a:effectLst/>
+                <a:latin typeface="NotoSansJP"/>
+              </a:rPr>
+              <a:t>掲示が遅れましたが</a:t>
+            </a:r>
+            <a:r>
+              <a:rPr lang="ja-JP" altLang="en-US" sz="3200" b="1" i="0" dirty="0">
+                <a:solidFill>
+                  <a:srgbClr val="1D1C1D"/>
+                </a:solidFill>
+                <a:effectLst/>
+                <a:latin typeface="NotoSansJP"/>
+              </a:rPr>
+              <a:t>春から活動予定の</a:t>
+            </a:r>
+            <a:r>
+              <a:rPr lang="en-US" altLang="ja-JP" sz="3200" b="1" i="0" dirty="0">
+                <a:solidFill>
+                  <a:srgbClr val="1D1C1D"/>
+                </a:solidFill>
+                <a:effectLst/>
+                <a:latin typeface="NotoSansJP"/>
+              </a:rPr>
+              <a:t>discord</a:t>
+            </a:r>
+            <a:r>
+              <a:rPr lang="ja-JP" altLang="en-US" sz="3200" b="1" i="0" dirty="0">
+                <a:solidFill>
+                  <a:srgbClr val="1D1C1D"/>
+                </a:solidFill>
+                <a:effectLst/>
+                <a:latin typeface="NotoSansJP"/>
+              </a:rPr>
+              <a:t>のリンク</a:t>
+            </a:r>
+            <a:r>
+              <a:rPr lang="ja-JP" altLang="en-US" sz="3200" b="0" i="0" dirty="0">
+                <a:solidFill>
+                  <a:srgbClr val="1D1C1D"/>
+                </a:solidFill>
+                <a:effectLst/>
+                <a:latin typeface="NotoSansJP"/>
+              </a:rPr>
+              <a:t>です！</a:t>
+            </a:r>
+            <a:br>
+              <a:rPr lang="ja-JP" altLang="en-US" sz="3200" dirty="0"/>
+            </a:br>
+            <a:r>
+              <a:rPr lang="en-US" altLang="ja-JP" sz="3200" b="0" i="0" u="none" strike="noStrike" dirty="0">
+                <a:effectLst/>
+                <a:latin typeface="NotoSansJP"/>
+                <a:hlinkClick r:id="rId2"/>
+              </a:rPr>
+              <a:t>https://discord.gg/GvketDmJ</a:t>
+            </a:r>
+            <a:endParaRPr lang="en-US" altLang="ja-JP" sz="3200" b="0" i="0" u="none" strike="noStrike" dirty="0">
+              <a:effectLst/>
+              <a:latin typeface="NotoSansJP"/>
+            </a:endParaRPr>
+          </a:p>
+          <a:p>
+            <a:pPr marL="0" indent="0" algn="ctr">
+              <a:buNone/>
+            </a:pPr>
+            <a:endParaRPr lang="en-US" altLang="ja-JP" sz="3200" b="0" i="0" u="none" strike="noStrike" dirty="0">
+              <a:effectLst/>
+              <a:latin typeface="NotoSansJP"/>
+            </a:endParaRPr>
+          </a:p>
+          <a:p>
+            <a:pPr marL="0" indent="0" algn="ctr">
+              <a:buNone/>
+            </a:pPr>
+            <a:r>
+              <a:rPr lang="ja-JP" altLang="en-US" sz="3200" b="0" i="0" dirty="0">
+                <a:solidFill>
+                  <a:srgbClr val="1D1C1D"/>
+                </a:solidFill>
+                <a:effectLst/>
+                <a:latin typeface="NotoSansJP"/>
+              </a:rPr>
+              <a:t>部員だけの場所というよりも</a:t>
+            </a:r>
+            <a:r>
+              <a:rPr lang="ja-JP" altLang="en-US" sz="3200" b="1" i="0" dirty="0">
+                <a:solidFill>
+                  <a:srgbClr val="1D1C1D"/>
+                </a:solidFill>
+                <a:effectLst/>
+                <a:latin typeface="NotoSansJP"/>
+              </a:rPr>
+              <a:t>新入生の体験入部なども含めた</a:t>
+            </a:r>
+            <a:endParaRPr lang="en-US" altLang="ja-JP" sz="3200" b="1" i="0" dirty="0">
+              <a:solidFill>
+                <a:srgbClr val="1D1C1D"/>
+              </a:solidFill>
+              <a:effectLst/>
+              <a:latin typeface="NotoSansJP"/>
+            </a:endParaRPr>
+          </a:p>
+          <a:p>
+            <a:pPr marL="0" indent="0" algn="ctr">
+              <a:buNone/>
+            </a:pPr>
+            <a:r>
+              <a:rPr lang="en-US" altLang="ja-JP" sz="3200" b="1" i="0" dirty="0">
+                <a:solidFill>
+                  <a:srgbClr val="1D1C1D"/>
+                </a:solidFill>
+                <a:effectLst/>
+                <a:latin typeface="NotoSansJP"/>
+              </a:rPr>
+              <a:t>DA</a:t>
+            </a:r>
+            <a:r>
+              <a:rPr lang="ja-JP" altLang="en-US" sz="3200" b="1" i="0" dirty="0">
+                <a:solidFill>
+                  <a:srgbClr val="1D1C1D"/>
+                </a:solidFill>
+                <a:effectLst/>
+                <a:latin typeface="NotoSansJP"/>
+              </a:rPr>
+              <a:t>研の活動全般をこのサーバで行う予定</a:t>
+            </a:r>
+            <a:r>
+              <a:rPr lang="ja-JP" altLang="en-US" sz="3200" b="0" i="0" dirty="0">
+                <a:solidFill>
+                  <a:srgbClr val="1D1C1D"/>
+                </a:solidFill>
+                <a:effectLst/>
+                <a:latin typeface="NotoSansJP"/>
+              </a:rPr>
+              <a:t>なのでぜひ</a:t>
+            </a:r>
+            <a:r>
+              <a:rPr lang="en-US" altLang="ja-JP" sz="3200" b="0" i="0" dirty="0">
+                <a:solidFill>
+                  <a:srgbClr val="1D1C1D"/>
+                </a:solidFill>
+                <a:effectLst/>
+                <a:latin typeface="NotoSansJP"/>
+              </a:rPr>
+              <a:t>OB</a:t>
+            </a:r>
+            <a:r>
+              <a:rPr lang="ja-JP" altLang="en-US" sz="3200" b="0" i="0" dirty="0">
+                <a:solidFill>
+                  <a:srgbClr val="1D1C1D"/>
+                </a:solidFill>
+                <a:effectLst/>
+                <a:latin typeface="NotoSansJP"/>
+              </a:rPr>
+              <a:t>・</a:t>
+            </a:r>
+            <a:r>
+              <a:rPr lang="en-US" altLang="ja-JP" sz="3200" b="0" i="0" dirty="0">
+                <a:solidFill>
+                  <a:srgbClr val="1D1C1D"/>
+                </a:solidFill>
+                <a:effectLst/>
+                <a:latin typeface="NotoSansJP"/>
+              </a:rPr>
+              <a:t>OG</a:t>
+            </a:r>
+            <a:r>
+              <a:rPr lang="ja-JP" altLang="en-US" sz="3200" b="0" i="0" dirty="0">
+                <a:solidFill>
+                  <a:srgbClr val="1D1C1D"/>
+                </a:solidFill>
+                <a:effectLst/>
+                <a:latin typeface="NotoSansJP"/>
+              </a:rPr>
+              <a:t>の</a:t>
+            </a:r>
+            <a:endParaRPr lang="en-US" altLang="ja-JP" sz="3200" b="0" i="0" dirty="0">
+              <a:solidFill>
+                <a:srgbClr val="1D1C1D"/>
+              </a:solidFill>
+              <a:effectLst/>
+              <a:latin typeface="NotoSansJP"/>
+            </a:endParaRPr>
+          </a:p>
+          <a:p>
+            <a:pPr marL="0" indent="0" algn="ctr">
+              <a:buNone/>
+            </a:pPr>
+            <a:r>
+              <a:rPr lang="ja-JP" altLang="en-US" sz="3200" b="0" i="0" dirty="0">
+                <a:solidFill>
+                  <a:srgbClr val="1D1C1D"/>
+                </a:solidFill>
+                <a:effectLst/>
+                <a:latin typeface="NotoSansJP"/>
+              </a:rPr>
+              <a:t>方々も参加していただければと思います！！</a:t>
+            </a:r>
+            <a:endParaRPr kumimoji="1" lang="en-US" altLang="ja-JP" sz="4400" b="1" dirty="0"/>
+          </a:p>
+        </p:txBody>
+      </p:sp>
+    </p:spTree>
+    <p:extLst>
+      <p:ext uri="{BB962C8B-B14F-4D97-AF65-F5344CB8AC3E}">
+        <p14:creationId xmlns:p14="http://schemas.microsoft.com/office/powerpoint/2010/main" val="3423514607"/>
+      </p:ext>
+    </p:extLst>
+  </p:cSld>
+  <p:clrMapOvr>
+    <a:masterClrMapping/>
+  </p:clrMapOvr>
+</p:sld>
+</file>
+
+<file path=ppt/slides/slide5.xml><?xml version="1.0" encoding="utf-8"?>
+<p:sld xmlns:a="http://schemas.openxmlformats.org/drawingml/2006/main" xmlns:r="http://schemas.openxmlformats.org/officeDocument/2006/relationships" xmlns:p="http://schemas.openxmlformats.org/presentationml/2006/main">
+  <p:cSld>
+    <p:spTree>
+      <p:nvGrpSpPr>
+        <p:cNvPr id="1" name=""/>
+        <p:cNvGrpSpPr/>
+        <p:nvPr/>
+      </p:nvGrpSpPr>
+      <p:grpSpPr>
+        <a:xfrm>
+          <a:off x="0" y="0"/>
+          <a:ext cx="0" cy="0"/>
+          <a:chOff x="0" y="0"/>
+          <a:chExt cx="0" cy="0"/>
+        </a:xfrm>
+      </p:grpSpPr>
+      <p:sp>
+        <p:nvSpPr>
+          <p:cNvPr id="2" name="タイトル 1">
+            <a:extLst>
+              <a:ext uri="{FF2B5EF4-FFF2-40B4-BE49-F238E27FC236}">
+                <a16:creationId xmlns:a16="http://schemas.microsoft.com/office/drawing/2014/main" id="{E8CBF806-088F-A02A-5C6F-73EFDB6EAFC5}"/>
+              </a:ext>
+            </a:extLst>
+          </p:cNvPr>
+          <p:cNvSpPr>
+            <a:spLocks noGrp="1"/>
+          </p:cNvSpPr>
+          <p:nvPr>
+            <p:ph type="title"/>
+          </p:nvPr>
+        </p:nvSpPr>
+        <p:spPr/>
+        <p:txBody>
+          <a:bodyPr/>
+          <a:lstStyle/>
+          <a:p>
+            <a:r>
+              <a:rPr kumimoji="1" lang="en-US" altLang="ja-JP" sz="4400" b="1" dirty="0">
+                <a:solidFill>
+                  <a:schemeClr val="bg1"/>
+                </a:solidFill>
+              </a:rPr>
+              <a:t>2 . </a:t>
+            </a:r>
+            <a:r>
+              <a:rPr kumimoji="1" lang="ja-JP" altLang="en-US" sz="4400" b="1" dirty="0">
+                <a:solidFill>
+                  <a:schemeClr val="bg1"/>
+                </a:solidFill>
+              </a:rPr>
+              <a:t>連絡事項</a:t>
+            </a:r>
+            <a:endParaRPr kumimoji="1" lang="ja-JP" altLang="en-US" dirty="0"/>
+          </a:p>
+        </p:txBody>
+      </p:sp>
+      <p:sp>
+        <p:nvSpPr>
+          <p:cNvPr id="5" name="コンテンツ プレースホルダー 4">
+            <a:extLst>
+              <a:ext uri="{FF2B5EF4-FFF2-40B4-BE49-F238E27FC236}">
+                <a16:creationId xmlns:a16="http://schemas.microsoft.com/office/drawing/2014/main" id="{3BFE9A73-DE60-7CC5-AA59-6E9B3A5B5113}"/>
+              </a:ext>
+            </a:extLst>
+          </p:cNvPr>
+          <p:cNvSpPr>
+            <a:spLocks noGrp="1"/>
+          </p:cNvSpPr>
+          <p:nvPr>
+            <p:ph idx="1"/>
+          </p:nvPr>
+        </p:nvSpPr>
+        <p:spPr/>
+        <p:txBody>
+          <a:bodyPr/>
+          <a:lstStyle/>
+          <a:p>
+            <a:pPr marL="0" indent="0">
+              <a:buNone/>
+            </a:pPr>
+            <a:r>
+              <a:rPr lang="ja-JP" altLang="en-US" dirty="0"/>
+              <a:t>経営陣の募集、続投の可否決定をします！</a:t>
+            </a:r>
+            <a:endParaRPr lang="en-US" altLang="ja-JP" dirty="0"/>
+          </a:p>
+          <a:p>
+            <a:pPr marL="0" indent="0">
+              <a:buNone/>
+            </a:pPr>
+            <a:endParaRPr lang="en-US" altLang="ja-JP" b="1" dirty="0"/>
+          </a:p>
+          <a:p>
+            <a:pPr marL="0" indent="0">
+              <a:buNone/>
+            </a:pPr>
+            <a:r>
+              <a:rPr lang="ja-JP" altLang="en-US" sz="3600" b="1" dirty="0"/>
+              <a:t>〇企画・広報、副部長の募集</a:t>
+            </a:r>
+            <a:endParaRPr lang="en-US" altLang="ja-JP" sz="3600" b="1" dirty="0"/>
+          </a:p>
+          <a:p>
+            <a:pPr marL="0" indent="0">
+              <a:buNone/>
+            </a:pPr>
+            <a:r>
+              <a:rPr lang="ja-JP" altLang="en-US" sz="3600" b="1" dirty="0"/>
+              <a:t>〇部長の続投の可否決定</a:t>
+            </a:r>
+            <a:endParaRPr lang="en-US" altLang="ja-JP" sz="3600" b="1" dirty="0"/>
+          </a:p>
+          <a:p>
+            <a:pPr marL="0" indent="0">
+              <a:buNone/>
+            </a:pPr>
+            <a:endParaRPr lang="en-US" altLang="ja-JP" sz="3600" dirty="0"/>
+          </a:p>
+          <a:p>
+            <a:pPr marL="0" indent="0">
+              <a:buNone/>
+            </a:pPr>
+            <a:r>
+              <a:rPr lang="ja-JP" altLang="en-US" dirty="0"/>
+              <a:t>今後の議会で決定します。</a:t>
+            </a:r>
+          </a:p>
+        </p:txBody>
+      </p:sp>
+    </p:spTree>
+    <p:extLst>
+      <p:ext uri="{BB962C8B-B14F-4D97-AF65-F5344CB8AC3E}">
+        <p14:creationId xmlns:p14="http://schemas.microsoft.com/office/powerpoint/2010/main" val="3459076127"/>
+      </p:ext>
+    </p:extLst>
+  </p:cSld>
+  <p:clrMapOvr>
+    <a:masterClrMapping/>
+  </p:clrMapOvr>
+</p:sld>
+</file>
+
+<file path=ppt/slides/slide6.xml><?xml version="1.0" encoding="utf-8"?>
+<p:sld xmlns:a="http://schemas.openxmlformats.org/drawingml/2006/main" xmlns:r="http://schemas.openxmlformats.org/officeDocument/2006/relationships" xmlns:p="http://schemas.openxmlformats.org/presentationml/2006/main">
+  <p:cSld>
+    <p:spTree>
+      <p:nvGrpSpPr>
+        <p:cNvPr id="1" name=""/>
+        <p:cNvGrpSpPr/>
+        <p:nvPr/>
+      </p:nvGrpSpPr>
+      <p:grpSpPr>
+        <a:xfrm>
+          <a:off x="0" y="0"/>
+          <a:ext cx="0" cy="0"/>
+          <a:chOff x="0" y="0"/>
+          <a:chExt cx="0" cy="0"/>
+        </a:xfrm>
+      </p:grpSpPr>
+      <p:sp>
+        <p:nvSpPr>
+          <p:cNvPr id="2" name="タイトル 1">
+            <a:extLst>
+              <a:ext uri="{FF2B5EF4-FFF2-40B4-BE49-F238E27FC236}">
+                <a16:creationId xmlns:a16="http://schemas.microsoft.com/office/drawing/2014/main" id="{E8CBF806-088F-A02A-5C6F-73EFDB6EAFC5}"/>
+              </a:ext>
+            </a:extLst>
+          </p:cNvPr>
+          <p:cNvSpPr>
+            <a:spLocks noGrp="1"/>
+          </p:cNvSpPr>
+          <p:nvPr>
+            <p:ph type="title"/>
+          </p:nvPr>
+        </p:nvSpPr>
+        <p:spPr/>
+        <p:txBody>
+          <a:bodyPr/>
+          <a:lstStyle/>
+          <a:p>
+            <a:r>
+              <a:rPr kumimoji="1" lang="en-US" altLang="ja-JP" sz="4400" b="1" dirty="0">
+                <a:solidFill>
+                  <a:schemeClr val="bg1"/>
+                </a:solidFill>
+              </a:rPr>
+              <a:t>2 . </a:t>
+            </a:r>
+            <a:r>
+              <a:rPr kumimoji="1" lang="ja-JP" altLang="en-US" sz="4400" b="1" dirty="0">
+                <a:solidFill>
+                  <a:schemeClr val="bg1"/>
+                </a:solidFill>
+              </a:rPr>
+              <a:t>連絡事項</a:t>
+            </a:r>
+            <a:endParaRPr kumimoji="1" lang="ja-JP" altLang="en-US" dirty="0"/>
+          </a:p>
+        </p:txBody>
+      </p:sp>
+      <p:sp>
+        <p:nvSpPr>
+          <p:cNvPr id="5" name="コンテンツ プレースホルダー 4">
+            <a:extLst>
+              <a:ext uri="{FF2B5EF4-FFF2-40B4-BE49-F238E27FC236}">
+                <a16:creationId xmlns:a16="http://schemas.microsoft.com/office/drawing/2014/main" id="{D3BA5351-99EF-2DAE-05B9-A2E75EE2D72C}"/>
+              </a:ext>
+            </a:extLst>
+          </p:cNvPr>
+          <p:cNvSpPr>
+            <a:spLocks noGrp="1"/>
+          </p:cNvSpPr>
+          <p:nvPr>
+            <p:ph idx="1"/>
+          </p:nvPr>
+        </p:nvSpPr>
+        <p:spPr/>
+        <p:txBody>
+          <a:bodyPr/>
+          <a:lstStyle/>
+          <a:p>
+            <a:pPr marL="0" indent="0">
+              <a:buNone/>
+            </a:pPr>
+            <a:r>
+              <a:rPr lang="ja-JP" altLang="en-US" sz="4400" b="1" dirty="0"/>
+              <a:t>新歓の実施</a:t>
+            </a:r>
+            <a:r>
+              <a:rPr lang="en-US" altLang="ja-JP" sz="4400" b="1" dirty="0"/>
+              <a:t>!!!</a:t>
+            </a:r>
+            <a:endParaRPr lang="en-US" altLang="ja-JP" sz="4000" b="1" dirty="0"/>
+          </a:p>
+          <a:p>
+            <a:pPr marL="0" indent="0">
+              <a:buNone/>
+            </a:pPr>
+            <a:r>
+              <a:rPr lang="ja-JP" altLang="en-US" dirty="0"/>
+              <a:t>新歓を知るカフェを貸し切りの形で実施しようと考えています！</a:t>
+            </a:r>
+            <a:endParaRPr lang="en-US" altLang="ja-JP" dirty="0"/>
+          </a:p>
+          <a:p>
+            <a:pPr marL="0" indent="0">
+              <a:buNone/>
+            </a:pPr>
+            <a:r>
+              <a:rPr lang="ja-JP" altLang="en-US" dirty="0"/>
+              <a:t>日程は</a:t>
+            </a:r>
+            <a:r>
+              <a:rPr lang="en-US" altLang="ja-JP" dirty="0"/>
+              <a:t>4/27(</a:t>
+            </a:r>
+            <a:r>
+              <a:rPr lang="ja-JP" altLang="en-US" dirty="0"/>
+              <a:t>木</a:t>
+            </a:r>
+            <a:r>
+              <a:rPr lang="en-US" altLang="ja-JP" dirty="0"/>
+              <a:t>) 16:30~</a:t>
+            </a:r>
+            <a:r>
+              <a:rPr lang="ja-JP" altLang="en-US" dirty="0"/>
+              <a:t>でほぼ決定です！</a:t>
+            </a:r>
+            <a:endParaRPr lang="en-US" altLang="ja-JP" dirty="0"/>
+          </a:p>
+          <a:p>
+            <a:pPr marL="0" indent="0">
+              <a:buNone/>
+            </a:pPr>
+            <a:endParaRPr lang="en-US" altLang="ja-JP" dirty="0"/>
+          </a:p>
+          <a:p>
+            <a:pPr marL="0" indent="0">
+              <a:buNone/>
+            </a:pPr>
+            <a:r>
+              <a:rPr lang="ja-JP" altLang="en-US" dirty="0"/>
+              <a:t>そのために知るカフェの新規登録が</a:t>
+            </a:r>
+            <a:r>
+              <a:rPr lang="en-US" altLang="ja-JP" dirty="0"/>
+              <a:t>18</a:t>
+            </a:r>
+            <a:r>
+              <a:rPr lang="ja-JP" altLang="en-US" dirty="0"/>
+              <a:t>人必要なのでご協力お願いします！</a:t>
+            </a:r>
+            <a:endParaRPr lang="en-US" altLang="ja-JP" dirty="0"/>
+          </a:p>
+          <a:p>
+            <a:pPr marL="0" indent="0">
+              <a:buNone/>
+            </a:pPr>
+            <a:endParaRPr lang="ja-JP" altLang="en-US" dirty="0"/>
+          </a:p>
+        </p:txBody>
+      </p:sp>
+    </p:spTree>
+    <p:extLst>
+      <p:ext uri="{BB962C8B-B14F-4D97-AF65-F5344CB8AC3E}">
+        <p14:creationId xmlns:p14="http://schemas.microsoft.com/office/powerpoint/2010/main" val="2827614838"/>
+      </p:ext>
+    </p:extLst>
+  </p:cSld>
+  <p:clrMapOvr>
+    <a:masterClrMapping/>
+  </p:clrMapOvr>
+</p:sld>
+</file>
+
+<file path=ppt/slides/slide7.xml><?xml version="1.0" encoding="utf-8"?>
+<p:sld xmlns:a="http://schemas.openxmlformats.org/drawingml/2006/main" xmlns:r="http://schemas.openxmlformats.org/officeDocument/2006/relationships" xmlns:p="http://schemas.openxmlformats.org/presentationml/2006/main">
+  <p:cSld>
+    <p:spTree>
+      <p:nvGrpSpPr>
+        <p:cNvPr id="1" name=""/>
+        <p:cNvGrpSpPr/>
+        <p:nvPr/>
+      </p:nvGrpSpPr>
+      <p:grpSpPr>
+        <a:xfrm>
+          <a:off x="0" y="0"/>
+          <a:ext cx="0" cy="0"/>
+          <a:chOff x="0" y="0"/>
+          <a:chExt cx="0" cy="0"/>
+        </a:xfrm>
+      </p:grpSpPr>
+      <p:sp>
+        <p:nvSpPr>
+          <p:cNvPr id="2" name="タイトル 1">
+            <a:extLst>
+              <a:ext uri="{FF2B5EF4-FFF2-40B4-BE49-F238E27FC236}">
+                <a16:creationId xmlns:a16="http://schemas.microsoft.com/office/drawing/2014/main" id="{E8CBF806-088F-A02A-5C6F-73EFDB6EAFC5}"/>
+              </a:ext>
+            </a:extLst>
+          </p:cNvPr>
+          <p:cNvSpPr>
+            <a:spLocks noGrp="1"/>
+          </p:cNvSpPr>
+          <p:nvPr>
+            <p:ph type="title"/>
+          </p:nvPr>
+        </p:nvSpPr>
+        <p:spPr/>
+        <p:txBody>
+          <a:bodyPr/>
+          <a:lstStyle/>
+          <a:p>
+            <a:r>
+              <a:rPr kumimoji="1" lang="en-US" altLang="ja-JP" sz="4400" b="1" dirty="0">
+                <a:solidFill>
+                  <a:schemeClr val="bg1"/>
+                </a:solidFill>
+              </a:rPr>
+              <a:t>2 . </a:t>
+            </a:r>
+            <a:r>
+              <a:rPr kumimoji="1" lang="ja-JP" altLang="en-US" sz="4400" b="1" dirty="0">
+                <a:solidFill>
+                  <a:schemeClr val="bg1"/>
+                </a:solidFill>
+              </a:rPr>
+              <a:t>連絡事項</a:t>
+            </a:r>
+            <a:endParaRPr kumimoji="1" lang="ja-JP" altLang="en-US" dirty="0"/>
+          </a:p>
+        </p:txBody>
+      </p:sp>
+      <p:sp>
+        <p:nvSpPr>
+          <p:cNvPr id="5" name="コンテンツ プレースホルダー 4">
+            <a:extLst>
+              <a:ext uri="{FF2B5EF4-FFF2-40B4-BE49-F238E27FC236}">
+                <a16:creationId xmlns:a16="http://schemas.microsoft.com/office/drawing/2014/main" id="{F2047DB9-0999-9654-5DBA-6FC3AA9B4B04}"/>
+              </a:ext>
+            </a:extLst>
+          </p:cNvPr>
+          <p:cNvSpPr>
+            <a:spLocks noGrp="1"/>
+          </p:cNvSpPr>
+          <p:nvPr>
+            <p:ph idx="1"/>
+          </p:nvPr>
+        </p:nvSpPr>
+        <p:spPr/>
+        <p:txBody>
+          <a:bodyPr/>
+          <a:lstStyle/>
+          <a:p>
+            <a:pPr marL="0" indent="0">
+              <a:buNone/>
+            </a:pPr>
+            <a:r>
+              <a:rPr lang="ja-JP" altLang="en-US" sz="4000" b="1" dirty="0"/>
+              <a:t>カレッジ音楽祭のアンケート調査の募集</a:t>
+            </a:r>
+            <a:r>
+              <a:rPr lang="en-US" altLang="ja-JP" sz="4000" b="1" dirty="0"/>
+              <a:t>!!!</a:t>
+            </a:r>
+          </a:p>
+          <a:p>
+            <a:pPr marL="0" indent="0">
+              <a:buNone/>
+            </a:pPr>
+            <a:r>
+              <a:rPr lang="en-US" altLang="ja-JP" dirty="0"/>
+              <a:t>slack</a:t>
+            </a:r>
+            <a:r>
+              <a:rPr lang="ja-JP" altLang="en-US" dirty="0"/>
+              <a:t>の</a:t>
+            </a:r>
+            <a:r>
+              <a:rPr lang="en-US" altLang="ja-JP" dirty="0"/>
+              <a:t>#1_0_1_gereral</a:t>
+            </a:r>
+            <a:r>
+              <a:rPr lang="ja-JP" altLang="en-US" dirty="0"/>
+              <a:t>で共有されていますが、去年に引き続きカレッジ音楽祭のアンケート調査を手伝ってくれる人を募集しています！</a:t>
+            </a:r>
+            <a:endParaRPr lang="en-US" altLang="ja-JP" dirty="0"/>
+          </a:p>
+          <a:p>
+            <a:pPr marL="0" indent="0">
+              <a:buNone/>
+            </a:pPr>
+            <a:endParaRPr lang="en-US" altLang="ja-JP" dirty="0"/>
+          </a:p>
+          <a:p>
+            <a:pPr marL="0" indent="0">
+              <a:buNone/>
+            </a:pPr>
+            <a:r>
+              <a:rPr lang="ja-JP" altLang="en-US" dirty="0"/>
+              <a:t>振るってご参加ください！！！</a:t>
+            </a:r>
+          </a:p>
+        </p:txBody>
+      </p:sp>
+    </p:spTree>
+    <p:extLst>
+      <p:ext uri="{BB962C8B-B14F-4D97-AF65-F5344CB8AC3E}">
+        <p14:creationId xmlns:p14="http://schemas.microsoft.com/office/powerpoint/2010/main" val="3829462099"/>
+      </p:ext>
+    </p:extLst>
+  </p:cSld>
+  <p:clrMapOvr>
+    <a:masterClrMapping/>
+  </p:clrMapOvr>
+</p:sld>
+</file>
+
+<file path=ppt/slides/slide8.xml><?xml version="1.0" encoding="utf-8"?>
+<p:sld xmlns:a="http://schemas.openxmlformats.org/drawingml/2006/main" xmlns:r="http://schemas.openxmlformats.org/officeDocument/2006/relationships" xmlns:p="http://schemas.openxmlformats.org/presentationml/2006/main">
+  <p:cSld>
+    <p:spTree>
+      <p:nvGrpSpPr>
+        <p:cNvPr id="1" name=""/>
+        <p:cNvGrpSpPr/>
+        <p:nvPr/>
+      </p:nvGrpSpPr>
+      <p:grpSpPr>
+        <a:xfrm>
+          <a:off x="0" y="0"/>
+          <a:ext cx="0" cy="0"/>
+          <a:chOff x="0" y="0"/>
+          <a:chExt cx="0" cy="0"/>
+        </a:xfrm>
+      </p:grpSpPr>
+      <p:sp>
+        <p:nvSpPr>
+          <p:cNvPr id="2" name="タイトル 1">
+            <a:extLst>
+              <a:ext uri="{FF2B5EF4-FFF2-40B4-BE49-F238E27FC236}">
+                <a16:creationId xmlns:a16="http://schemas.microsoft.com/office/drawing/2014/main" id="{E8CBF806-088F-A02A-5C6F-73EFDB6EAFC5}"/>
+              </a:ext>
+            </a:extLst>
+          </p:cNvPr>
+          <p:cNvSpPr>
+            <a:spLocks noGrp="1"/>
+          </p:cNvSpPr>
+          <p:nvPr>
+            <p:ph type="title"/>
+          </p:nvPr>
+        </p:nvSpPr>
+        <p:spPr/>
+        <p:txBody>
+          <a:bodyPr/>
+          <a:lstStyle/>
+          <a:p>
+            <a:r>
+              <a:rPr kumimoji="1" lang="en-US" altLang="ja-JP" sz="4400" b="1" dirty="0">
+                <a:solidFill>
+                  <a:schemeClr val="bg1"/>
+                </a:solidFill>
+              </a:rPr>
+              <a:t>2 . </a:t>
+            </a:r>
+            <a:r>
+              <a:rPr kumimoji="1" lang="ja-JP" altLang="en-US" sz="4400" b="1" dirty="0">
+                <a:solidFill>
+                  <a:schemeClr val="bg1"/>
+                </a:solidFill>
+              </a:rPr>
+              <a:t>連絡事項</a:t>
+            </a:r>
+            <a:endParaRPr kumimoji="1" lang="ja-JP" altLang="en-US" dirty="0"/>
+          </a:p>
+        </p:txBody>
+      </p:sp>
+      <p:sp>
+        <p:nvSpPr>
+          <p:cNvPr id="5" name="コンテンツ プレースホルダー 4">
+            <a:extLst>
+              <a:ext uri="{FF2B5EF4-FFF2-40B4-BE49-F238E27FC236}">
+                <a16:creationId xmlns:a16="http://schemas.microsoft.com/office/drawing/2014/main" id="{F2047DB9-0999-9654-5DBA-6FC3AA9B4B04}"/>
+              </a:ext>
+            </a:extLst>
+          </p:cNvPr>
+          <p:cNvSpPr>
+            <a:spLocks noGrp="1"/>
+          </p:cNvSpPr>
+          <p:nvPr>
+            <p:ph idx="1"/>
+          </p:nvPr>
+        </p:nvSpPr>
+        <p:spPr/>
+        <p:txBody>
+          <a:bodyPr>
+            <a:normAutofit/>
+          </a:bodyPr>
+          <a:lstStyle/>
+          <a:p>
+            <a:pPr marL="0" indent="0">
+              <a:buNone/>
+            </a:pPr>
+            <a:r>
+              <a:rPr lang="en-US" altLang="ja-JP" sz="4000" b="1" dirty="0"/>
+              <a:t>machine-coder</a:t>
+            </a:r>
+            <a:r>
+              <a:rPr lang="ja-JP" altLang="en-US" sz="4000" b="1" dirty="0"/>
+              <a:t>のこれからについて</a:t>
+            </a:r>
+            <a:endParaRPr lang="en-US" altLang="ja-JP" sz="4000" b="1" dirty="0"/>
+          </a:p>
+          <a:p>
+            <a:pPr marL="0" indent="0">
+              <a:buNone/>
+            </a:pPr>
+            <a:r>
+              <a:rPr lang="ja-JP" altLang="en-US" dirty="0"/>
+              <a:t>活動内容：そのまま</a:t>
+            </a:r>
+            <a:endParaRPr lang="en-US" altLang="ja-JP" dirty="0"/>
+          </a:p>
+          <a:p>
+            <a:pPr marL="0" indent="0">
+              <a:buNone/>
+            </a:pPr>
+            <a:r>
+              <a:rPr lang="en-US" altLang="ja-JP" dirty="0"/>
+              <a:t>	</a:t>
+            </a:r>
+            <a:r>
+              <a:rPr lang="ja-JP" altLang="en-US" dirty="0"/>
+              <a:t>学期中は</a:t>
+            </a:r>
+            <a:r>
+              <a:rPr lang="en-US" altLang="ja-JP" dirty="0"/>
+              <a:t>Kaggle</a:t>
+            </a:r>
+            <a:r>
+              <a:rPr lang="ja-JP" altLang="en-US" dirty="0"/>
+              <a:t>のデータセットを利用した分析</a:t>
+            </a:r>
+            <a:endParaRPr lang="en-US" altLang="ja-JP" dirty="0"/>
+          </a:p>
+          <a:p>
+            <a:pPr marL="0" indent="0">
+              <a:buNone/>
+            </a:pPr>
+            <a:r>
+              <a:rPr lang="en-US" altLang="ja-JP" dirty="0"/>
+              <a:t>	</a:t>
+            </a:r>
+            <a:r>
+              <a:rPr lang="ja-JP" altLang="en-US" dirty="0"/>
+              <a:t>長期休みは様々なモデルを利用した実装活動</a:t>
+            </a:r>
+            <a:endParaRPr lang="en-US" altLang="ja-JP" dirty="0"/>
+          </a:p>
+          <a:p>
+            <a:pPr marL="0" indent="0">
+              <a:buNone/>
+            </a:pPr>
+            <a:r>
+              <a:rPr lang="ja-JP" altLang="en-US" dirty="0"/>
+              <a:t>活動開始：</a:t>
+            </a:r>
+            <a:r>
+              <a:rPr lang="en-US" altLang="ja-JP" dirty="0"/>
+              <a:t>4/24~. </a:t>
+            </a:r>
+            <a:r>
+              <a:rPr lang="ja-JP" altLang="en-US" dirty="0"/>
+              <a:t>それまでは定例会後に学期内の活動を決める</a:t>
+            </a:r>
+            <a:endParaRPr lang="en-US" altLang="ja-JP" dirty="0"/>
+          </a:p>
+          <a:p>
+            <a:pPr marL="0" indent="0">
+              <a:buNone/>
+            </a:pPr>
+            <a:r>
+              <a:rPr lang="ja-JP" altLang="en-US" dirty="0"/>
+              <a:t>活動日数：増加</a:t>
+            </a:r>
+            <a:endParaRPr lang="en-US" altLang="ja-JP" dirty="0"/>
+          </a:p>
+          <a:p>
+            <a:pPr marL="0" indent="0">
+              <a:buNone/>
+            </a:pPr>
+            <a:r>
+              <a:rPr lang="en-US" altLang="ja-JP" dirty="0"/>
+              <a:t>	</a:t>
+            </a:r>
+            <a:r>
+              <a:rPr lang="ja-JP" altLang="en-US" dirty="0"/>
+              <a:t>これまで週</a:t>
+            </a:r>
+            <a:r>
+              <a:rPr lang="en-US" altLang="ja-JP" dirty="0"/>
+              <a:t>1</a:t>
+            </a:r>
+            <a:r>
+              <a:rPr lang="ja-JP" altLang="en-US" dirty="0"/>
+              <a:t>だったものを、任意参加で１日増やし実装会</a:t>
+            </a:r>
+            <a:endParaRPr lang="en-US" altLang="ja-JP" dirty="0"/>
+          </a:p>
+          <a:p>
+            <a:pPr marL="0" indent="0">
+              <a:buNone/>
+            </a:pPr>
+            <a:r>
+              <a:rPr lang="en-US" altLang="ja-JP" dirty="0"/>
+              <a:t>	</a:t>
+            </a:r>
+            <a:r>
+              <a:rPr lang="ja-JP" altLang="en-US" dirty="0"/>
+              <a:t>を設けることにする</a:t>
+            </a:r>
+            <a:endParaRPr lang="en-US" altLang="ja-JP" dirty="0"/>
+          </a:p>
+        </p:txBody>
+      </p:sp>
+    </p:spTree>
+    <p:extLst>
+      <p:ext uri="{BB962C8B-B14F-4D97-AF65-F5344CB8AC3E}">
+        <p14:creationId xmlns:p14="http://schemas.microsoft.com/office/powerpoint/2010/main" val="3755795154"/>
+      </p:ext>
+    </p:extLst>
+  </p:cSld>
+  <p:clrMapOvr>
+    <a:masterClrMapping/>
+  </p:clrMapOvr>
+</p:sld>
+</file>
+
+<file path=ppt/slides/slide9.xml><?xml version="1.0" encoding="utf-8"?>
+<p:sld xmlns:a="http://schemas.openxmlformats.org/drawingml/2006/main" xmlns:r="http://schemas.openxmlformats.org/officeDocument/2006/relationships" xmlns:p="http://schemas.openxmlformats.org/presentationml/2006/main">
+  <p:cSld>
+    <p:spTree>
+      <p:nvGrpSpPr>
+        <p:cNvPr id="1" name=""/>
+        <p:cNvGrpSpPr/>
+        <p:nvPr/>
+      </p:nvGrpSpPr>
+      <p:grpSpPr>
+        <a:xfrm>
+          <a:off x="0" y="0"/>
+          <a:ext cx="0" cy="0"/>
+          <a:chOff x="0" y="0"/>
+          <a:chExt cx="0" cy="0"/>
+        </a:xfrm>
+      </p:grpSpPr>
+      <p:sp>
+        <p:nvSpPr>
+          <p:cNvPr id="2" name="タイトル 1">
+            <a:extLst>
+              <a:ext uri="{FF2B5EF4-FFF2-40B4-BE49-F238E27FC236}">
+                <a16:creationId xmlns:a16="http://schemas.microsoft.com/office/drawing/2014/main" id="{E8CBF806-088F-A02A-5C6F-73EFDB6EAFC5}"/>
+              </a:ext>
+            </a:extLst>
+          </p:cNvPr>
+          <p:cNvSpPr>
+            <a:spLocks noGrp="1"/>
+          </p:cNvSpPr>
+          <p:nvPr>
+            <p:ph type="title"/>
+          </p:nvPr>
+        </p:nvSpPr>
+        <p:spPr/>
+        <p:txBody>
+          <a:bodyPr/>
+          <a:lstStyle/>
+          <a:p>
+            <a:r>
+              <a:rPr kumimoji="1" lang="en-US" altLang="ja-JP" sz="4400" b="1" dirty="0">
+                <a:solidFill>
+                  <a:schemeClr val="bg1"/>
+                </a:solidFill>
+              </a:rPr>
+              <a:t>2 . </a:t>
+            </a:r>
+            <a:r>
+              <a:rPr kumimoji="1" lang="ja-JP" altLang="en-US" sz="4400" b="1" dirty="0">
+                <a:solidFill>
+                  <a:schemeClr val="bg1"/>
+                </a:solidFill>
+              </a:rPr>
+              <a:t>連絡事項</a:t>
+            </a:r>
+            <a:endParaRPr kumimoji="1" lang="ja-JP" altLang="en-US" dirty="0"/>
+          </a:p>
+        </p:txBody>
+      </p:sp>
+      <p:sp>
+        <p:nvSpPr>
+          <p:cNvPr id="5" name="コンテンツ プレースホルダー 4">
+            <a:extLst>
+              <a:ext uri="{FF2B5EF4-FFF2-40B4-BE49-F238E27FC236}">
+                <a16:creationId xmlns:a16="http://schemas.microsoft.com/office/drawing/2014/main" id="{F2047DB9-0999-9654-5DBA-6FC3AA9B4B04}"/>
+              </a:ext>
+            </a:extLst>
+          </p:cNvPr>
+          <p:cNvSpPr>
+            <a:spLocks noGrp="1"/>
+          </p:cNvSpPr>
+          <p:nvPr>
+            <p:ph idx="1"/>
+          </p:nvPr>
+        </p:nvSpPr>
+        <p:spPr/>
+        <p:txBody>
+          <a:bodyPr>
+            <a:normAutofit/>
+          </a:bodyPr>
+          <a:lstStyle/>
+          <a:p>
+            <a:pPr marL="0" indent="0">
+              <a:buNone/>
+            </a:pPr>
+            <a:r>
+              <a:rPr lang="en-US" altLang="ja-JP" sz="4000" b="1" dirty="0"/>
+              <a:t>machine-coder</a:t>
+            </a:r>
+            <a:r>
+              <a:rPr lang="ja-JP" altLang="en-US" sz="4000" b="1" dirty="0"/>
+              <a:t>に向けた勉強会の設置</a:t>
+            </a:r>
+            <a:endParaRPr lang="en-US" altLang="ja-JP" dirty="0"/>
+          </a:p>
+          <a:p>
+            <a:pPr marL="0" indent="0">
+              <a:buNone/>
+            </a:pPr>
+            <a:r>
+              <a:rPr lang="en-US" altLang="ja-JP" dirty="0"/>
+              <a:t>Machine-coder</a:t>
+            </a:r>
+            <a:r>
+              <a:rPr lang="ja-JP" altLang="en-US"/>
+              <a:t>開始時期に合わせてスタートさせます</a:t>
+            </a:r>
+            <a:endParaRPr lang="en-US" altLang="ja-JP"/>
+          </a:p>
+          <a:p>
+            <a:pPr marL="0" indent="0">
+              <a:buNone/>
+            </a:pPr>
+            <a:r>
+              <a:rPr lang="ja-JP" altLang="en-US" dirty="0"/>
+              <a:t>プログラミング勉強会：岡山担当</a:t>
+            </a:r>
+            <a:endParaRPr lang="en-US" altLang="ja-JP" dirty="0"/>
+          </a:p>
+          <a:p>
+            <a:pPr marL="0" indent="0">
+              <a:buNone/>
+            </a:pPr>
+            <a:r>
+              <a:rPr lang="ja-JP" altLang="en-US" dirty="0"/>
+              <a:t>統計モデリング勉強会：河内担当</a:t>
+            </a:r>
+            <a:endParaRPr lang="en-US" altLang="ja-JP" dirty="0"/>
+          </a:p>
+          <a:p>
+            <a:pPr marL="0" indent="0">
+              <a:buNone/>
+            </a:pPr>
+            <a:r>
+              <a:rPr lang="ja-JP" altLang="en-US" dirty="0"/>
+              <a:t>深層学習勉強会：香山担当</a:t>
+            </a:r>
+          </a:p>
+        </p:txBody>
+      </p:sp>
+      <p:pic>
+        <p:nvPicPr>
+          <p:cNvPr id="4" name="図 3">
+            <a:extLst>
+              <a:ext uri="{FF2B5EF4-FFF2-40B4-BE49-F238E27FC236}">
+                <a16:creationId xmlns:a16="http://schemas.microsoft.com/office/drawing/2014/main" id="{3801AD59-708D-97F8-715B-2BE31F635A81}"/>
+              </a:ext>
+            </a:extLst>
+          </p:cNvPr>
+          <p:cNvPicPr>
+            <a:picLocks noChangeAspect="1"/>
+          </p:cNvPicPr>
+          <p:nvPr/>
+        </p:nvPicPr>
+        <p:blipFill rotWithShape="1">
+          <a:blip r:embed="rId2"/>
+          <a:srcRect l="1755" t="4152" r="3127" b="5411"/>
+          <a:stretch/>
+        </p:blipFill>
+        <p:spPr>
+          <a:xfrm>
+            <a:off x="5462452" y="4202519"/>
+            <a:ext cx="6487887" cy="2412276"/>
+          </a:xfrm>
+          <a:prstGeom prst="rect">
+            <a:avLst/>
+          </a:prstGeom>
+        </p:spPr>
+      </p:pic>
+    </p:spTree>
+    <p:extLst>
+      <p:ext uri="{BB962C8B-B14F-4D97-AF65-F5344CB8AC3E}">
+        <p14:creationId xmlns:p14="http://schemas.microsoft.com/office/powerpoint/2010/main" val="2858706052"/>
       </p:ext>
     </p:extLst>
   </p:cSld>
@@ -3778,6 +6470,267 @@
 </file>
 
 <file path=ppt/theme/theme1.xml><?xml version="1.0" encoding="utf-8"?>
+<a:theme xmlns:a="http://schemas.openxmlformats.org/drawingml/2006/main" name="Office テーマ">
+  <a:themeElements>
+    <a:clrScheme name="Office">
+      <a:dk1>
+        <a:sysClr val="windowText" lastClr="000000"/>
+      </a:dk1>
+      <a:lt1>
+        <a:sysClr val="window" lastClr="FFFFFF"/>
+      </a:lt1>
+      <a:dk2>
+        <a:srgbClr val="44546A"/>
+      </a:dk2>
+      <a:lt2>
+        <a:srgbClr val="E7E6E6"/>
+      </a:lt2>
+      <a:accent1>
+        <a:srgbClr val="4472C4"/>
+      </a:accent1>
+      <a:accent2>
+        <a:srgbClr val="ED7D31"/>
+      </a:accent2>
+      <a:accent3>
+        <a:srgbClr val="A5A5A5"/>
+      </a:accent3>
+      <a:accent4>
+        <a:srgbClr val="FFC000"/>
+      </a:accent4>
+      <a:accent5>
+        <a:srgbClr val="5B9BD5"/>
+      </a:accent5>
+      <a:accent6>
+        <a:srgbClr val="70AD47"/>
+      </a:accent6>
+      <a:hlink>
+        <a:srgbClr val="0563C1"/>
+      </a:hlink>
+      <a:folHlink>
+        <a:srgbClr val="954F72"/>
+      </a:folHlink>
+    </a:clrScheme>
+    <a:fontScheme name="Calibri">
+      <a:majorFont>
+        <a:latin typeface="Calibri" panose="020F0502020204030204"/>
+        <a:ea typeface=""/>
+        <a:cs typeface=""/>
+        <a:font script="Jpan" typeface="メイリオ"/>
+        <a:font script="Hang" typeface="맑은 고딕"/>
+        <a:font script="Hans" typeface="宋体"/>
+        <a:font script="Hant" typeface="新細明體"/>
+        <a:font script="Arab" typeface="Arial"/>
+        <a:font script="Hebr" typeface="Arial"/>
+        <a:font script="Thai" typeface="Cordia New"/>
+        <a:font script="Ethi" typeface="Nyala"/>
+        <a:font script="Beng" typeface="Vrinda"/>
+        <a:font script="Gujr" typeface="Shruti"/>
+        <a:font script="Khmr" typeface="DaunPenh"/>
+        <a:font script="Knda" typeface="Tunga"/>
+        <a:font script="Guru" typeface="Raavi"/>
+        <a:font script="Cans" typeface="Euphemia"/>
+        <a:font script="Cher" typeface="Plantagenet Cherokee"/>
+        <a:font script="Yiii" typeface="Microsoft Yi Baiti"/>
+        <a:font script="Tibt" typeface="Microsoft Himalaya"/>
+        <a:font script="Thaa" typeface="MV Boli"/>
+        <a:font script="Deva" typeface="Mangal"/>
+        <a:font script="Telu" typeface="Gautami"/>
+        <a:font script="Taml" typeface="Latha"/>
+        <a:font script="Syrc" typeface="Estrangelo Edessa"/>
+        <a:font script="Orya" typeface="Kalinga"/>
+        <a:font script="Mlym" typeface="Kartika"/>
+        <a:font script="Laoo" typeface="DokChampa"/>
+        <a:font script="Sinh" typeface="Iskoola Pota"/>
+        <a:font script="Mong" typeface="Mongolian Baiti"/>
+        <a:font script="Viet" typeface="Tahoma"/>
+        <a:font script="Uigh" typeface="Microsoft Uighur"/>
+        <a:font script="Geor" typeface="Sylfaen"/>
+      </a:majorFont>
+      <a:minorFont>
+        <a:latin typeface="Calibri" panose="020F0502020204030204"/>
+        <a:ea typeface=""/>
+        <a:cs typeface=""/>
+        <a:font script="Jpan" typeface="メイリオ"/>
+        <a:font script="Hang" typeface="맑은 고딕"/>
+        <a:font script="Hans" typeface="宋体"/>
+        <a:font script="Hant" typeface="新細明體"/>
+        <a:font script="Arab" typeface="Arial"/>
+        <a:font script="Hebr" typeface="Arial"/>
+        <a:font script="Thai" typeface="Cordia New"/>
+        <a:font script="Ethi" typeface="Nyala"/>
+        <a:font script="Beng" typeface="Vrinda"/>
+        <a:font script="Gujr" typeface="Shruti"/>
+        <a:font script="Khmr" typeface="DaunPenh"/>
+        <a:font script="Knda" typeface="Tunga"/>
+        <a:font script="Guru" typeface="Raavi"/>
+        <a:font script="Cans" typeface="Euphemia"/>
+        <a:font script="Cher" typeface="Plantagenet Cherokee"/>
+        <a:font script="Yiii" typeface="Microsoft Yi Baiti"/>
+        <a:font script="Tibt" typeface="Microsoft Himalaya"/>
+        <a:font script="Thaa" typeface="MV Boli"/>
+        <a:font script="Deva" typeface="Mangal"/>
+        <a:font script="Telu" typeface="Gautami"/>
+        <a:font script="Taml" typeface="Latha"/>
+        <a:font script="Syrc" typeface="Estrangelo Edessa"/>
+        <a:font script="Orya" typeface="Kalinga"/>
+        <a:font script="Mlym" typeface="Kartika"/>
+        <a:font script="Laoo" typeface="DokChampa"/>
+        <a:font script="Sinh" typeface="Iskoola Pota"/>
+        <a:font script="Mong" typeface="Mongolian Baiti"/>
+        <a:font script="Viet" typeface="Tahoma"/>
+        <a:font script="Uigh" typeface="Microsoft Uighur"/>
+        <a:font script="Geor" typeface="Sylfaen"/>
+      </a:minorFont>
+    </a:fontScheme>
+    <a:fmtScheme name="Office">
+      <a:fillStyleLst>
+        <a:solidFill>
+          <a:schemeClr val="phClr"/>
+        </a:solidFill>
+        <a:gradFill rotWithShape="1">
+          <a:gsLst>
+            <a:gs pos="0">
+              <a:schemeClr val="phClr">
+                <a:lumMod val="110000"/>
+                <a:satMod val="105000"/>
+                <a:tint val="67000"/>
+              </a:schemeClr>
+            </a:gs>
+            <a:gs pos="50000">
+              <a:schemeClr val="phClr">
+                <a:lumMod val="105000"/>
+                <a:satMod val="103000"/>
+                <a:tint val="73000"/>
+              </a:schemeClr>
+            </a:gs>
+            <a:gs pos="100000">
+              <a:schemeClr val="phClr">
+                <a:lumMod val="105000"/>
+                <a:satMod val="109000"/>
+                <a:tint val="81000"/>
+              </a:schemeClr>
+            </a:gs>
+          </a:gsLst>
+          <a:lin ang="5400000" scaled="0"/>
+        </a:gradFill>
+        <a:gradFill rotWithShape="1">
+          <a:gsLst>
+            <a:gs pos="0">
+              <a:schemeClr val="phClr">
+                <a:satMod val="103000"/>
+                <a:lumMod val="102000"/>
+                <a:tint val="94000"/>
+              </a:schemeClr>
+            </a:gs>
+            <a:gs pos="50000">
+              <a:schemeClr val="phClr">
+                <a:satMod val="110000"/>
+                <a:lumMod val="100000"/>
+                <a:shade val="100000"/>
+              </a:schemeClr>
+            </a:gs>
+            <a:gs pos="100000">
+              <a:schemeClr val="phClr">
+                <a:lumMod val="99000"/>
+                <a:satMod val="120000"/>
+                <a:shade val="78000"/>
+              </a:schemeClr>
+            </a:gs>
+          </a:gsLst>
+          <a:lin ang="5400000" scaled="0"/>
+        </a:gradFill>
+      </a:fillStyleLst>
+      <a:lnStyleLst>
+        <a:ln w="6350" cap="flat" cmpd="sng" algn="ctr">
+          <a:solidFill>
+            <a:schemeClr val="phClr"/>
+          </a:solidFill>
+          <a:prstDash val="solid"/>
+          <a:miter lim="800000"/>
+        </a:ln>
+        <a:ln w="12700" cap="flat" cmpd="sng" algn="ctr">
+          <a:solidFill>
+            <a:schemeClr val="phClr"/>
+          </a:solidFill>
+          <a:prstDash val="solid"/>
+          <a:miter lim="800000"/>
+        </a:ln>
+        <a:ln w="19050" cap="flat" cmpd="sng" algn="ctr">
+          <a:solidFill>
+            <a:schemeClr val="phClr"/>
+          </a:solidFill>
+          <a:prstDash val="solid"/>
+          <a:miter lim="800000"/>
+        </a:ln>
+      </a:lnStyleLst>
+      <a:effectStyleLst>
+        <a:effectStyle>
+          <a:effectLst/>
+        </a:effectStyle>
+        <a:effectStyle>
+          <a:effectLst/>
+        </a:effectStyle>
+        <a:effectStyle>
+          <a:effectLst>
+            <a:outerShdw blurRad="57150" dist="19050" dir="5400000" algn="ctr" rotWithShape="0">
+              <a:srgbClr val="000000">
+                <a:alpha val="63000"/>
+              </a:srgbClr>
+            </a:outerShdw>
+          </a:effectLst>
+        </a:effectStyle>
+      </a:effectStyleLst>
+      <a:bgFillStyleLst>
+        <a:solidFill>
+          <a:schemeClr val="phClr"/>
+        </a:solidFill>
+        <a:solidFill>
+          <a:schemeClr val="phClr">
+            <a:tint val="95000"/>
+            <a:satMod val="170000"/>
+          </a:schemeClr>
+        </a:solidFill>
+        <a:gradFill rotWithShape="1">
+          <a:gsLst>
+            <a:gs pos="0">
+              <a:schemeClr val="phClr">
+                <a:tint val="93000"/>
+                <a:satMod val="150000"/>
+                <a:shade val="98000"/>
+                <a:lumMod val="102000"/>
+              </a:schemeClr>
+            </a:gs>
+            <a:gs pos="50000">
+              <a:schemeClr val="phClr">
+                <a:tint val="98000"/>
+                <a:satMod val="130000"/>
+                <a:shade val="90000"/>
+                <a:lumMod val="103000"/>
+              </a:schemeClr>
+            </a:gs>
+            <a:gs pos="100000">
+              <a:schemeClr val="phClr">
+                <a:shade val="63000"/>
+                <a:satMod val="120000"/>
+              </a:schemeClr>
+            </a:gs>
+          </a:gsLst>
+          <a:lin ang="5400000" scaled="0"/>
+        </a:gradFill>
+      </a:bgFillStyleLst>
+    </a:fmtScheme>
+  </a:themeElements>
+  <a:objectDefaults/>
+  <a:extraClrSchemeLst/>
+  <a:extLst>
+    <a:ext uri="{05A4C25C-085E-4340-85A3-A5531E510DB2}">
+      <thm15:themeFamily xmlns:thm15="http://schemas.microsoft.com/office/thememl/2012/main" name="Office Theme" id="{62F939B6-93AF-4DB8-9C6B-D6C7DFDC589F}" vid="{4A3C46E8-61CC-4603-A589-7422A47A8E4A}"/>
+    </a:ext>
+  </a:extLst>
+</a:theme>
+</file>
+
+<file path=ppt/theme/theme2.xml><?xml version="1.0" encoding="utf-8"?>
 <a:theme xmlns:a="http://schemas.openxmlformats.org/drawingml/2006/main" name="Office テーマ">
   <a:themeElements>
     <a:clrScheme name="Office">

--- a/backend/outputs/output.pptx
+++ b/backend/outputs/output.pptx
@@ -4,21 +4,10 @@
   <p:sldMasterIdLst>
     <p:sldMasterId id="2147483648" r:id="rId1"/>
   </p:sldMasterIdLst>
-  <p:notesMasterIdLst>
-    <p:notesMasterId r:id="rId13"/>
-  </p:notesMasterIdLst>
   <p:sldIdLst>
     <p:sldId id="256" r:id="rId2"/>
-    <p:sldId id="310" r:id="rId3"/>
-    <p:sldId id="311" r:id="rId4"/>
-    <p:sldId id="346" r:id="rId5"/>
-    <p:sldId id="347" r:id="rId6"/>
-    <p:sldId id="348" r:id="rId7"/>
-    <p:sldId id="349" r:id="rId8"/>
-    <p:sldId id="350" r:id="rId9"/>
-    <p:sldId id="351" r:id="rId10"/>
-    <p:sldId id="334" r:id="rId11"/>
-    <p:sldId id="336" r:id="rId12"/>
+    <p:sldId id="257" r:id="rId3"/>
+    <p:sldId id="258" r:id="rId8"/>
   </p:sldIdLst>
   <p:sldSz cx="12192000" cy="6858000"/>
   <p:notesSz cx="6858000" cy="9144000"/>
@@ -119,570 +108,10 @@
   </p:defaultTextStyle>
   <p:extLst>
     <p:ext uri="{EFAFB233-063F-42B5-8137-9DF3F51BA10A}">
-      <p15:sldGuideLst xmlns:p15="http://schemas.microsoft.com/office/powerpoint/2012/main">
-        <p15:guide id="1" orient="horz" pos="2160" userDrawn="1">
-          <p15:clr>
-            <a:srgbClr val="A4A3A4"/>
-          </p15:clr>
-        </p15:guide>
-        <p15:guide id="2" pos="3840" userDrawn="1">
-          <p15:clr>
-            <a:srgbClr val="A4A3A4"/>
-          </p15:clr>
-        </p15:guide>
-      </p15:sldGuideLst>
+      <p15:sldGuideLst xmlns:p15="http://schemas.microsoft.com/office/powerpoint/2012/main"/>
     </p:ext>
   </p:extLst>
 </p:presentation>
-</file>
-
-<file path=ppt/notesMasters/notesMaster1.xml><?xml version="1.0" encoding="utf-8"?>
-<p:notesMaster xmlns:a="http://schemas.openxmlformats.org/drawingml/2006/main" xmlns:r="http://schemas.openxmlformats.org/officeDocument/2006/relationships" xmlns:p="http://schemas.openxmlformats.org/presentationml/2006/main">
-  <p:cSld>
-    <p:bg>
-      <p:bgRef idx="1001">
-        <a:schemeClr val="bg1"/>
-      </p:bgRef>
-    </p:bg>
-    <p:spTree>
-      <p:nvGrpSpPr>
-        <p:cNvPr id="1" name=""/>
-        <p:cNvGrpSpPr/>
-        <p:nvPr/>
-      </p:nvGrpSpPr>
-      <p:grpSpPr>
-        <a:xfrm>
-          <a:off x="0" y="0"/>
-          <a:ext cx="0" cy="0"/>
-          <a:chOff x="0" y="0"/>
-          <a:chExt cx="0" cy="0"/>
-        </a:xfrm>
-      </p:grpSpPr>
-      <p:sp>
-        <p:nvSpPr>
-          <p:cNvPr id="2" name="ヘッダー プレースホルダー 1"/>
-          <p:cNvSpPr>
-            <a:spLocks noGrp="1"/>
-          </p:cNvSpPr>
-          <p:nvPr>
-            <p:ph type="hdr" sz="quarter"/>
-          </p:nvPr>
-        </p:nvSpPr>
-        <p:spPr>
-          <a:xfrm>
-            <a:off x="0" y="0"/>
-            <a:ext cx="2971800" cy="458788"/>
-          </a:xfrm>
-          <a:prstGeom prst="rect">
-            <a:avLst/>
-          </a:prstGeom>
-        </p:spPr>
-        <p:txBody>
-          <a:bodyPr vert="horz" lIns="91440" tIns="45720" rIns="91440" bIns="45720" rtlCol="0"/>
-          <a:lstStyle>
-            <a:lvl1pPr algn="l">
-              <a:defRPr sz="1200"/>
-            </a:lvl1pPr>
-          </a:lstStyle>
-          <a:p>
-            <a:endParaRPr kumimoji="1" lang="ja-JP" altLang="en-US"/>
-          </a:p>
-        </p:txBody>
-      </p:sp>
-      <p:sp>
-        <p:nvSpPr>
-          <p:cNvPr id="3" name="日付プレースホルダー 2"/>
-          <p:cNvSpPr>
-            <a:spLocks noGrp="1"/>
-          </p:cNvSpPr>
-          <p:nvPr>
-            <p:ph type="dt" idx="1"/>
-          </p:nvPr>
-        </p:nvSpPr>
-        <p:spPr>
-          <a:xfrm>
-            <a:off x="3884613" y="0"/>
-            <a:ext cx="2971800" cy="458788"/>
-          </a:xfrm>
-          <a:prstGeom prst="rect">
-            <a:avLst/>
-          </a:prstGeom>
-        </p:spPr>
-        <p:txBody>
-          <a:bodyPr vert="horz" lIns="91440" tIns="45720" rIns="91440" bIns="45720" rtlCol="0"/>
-          <a:lstStyle>
-            <a:lvl1pPr algn="r">
-              <a:defRPr sz="1200"/>
-            </a:lvl1pPr>
-          </a:lstStyle>
-          <a:p>
-            <a:fld id="{245399AD-8A10-4D6F-A285-36A0E4D274F4}" type="datetimeFigureOut">
-              <a:rPr kumimoji="1" lang="ja-JP" altLang="en-US" smtClean="0"/>
-              <a:t>2023/4/7</a:t>
-            </a:fld>
-            <a:endParaRPr kumimoji="1" lang="ja-JP" altLang="en-US"/>
-          </a:p>
-        </p:txBody>
-      </p:sp>
-      <p:sp>
-        <p:nvSpPr>
-          <p:cNvPr id="4" name="スライド イメージ プレースホルダー 3"/>
-          <p:cNvSpPr>
-            <a:spLocks noGrp="1" noRot="1" noChangeAspect="1"/>
-          </p:cNvSpPr>
-          <p:nvPr>
-            <p:ph type="sldImg" idx="2"/>
-          </p:nvPr>
-        </p:nvSpPr>
-        <p:spPr>
-          <a:xfrm>
-            <a:off x="685800" y="1143000"/>
-            <a:ext cx="5486400" cy="3086100"/>
-          </a:xfrm>
-          <a:prstGeom prst="rect">
-            <a:avLst/>
-          </a:prstGeom>
-          <a:noFill/>
-          <a:ln w="12700">
-            <a:solidFill>
-              <a:prstClr val="black"/>
-            </a:solidFill>
-          </a:ln>
-        </p:spPr>
-        <p:txBody>
-          <a:bodyPr vert="horz" lIns="91440" tIns="45720" rIns="91440" bIns="45720" rtlCol="0" anchor="ctr"/>
-          <a:lstStyle/>
-          <a:p>
-            <a:endParaRPr lang="ja-JP" altLang="en-US"/>
-          </a:p>
-        </p:txBody>
-      </p:sp>
-      <p:sp>
-        <p:nvSpPr>
-          <p:cNvPr id="5" name="ノート プレースホルダー 4"/>
-          <p:cNvSpPr>
-            <a:spLocks noGrp="1"/>
-          </p:cNvSpPr>
-          <p:nvPr>
-            <p:ph type="body" sz="quarter" idx="3"/>
-          </p:nvPr>
-        </p:nvSpPr>
-        <p:spPr>
-          <a:xfrm>
-            <a:off x="685800" y="4400550"/>
-            <a:ext cx="5486400" cy="3600450"/>
-          </a:xfrm>
-          <a:prstGeom prst="rect">
-            <a:avLst/>
-          </a:prstGeom>
-        </p:spPr>
-        <p:txBody>
-          <a:bodyPr vert="horz" lIns="91440" tIns="45720" rIns="91440" bIns="45720" rtlCol="0"/>
-          <a:lstStyle/>
-          <a:p>
-            <a:pPr lvl="0"/>
-            <a:r>
-              <a:rPr kumimoji="1" lang="ja-JP" altLang="en-US"/>
-              <a:t>マスター テキストの書式設定</a:t>
-            </a:r>
-          </a:p>
-          <a:p>
-            <a:pPr lvl="1"/>
-            <a:r>
-              <a:rPr kumimoji="1" lang="ja-JP" altLang="en-US"/>
-              <a:t>第 </a:t>
-            </a:r>
-            <a:r>
-              <a:rPr kumimoji="1" lang="en-US" altLang="ja-JP"/>
-              <a:t>2 </a:t>
-            </a:r>
-            <a:r>
-              <a:rPr kumimoji="1" lang="ja-JP" altLang="en-US"/>
-              <a:t>レベル</a:t>
-            </a:r>
-          </a:p>
-          <a:p>
-            <a:pPr lvl="2"/>
-            <a:r>
-              <a:rPr kumimoji="1" lang="ja-JP" altLang="en-US"/>
-              <a:t>第 </a:t>
-            </a:r>
-            <a:r>
-              <a:rPr kumimoji="1" lang="en-US" altLang="ja-JP"/>
-              <a:t>3 </a:t>
-            </a:r>
-            <a:r>
-              <a:rPr kumimoji="1" lang="ja-JP" altLang="en-US"/>
-              <a:t>レベル</a:t>
-            </a:r>
-          </a:p>
-          <a:p>
-            <a:pPr lvl="3"/>
-            <a:r>
-              <a:rPr kumimoji="1" lang="ja-JP" altLang="en-US"/>
-              <a:t>第 </a:t>
-            </a:r>
-            <a:r>
-              <a:rPr kumimoji="1" lang="en-US" altLang="ja-JP"/>
-              <a:t>4 </a:t>
-            </a:r>
-            <a:r>
-              <a:rPr kumimoji="1" lang="ja-JP" altLang="en-US"/>
-              <a:t>レベル</a:t>
-            </a:r>
-          </a:p>
-          <a:p>
-            <a:pPr lvl="4"/>
-            <a:r>
-              <a:rPr kumimoji="1" lang="ja-JP" altLang="en-US"/>
-              <a:t>第 </a:t>
-            </a:r>
-            <a:r>
-              <a:rPr kumimoji="1" lang="en-US" altLang="ja-JP"/>
-              <a:t>5 </a:t>
-            </a:r>
-            <a:r>
-              <a:rPr kumimoji="1" lang="ja-JP" altLang="en-US"/>
-              <a:t>レベル</a:t>
-            </a:r>
-          </a:p>
-        </p:txBody>
-      </p:sp>
-      <p:sp>
-        <p:nvSpPr>
-          <p:cNvPr id="6" name="フッター プレースホルダー 5"/>
-          <p:cNvSpPr>
-            <a:spLocks noGrp="1"/>
-          </p:cNvSpPr>
-          <p:nvPr>
-            <p:ph type="ftr" sz="quarter" idx="4"/>
-          </p:nvPr>
-        </p:nvSpPr>
-        <p:spPr>
-          <a:xfrm>
-            <a:off x="0" y="8685213"/>
-            <a:ext cx="2971800" cy="458787"/>
-          </a:xfrm>
-          <a:prstGeom prst="rect">
-            <a:avLst/>
-          </a:prstGeom>
-        </p:spPr>
-        <p:txBody>
-          <a:bodyPr vert="horz" lIns="91440" tIns="45720" rIns="91440" bIns="45720" rtlCol="0" anchor="b"/>
-          <a:lstStyle>
-            <a:lvl1pPr algn="l">
-              <a:defRPr sz="1200"/>
-            </a:lvl1pPr>
-          </a:lstStyle>
-          <a:p>
-            <a:endParaRPr kumimoji="1" lang="ja-JP" altLang="en-US"/>
-          </a:p>
-        </p:txBody>
-      </p:sp>
-      <p:sp>
-        <p:nvSpPr>
-          <p:cNvPr id="7" name="スライド番号プレースホルダー 6"/>
-          <p:cNvSpPr>
-            <a:spLocks noGrp="1"/>
-          </p:cNvSpPr>
-          <p:nvPr>
-            <p:ph type="sldNum" sz="quarter" idx="5"/>
-          </p:nvPr>
-        </p:nvSpPr>
-        <p:spPr>
-          <a:xfrm>
-            <a:off x="3884613" y="8685213"/>
-            <a:ext cx="2971800" cy="458787"/>
-          </a:xfrm>
-          <a:prstGeom prst="rect">
-            <a:avLst/>
-          </a:prstGeom>
-        </p:spPr>
-        <p:txBody>
-          <a:bodyPr vert="horz" lIns="91440" tIns="45720" rIns="91440" bIns="45720" rtlCol="0" anchor="b"/>
-          <a:lstStyle>
-            <a:lvl1pPr algn="r">
-              <a:defRPr sz="1200"/>
-            </a:lvl1pPr>
-          </a:lstStyle>
-          <a:p>
-            <a:fld id="{DFB74502-7093-42C1-A9B1-6F1C7BBDB171}" type="slidenum">
-              <a:rPr kumimoji="1" lang="ja-JP" altLang="en-US" smtClean="0"/>
-              <a:t>‹#›</a:t>
-            </a:fld>
-            <a:endParaRPr kumimoji="1" lang="ja-JP" altLang="en-US"/>
-          </a:p>
-        </p:txBody>
-      </p:sp>
-    </p:spTree>
-    <p:extLst>
-      <p:ext uri="{BB962C8B-B14F-4D97-AF65-F5344CB8AC3E}">
-        <p14:creationId xmlns:p14="http://schemas.microsoft.com/office/powerpoint/2010/main" val="2937973521"/>
-      </p:ext>
-    </p:extLst>
-  </p:cSld>
-  <p:clrMap bg1="lt1" tx1="dk1" bg2="lt2" tx2="dk2" accent1="accent1" accent2="accent2" accent3="accent3" accent4="accent4" accent5="accent5" accent6="accent6" hlink="hlink" folHlink="folHlink"/>
-  <p:notesStyle>
-    <a:lvl1pPr marL="0" algn="l" defTabSz="914400" rtl="0" eaLnBrk="1" latinLnBrk="0" hangingPunct="1">
-      <a:defRPr kumimoji="1" sz="1200" kern="1200">
-        <a:solidFill>
-          <a:schemeClr val="tx1"/>
-        </a:solidFill>
-        <a:latin typeface="+mn-lt"/>
-        <a:ea typeface="+mn-ea"/>
-        <a:cs typeface="+mn-cs"/>
-      </a:defRPr>
-    </a:lvl1pPr>
-    <a:lvl2pPr marL="457200" algn="l" defTabSz="914400" rtl="0" eaLnBrk="1" latinLnBrk="0" hangingPunct="1">
-      <a:defRPr kumimoji="1" sz="1200" kern="1200">
-        <a:solidFill>
-          <a:schemeClr val="tx1"/>
-        </a:solidFill>
-        <a:latin typeface="+mn-lt"/>
-        <a:ea typeface="+mn-ea"/>
-        <a:cs typeface="+mn-cs"/>
-      </a:defRPr>
-    </a:lvl2pPr>
-    <a:lvl3pPr marL="914400" algn="l" defTabSz="914400" rtl="0" eaLnBrk="1" latinLnBrk="0" hangingPunct="1">
-      <a:defRPr kumimoji="1" sz="1200" kern="1200">
-        <a:solidFill>
-          <a:schemeClr val="tx1"/>
-        </a:solidFill>
-        <a:latin typeface="+mn-lt"/>
-        <a:ea typeface="+mn-ea"/>
-        <a:cs typeface="+mn-cs"/>
-      </a:defRPr>
-    </a:lvl3pPr>
-    <a:lvl4pPr marL="1371600" algn="l" defTabSz="914400" rtl="0" eaLnBrk="1" latinLnBrk="0" hangingPunct="1">
-      <a:defRPr kumimoji="1" sz="1200" kern="1200">
-        <a:solidFill>
-          <a:schemeClr val="tx1"/>
-        </a:solidFill>
-        <a:latin typeface="+mn-lt"/>
-        <a:ea typeface="+mn-ea"/>
-        <a:cs typeface="+mn-cs"/>
-      </a:defRPr>
-    </a:lvl4pPr>
-    <a:lvl5pPr marL="1828800" algn="l" defTabSz="914400" rtl="0" eaLnBrk="1" latinLnBrk="0" hangingPunct="1">
-      <a:defRPr kumimoji="1" sz="1200" kern="1200">
-        <a:solidFill>
-          <a:schemeClr val="tx1"/>
-        </a:solidFill>
-        <a:latin typeface="+mn-lt"/>
-        <a:ea typeface="+mn-ea"/>
-        <a:cs typeface="+mn-cs"/>
-      </a:defRPr>
-    </a:lvl5pPr>
-    <a:lvl6pPr marL="2286000" algn="l" defTabSz="914400" rtl="0" eaLnBrk="1" latinLnBrk="0" hangingPunct="1">
-      <a:defRPr kumimoji="1" sz="1200" kern="1200">
-        <a:solidFill>
-          <a:schemeClr val="tx1"/>
-        </a:solidFill>
-        <a:latin typeface="+mn-lt"/>
-        <a:ea typeface="+mn-ea"/>
-        <a:cs typeface="+mn-cs"/>
-      </a:defRPr>
-    </a:lvl6pPr>
-    <a:lvl7pPr marL="2743200" algn="l" defTabSz="914400" rtl="0" eaLnBrk="1" latinLnBrk="0" hangingPunct="1">
-      <a:defRPr kumimoji="1" sz="1200" kern="1200">
-        <a:solidFill>
-          <a:schemeClr val="tx1"/>
-        </a:solidFill>
-        <a:latin typeface="+mn-lt"/>
-        <a:ea typeface="+mn-ea"/>
-        <a:cs typeface="+mn-cs"/>
-      </a:defRPr>
-    </a:lvl7pPr>
-    <a:lvl8pPr marL="3200400" algn="l" defTabSz="914400" rtl="0" eaLnBrk="1" latinLnBrk="0" hangingPunct="1">
-      <a:defRPr kumimoji="1" sz="1200" kern="1200">
-        <a:solidFill>
-          <a:schemeClr val="tx1"/>
-        </a:solidFill>
-        <a:latin typeface="+mn-lt"/>
-        <a:ea typeface="+mn-ea"/>
-        <a:cs typeface="+mn-cs"/>
-      </a:defRPr>
-    </a:lvl8pPr>
-    <a:lvl9pPr marL="3657600" algn="l" defTabSz="914400" rtl="0" eaLnBrk="1" latinLnBrk="0" hangingPunct="1">
-      <a:defRPr kumimoji="1" sz="1200" kern="1200">
-        <a:solidFill>
-          <a:schemeClr val="tx1"/>
-        </a:solidFill>
-        <a:latin typeface="+mn-lt"/>
-        <a:ea typeface="+mn-ea"/>
-        <a:cs typeface="+mn-cs"/>
-      </a:defRPr>
-    </a:lvl9pPr>
-  </p:notesStyle>
-</p:notesMaster>
-</file>
-
-<file path=ppt/notesSlides/notesSlide1.xml><?xml version="1.0" encoding="utf-8"?>
-<p:notes xmlns:a="http://schemas.openxmlformats.org/drawingml/2006/main" xmlns:r="http://schemas.openxmlformats.org/officeDocument/2006/relationships" xmlns:p="http://schemas.openxmlformats.org/presentationml/2006/main">
-  <p:cSld>
-    <p:spTree>
-      <p:nvGrpSpPr>
-        <p:cNvPr id="1" name=""/>
-        <p:cNvGrpSpPr/>
-        <p:nvPr/>
-      </p:nvGrpSpPr>
-      <p:grpSpPr>
-        <a:xfrm>
-          <a:off x="0" y="0"/>
-          <a:ext cx="0" cy="0"/>
-          <a:chOff x="0" y="0"/>
-          <a:chExt cx="0" cy="0"/>
-        </a:xfrm>
-      </p:grpSpPr>
-      <p:sp>
-        <p:nvSpPr>
-          <p:cNvPr id="2" name="スライド イメージ プレースホルダー 1"/>
-          <p:cNvSpPr>
-            <a:spLocks noGrp="1" noRot="1" noChangeAspect="1"/>
-          </p:cNvSpPr>
-          <p:nvPr>
-            <p:ph type="sldImg"/>
-          </p:nvPr>
-        </p:nvSpPr>
-        <p:spPr/>
-      </p:sp>
-      <p:sp>
-        <p:nvSpPr>
-          <p:cNvPr id="3" name="ノート プレースホルダー 2"/>
-          <p:cNvSpPr>
-            <a:spLocks noGrp="1"/>
-          </p:cNvSpPr>
-          <p:nvPr>
-            <p:ph type="body" idx="1"/>
-          </p:nvPr>
-        </p:nvSpPr>
-        <p:spPr/>
-        <p:txBody>
-          <a:bodyPr/>
-          <a:lstStyle/>
-          <a:p>
-            <a:endParaRPr kumimoji="1" lang="ja-JP" altLang="en-US" dirty="0"/>
-          </a:p>
-        </p:txBody>
-      </p:sp>
-      <p:sp>
-        <p:nvSpPr>
-          <p:cNvPr id="4" name="スライド番号プレースホルダー 3"/>
-          <p:cNvSpPr>
-            <a:spLocks noGrp="1"/>
-          </p:cNvSpPr>
-          <p:nvPr>
-            <p:ph type="sldNum" sz="quarter" idx="5"/>
-          </p:nvPr>
-        </p:nvSpPr>
-        <p:spPr/>
-        <p:txBody>
-          <a:bodyPr/>
-          <a:lstStyle/>
-          <a:p>
-            <a:fld id="{DFB74502-7093-42C1-A9B1-6F1C7BBDB171}" type="slidenum">
-              <a:rPr kumimoji="1" lang="ja-JP" altLang="en-US" smtClean="0"/>
-              <a:t>1</a:t>
-            </a:fld>
-            <a:endParaRPr kumimoji="1" lang="ja-JP" altLang="en-US"/>
-          </a:p>
-        </p:txBody>
-      </p:sp>
-    </p:spTree>
-    <p:extLst>
-      <p:ext uri="{BB962C8B-B14F-4D97-AF65-F5344CB8AC3E}">
-        <p14:creationId xmlns:p14="http://schemas.microsoft.com/office/powerpoint/2010/main" val="3512194179"/>
-      </p:ext>
-    </p:extLst>
-  </p:cSld>
-  <p:clrMapOvr>
-    <a:masterClrMapping/>
-  </p:clrMapOvr>
-</p:notes>
-</file>
-
-<file path=ppt/notesSlides/notesSlide2.xml><?xml version="1.0" encoding="utf-8"?>
-<p:notes xmlns:a="http://schemas.openxmlformats.org/drawingml/2006/main" xmlns:r="http://schemas.openxmlformats.org/officeDocument/2006/relationships" xmlns:p="http://schemas.openxmlformats.org/presentationml/2006/main">
-  <p:cSld>
-    <p:spTree>
-      <p:nvGrpSpPr>
-        <p:cNvPr id="1" name=""/>
-        <p:cNvGrpSpPr/>
-        <p:nvPr/>
-      </p:nvGrpSpPr>
-      <p:grpSpPr>
-        <a:xfrm>
-          <a:off x="0" y="0"/>
-          <a:ext cx="0" cy="0"/>
-          <a:chOff x="0" y="0"/>
-          <a:chExt cx="0" cy="0"/>
-        </a:xfrm>
-      </p:grpSpPr>
-      <p:sp>
-        <p:nvSpPr>
-          <p:cNvPr id="2" name="スライド イメージ プレースホルダー 1"/>
-          <p:cNvSpPr>
-            <a:spLocks noGrp="1" noRot="1" noChangeAspect="1"/>
-          </p:cNvSpPr>
-          <p:nvPr>
-            <p:ph type="sldImg"/>
-          </p:nvPr>
-        </p:nvSpPr>
-        <p:spPr/>
-      </p:sp>
-      <p:sp>
-        <p:nvSpPr>
-          <p:cNvPr id="3" name="ノート プレースホルダー 2"/>
-          <p:cNvSpPr>
-            <a:spLocks noGrp="1"/>
-          </p:cNvSpPr>
-          <p:nvPr>
-            <p:ph type="body" idx="1"/>
-          </p:nvPr>
-        </p:nvSpPr>
-        <p:spPr/>
-        <p:txBody>
-          <a:bodyPr/>
-          <a:lstStyle/>
-          <a:p>
-            <a:endParaRPr kumimoji="1" lang="ja-JP" altLang="en-US"/>
-          </a:p>
-        </p:txBody>
-      </p:sp>
-      <p:sp>
-        <p:nvSpPr>
-          <p:cNvPr id="4" name="スライド番号プレースホルダー 3"/>
-          <p:cNvSpPr>
-            <a:spLocks noGrp="1"/>
-          </p:cNvSpPr>
-          <p:nvPr>
-            <p:ph type="sldNum" sz="quarter" idx="5"/>
-          </p:nvPr>
-        </p:nvSpPr>
-        <p:spPr/>
-        <p:txBody>
-          <a:bodyPr/>
-          <a:lstStyle/>
-          <a:p>
-            <a:fld id="{DFB74502-7093-42C1-A9B1-6F1C7BBDB171}" type="slidenum">
-              <a:rPr kumimoji="1" lang="ja-JP" altLang="en-US" smtClean="0"/>
-              <a:t>3</a:t>
-            </a:fld>
-            <a:endParaRPr kumimoji="1" lang="ja-JP" altLang="en-US"/>
-          </a:p>
-        </p:txBody>
-      </p:sp>
-    </p:spTree>
-    <p:extLst>
-      <p:ext uri="{BB962C8B-B14F-4D97-AF65-F5344CB8AC3E}">
-        <p14:creationId xmlns:p14="http://schemas.microsoft.com/office/powerpoint/2010/main" val="2680476218"/>
-      </p:ext>
-    </p:extLst>
-  </p:cSld>
-  <p:clrMapOvr>
-    <a:masterClrMapping/>
-  </p:clrMapOvr>
-</p:notes>
 </file>
 
 <file path=ppt/slideLayouts/slideLayout1.xml><?xml version="1.0" encoding="utf-8"?>
@@ -707,7 +136,7 @@
           <p:cNvPr id="2" name="タイトル 1">
             <a:extLst>
               <a:ext uri="{FF2B5EF4-FFF2-40B4-BE49-F238E27FC236}">
-                <a16:creationId xmlns:a16="http://schemas.microsoft.com/office/drawing/2014/main" id="{CB4A4F0B-2BA4-406B-9945-50BA65176B8E}"/>
+                <a16:creationId xmlns:a16="http://schemas.microsoft.com/office/drawing/2014/main" id="{6FBF0581-1DE1-5ED8-A505-B03006936B6B}"/>
               </a:ext>
             </a:extLst>
           </p:cNvPr>
@@ -744,7 +173,7 @@
           <p:cNvPr id="3" name="字幕 2">
             <a:extLst>
               <a:ext uri="{FF2B5EF4-FFF2-40B4-BE49-F238E27FC236}">
-                <a16:creationId xmlns:a16="http://schemas.microsoft.com/office/drawing/2014/main" id="{597031CD-B257-46F5-A135-A19AE7800B97}"/>
+                <a16:creationId xmlns:a16="http://schemas.microsoft.com/office/drawing/2014/main" id="{FAC9A360-8672-7CD1-3B60-3B39462C9149}"/>
               </a:ext>
             </a:extLst>
           </p:cNvPr>
@@ -814,7 +243,7 @@
           <p:cNvPr id="4" name="日付プレースホルダー 3">
             <a:extLst>
               <a:ext uri="{FF2B5EF4-FFF2-40B4-BE49-F238E27FC236}">
-                <a16:creationId xmlns:a16="http://schemas.microsoft.com/office/drawing/2014/main" id="{1EFF2259-FCCA-4723-96AE-C74B774406E4}"/>
+                <a16:creationId xmlns:a16="http://schemas.microsoft.com/office/drawing/2014/main" id="{66A483AE-C0C5-29D8-3BFB-E204C8DABD0F}"/>
               </a:ext>
             </a:extLst>
           </p:cNvPr>
@@ -830,9 +259,9 @@
           <a:bodyPr/>
           <a:lstStyle/>
           <a:p>
-            <a:fld id="{A74D7350-153A-42C5-BB78-C79D2B48DBB0}" type="datetimeFigureOut">
+            <a:fld id="{690E477F-8790-4710-B968-AEEF74883170}" type="datetimeFigureOut">
               <a:rPr kumimoji="1" lang="ja-JP" altLang="en-US" smtClean="0"/>
-              <a:t>2023/4/7</a:t>
+              <a:t>2023/4/10</a:t>
             </a:fld>
             <a:endParaRPr kumimoji="1" lang="ja-JP" altLang="en-US"/>
           </a:p>
@@ -843,7 +272,7 @@
           <p:cNvPr id="5" name="フッター プレースホルダー 4">
             <a:extLst>
               <a:ext uri="{FF2B5EF4-FFF2-40B4-BE49-F238E27FC236}">
-                <a16:creationId xmlns:a16="http://schemas.microsoft.com/office/drawing/2014/main" id="{0FF7F783-38AB-42EC-88FB-66503A1E8AA2}"/>
+                <a16:creationId xmlns:a16="http://schemas.microsoft.com/office/drawing/2014/main" id="{C03ED0F5-C1D6-9A30-B22E-23FEB4F5A9FC}"/>
               </a:ext>
             </a:extLst>
           </p:cNvPr>
@@ -868,7 +297,7 @@
           <p:cNvPr id="6" name="スライド番号プレースホルダー 5">
             <a:extLst>
               <a:ext uri="{FF2B5EF4-FFF2-40B4-BE49-F238E27FC236}">
-                <a16:creationId xmlns:a16="http://schemas.microsoft.com/office/drawing/2014/main" id="{B2431209-66FD-4EF7-A0C6-F4ED7156F892}"/>
+                <a16:creationId xmlns:a16="http://schemas.microsoft.com/office/drawing/2014/main" id="{2E5046D4-72A8-5567-37E3-6478E4B6C718}"/>
               </a:ext>
             </a:extLst>
           </p:cNvPr>
@@ -884,7 +313,7 @@
           <a:bodyPr/>
           <a:lstStyle/>
           <a:p>
-            <a:fld id="{928D5765-098E-4049-84B8-6BC66488581C}" type="slidenum">
+            <a:fld id="{6A52849B-4EC1-4B23-B151-A15F80D0261D}" type="slidenum">
               <a:rPr kumimoji="1" lang="ja-JP" altLang="en-US" smtClean="0"/>
               <a:t>‹#›</a:t>
             </a:fld>
@@ -895,7 +324,7 @@
     </p:spTree>
     <p:extLst>
       <p:ext uri="{BB962C8B-B14F-4D97-AF65-F5344CB8AC3E}">
-        <p14:creationId xmlns:p14="http://schemas.microsoft.com/office/powerpoint/2010/main" val="4113872023"/>
+        <p14:creationId xmlns:p14="http://schemas.microsoft.com/office/powerpoint/2010/main" val="375203606"/>
       </p:ext>
     </p:extLst>
   </p:cSld>
@@ -927,7 +356,7 @@
           <p:cNvPr id="2" name="タイトル 1">
             <a:extLst>
               <a:ext uri="{FF2B5EF4-FFF2-40B4-BE49-F238E27FC236}">
-                <a16:creationId xmlns:a16="http://schemas.microsoft.com/office/drawing/2014/main" id="{046E0E4A-AF6B-402E-B13C-3FC031579826}"/>
+                <a16:creationId xmlns:a16="http://schemas.microsoft.com/office/drawing/2014/main" id="{AC4872B4-9E88-3798-AD0D-BD22293E30FC}"/>
               </a:ext>
             </a:extLst>
           </p:cNvPr>
@@ -955,7 +384,7 @@
           <p:cNvPr id="3" name="縦書きテキスト プレースホルダー 2">
             <a:extLst>
               <a:ext uri="{FF2B5EF4-FFF2-40B4-BE49-F238E27FC236}">
-                <a16:creationId xmlns:a16="http://schemas.microsoft.com/office/drawing/2014/main" id="{F9303D12-88C3-4BC5-9857-AE3E8B16B1BA}"/>
+                <a16:creationId xmlns:a16="http://schemas.microsoft.com/office/drawing/2014/main" id="{DD84ACC8-44AE-0B60-9391-A32E0A9F3509}"/>
               </a:ext>
             </a:extLst>
           </p:cNvPr>
@@ -1044,7 +473,7 @@
           <p:cNvPr id="4" name="日付プレースホルダー 3">
             <a:extLst>
               <a:ext uri="{FF2B5EF4-FFF2-40B4-BE49-F238E27FC236}">
-                <a16:creationId xmlns:a16="http://schemas.microsoft.com/office/drawing/2014/main" id="{C863E60C-3134-40E7-8E83-88D127EC0E02}"/>
+                <a16:creationId xmlns:a16="http://schemas.microsoft.com/office/drawing/2014/main" id="{3F1277DA-67FD-42B9-340B-DC48EC7F0DB4}"/>
               </a:ext>
             </a:extLst>
           </p:cNvPr>
@@ -1060,9 +489,9 @@
           <a:bodyPr/>
           <a:lstStyle/>
           <a:p>
-            <a:fld id="{A74D7350-153A-42C5-BB78-C79D2B48DBB0}" type="datetimeFigureOut">
+            <a:fld id="{690E477F-8790-4710-B968-AEEF74883170}" type="datetimeFigureOut">
               <a:rPr kumimoji="1" lang="ja-JP" altLang="en-US" smtClean="0"/>
-              <a:t>2023/4/7</a:t>
+              <a:t>2023/4/10</a:t>
             </a:fld>
             <a:endParaRPr kumimoji="1" lang="ja-JP" altLang="en-US"/>
           </a:p>
@@ -1073,7 +502,7 @@
           <p:cNvPr id="5" name="フッター プレースホルダー 4">
             <a:extLst>
               <a:ext uri="{FF2B5EF4-FFF2-40B4-BE49-F238E27FC236}">
-                <a16:creationId xmlns:a16="http://schemas.microsoft.com/office/drawing/2014/main" id="{7F6A2D19-0511-48C6-B26D-824C3D825BC9}"/>
+                <a16:creationId xmlns:a16="http://schemas.microsoft.com/office/drawing/2014/main" id="{8E075824-3972-A6AE-29F9-269ED81226B3}"/>
               </a:ext>
             </a:extLst>
           </p:cNvPr>
@@ -1098,7 +527,7 @@
           <p:cNvPr id="6" name="スライド番号プレースホルダー 5">
             <a:extLst>
               <a:ext uri="{FF2B5EF4-FFF2-40B4-BE49-F238E27FC236}">
-                <a16:creationId xmlns:a16="http://schemas.microsoft.com/office/drawing/2014/main" id="{43006C86-7728-450F-B42F-3BB523C92ED0}"/>
+                <a16:creationId xmlns:a16="http://schemas.microsoft.com/office/drawing/2014/main" id="{5101EBD5-9A2F-3AF8-E098-DDF1758F6FAB}"/>
               </a:ext>
             </a:extLst>
           </p:cNvPr>
@@ -1114,7 +543,7 @@
           <a:bodyPr/>
           <a:lstStyle/>
           <a:p>
-            <a:fld id="{928D5765-098E-4049-84B8-6BC66488581C}" type="slidenum">
+            <a:fld id="{6A52849B-4EC1-4B23-B151-A15F80D0261D}" type="slidenum">
               <a:rPr kumimoji="1" lang="ja-JP" altLang="en-US" smtClean="0"/>
               <a:t>‹#›</a:t>
             </a:fld>
@@ -1125,7 +554,7 @@
     </p:spTree>
     <p:extLst>
       <p:ext uri="{BB962C8B-B14F-4D97-AF65-F5344CB8AC3E}">
-        <p14:creationId xmlns:p14="http://schemas.microsoft.com/office/powerpoint/2010/main" val="9874813"/>
+        <p14:creationId xmlns:p14="http://schemas.microsoft.com/office/powerpoint/2010/main" val="1228389590"/>
       </p:ext>
     </p:extLst>
   </p:cSld>
@@ -1157,7 +586,7 @@
           <p:cNvPr id="2" name="縦書きタイトル 1">
             <a:extLst>
               <a:ext uri="{FF2B5EF4-FFF2-40B4-BE49-F238E27FC236}">
-                <a16:creationId xmlns:a16="http://schemas.microsoft.com/office/drawing/2014/main" id="{29D1DD76-FE7F-48DA-89A0-AE0D759380E2}"/>
+                <a16:creationId xmlns:a16="http://schemas.microsoft.com/office/drawing/2014/main" id="{44ABC8C7-71DD-AC9F-DE6B-4F2B77AFAB8F}"/>
               </a:ext>
             </a:extLst>
           </p:cNvPr>
@@ -1190,7 +619,7 @@
           <p:cNvPr id="3" name="縦書きテキスト プレースホルダー 2">
             <a:extLst>
               <a:ext uri="{FF2B5EF4-FFF2-40B4-BE49-F238E27FC236}">
-                <a16:creationId xmlns:a16="http://schemas.microsoft.com/office/drawing/2014/main" id="{87D58B76-CF03-4E9A-A51C-A3E6C243DFFB}"/>
+                <a16:creationId xmlns:a16="http://schemas.microsoft.com/office/drawing/2014/main" id="{16011CE6-4DA9-0979-A935-7520DD558470}"/>
               </a:ext>
             </a:extLst>
           </p:cNvPr>
@@ -1284,7 +713,7 @@
           <p:cNvPr id="4" name="日付プレースホルダー 3">
             <a:extLst>
               <a:ext uri="{FF2B5EF4-FFF2-40B4-BE49-F238E27FC236}">
-                <a16:creationId xmlns:a16="http://schemas.microsoft.com/office/drawing/2014/main" id="{7D7048DF-1E01-4B18-8656-B424F76FAAB9}"/>
+                <a16:creationId xmlns:a16="http://schemas.microsoft.com/office/drawing/2014/main" id="{45BF31FD-BB60-2449-0E1A-A2DFBBCFC044}"/>
               </a:ext>
             </a:extLst>
           </p:cNvPr>
@@ -1300,9 +729,9 @@
           <a:bodyPr/>
           <a:lstStyle/>
           <a:p>
-            <a:fld id="{A74D7350-153A-42C5-BB78-C79D2B48DBB0}" type="datetimeFigureOut">
+            <a:fld id="{690E477F-8790-4710-B968-AEEF74883170}" type="datetimeFigureOut">
               <a:rPr kumimoji="1" lang="ja-JP" altLang="en-US" smtClean="0"/>
-              <a:t>2023/4/7</a:t>
+              <a:t>2023/4/10</a:t>
             </a:fld>
             <a:endParaRPr kumimoji="1" lang="ja-JP" altLang="en-US"/>
           </a:p>
@@ -1313,7 +742,7 @@
           <p:cNvPr id="5" name="フッター プレースホルダー 4">
             <a:extLst>
               <a:ext uri="{FF2B5EF4-FFF2-40B4-BE49-F238E27FC236}">
-                <a16:creationId xmlns:a16="http://schemas.microsoft.com/office/drawing/2014/main" id="{CF060D5A-053E-4D27-A59C-F0BA79E828C8}"/>
+                <a16:creationId xmlns:a16="http://schemas.microsoft.com/office/drawing/2014/main" id="{111182F1-D781-2FD5-1743-09A6541C5F82}"/>
               </a:ext>
             </a:extLst>
           </p:cNvPr>
@@ -1338,7 +767,7 @@
           <p:cNvPr id="6" name="スライド番号プレースホルダー 5">
             <a:extLst>
               <a:ext uri="{FF2B5EF4-FFF2-40B4-BE49-F238E27FC236}">
-                <a16:creationId xmlns:a16="http://schemas.microsoft.com/office/drawing/2014/main" id="{177AFBFD-585C-486C-A8BE-8E5D20AE88B1}"/>
+                <a16:creationId xmlns:a16="http://schemas.microsoft.com/office/drawing/2014/main" id="{158EE41F-DD57-9925-CCC1-714D72DC57DB}"/>
               </a:ext>
             </a:extLst>
           </p:cNvPr>
@@ -1354,7 +783,7 @@
           <a:bodyPr/>
           <a:lstStyle/>
           <a:p>
-            <a:fld id="{928D5765-098E-4049-84B8-6BC66488581C}" type="slidenum">
+            <a:fld id="{6A52849B-4EC1-4B23-B151-A15F80D0261D}" type="slidenum">
               <a:rPr kumimoji="1" lang="ja-JP" altLang="en-US" smtClean="0"/>
               <a:t>‹#›</a:t>
             </a:fld>
@@ -1365,7 +794,7 @@
     </p:spTree>
     <p:extLst>
       <p:ext uri="{BB962C8B-B14F-4D97-AF65-F5344CB8AC3E}">
-        <p14:creationId xmlns:p14="http://schemas.microsoft.com/office/powerpoint/2010/main" val="3262295242"/>
+        <p14:creationId xmlns:p14="http://schemas.microsoft.com/office/powerpoint/2010/main" val="1520027759"/>
       </p:ext>
     </p:extLst>
   </p:cSld>
@@ -1397,7 +826,7 @@
           <p:cNvPr id="2" name="タイトル 1">
             <a:extLst>
               <a:ext uri="{FF2B5EF4-FFF2-40B4-BE49-F238E27FC236}">
-                <a16:creationId xmlns:a16="http://schemas.microsoft.com/office/drawing/2014/main" id="{A25939DA-EFBF-46BF-9680-DF4F22EDD427}"/>
+                <a16:creationId xmlns:a16="http://schemas.microsoft.com/office/drawing/2014/main" id="{C1748001-9297-B791-98DF-2EF762F72F81}"/>
               </a:ext>
             </a:extLst>
           </p:cNvPr>
@@ -1425,7 +854,7 @@
           <p:cNvPr id="3" name="コンテンツ プレースホルダー 2">
             <a:extLst>
               <a:ext uri="{FF2B5EF4-FFF2-40B4-BE49-F238E27FC236}">
-                <a16:creationId xmlns:a16="http://schemas.microsoft.com/office/drawing/2014/main" id="{125F9782-A67B-4C05-BDB3-2DF69BA4D203}"/>
+                <a16:creationId xmlns:a16="http://schemas.microsoft.com/office/drawing/2014/main" id="{9954627F-3587-92EC-0E61-E3996490BDE1}"/>
               </a:ext>
             </a:extLst>
           </p:cNvPr>
@@ -1514,7 +943,7 @@
           <p:cNvPr id="4" name="日付プレースホルダー 3">
             <a:extLst>
               <a:ext uri="{FF2B5EF4-FFF2-40B4-BE49-F238E27FC236}">
-                <a16:creationId xmlns:a16="http://schemas.microsoft.com/office/drawing/2014/main" id="{42C40545-6B27-41D6-9B6A-195ECBEAF125}"/>
+                <a16:creationId xmlns:a16="http://schemas.microsoft.com/office/drawing/2014/main" id="{E080E38B-8D85-A632-F518-DAEE7FE609E9}"/>
               </a:ext>
             </a:extLst>
           </p:cNvPr>
@@ -1530,9 +959,9 @@
           <a:bodyPr/>
           <a:lstStyle/>
           <a:p>
-            <a:fld id="{A74D7350-153A-42C5-BB78-C79D2B48DBB0}" type="datetimeFigureOut">
+            <a:fld id="{690E477F-8790-4710-B968-AEEF74883170}" type="datetimeFigureOut">
               <a:rPr kumimoji="1" lang="ja-JP" altLang="en-US" smtClean="0"/>
-              <a:t>2023/4/7</a:t>
+              <a:t>2023/4/10</a:t>
             </a:fld>
             <a:endParaRPr kumimoji="1" lang="ja-JP" altLang="en-US"/>
           </a:p>
@@ -1543,7 +972,7 @@
           <p:cNvPr id="5" name="フッター プレースホルダー 4">
             <a:extLst>
               <a:ext uri="{FF2B5EF4-FFF2-40B4-BE49-F238E27FC236}">
-                <a16:creationId xmlns:a16="http://schemas.microsoft.com/office/drawing/2014/main" id="{72193EB9-6686-4FA1-BE68-A96546680E5F}"/>
+                <a16:creationId xmlns:a16="http://schemas.microsoft.com/office/drawing/2014/main" id="{12A7FB14-72BF-F4E7-24FC-09195AC4FD75}"/>
               </a:ext>
             </a:extLst>
           </p:cNvPr>
@@ -1568,7 +997,7 @@
           <p:cNvPr id="6" name="スライド番号プレースホルダー 5">
             <a:extLst>
               <a:ext uri="{FF2B5EF4-FFF2-40B4-BE49-F238E27FC236}">
-                <a16:creationId xmlns:a16="http://schemas.microsoft.com/office/drawing/2014/main" id="{34A2E33B-16C6-4E8A-A34D-35B4A8C65C51}"/>
+                <a16:creationId xmlns:a16="http://schemas.microsoft.com/office/drawing/2014/main" id="{6C111996-9FE5-1C71-691B-8D5DDD58C1B3}"/>
               </a:ext>
             </a:extLst>
           </p:cNvPr>
@@ -1584,7 +1013,7 @@
           <a:bodyPr/>
           <a:lstStyle/>
           <a:p>
-            <a:fld id="{928D5765-098E-4049-84B8-6BC66488581C}" type="slidenum">
+            <a:fld id="{6A52849B-4EC1-4B23-B151-A15F80D0261D}" type="slidenum">
               <a:rPr kumimoji="1" lang="ja-JP" altLang="en-US" smtClean="0"/>
               <a:t>‹#›</a:t>
             </a:fld>
@@ -1592,56 +1021,10 @@
           </a:p>
         </p:txBody>
       </p:sp>
-      <p:sp>
-        <p:nvSpPr>
-          <p:cNvPr id="7" name="正方形/長方形 6">
-            <a:extLst>
-              <a:ext uri="{FF2B5EF4-FFF2-40B4-BE49-F238E27FC236}">
-                <a16:creationId xmlns:a16="http://schemas.microsoft.com/office/drawing/2014/main" id="{0958444F-0B36-4CC1-AEFD-9C5B5B168BAE}"/>
-              </a:ext>
-            </a:extLst>
-          </p:cNvPr>
-          <p:cNvSpPr/>
-          <p:nvPr userDrawn="1"/>
-        </p:nvSpPr>
-        <p:spPr>
-          <a:xfrm>
-            <a:off x="0" y="0"/>
-            <a:ext cx="12192000" cy="1325563"/>
-          </a:xfrm>
-          <a:prstGeom prst="rect">
-            <a:avLst/>
-          </a:prstGeom>
-        </p:spPr>
-        <p:style>
-          <a:lnRef idx="2">
-            <a:schemeClr val="accent1">
-              <a:shade val="50000"/>
-            </a:schemeClr>
-          </a:lnRef>
-          <a:fillRef idx="1">
-            <a:schemeClr val="accent1"/>
-          </a:fillRef>
-          <a:effectRef idx="0">
-            <a:schemeClr val="accent1"/>
-          </a:effectRef>
-          <a:fontRef idx="minor">
-            <a:schemeClr val="lt1"/>
-          </a:fontRef>
-        </p:style>
-        <p:txBody>
-          <a:bodyPr rtlCol="0" anchor="ctr"/>
-          <a:lstStyle/>
-          <a:p>
-            <a:pPr algn="ctr"/>
-            <a:endParaRPr kumimoji="1" lang="ja-JP" altLang="en-US"/>
-          </a:p>
-        </p:txBody>
-      </p:sp>
     </p:spTree>
     <p:extLst>
       <p:ext uri="{BB962C8B-B14F-4D97-AF65-F5344CB8AC3E}">
-        <p14:creationId xmlns:p14="http://schemas.microsoft.com/office/powerpoint/2010/main" val="706005702"/>
+        <p14:creationId xmlns:p14="http://schemas.microsoft.com/office/powerpoint/2010/main" val="31933288"/>
       </p:ext>
     </p:extLst>
   </p:cSld>
@@ -1673,7 +1056,7 @@
           <p:cNvPr id="2" name="タイトル 1">
             <a:extLst>
               <a:ext uri="{FF2B5EF4-FFF2-40B4-BE49-F238E27FC236}">
-                <a16:creationId xmlns:a16="http://schemas.microsoft.com/office/drawing/2014/main" id="{2E997907-2B3D-41FE-BF23-1F352E0BE24A}"/>
+                <a16:creationId xmlns:a16="http://schemas.microsoft.com/office/drawing/2014/main" id="{892C1C1E-49C7-7F2D-1063-4132F77F7E65}"/>
               </a:ext>
             </a:extLst>
           </p:cNvPr>
@@ -1710,7 +1093,7 @@
           <p:cNvPr id="3" name="テキスト プレースホルダー 2">
             <a:extLst>
               <a:ext uri="{FF2B5EF4-FFF2-40B4-BE49-F238E27FC236}">
-                <a16:creationId xmlns:a16="http://schemas.microsoft.com/office/drawing/2014/main" id="{823255E8-7904-4BA3-9736-0EF634D20693}"/>
+                <a16:creationId xmlns:a16="http://schemas.microsoft.com/office/drawing/2014/main" id="{3E7AC2A8-61EA-E91C-CE16-D998D48ED31E}"/>
               </a:ext>
             </a:extLst>
           </p:cNvPr>
@@ -1835,7 +1218,7 @@
           <p:cNvPr id="4" name="日付プレースホルダー 3">
             <a:extLst>
               <a:ext uri="{FF2B5EF4-FFF2-40B4-BE49-F238E27FC236}">
-                <a16:creationId xmlns:a16="http://schemas.microsoft.com/office/drawing/2014/main" id="{5C6C3868-669E-4231-B41D-7C3B95853772}"/>
+                <a16:creationId xmlns:a16="http://schemas.microsoft.com/office/drawing/2014/main" id="{0916DC87-8596-B44E-E634-5411A2C30B01}"/>
               </a:ext>
             </a:extLst>
           </p:cNvPr>
@@ -1851,9 +1234,9 @@
           <a:bodyPr/>
           <a:lstStyle/>
           <a:p>
-            <a:fld id="{A74D7350-153A-42C5-BB78-C79D2B48DBB0}" type="datetimeFigureOut">
+            <a:fld id="{690E477F-8790-4710-B968-AEEF74883170}" type="datetimeFigureOut">
               <a:rPr kumimoji="1" lang="ja-JP" altLang="en-US" smtClean="0"/>
-              <a:t>2023/4/7</a:t>
+              <a:t>2023/4/10</a:t>
             </a:fld>
             <a:endParaRPr kumimoji="1" lang="ja-JP" altLang="en-US"/>
           </a:p>
@@ -1864,7 +1247,7 @@
           <p:cNvPr id="5" name="フッター プレースホルダー 4">
             <a:extLst>
               <a:ext uri="{FF2B5EF4-FFF2-40B4-BE49-F238E27FC236}">
-                <a16:creationId xmlns:a16="http://schemas.microsoft.com/office/drawing/2014/main" id="{9711D501-77A0-4965-AA79-4AE5F4F6FE0D}"/>
+                <a16:creationId xmlns:a16="http://schemas.microsoft.com/office/drawing/2014/main" id="{06C84024-C778-E06C-7593-C622FBB09CD1}"/>
               </a:ext>
             </a:extLst>
           </p:cNvPr>
@@ -1889,7 +1272,7 @@
           <p:cNvPr id="6" name="スライド番号プレースホルダー 5">
             <a:extLst>
               <a:ext uri="{FF2B5EF4-FFF2-40B4-BE49-F238E27FC236}">
-                <a16:creationId xmlns:a16="http://schemas.microsoft.com/office/drawing/2014/main" id="{4CF3164E-5CB6-4434-8A21-890E93FA6F49}"/>
+                <a16:creationId xmlns:a16="http://schemas.microsoft.com/office/drawing/2014/main" id="{6947DE66-8E43-D71D-7E83-1D2166CF0752}"/>
               </a:ext>
             </a:extLst>
           </p:cNvPr>
@@ -1905,7 +1288,7 @@
           <a:bodyPr/>
           <a:lstStyle/>
           <a:p>
-            <a:fld id="{928D5765-098E-4049-84B8-6BC66488581C}" type="slidenum">
+            <a:fld id="{6A52849B-4EC1-4B23-B151-A15F80D0261D}" type="slidenum">
               <a:rPr kumimoji="1" lang="ja-JP" altLang="en-US" smtClean="0"/>
               <a:t>‹#›</a:t>
             </a:fld>
@@ -1916,7 +1299,7 @@
     </p:spTree>
     <p:extLst>
       <p:ext uri="{BB962C8B-B14F-4D97-AF65-F5344CB8AC3E}">
-        <p14:creationId xmlns:p14="http://schemas.microsoft.com/office/powerpoint/2010/main" val="2651212509"/>
+        <p14:creationId xmlns:p14="http://schemas.microsoft.com/office/powerpoint/2010/main" val="3720083673"/>
       </p:ext>
     </p:extLst>
   </p:cSld>
@@ -1948,7 +1331,7 @@
           <p:cNvPr id="2" name="タイトル 1">
             <a:extLst>
               <a:ext uri="{FF2B5EF4-FFF2-40B4-BE49-F238E27FC236}">
-                <a16:creationId xmlns:a16="http://schemas.microsoft.com/office/drawing/2014/main" id="{554148A1-0F47-4BE3-9C24-C18ED00F41B1}"/>
+                <a16:creationId xmlns:a16="http://schemas.microsoft.com/office/drawing/2014/main" id="{AEC9053A-DA67-6C43-D4DB-40F92238BD9C}"/>
               </a:ext>
             </a:extLst>
           </p:cNvPr>
@@ -1976,7 +1359,7 @@
           <p:cNvPr id="3" name="コンテンツ プレースホルダー 2">
             <a:extLst>
               <a:ext uri="{FF2B5EF4-FFF2-40B4-BE49-F238E27FC236}">
-                <a16:creationId xmlns:a16="http://schemas.microsoft.com/office/drawing/2014/main" id="{44441472-60F3-4BF2-8DBE-5ED5C6DFAFEB}"/>
+                <a16:creationId xmlns:a16="http://schemas.microsoft.com/office/drawing/2014/main" id="{9B9A725B-1E9F-325C-B7DC-6AAD29124002}"/>
               </a:ext>
             </a:extLst>
           </p:cNvPr>
@@ -2070,7 +1453,7 @@
           <p:cNvPr id="4" name="コンテンツ プレースホルダー 3">
             <a:extLst>
               <a:ext uri="{FF2B5EF4-FFF2-40B4-BE49-F238E27FC236}">
-                <a16:creationId xmlns:a16="http://schemas.microsoft.com/office/drawing/2014/main" id="{23E39C6B-3BF2-4D0B-A52C-77C7D4598D99}"/>
+                <a16:creationId xmlns:a16="http://schemas.microsoft.com/office/drawing/2014/main" id="{5653964E-F653-9B2E-793E-8A509A9E1F02}"/>
               </a:ext>
             </a:extLst>
           </p:cNvPr>
@@ -2164,7 +1547,7 @@
           <p:cNvPr id="5" name="日付プレースホルダー 4">
             <a:extLst>
               <a:ext uri="{FF2B5EF4-FFF2-40B4-BE49-F238E27FC236}">
-                <a16:creationId xmlns:a16="http://schemas.microsoft.com/office/drawing/2014/main" id="{0207B02E-5CE3-4395-9975-DC5A2E4AA548}"/>
+                <a16:creationId xmlns:a16="http://schemas.microsoft.com/office/drawing/2014/main" id="{3432FF52-9B9B-8365-BFDA-C87D00721BAF}"/>
               </a:ext>
             </a:extLst>
           </p:cNvPr>
@@ -2180,9 +1563,9 @@
           <a:bodyPr/>
           <a:lstStyle/>
           <a:p>
-            <a:fld id="{A74D7350-153A-42C5-BB78-C79D2B48DBB0}" type="datetimeFigureOut">
+            <a:fld id="{690E477F-8790-4710-B968-AEEF74883170}" type="datetimeFigureOut">
               <a:rPr kumimoji="1" lang="ja-JP" altLang="en-US" smtClean="0"/>
-              <a:t>2023/4/7</a:t>
+              <a:t>2023/4/10</a:t>
             </a:fld>
             <a:endParaRPr kumimoji="1" lang="ja-JP" altLang="en-US"/>
           </a:p>
@@ -2193,7 +1576,7 @@
           <p:cNvPr id="6" name="フッター プレースホルダー 5">
             <a:extLst>
               <a:ext uri="{FF2B5EF4-FFF2-40B4-BE49-F238E27FC236}">
-                <a16:creationId xmlns:a16="http://schemas.microsoft.com/office/drawing/2014/main" id="{D17E5C45-5556-4A51-AAFE-B6E184DB1550}"/>
+                <a16:creationId xmlns:a16="http://schemas.microsoft.com/office/drawing/2014/main" id="{55158595-6359-EC76-7BD9-C1B7BB71DDCE}"/>
               </a:ext>
             </a:extLst>
           </p:cNvPr>
@@ -2218,7 +1601,7 @@
           <p:cNvPr id="7" name="スライド番号プレースホルダー 6">
             <a:extLst>
               <a:ext uri="{FF2B5EF4-FFF2-40B4-BE49-F238E27FC236}">
-                <a16:creationId xmlns:a16="http://schemas.microsoft.com/office/drawing/2014/main" id="{87EB2069-88CC-49F2-A5EE-21A36755219F}"/>
+                <a16:creationId xmlns:a16="http://schemas.microsoft.com/office/drawing/2014/main" id="{73DD4757-5D30-CD2F-EEE0-EC183BBF0E09}"/>
               </a:ext>
             </a:extLst>
           </p:cNvPr>
@@ -2234,7 +1617,7 @@
           <a:bodyPr/>
           <a:lstStyle/>
           <a:p>
-            <a:fld id="{928D5765-098E-4049-84B8-6BC66488581C}" type="slidenum">
+            <a:fld id="{6A52849B-4EC1-4B23-B151-A15F80D0261D}" type="slidenum">
               <a:rPr kumimoji="1" lang="ja-JP" altLang="en-US" smtClean="0"/>
               <a:t>‹#›</a:t>
             </a:fld>
@@ -2245,7 +1628,7 @@
     </p:spTree>
     <p:extLst>
       <p:ext uri="{BB962C8B-B14F-4D97-AF65-F5344CB8AC3E}">
-        <p14:creationId xmlns:p14="http://schemas.microsoft.com/office/powerpoint/2010/main" val="526771432"/>
+        <p14:creationId xmlns:p14="http://schemas.microsoft.com/office/powerpoint/2010/main" val="1348701896"/>
       </p:ext>
     </p:extLst>
   </p:cSld>
@@ -2277,7 +1660,7 @@
           <p:cNvPr id="2" name="タイトル 1">
             <a:extLst>
               <a:ext uri="{FF2B5EF4-FFF2-40B4-BE49-F238E27FC236}">
-                <a16:creationId xmlns:a16="http://schemas.microsoft.com/office/drawing/2014/main" id="{1D5C9004-5902-44A8-B58D-C76FD96DFBF6}"/>
+                <a16:creationId xmlns:a16="http://schemas.microsoft.com/office/drawing/2014/main" id="{5E0ED008-5908-0B75-36CF-DE7BC01A7E4C}"/>
               </a:ext>
             </a:extLst>
           </p:cNvPr>
@@ -2310,7 +1693,7 @@
           <p:cNvPr id="3" name="テキスト プレースホルダー 2">
             <a:extLst>
               <a:ext uri="{FF2B5EF4-FFF2-40B4-BE49-F238E27FC236}">
-                <a16:creationId xmlns:a16="http://schemas.microsoft.com/office/drawing/2014/main" id="{9858233C-0501-455F-B1D3-2674F340416E}"/>
+                <a16:creationId xmlns:a16="http://schemas.microsoft.com/office/drawing/2014/main" id="{121C5FC0-854A-5675-5D49-9916AF333652}"/>
               </a:ext>
             </a:extLst>
           </p:cNvPr>
@@ -2381,7 +1764,7 @@
           <p:cNvPr id="4" name="コンテンツ プレースホルダー 3">
             <a:extLst>
               <a:ext uri="{FF2B5EF4-FFF2-40B4-BE49-F238E27FC236}">
-                <a16:creationId xmlns:a16="http://schemas.microsoft.com/office/drawing/2014/main" id="{3D151785-F24D-47B1-B54A-269D1B39AF61}"/>
+                <a16:creationId xmlns:a16="http://schemas.microsoft.com/office/drawing/2014/main" id="{D2256166-82C7-9314-402C-BC16C3E68816}"/>
               </a:ext>
             </a:extLst>
           </p:cNvPr>
@@ -2475,7 +1858,7 @@
           <p:cNvPr id="5" name="テキスト プレースホルダー 4">
             <a:extLst>
               <a:ext uri="{FF2B5EF4-FFF2-40B4-BE49-F238E27FC236}">
-                <a16:creationId xmlns:a16="http://schemas.microsoft.com/office/drawing/2014/main" id="{012031C3-682D-4BF0-AB6D-92069B7C3984}"/>
+                <a16:creationId xmlns:a16="http://schemas.microsoft.com/office/drawing/2014/main" id="{33BAED81-AA12-3B79-106D-BF1272E57E8C}"/>
               </a:ext>
             </a:extLst>
           </p:cNvPr>
@@ -2546,7 +1929,7 @@
           <p:cNvPr id="6" name="コンテンツ プレースホルダー 5">
             <a:extLst>
               <a:ext uri="{FF2B5EF4-FFF2-40B4-BE49-F238E27FC236}">
-                <a16:creationId xmlns:a16="http://schemas.microsoft.com/office/drawing/2014/main" id="{65C47066-2A14-4A8A-B398-6259071F24AA}"/>
+                <a16:creationId xmlns:a16="http://schemas.microsoft.com/office/drawing/2014/main" id="{7A45C102-9CDE-725F-A345-EA5A164385DE}"/>
               </a:ext>
             </a:extLst>
           </p:cNvPr>
@@ -2640,7 +2023,7 @@
           <p:cNvPr id="7" name="日付プレースホルダー 6">
             <a:extLst>
               <a:ext uri="{FF2B5EF4-FFF2-40B4-BE49-F238E27FC236}">
-                <a16:creationId xmlns:a16="http://schemas.microsoft.com/office/drawing/2014/main" id="{516C143D-BB73-4359-82E2-AC84ACDDCE1A}"/>
+                <a16:creationId xmlns:a16="http://schemas.microsoft.com/office/drawing/2014/main" id="{C0AB164F-C95E-263D-EED5-6001DA22CCF2}"/>
               </a:ext>
             </a:extLst>
           </p:cNvPr>
@@ -2656,9 +2039,9 @@
           <a:bodyPr/>
           <a:lstStyle/>
           <a:p>
-            <a:fld id="{A74D7350-153A-42C5-BB78-C79D2B48DBB0}" type="datetimeFigureOut">
+            <a:fld id="{690E477F-8790-4710-B968-AEEF74883170}" type="datetimeFigureOut">
               <a:rPr kumimoji="1" lang="ja-JP" altLang="en-US" smtClean="0"/>
-              <a:t>2023/4/7</a:t>
+              <a:t>2023/4/10</a:t>
             </a:fld>
             <a:endParaRPr kumimoji="1" lang="ja-JP" altLang="en-US"/>
           </a:p>
@@ -2669,7 +2052,7 @@
           <p:cNvPr id="8" name="フッター プレースホルダー 7">
             <a:extLst>
               <a:ext uri="{FF2B5EF4-FFF2-40B4-BE49-F238E27FC236}">
-                <a16:creationId xmlns:a16="http://schemas.microsoft.com/office/drawing/2014/main" id="{4E1578E9-BE2F-477C-B801-BC8B33BFCCE6}"/>
+                <a16:creationId xmlns:a16="http://schemas.microsoft.com/office/drawing/2014/main" id="{4989F5AA-D11D-7423-6BDC-B2723F53AF04}"/>
               </a:ext>
             </a:extLst>
           </p:cNvPr>
@@ -2694,7 +2077,7 @@
           <p:cNvPr id="9" name="スライド番号プレースホルダー 8">
             <a:extLst>
               <a:ext uri="{FF2B5EF4-FFF2-40B4-BE49-F238E27FC236}">
-                <a16:creationId xmlns:a16="http://schemas.microsoft.com/office/drawing/2014/main" id="{72615209-9F6D-489B-86B8-A1EEE8445BF6}"/>
+                <a16:creationId xmlns:a16="http://schemas.microsoft.com/office/drawing/2014/main" id="{F614321D-641B-4B33-3CAD-5977896FD86C}"/>
               </a:ext>
             </a:extLst>
           </p:cNvPr>
@@ -2710,7 +2093,7 @@
           <a:bodyPr/>
           <a:lstStyle/>
           <a:p>
-            <a:fld id="{928D5765-098E-4049-84B8-6BC66488581C}" type="slidenum">
+            <a:fld id="{6A52849B-4EC1-4B23-B151-A15F80D0261D}" type="slidenum">
               <a:rPr kumimoji="1" lang="ja-JP" altLang="en-US" smtClean="0"/>
               <a:t>‹#›</a:t>
             </a:fld>
@@ -2721,7 +2104,7 @@
     </p:spTree>
     <p:extLst>
       <p:ext uri="{BB962C8B-B14F-4D97-AF65-F5344CB8AC3E}">
-        <p14:creationId xmlns:p14="http://schemas.microsoft.com/office/powerpoint/2010/main" val="2972168219"/>
+        <p14:creationId xmlns:p14="http://schemas.microsoft.com/office/powerpoint/2010/main" val="4220507090"/>
       </p:ext>
     </p:extLst>
   </p:cSld>
@@ -2753,7 +2136,7 @@
           <p:cNvPr id="2" name="タイトル 1">
             <a:extLst>
               <a:ext uri="{FF2B5EF4-FFF2-40B4-BE49-F238E27FC236}">
-                <a16:creationId xmlns:a16="http://schemas.microsoft.com/office/drawing/2014/main" id="{390AF263-22EA-4F60-B330-2913FA8C3AFB}"/>
+                <a16:creationId xmlns:a16="http://schemas.microsoft.com/office/drawing/2014/main" id="{D0E9CFC8-8F23-02B4-8656-D35BB1D1FEE8}"/>
               </a:ext>
             </a:extLst>
           </p:cNvPr>
@@ -2781,7 +2164,7 @@
           <p:cNvPr id="3" name="日付プレースホルダー 2">
             <a:extLst>
               <a:ext uri="{FF2B5EF4-FFF2-40B4-BE49-F238E27FC236}">
-                <a16:creationId xmlns:a16="http://schemas.microsoft.com/office/drawing/2014/main" id="{8DB621B5-DFB8-41D1-8096-428ECFCEDE75}"/>
+                <a16:creationId xmlns:a16="http://schemas.microsoft.com/office/drawing/2014/main" id="{14AED479-4295-0AAA-FCBD-13D91DE230F2}"/>
               </a:ext>
             </a:extLst>
           </p:cNvPr>
@@ -2797,9 +2180,9 @@
           <a:bodyPr/>
           <a:lstStyle/>
           <a:p>
-            <a:fld id="{A74D7350-153A-42C5-BB78-C79D2B48DBB0}" type="datetimeFigureOut">
+            <a:fld id="{690E477F-8790-4710-B968-AEEF74883170}" type="datetimeFigureOut">
               <a:rPr kumimoji="1" lang="ja-JP" altLang="en-US" smtClean="0"/>
-              <a:t>2023/4/7</a:t>
+              <a:t>2023/4/10</a:t>
             </a:fld>
             <a:endParaRPr kumimoji="1" lang="ja-JP" altLang="en-US"/>
           </a:p>
@@ -2810,7 +2193,7 @@
           <p:cNvPr id="4" name="フッター プレースホルダー 3">
             <a:extLst>
               <a:ext uri="{FF2B5EF4-FFF2-40B4-BE49-F238E27FC236}">
-                <a16:creationId xmlns:a16="http://schemas.microsoft.com/office/drawing/2014/main" id="{FD950BAD-321E-43F6-8EA4-CCB75E67DF24}"/>
+                <a16:creationId xmlns:a16="http://schemas.microsoft.com/office/drawing/2014/main" id="{68E8AA89-D728-EF76-D8F4-CD071FE097D2}"/>
               </a:ext>
             </a:extLst>
           </p:cNvPr>
@@ -2835,7 +2218,7 @@
           <p:cNvPr id="5" name="スライド番号プレースホルダー 4">
             <a:extLst>
               <a:ext uri="{FF2B5EF4-FFF2-40B4-BE49-F238E27FC236}">
-                <a16:creationId xmlns:a16="http://schemas.microsoft.com/office/drawing/2014/main" id="{7FAD09EB-AB78-4542-AA9D-F20F8EDDC38A}"/>
+                <a16:creationId xmlns:a16="http://schemas.microsoft.com/office/drawing/2014/main" id="{BE97B3CF-B468-B460-A584-18980898FB47}"/>
               </a:ext>
             </a:extLst>
           </p:cNvPr>
@@ -2851,7 +2234,7 @@
           <a:bodyPr/>
           <a:lstStyle/>
           <a:p>
-            <a:fld id="{928D5765-098E-4049-84B8-6BC66488581C}" type="slidenum">
+            <a:fld id="{6A52849B-4EC1-4B23-B151-A15F80D0261D}" type="slidenum">
               <a:rPr kumimoji="1" lang="ja-JP" altLang="en-US" smtClean="0"/>
               <a:t>‹#›</a:t>
             </a:fld>
@@ -2862,7 +2245,7 @@
     </p:spTree>
     <p:extLst>
       <p:ext uri="{BB962C8B-B14F-4D97-AF65-F5344CB8AC3E}">
-        <p14:creationId xmlns:p14="http://schemas.microsoft.com/office/powerpoint/2010/main" val="1747533526"/>
+        <p14:creationId xmlns:p14="http://schemas.microsoft.com/office/powerpoint/2010/main" val="3364096725"/>
       </p:ext>
     </p:extLst>
   </p:cSld>
@@ -2894,7 +2277,7 @@
           <p:cNvPr id="2" name="日付プレースホルダー 1">
             <a:extLst>
               <a:ext uri="{FF2B5EF4-FFF2-40B4-BE49-F238E27FC236}">
-                <a16:creationId xmlns:a16="http://schemas.microsoft.com/office/drawing/2014/main" id="{A72E7914-2C9E-455C-8913-CD768E24E0D5}"/>
+                <a16:creationId xmlns:a16="http://schemas.microsoft.com/office/drawing/2014/main" id="{027557A8-CFFC-0931-3325-2A40D2A52258}"/>
               </a:ext>
             </a:extLst>
           </p:cNvPr>
@@ -2910,9 +2293,9 @@
           <a:bodyPr/>
           <a:lstStyle/>
           <a:p>
-            <a:fld id="{A74D7350-153A-42C5-BB78-C79D2B48DBB0}" type="datetimeFigureOut">
+            <a:fld id="{690E477F-8790-4710-B968-AEEF74883170}" type="datetimeFigureOut">
               <a:rPr kumimoji="1" lang="ja-JP" altLang="en-US" smtClean="0"/>
-              <a:t>2023/4/7</a:t>
+              <a:t>2023/4/10</a:t>
             </a:fld>
             <a:endParaRPr kumimoji="1" lang="ja-JP" altLang="en-US"/>
           </a:p>
@@ -2923,7 +2306,7 @@
           <p:cNvPr id="3" name="フッター プレースホルダー 2">
             <a:extLst>
               <a:ext uri="{FF2B5EF4-FFF2-40B4-BE49-F238E27FC236}">
-                <a16:creationId xmlns:a16="http://schemas.microsoft.com/office/drawing/2014/main" id="{83471282-E179-40B1-9773-AB319B762FE5}"/>
+                <a16:creationId xmlns:a16="http://schemas.microsoft.com/office/drawing/2014/main" id="{393B7BD9-CABD-0464-94D2-CDDFE2BE2A5C}"/>
               </a:ext>
             </a:extLst>
           </p:cNvPr>
@@ -2948,7 +2331,7 @@
           <p:cNvPr id="4" name="スライド番号プレースホルダー 3">
             <a:extLst>
               <a:ext uri="{FF2B5EF4-FFF2-40B4-BE49-F238E27FC236}">
-                <a16:creationId xmlns:a16="http://schemas.microsoft.com/office/drawing/2014/main" id="{0C50D426-9F3D-4895-8E09-26CAE5F5496A}"/>
+                <a16:creationId xmlns:a16="http://schemas.microsoft.com/office/drawing/2014/main" id="{35012AB3-BC72-58B9-C482-D3E961FDCEDD}"/>
               </a:ext>
             </a:extLst>
           </p:cNvPr>
@@ -2964,7 +2347,7 @@
           <a:bodyPr/>
           <a:lstStyle/>
           <a:p>
-            <a:fld id="{928D5765-098E-4049-84B8-6BC66488581C}" type="slidenum">
+            <a:fld id="{6A52849B-4EC1-4B23-B151-A15F80D0261D}" type="slidenum">
               <a:rPr kumimoji="1" lang="ja-JP" altLang="en-US" smtClean="0"/>
               <a:t>‹#›</a:t>
             </a:fld>
@@ -2975,7 +2358,7 @@
     </p:spTree>
     <p:extLst>
       <p:ext uri="{BB962C8B-B14F-4D97-AF65-F5344CB8AC3E}">
-        <p14:creationId xmlns:p14="http://schemas.microsoft.com/office/powerpoint/2010/main" val="4014476821"/>
+        <p14:creationId xmlns:p14="http://schemas.microsoft.com/office/powerpoint/2010/main" val="1721512925"/>
       </p:ext>
     </p:extLst>
   </p:cSld>
@@ -3007,7 +2390,7 @@
           <p:cNvPr id="2" name="タイトル 1">
             <a:extLst>
               <a:ext uri="{FF2B5EF4-FFF2-40B4-BE49-F238E27FC236}">
-                <a16:creationId xmlns:a16="http://schemas.microsoft.com/office/drawing/2014/main" id="{D9233A53-0D13-4143-956A-A4DE2BFC9B2E}"/>
+                <a16:creationId xmlns:a16="http://schemas.microsoft.com/office/drawing/2014/main" id="{496B0982-7F33-1DE6-04A0-A7AA3D549BFF}"/>
               </a:ext>
             </a:extLst>
           </p:cNvPr>
@@ -3044,7 +2427,7 @@
           <p:cNvPr id="3" name="コンテンツ プレースホルダー 2">
             <a:extLst>
               <a:ext uri="{FF2B5EF4-FFF2-40B4-BE49-F238E27FC236}">
-                <a16:creationId xmlns:a16="http://schemas.microsoft.com/office/drawing/2014/main" id="{2A1A7BE8-361A-437B-9AF3-E39AD4591CFE}"/>
+                <a16:creationId xmlns:a16="http://schemas.microsoft.com/office/drawing/2014/main" id="{F2D16290-2F5B-6CAE-A4EE-1638E22C062B}"/>
               </a:ext>
             </a:extLst>
           </p:cNvPr>
@@ -3166,7 +2549,7 @@
           <p:cNvPr id="4" name="テキスト プレースホルダー 3">
             <a:extLst>
               <a:ext uri="{FF2B5EF4-FFF2-40B4-BE49-F238E27FC236}">
-                <a16:creationId xmlns:a16="http://schemas.microsoft.com/office/drawing/2014/main" id="{949641BF-4793-4064-8704-16718B556F89}"/>
+                <a16:creationId xmlns:a16="http://schemas.microsoft.com/office/drawing/2014/main" id="{0CBC93DB-4FC5-6FA3-82C4-8D52561E9683}"/>
               </a:ext>
             </a:extLst>
           </p:cNvPr>
@@ -3237,7 +2620,7 @@
           <p:cNvPr id="5" name="日付プレースホルダー 4">
             <a:extLst>
               <a:ext uri="{FF2B5EF4-FFF2-40B4-BE49-F238E27FC236}">
-                <a16:creationId xmlns:a16="http://schemas.microsoft.com/office/drawing/2014/main" id="{CC4F92F5-2CA0-4824-BDF4-7CE5E161B120}"/>
+                <a16:creationId xmlns:a16="http://schemas.microsoft.com/office/drawing/2014/main" id="{DBEEC909-CD42-AAB3-E70E-C4CF26CEDABD}"/>
               </a:ext>
             </a:extLst>
           </p:cNvPr>
@@ -3253,9 +2636,9 @@
           <a:bodyPr/>
           <a:lstStyle/>
           <a:p>
-            <a:fld id="{A74D7350-153A-42C5-BB78-C79D2B48DBB0}" type="datetimeFigureOut">
+            <a:fld id="{690E477F-8790-4710-B968-AEEF74883170}" type="datetimeFigureOut">
               <a:rPr kumimoji="1" lang="ja-JP" altLang="en-US" smtClean="0"/>
-              <a:t>2023/4/7</a:t>
+              <a:t>2023/4/10</a:t>
             </a:fld>
             <a:endParaRPr kumimoji="1" lang="ja-JP" altLang="en-US"/>
           </a:p>
@@ -3266,7 +2649,7 @@
           <p:cNvPr id="6" name="フッター プレースホルダー 5">
             <a:extLst>
               <a:ext uri="{FF2B5EF4-FFF2-40B4-BE49-F238E27FC236}">
-                <a16:creationId xmlns:a16="http://schemas.microsoft.com/office/drawing/2014/main" id="{0FEECB3B-576D-4318-832C-22FFEAE291B1}"/>
+                <a16:creationId xmlns:a16="http://schemas.microsoft.com/office/drawing/2014/main" id="{A41FA123-B484-4850-8A84-46D78AD28744}"/>
               </a:ext>
             </a:extLst>
           </p:cNvPr>
@@ -3291,7 +2674,7 @@
           <p:cNvPr id="7" name="スライド番号プレースホルダー 6">
             <a:extLst>
               <a:ext uri="{FF2B5EF4-FFF2-40B4-BE49-F238E27FC236}">
-                <a16:creationId xmlns:a16="http://schemas.microsoft.com/office/drawing/2014/main" id="{F7AAE0F3-C7D8-40C9-A70C-4D18B1D25C9F}"/>
+                <a16:creationId xmlns:a16="http://schemas.microsoft.com/office/drawing/2014/main" id="{F748751E-B4EF-58A7-0D73-978CC8953DF9}"/>
               </a:ext>
             </a:extLst>
           </p:cNvPr>
@@ -3307,7 +2690,7 @@
           <a:bodyPr/>
           <a:lstStyle/>
           <a:p>
-            <a:fld id="{928D5765-098E-4049-84B8-6BC66488581C}" type="slidenum">
+            <a:fld id="{6A52849B-4EC1-4B23-B151-A15F80D0261D}" type="slidenum">
               <a:rPr kumimoji="1" lang="ja-JP" altLang="en-US" smtClean="0"/>
               <a:t>‹#›</a:t>
             </a:fld>
@@ -3318,7 +2701,7 @@
     </p:spTree>
     <p:extLst>
       <p:ext uri="{BB962C8B-B14F-4D97-AF65-F5344CB8AC3E}">
-        <p14:creationId xmlns:p14="http://schemas.microsoft.com/office/powerpoint/2010/main" val="700241984"/>
+        <p14:creationId xmlns:p14="http://schemas.microsoft.com/office/powerpoint/2010/main" val="2187500830"/>
       </p:ext>
     </p:extLst>
   </p:cSld>
@@ -3350,7 +2733,7 @@
           <p:cNvPr id="2" name="タイトル 1">
             <a:extLst>
               <a:ext uri="{FF2B5EF4-FFF2-40B4-BE49-F238E27FC236}">
-                <a16:creationId xmlns:a16="http://schemas.microsoft.com/office/drawing/2014/main" id="{1A59F556-4D22-43BD-8494-C08D707DB60F}"/>
+                <a16:creationId xmlns:a16="http://schemas.microsoft.com/office/drawing/2014/main" id="{67B62CC2-BBBF-0C5C-DA9F-F51411530121}"/>
               </a:ext>
             </a:extLst>
           </p:cNvPr>
@@ -3387,7 +2770,7 @@
           <p:cNvPr id="3" name="図プレースホルダー 2">
             <a:extLst>
               <a:ext uri="{FF2B5EF4-FFF2-40B4-BE49-F238E27FC236}">
-                <a16:creationId xmlns:a16="http://schemas.microsoft.com/office/drawing/2014/main" id="{91D6C1DA-20AC-47A0-9E27-FCDD071F31C7}"/>
+                <a16:creationId xmlns:a16="http://schemas.microsoft.com/office/drawing/2014/main" id="{5E8D8364-49D5-522B-5D53-F252B6023970}"/>
               </a:ext>
             </a:extLst>
           </p:cNvPr>
@@ -3454,7 +2837,7 @@
           <p:cNvPr id="4" name="テキスト プレースホルダー 3">
             <a:extLst>
               <a:ext uri="{FF2B5EF4-FFF2-40B4-BE49-F238E27FC236}">
-                <a16:creationId xmlns:a16="http://schemas.microsoft.com/office/drawing/2014/main" id="{994FDAE0-7F31-4ACF-91AD-2122D1FDA4C2}"/>
+                <a16:creationId xmlns:a16="http://schemas.microsoft.com/office/drawing/2014/main" id="{91259941-3D21-360F-151F-E2B4EE1D97DC}"/>
               </a:ext>
             </a:extLst>
           </p:cNvPr>
@@ -3525,7 +2908,7 @@
           <p:cNvPr id="5" name="日付プレースホルダー 4">
             <a:extLst>
               <a:ext uri="{FF2B5EF4-FFF2-40B4-BE49-F238E27FC236}">
-                <a16:creationId xmlns:a16="http://schemas.microsoft.com/office/drawing/2014/main" id="{10210C43-8BB0-4A4B-8AAB-FA3925E2C3F0}"/>
+                <a16:creationId xmlns:a16="http://schemas.microsoft.com/office/drawing/2014/main" id="{32886623-27B8-4476-495A-CADB8C705514}"/>
               </a:ext>
             </a:extLst>
           </p:cNvPr>
@@ -3541,9 +2924,9 @@
           <a:bodyPr/>
           <a:lstStyle/>
           <a:p>
-            <a:fld id="{A74D7350-153A-42C5-BB78-C79D2B48DBB0}" type="datetimeFigureOut">
+            <a:fld id="{690E477F-8790-4710-B968-AEEF74883170}" type="datetimeFigureOut">
               <a:rPr kumimoji="1" lang="ja-JP" altLang="en-US" smtClean="0"/>
-              <a:t>2023/4/7</a:t>
+              <a:t>2023/4/10</a:t>
             </a:fld>
             <a:endParaRPr kumimoji="1" lang="ja-JP" altLang="en-US"/>
           </a:p>
@@ -3554,7 +2937,7 @@
           <p:cNvPr id="6" name="フッター プレースホルダー 5">
             <a:extLst>
               <a:ext uri="{FF2B5EF4-FFF2-40B4-BE49-F238E27FC236}">
-                <a16:creationId xmlns:a16="http://schemas.microsoft.com/office/drawing/2014/main" id="{45D9A9AE-13B1-4622-A9E0-663D96C88D66}"/>
+                <a16:creationId xmlns:a16="http://schemas.microsoft.com/office/drawing/2014/main" id="{C29F44FA-5E72-161C-4859-3E5F6AF605EA}"/>
               </a:ext>
             </a:extLst>
           </p:cNvPr>
@@ -3579,7 +2962,7 @@
           <p:cNvPr id="7" name="スライド番号プレースホルダー 6">
             <a:extLst>
               <a:ext uri="{FF2B5EF4-FFF2-40B4-BE49-F238E27FC236}">
-                <a16:creationId xmlns:a16="http://schemas.microsoft.com/office/drawing/2014/main" id="{B16DAED1-B91F-42FA-AAF4-8A905CF78F6E}"/>
+                <a16:creationId xmlns:a16="http://schemas.microsoft.com/office/drawing/2014/main" id="{61F0E8AC-754C-A075-1487-CDA04649996F}"/>
               </a:ext>
             </a:extLst>
           </p:cNvPr>
@@ -3595,7 +2978,7 @@
           <a:bodyPr/>
           <a:lstStyle/>
           <a:p>
-            <a:fld id="{928D5765-098E-4049-84B8-6BC66488581C}" type="slidenum">
+            <a:fld id="{6A52849B-4EC1-4B23-B151-A15F80D0261D}" type="slidenum">
               <a:rPr kumimoji="1" lang="ja-JP" altLang="en-US" smtClean="0"/>
               <a:t>‹#›</a:t>
             </a:fld>
@@ -3606,7 +2989,7 @@
     </p:spTree>
     <p:extLst>
       <p:ext uri="{BB962C8B-B14F-4D97-AF65-F5344CB8AC3E}">
-        <p14:creationId xmlns:p14="http://schemas.microsoft.com/office/powerpoint/2010/main" val="705348050"/>
+        <p14:creationId xmlns:p14="http://schemas.microsoft.com/office/powerpoint/2010/main" val="3645590084"/>
       </p:ext>
     </p:extLst>
   </p:cSld>
@@ -3643,7 +3026,7 @@
           <p:cNvPr id="2" name="タイトル プレースホルダー 1">
             <a:extLst>
               <a:ext uri="{FF2B5EF4-FFF2-40B4-BE49-F238E27FC236}">
-                <a16:creationId xmlns:a16="http://schemas.microsoft.com/office/drawing/2014/main" id="{38C82537-4B54-4D05-810F-56D020DCC57D}"/>
+                <a16:creationId xmlns:a16="http://schemas.microsoft.com/office/drawing/2014/main" id="{980AFB54-6329-8900-05C7-61C0C38B1DCC}"/>
               </a:ext>
             </a:extLst>
           </p:cNvPr>
@@ -3681,7 +3064,7 @@
           <p:cNvPr id="3" name="テキスト プレースホルダー 2">
             <a:extLst>
               <a:ext uri="{FF2B5EF4-FFF2-40B4-BE49-F238E27FC236}">
-                <a16:creationId xmlns:a16="http://schemas.microsoft.com/office/drawing/2014/main" id="{EB6BFB9C-6B40-48C4-BC55-FD34BB93AF53}"/>
+                <a16:creationId xmlns:a16="http://schemas.microsoft.com/office/drawing/2014/main" id="{267B79F4-1C1F-749C-A77C-9BF9BF1F86D4}"/>
               </a:ext>
             </a:extLst>
           </p:cNvPr>
@@ -3780,7 +3163,7 @@
           <p:cNvPr id="4" name="日付プレースホルダー 3">
             <a:extLst>
               <a:ext uri="{FF2B5EF4-FFF2-40B4-BE49-F238E27FC236}">
-                <a16:creationId xmlns:a16="http://schemas.microsoft.com/office/drawing/2014/main" id="{B15DAB85-C04A-4748-904D-7285096F40F3}"/>
+                <a16:creationId xmlns:a16="http://schemas.microsoft.com/office/drawing/2014/main" id="{CEB02BB8-A444-8DCF-7F7C-146BBA20225A}"/>
               </a:ext>
             </a:extLst>
           </p:cNvPr>
@@ -3814,9 +3197,9 @@
             </a:lvl1pPr>
           </a:lstStyle>
           <a:p>
-            <a:fld id="{A74D7350-153A-42C5-BB78-C79D2B48DBB0}" type="datetimeFigureOut">
+            <a:fld id="{690E477F-8790-4710-B968-AEEF74883170}" type="datetimeFigureOut">
               <a:rPr kumimoji="1" lang="ja-JP" altLang="en-US" smtClean="0"/>
-              <a:t>2023/4/7</a:t>
+              <a:t>2023/4/10</a:t>
             </a:fld>
             <a:endParaRPr kumimoji="1" lang="ja-JP" altLang="en-US"/>
           </a:p>
@@ -3827,7 +3210,7 @@
           <p:cNvPr id="5" name="フッター プレースホルダー 4">
             <a:extLst>
               <a:ext uri="{FF2B5EF4-FFF2-40B4-BE49-F238E27FC236}">
-                <a16:creationId xmlns:a16="http://schemas.microsoft.com/office/drawing/2014/main" id="{9D38F45F-F966-4DBA-9D7E-8B348CC7B34C}"/>
+                <a16:creationId xmlns:a16="http://schemas.microsoft.com/office/drawing/2014/main" id="{12422F16-7AF3-6F47-6696-5A00DD5A7A82}"/>
               </a:ext>
             </a:extLst>
           </p:cNvPr>
@@ -3870,7 +3253,7 @@
           <p:cNvPr id="6" name="スライド番号プレースホルダー 5">
             <a:extLst>
               <a:ext uri="{FF2B5EF4-FFF2-40B4-BE49-F238E27FC236}">
-                <a16:creationId xmlns:a16="http://schemas.microsoft.com/office/drawing/2014/main" id="{1B0CE8DC-6EC3-4705-AEFD-2AA2BCC92E08}"/>
+                <a16:creationId xmlns:a16="http://schemas.microsoft.com/office/drawing/2014/main" id="{C25D1D83-B0B9-3E59-FBD9-75F1AF523E6E}"/>
               </a:ext>
             </a:extLst>
           </p:cNvPr>
@@ -3904,7 +3287,7 @@
             </a:lvl1pPr>
           </a:lstStyle>
           <a:p>
-            <a:fld id="{928D5765-098E-4049-84B8-6BC66488581C}" type="slidenum">
+            <a:fld id="{6A52849B-4EC1-4B23-B151-A15F80D0261D}" type="slidenum">
               <a:rPr kumimoji="1" lang="ja-JP" altLang="en-US" smtClean="0"/>
               <a:t>‹#›</a:t>
             </a:fld>
@@ -3915,7 +3298,7 @@
     </p:spTree>
     <p:extLst>
       <p:ext uri="{BB962C8B-B14F-4D97-AF65-F5344CB8AC3E}">
-        <p14:creationId xmlns:p14="http://schemas.microsoft.com/office/powerpoint/2010/main" val="2069431082"/>
+        <p14:creationId xmlns:p14="http://schemas.microsoft.com/office/powerpoint/2010/main" val="3247691926"/>
       </p:ext>
     </p:extLst>
   </p:cSld>
@@ -3947,8 +3330,8 @@
           <a:solidFill>
             <a:schemeClr val="tx1"/>
           </a:solidFill>
-          <a:latin typeface="メイリオ" panose="020B0604030504040204" pitchFamily="50" charset="-128"/>
-          <a:ea typeface="メイリオ" panose="020B0604030504040204" pitchFamily="50" charset="-128"/>
+          <a:latin typeface="+mj-lt"/>
+          <a:ea typeface="+mj-ea"/>
           <a:cs typeface="+mj-cs"/>
         </a:defRPr>
       </a:lvl1pPr>
@@ -3967,8 +3350,8 @@
           <a:solidFill>
             <a:schemeClr val="tx1"/>
           </a:solidFill>
-          <a:latin typeface="メイリオ" panose="020B0604030504040204" pitchFamily="50" charset="-128"/>
-          <a:ea typeface="メイリオ" panose="020B0604030504040204" pitchFamily="50" charset="-128"/>
+          <a:latin typeface="+mn-lt"/>
+          <a:ea typeface="+mn-ea"/>
           <a:cs typeface="+mn-cs"/>
         </a:defRPr>
       </a:lvl1pPr>
@@ -3985,8 +3368,8 @@
           <a:solidFill>
             <a:schemeClr val="tx1"/>
           </a:solidFill>
-          <a:latin typeface="メイリオ" panose="020B0604030504040204" pitchFamily="50" charset="-128"/>
-          <a:ea typeface="メイリオ" panose="020B0604030504040204" pitchFamily="50" charset="-128"/>
+          <a:latin typeface="+mn-lt"/>
+          <a:ea typeface="+mn-ea"/>
           <a:cs typeface="+mn-cs"/>
         </a:defRPr>
       </a:lvl2pPr>
@@ -4003,8 +3386,8 @@
           <a:solidFill>
             <a:schemeClr val="tx1"/>
           </a:solidFill>
-          <a:latin typeface="メイリオ" panose="020B0604030504040204" pitchFamily="50" charset="-128"/>
-          <a:ea typeface="メイリオ" panose="020B0604030504040204" pitchFamily="50" charset="-128"/>
+          <a:latin typeface="+mn-lt"/>
+          <a:ea typeface="+mn-ea"/>
           <a:cs typeface="+mn-cs"/>
         </a:defRPr>
       </a:lvl3pPr>
@@ -4021,8 +3404,8 @@
           <a:solidFill>
             <a:schemeClr val="tx1"/>
           </a:solidFill>
-          <a:latin typeface="メイリオ" panose="020B0604030504040204" pitchFamily="50" charset="-128"/>
-          <a:ea typeface="メイリオ" panose="020B0604030504040204" pitchFamily="50" charset="-128"/>
+          <a:latin typeface="+mn-lt"/>
+          <a:ea typeface="+mn-ea"/>
           <a:cs typeface="+mn-cs"/>
         </a:defRPr>
       </a:lvl4pPr>
@@ -4039,8 +3422,8 @@
           <a:solidFill>
             <a:schemeClr val="tx1"/>
           </a:solidFill>
-          <a:latin typeface="メイリオ" panose="020B0604030504040204" pitchFamily="50" charset="-128"/>
-          <a:ea typeface="メイリオ" panose="020B0604030504040204" pitchFamily="50" charset="-128"/>
+          <a:latin typeface="+mn-lt"/>
+          <a:ea typeface="+mn-ea"/>
           <a:cs typeface="+mn-cs"/>
         </a:defRPr>
       </a:lvl5pPr>
@@ -4238,7 +3621,7 @@
           <p:cNvPr id="2" name="タイトル 1">
             <a:extLst>
               <a:ext uri="{FF2B5EF4-FFF2-40B4-BE49-F238E27FC236}">
-                <a16:creationId xmlns:a16="http://schemas.microsoft.com/office/drawing/2014/main" id="{1BE7DA57-D461-463E-8AFE-69788EC6A206}"/>
+                <a16:creationId xmlns:a16="http://schemas.microsoft.com/office/drawing/2014/main" id="{81F1AE97-8C8E-633B-8C8B-F2221C379883}"/>
               </a:ext>
             </a:extLst>
           </p:cNvPr>
@@ -4249,31 +3632,20 @@
             <p:ph type="ctrTitle"/>
           </p:nvPr>
         </p:nvSpPr>
-        <p:spPr>
-          <a:xfrm>
-            <a:off x="1524000" y="1272265"/>
-            <a:ext cx="9144000" cy="2387600"/>
-          </a:xfrm>
-        </p:spPr>
-        <p:txBody>
-          <a:bodyPr>
-            <a:normAutofit/>
-          </a:bodyPr>
-          <a:lstStyle/>
-          <a:p>
-            <a:r>
-              <a:rPr kumimoji="1" lang="ja-JP" altLang="en-US" sz="13800" b="1" dirty="0">
-                <a:solidFill>
-                  <a:schemeClr val="tx1">
-                    <a:lumMod val="75000"/>
-                    <a:lumOff val="25000"/>
-                  </a:schemeClr>
-                </a:solidFill>
-                <a:latin typeface="メイリオ" panose="020B0604030504040204" pitchFamily="50" charset="-128"/>
-                <a:ea typeface="メイリオ" panose="020B0604030504040204" pitchFamily="50" charset="-128"/>
-              </a:rPr>
-              <a:t>報告会</a:t>
-            </a:r>
+        <p:spPr/>
+        <p:txBody>
+          <a:bodyPr/>
+          <a:lstStyle/>
+          <a:p>
+            <a:r>
+              <a:rPr kumimoji="1" lang="en-US" altLang="ja-JP" dirty="0"/>
+              <a:t>Template </a:t>
+            </a:r>
+            <a:r>
+              <a:rPr kumimoji="1" lang="en-US" altLang="ja-JP" dirty="0" err="1"/>
+              <a:t>powerpoint</a:t>
+            </a:r>
+            <a:endParaRPr kumimoji="1" lang="ja-JP" altLang="en-US" dirty="0"/>
           </a:p>
         </p:txBody>
       </p:sp>
@@ -4282,7 +3654,7 @@
           <p:cNvPr id="3" name="字幕 2">
             <a:extLst>
               <a:ext uri="{FF2B5EF4-FFF2-40B4-BE49-F238E27FC236}">
-                <a16:creationId xmlns:a16="http://schemas.microsoft.com/office/drawing/2014/main" id="{CA09A200-64EA-4487-82AE-20AC07491BEB}"/>
+                <a16:creationId xmlns:a16="http://schemas.microsoft.com/office/drawing/2014/main" id="{647440A1-5B67-D899-3D5D-0098C7B25BC2}"/>
               </a:ext>
             </a:extLst>
           </p:cNvPr>
@@ -4293,243 +3665,26 @@
             <p:ph type="subTitle" idx="1"/>
           </p:nvPr>
         </p:nvSpPr>
-        <p:spPr>
-          <a:xfrm>
-            <a:off x="1524000" y="3751940"/>
-            <a:ext cx="9144000" cy="711170"/>
-          </a:xfrm>
-        </p:spPr>
-        <p:txBody>
-          <a:bodyPr>
-            <a:normAutofit/>
-          </a:bodyPr>
-          <a:lstStyle/>
-          <a:p>
-            <a:pPr>
-              <a:defRPr b="1" sz="10000">
-                <a:solidFill>
-                  <a:srgbClr val="404040"/>
-                </a:solidFill>
-              </a:defRPr>
-            </a:pPr>
-            <a:r>
-              <a:t>4月8日</a:t>
-            </a:r>
-            <a:endParaRPr kumimoji="1" lang="en-US" altLang="ja-JP" sz="4000" b="1" dirty="0">
-              <a:solidFill>
-                <a:schemeClr val="tx1">
-                  <a:lumMod val="75000"/>
-                  <a:lumOff val="25000"/>
-                </a:schemeClr>
-              </a:solidFill>
-            </a:endParaRPr>
-          </a:p>
-        </p:txBody>
-      </p:sp>
-      <p:sp>
-        <p:nvSpPr>
-          <p:cNvPr id="5" name="テキスト ボックス 4">
-            <a:extLst>
-              <a:ext uri="{FF2B5EF4-FFF2-40B4-BE49-F238E27FC236}">
-                <a16:creationId xmlns:a16="http://schemas.microsoft.com/office/drawing/2014/main" id="{A6AAE3A8-AF96-414C-9F08-30CCC1E71D2A}"/>
-              </a:ext>
-            </a:extLst>
-          </p:cNvPr>
-          <p:cNvSpPr txBox="1"/>
-          <p:nvPr/>
-        </p:nvSpPr>
-        <p:spPr>
-          <a:xfrm>
-            <a:off x="641349" y="4815922"/>
-            <a:ext cx="10909301" cy="461665"/>
-          </a:xfrm>
-          <a:prstGeom prst="rect">
-            <a:avLst/>
-          </a:prstGeom>
-          <a:noFill/>
-        </p:spPr>
-        <p:txBody>
-          <a:bodyPr wrap="square">
-            <a:spAutoFit/>
-          </a:bodyPr>
-          <a:lstStyle/>
-          <a:p>
-            <a:r>
-              <a:rPr lang="ja-JP" altLang="en-US" sz="2400" b="1" dirty="0">
-                <a:solidFill>
-                  <a:schemeClr val="tx1">
-                    <a:lumMod val="75000"/>
-                    <a:lumOff val="25000"/>
-                  </a:schemeClr>
-                </a:solidFill>
-              </a:rPr>
-              <a:t>出席者（敬称略）：省略</a:t>
-            </a:r>
-            <a:endParaRPr lang="en-US" altLang="ja-JP" sz="2400" b="1" dirty="0">
-              <a:solidFill>
-                <a:schemeClr val="tx1">
-                  <a:lumMod val="75000"/>
-                  <a:lumOff val="25000"/>
-                </a:schemeClr>
-              </a:solidFill>
-            </a:endParaRPr>
+        <p:spPr/>
+        <p:txBody>
+          <a:bodyPr/>
+          <a:lstStyle/>
+          <a:p>
+            <a:r>
+              <a:rPr kumimoji="1" lang="en-US" altLang="ja-JP" dirty="0"/>
+              <a:t>python</a:t>
+            </a:r>
+            <a:r>
+              <a:rPr kumimoji="1" lang="ja-JP" altLang="en-US" dirty="0"/>
+              <a:t>のライブラリが上手く動いているか確認するためのパワポです</a:t>
+            </a:r>
           </a:p>
         </p:txBody>
       </p:sp>
     </p:spTree>
     <p:extLst>
       <p:ext uri="{BB962C8B-B14F-4D97-AF65-F5344CB8AC3E}">
-        <p14:creationId xmlns:p14="http://schemas.microsoft.com/office/powerpoint/2010/main" val="1297958545"/>
-      </p:ext>
-    </p:extLst>
-  </p:cSld>
-  <p:clrMapOvr>
-    <a:masterClrMapping/>
-  </p:clrMapOvr>
-</p:sld>
-</file>
-
-<file path=ppt/slides/slide10.xml><?xml version="1.0" encoding="utf-8"?>
-<p:sld xmlns:a="http://schemas.openxmlformats.org/drawingml/2006/main" xmlns:r="http://schemas.openxmlformats.org/officeDocument/2006/relationships" xmlns:p="http://schemas.openxmlformats.org/presentationml/2006/main">
-  <p:cSld>
-    <p:spTree>
-      <p:nvGrpSpPr>
-        <p:cNvPr id="1" name=""/>
-        <p:cNvGrpSpPr/>
-        <p:nvPr/>
-      </p:nvGrpSpPr>
-      <p:grpSpPr>
-        <a:xfrm>
-          <a:off x="0" y="0"/>
-          <a:ext cx="0" cy="0"/>
-          <a:chOff x="0" y="0"/>
-          <a:chExt cx="0" cy="0"/>
-        </a:xfrm>
-      </p:grpSpPr>
-      <p:sp>
-        <p:nvSpPr>
-          <p:cNvPr id="4" name="テキスト ボックス 3">
-            <a:extLst>
-              <a:ext uri="{FF2B5EF4-FFF2-40B4-BE49-F238E27FC236}">
-                <a16:creationId xmlns:a16="http://schemas.microsoft.com/office/drawing/2014/main" id="{1ED7EE52-42DE-4770-AA1F-B4965FA23E28}"/>
-              </a:ext>
-            </a:extLst>
-          </p:cNvPr>
-          <p:cNvSpPr txBox="1"/>
-          <p:nvPr/>
-        </p:nvSpPr>
-        <p:spPr>
-          <a:xfrm>
-            <a:off x="127383" y="3018982"/>
-            <a:ext cx="11937234" cy="1107996"/>
-          </a:xfrm>
-          <a:prstGeom prst="rect">
-            <a:avLst/>
-          </a:prstGeom>
-          <a:noFill/>
-        </p:spPr>
-        <p:txBody>
-          <a:bodyPr wrap="square" rtlCol="0">
-            <a:spAutoFit/>
-          </a:bodyPr>
-          <a:lstStyle/>
-          <a:p>
-            <a:pPr algn="ctr"/>
-            <a:r>
-              <a:rPr kumimoji="1" lang="ja-JP" altLang="en-US" sz="6600" b="1" dirty="0">
-                <a:solidFill>
-                  <a:schemeClr val="tx1">
-                    <a:lumMod val="75000"/>
-                    <a:lumOff val="25000"/>
-                  </a:schemeClr>
-                </a:solidFill>
-                <a:latin typeface="+mj-ea"/>
-                <a:ea typeface="+mj-ea"/>
-              </a:rPr>
-              <a:t>他にお知らせ等ありませんか？</a:t>
-            </a:r>
-          </a:p>
-        </p:txBody>
-      </p:sp>
-    </p:spTree>
-    <p:extLst>
-      <p:ext uri="{BB962C8B-B14F-4D97-AF65-F5344CB8AC3E}">
-        <p14:creationId xmlns:p14="http://schemas.microsoft.com/office/powerpoint/2010/main" val="3828346389"/>
-      </p:ext>
-    </p:extLst>
-  </p:cSld>
-  <p:clrMapOvr>
-    <a:masterClrMapping/>
-  </p:clrMapOvr>
-</p:sld>
-</file>
-
-<file path=ppt/slides/slide11.xml><?xml version="1.0" encoding="utf-8"?>
-<p:sld xmlns:a="http://schemas.openxmlformats.org/drawingml/2006/main" xmlns:r="http://schemas.openxmlformats.org/officeDocument/2006/relationships" xmlns:p="http://schemas.openxmlformats.org/presentationml/2006/main">
-  <p:cSld>
-    <p:spTree>
-      <p:nvGrpSpPr>
-        <p:cNvPr id="1" name=""/>
-        <p:cNvGrpSpPr/>
-        <p:nvPr/>
-      </p:nvGrpSpPr>
-      <p:grpSpPr>
-        <a:xfrm>
-          <a:off x="0" y="0"/>
-          <a:ext cx="0" cy="0"/>
-          <a:chOff x="0" y="0"/>
-          <a:chExt cx="0" cy="0"/>
-        </a:xfrm>
-      </p:grpSpPr>
-      <p:sp>
-        <p:nvSpPr>
-          <p:cNvPr id="4" name="テキスト ボックス 3">
-            <a:extLst>
-              <a:ext uri="{FF2B5EF4-FFF2-40B4-BE49-F238E27FC236}">
-                <a16:creationId xmlns:a16="http://schemas.microsoft.com/office/drawing/2014/main" id="{1ED7EE52-42DE-4770-AA1F-B4965FA23E28}"/>
-              </a:ext>
-            </a:extLst>
-          </p:cNvPr>
-          <p:cNvSpPr txBox="1"/>
-          <p:nvPr/>
-        </p:nvSpPr>
-        <p:spPr>
-          <a:xfrm>
-            <a:off x="127383" y="2844811"/>
-            <a:ext cx="11937234" cy="1446550"/>
-          </a:xfrm>
-          <a:prstGeom prst="rect">
-            <a:avLst/>
-          </a:prstGeom>
-          <a:noFill/>
-        </p:spPr>
-        <p:txBody>
-          <a:bodyPr wrap="square" rtlCol="0">
-            <a:spAutoFit/>
-          </a:bodyPr>
-          <a:lstStyle/>
-          <a:p>
-            <a:pPr algn="ctr"/>
-            <a:r>
-              <a:rPr kumimoji="1" lang="ja-JP" altLang="en-US" sz="8800" b="1" dirty="0">
-                <a:solidFill>
-                  <a:schemeClr val="tx1">
-                    <a:lumMod val="75000"/>
-                    <a:lumOff val="25000"/>
-                  </a:schemeClr>
-                </a:solidFill>
-                <a:latin typeface="+mj-ea"/>
-                <a:ea typeface="+mj-ea"/>
-              </a:rPr>
-              <a:t>おしまい</a:t>
-            </a:r>
-          </a:p>
-        </p:txBody>
-      </p:sp>
-    </p:spTree>
-    <p:extLst>
-      <p:ext uri="{BB962C8B-B14F-4D97-AF65-F5344CB8AC3E}">
-        <p14:creationId xmlns:p14="http://schemas.microsoft.com/office/powerpoint/2010/main" val="439532670"/>
+        <p14:creationId xmlns:p14="http://schemas.microsoft.com/office/powerpoint/2010/main" val="2246301377"/>
       </p:ext>
     </p:extLst>
   </p:cSld>
@@ -4558,10 +3713,43 @@
       </p:grpSpPr>
       <p:sp>
         <p:nvSpPr>
-          <p:cNvPr id="3" name="コンテンツ プレースホルダー 2">
-            <a:extLst>
-              <a:ext uri="{FF2B5EF4-FFF2-40B4-BE49-F238E27FC236}">
-                <a16:creationId xmlns:a16="http://schemas.microsoft.com/office/drawing/2014/main" id="{ABCE2FB9-B301-4F0B-8892-3957F324CA9E}"/>
+          <p:cNvPr id="2" name="タイトル 1">
+            <a:extLst>
+              <a:ext uri="{FF2B5EF4-FFF2-40B4-BE49-F238E27FC236}">
+                <a16:creationId xmlns:a16="http://schemas.microsoft.com/office/drawing/2014/main" id="{81F1AE97-8C8E-633B-8C8B-F2221C379883}"/>
+              </a:ext>
+            </a:extLst>
+          </p:cNvPr>
+          <p:cNvSpPr>
+            <a:spLocks noGrp="1"/>
+          </p:cNvSpPr>
+          <p:nvPr>
+            <p:ph type="title"/>
+          </p:nvPr>
+        </p:nvSpPr>
+        <p:spPr/>
+        <p:txBody>
+          <a:bodyPr/>
+          <a:lstStyle/>
+          <a:p>
+            <a:r>
+              <a:rPr kumimoji="1" lang="en-US" altLang="ja-JP" dirty="0"/>
+              <a:t>Template </a:t>
+            </a:r>
+            <a:r>
+              <a:rPr kumimoji="1" lang="en-US" altLang="ja-JP" dirty="0" err="1"/>
+              <a:t>powerpoint</a:t>
+            </a:r>
+            <a:endParaRPr kumimoji="1" lang="ja-JP" altLang="en-US" dirty="0"/>
+          </a:p>
+        </p:txBody>
+      </p:sp>
+      <p:sp>
+        <p:nvSpPr>
+          <p:cNvPr id="3" name="字幕 2">
+            <a:extLst>
+              <a:ext uri="{FF2B5EF4-FFF2-40B4-BE49-F238E27FC236}">
+                <a16:creationId xmlns:a16="http://schemas.microsoft.com/office/drawing/2014/main" id="{647440A1-5B67-D899-3D5D-0098C7B25BC2}"/>
               </a:ext>
             </a:extLst>
           </p:cNvPr>
@@ -4574,143 +3762,437 @@
         </p:nvSpPr>
         <p:spPr>
           <a:xfrm>
-            <a:off x="350729" y="1628385"/>
-            <a:ext cx="11423737" cy="4922728"/>
-          </a:xfrm>
-        </p:spPr>
-        <p:txBody>
-          <a:bodyPr>
-            <a:normAutofit/>
-          </a:bodyPr>
-          <a:lstStyle/>
-          <a:p>
-            <a:pPr marL="742950" indent="-742950">
-              <a:lnSpc>
-                <a:spcPct val="125000"/>
-              </a:lnSpc>
-              <a:buFont typeface="+mj-lt"/>
-              <a:buAutoNum type="arabicPeriod"/>
-            </a:pPr>
-            <a:r>
-              <a:rPr lang="ja-JP" altLang="en-US" sz="4000" b="1" dirty="0">
-                <a:solidFill>
-                  <a:schemeClr val="tx1">
-                    <a:lumMod val="75000"/>
-                    <a:lumOff val="25000"/>
-                  </a:schemeClr>
-                </a:solidFill>
-              </a:rPr>
-              <a:t>部門報告</a:t>
-            </a:r>
-            <a:endParaRPr lang="en-US" altLang="ja-JP" sz="4000" b="1" dirty="0">
-              <a:solidFill>
-                <a:schemeClr val="tx1">
-                  <a:lumMod val="75000"/>
-                  <a:lumOff val="25000"/>
-                </a:schemeClr>
-              </a:solidFill>
-            </a:endParaRPr>
-          </a:p>
-          <a:p>
-            <a:pPr marL="742950" indent="-742950">
-              <a:lnSpc>
-                <a:spcPct val="125000"/>
-              </a:lnSpc>
-              <a:buFont typeface="+mj-lt"/>
-              <a:buAutoNum type="arabicPeriod"/>
-            </a:pPr>
-            <a:r>
-              <a:rPr lang="ja-JP" altLang="en-US" sz="4000" b="1" dirty="0">
-                <a:solidFill>
-                  <a:schemeClr val="tx1">
-                    <a:lumMod val="75000"/>
-                    <a:lumOff val="25000"/>
-                  </a:schemeClr>
-                </a:solidFill>
-              </a:rPr>
-              <a:t>連絡事項</a:t>
-            </a:r>
-            <a:endParaRPr lang="en-US" altLang="ja-JP" sz="4000" b="1" dirty="0">
-              <a:solidFill>
-                <a:schemeClr val="tx1">
-                  <a:lumMod val="75000"/>
-                  <a:lumOff val="25000"/>
-                </a:schemeClr>
-              </a:solidFill>
-            </a:endParaRPr>
-          </a:p>
-          <a:p>
-            <a:pPr marL="0" indent="0">
-              <a:lnSpc>
-                <a:spcPct val="125000"/>
-              </a:lnSpc>
-              <a:buNone/>
-            </a:pPr>
-            <a:endParaRPr lang="en-US" altLang="ja-JP" sz="4000" b="1" dirty="0">
-              <a:solidFill>
-                <a:schemeClr val="tx1">
-                  <a:lumMod val="75000"/>
-                  <a:lumOff val="25000"/>
-                </a:schemeClr>
-              </a:solidFill>
-            </a:endParaRPr>
-          </a:p>
-          <a:p>
-            <a:pPr marL="0" indent="0">
-              <a:lnSpc>
-                <a:spcPct val="125000"/>
-              </a:lnSpc>
-              <a:buNone/>
-            </a:pPr>
-            <a:endParaRPr lang="en-US" altLang="ja-JP" sz="4000" b="1" dirty="0">
-              <a:solidFill>
-                <a:schemeClr val="tx1">
-                  <a:lumMod val="75000"/>
-                  <a:lumOff val="25000"/>
-                </a:schemeClr>
-              </a:solidFill>
-            </a:endParaRPr>
-          </a:p>
-        </p:txBody>
-      </p:sp>
-      <p:sp>
-        <p:nvSpPr>
-          <p:cNvPr id="2" name="タイトル 1">
-            <a:extLst>
-              <a:ext uri="{FF2B5EF4-FFF2-40B4-BE49-F238E27FC236}">
-                <a16:creationId xmlns:a16="http://schemas.microsoft.com/office/drawing/2014/main" id="{427C9747-9313-495C-8249-65D8D469707E}"/>
-              </a:ext>
-            </a:extLst>
-          </p:cNvPr>
-          <p:cNvSpPr>
-            <a:spLocks noGrp="1"/>
-          </p:cNvSpPr>
-          <p:nvPr>
-            <p:ph type="title"/>
-          </p:nvPr>
-        </p:nvSpPr>
-        <p:spPr>
-          <a:xfrm>
-            <a:off x="320615" y="146513"/>
+            <a:off x="838200" y="1825625"/>
             <a:ext cx="10515600" cy="1325563"/>
           </a:xfrm>
         </p:spPr>
         <p:txBody>
-          <a:bodyPr>
+          <a:bodyPr/>
+          <a:lstStyle/>
+          <a:p>
+            <a:r>
+              <a:rPr kumimoji="1" lang="en-US" altLang="ja-JP" dirty="0"/>
+              <a:t>python</a:t>
+            </a:r>
+            <a:r>
+              <a:rPr kumimoji="1" lang="ja-JP" altLang="en-US" dirty="0"/>
+              <a:t>のライブラリが上手く動いているか確認するためのパワポです</a:t>
+            </a:r>
+          </a:p>
+        </p:txBody>
+      </p:sp>
+      <p:sp>
+        <p:nvSpPr>
+          <p:cNvPr id="4" name="字幕 2">
+            <a:extLst>
+              <a:ext uri="{FF2B5EF4-FFF2-40B4-BE49-F238E27FC236}">
+                <a16:creationId xmlns:a16="http://schemas.microsoft.com/office/drawing/2014/main" id="{45826ECC-4640-450F-BA30-58BA404D3934}"/>
+              </a:ext>
+            </a:extLst>
+          </p:cNvPr>
+          <p:cNvSpPr txBox="1">
+            <a:spLocks/>
+          </p:cNvSpPr>
+          <p:nvPr/>
+        </p:nvSpPr>
+        <p:spPr>
+          <a:xfrm>
+            <a:off x="838200" y="3044031"/>
+            <a:ext cx="10515600" cy="1325563"/>
+          </a:xfrm>
+          <a:prstGeom prst="rect">
+            <a:avLst/>
+          </a:prstGeom>
+        </p:spPr>
+        <p:txBody>
+          <a:bodyPr vert="horz" lIns="91440" tIns="45720" rIns="91440" bIns="45720" rtlCol="0">
             <a:normAutofit/>
           </a:bodyPr>
-          <a:lstStyle/>
-          <a:p>
-            <a:r>
-              <a:t>新しいタイトル</a:t>
-            </a:r>
+          <a:lstStyle>
+            <a:lvl1pPr marL="228600" indent="-228600" algn="l" defTabSz="914400" rtl="0" eaLnBrk="1" latinLnBrk="0" hangingPunct="1">
+              <a:lnSpc>
+                <a:spcPct val="90000"/>
+              </a:lnSpc>
+              <a:spcBef>
+                <a:spcPts val="1000"/>
+              </a:spcBef>
+              <a:buFont typeface="Arial" panose="020B0604020202020204" pitchFamily="34" charset="0"/>
+              <a:buChar char="•"/>
+              <a:defRPr kumimoji="1" sz="2800" kern="1200">
+                <a:solidFill>
+                  <a:schemeClr val="tx1"/>
+                </a:solidFill>
+                <a:latin typeface="+mn-lt"/>
+                <a:ea typeface="+mn-ea"/>
+                <a:cs typeface="+mn-cs"/>
+              </a:defRPr>
+            </a:lvl1pPr>
+            <a:lvl2pPr marL="685800" indent="-228600" algn="l" defTabSz="914400" rtl="0" eaLnBrk="1" latinLnBrk="0" hangingPunct="1">
+              <a:lnSpc>
+                <a:spcPct val="90000"/>
+              </a:lnSpc>
+              <a:spcBef>
+                <a:spcPts val="500"/>
+              </a:spcBef>
+              <a:buFont typeface="Arial" panose="020B0604020202020204" pitchFamily="34" charset="0"/>
+              <a:buChar char="•"/>
+              <a:defRPr kumimoji="1" sz="2400" kern="1200">
+                <a:solidFill>
+                  <a:schemeClr val="tx1"/>
+                </a:solidFill>
+                <a:latin typeface="+mn-lt"/>
+                <a:ea typeface="+mn-ea"/>
+                <a:cs typeface="+mn-cs"/>
+              </a:defRPr>
+            </a:lvl2pPr>
+            <a:lvl3pPr marL="1143000" indent="-228600" algn="l" defTabSz="914400" rtl="0" eaLnBrk="1" latinLnBrk="0" hangingPunct="1">
+              <a:lnSpc>
+                <a:spcPct val="90000"/>
+              </a:lnSpc>
+              <a:spcBef>
+                <a:spcPts val="500"/>
+              </a:spcBef>
+              <a:buFont typeface="Arial" panose="020B0604020202020204" pitchFamily="34" charset="0"/>
+              <a:buChar char="•"/>
+              <a:defRPr kumimoji="1" sz="2000" kern="1200">
+                <a:solidFill>
+                  <a:schemeClr val="tx1"/>
+                </a:solidFill>
+                <a:latin typeface="+mn-lt"/>
+                <a:ea typeface="+mn-ea"/>
+                <a:cs typeface="+mn-cs"/>
+              </a:defRPr>
+            </a:lvl3pPr>
+            <a:lvl4pPr marL="1600200" indent="-228600" algn="l" defTabSz="914400" rtl="0" eaLnBrk="1" latinLnBrk="0" hangingPunct="1">
+              <a:lnSpc>
+                <a:spcPct val="90000"/>
+              </a:lnSpc>
+              <a:spcBef>
+                <a:spcPts val="500"/>
+              </a:spcBef>
+              <a:buFont typeface="Arial" panose="020B0604020202020204" pitchFamily="34" charset="0"/>
+              <a:buChar char="•"/>
+              <a:defRPr kumimoji="1" sz="1800" kern="1200">
+                <a:solidFill>
+                  <a:schemeClr val="tx1"/>
+                </a:solidFill>
+                <a:latin typeface="+mn-lt"/>
+                <a:ea typeface="+mn-ea"/>
+                <a:cs typeface="+mn-cs"/>
+              </a:defRPr>
+            </a:lvl4pPr>
+            <a:lvl5pPr marL="2057400" indent="-228600" algn="l" defTabSz="914400" rtl="0" eaLnBrk="1" latinLnBrk="0" hangingPunct="1">
+              <a:lnSpc>
+                <a:spcPct val="90000"/>
+              </a:lnSpc>
+              <a:spcBef>
+                <a:spcPts val="500"/>
+              </a:spcBef>
+              <a:buFont typeface="Arial" panose="020B0604020202020204" pitchFamily="34" charset="0"/>
+              <a:buChar char="•"/>
+              <a:defRPr kumimoji="1" sz="1800" kern="1200">
+                <a:solidFill>
+                  <a:schemeClr val="tx1"/>
+                </a:solidFill>
+                <a:latin typeface="+mn-lt"/>
+                <a:ea typeface="+mn-ea"/>
+                <a:cs typeface="+mn-cs"/>
+              </a:defRPr>
+            </a:lvl5pPr>
+            <a:lvl6pPr marL="2514600" indent="-228600" algn="l" defTabSz="914400" rtl="0" eaLnBrk="1" latinLnBrk="0" hangingPunct="1">
+              <a:lnSpc>
+                <a:spcPct val="90000"/>
+              </a:lnSpc>
+              <a:spcBef>
+                <a:spcPts val="500"/>
+              </a:spcBef>
+              <a:buFont typeface="Arial" panose="020B0604020202020204" pitchFamily="34" charset="0"/>
+              <a:buChar char="•"/>
+              <a:defRPr kumimoji="1" sz="1800" kern="1200">
+                <a:solidFill>
+                  <a:schemeClr val="tx1"/>
+                </a:solidFill>
+                <a:latin typeface="+mn-lt"/>
+                <a:ea typeface="+mn-ea"/>
+                <a:cs typeface="+mn-cs"/>
+              </a:defRPr>
+            </a:lvl6pPr>
+            <a:lvl7pPr marL="2971800" indent="-228600" algn="l" defTabSz="914400" rtl="0" eaLnBrk="1" latinLnBrk="0" hangingPunct="1">
+              <a:lnSpc>
+                <a:spcPct val="90000"/>
+              </a:lnSpc>
+              <a:spcBef>
+                <a:spcPts val="500"/>
+              </a:spcBef>
+              <a:buFont typeface="Arial" panose="020B0604020202020204" pitchFamily="34" charset="0"/>
+              <a:buChar char="•"/>
+              <a:defRPr kumimoji="1" sz="1800" kern="1200">
+                <a:solidFill>
+                  <a:schemeClr val="tx1"/>
+                </a:solidFill>
+                <a:latin typeface="+mn-lt"/>
+                <a:ea typeface="+mn-ea"/>
+                <a:cs typeface="+mn-cs"/>
+              </a:defRPr>
+            </a:lvl7pPr>
+            <a:lvl8pPr marL="3429000" indent="-228600" algn="l" defTabSz="914400" rtl="0" eaLnBrk="1" latinLnBrk="0" hangingPunct="1">
+              <a:lnSpc>
+                <a:spcPct val="90000"/>
+              </a:lnSpc>
+              <a:spcBef>
+                <a:spcPts val="500"/>
+              </a:spcBef>
+              <a:buFont typeface="Arial" panose="020B0604020202020204" pitchFamily="34" charset="0"/>
+              <a:buChar char="•"/>
+              <a:defRPr kumimoji="1" sz="1800" kern="1200">
+                <a:solidFill>
+                  <a:schemeClr val="tx1"/>
+                </a:solidFill>
+                <a:latin typeface="+mn-lt"/>
+                <a:ea typeface="+mn-ea"/>
+                <a:cs typeface="+mn-cs"/>
+              </a:defRPr>
+            </a:lvl8pPr>
+            <a:lvl9pPr marL="3886200" indent="-228600" algn="l" defTabSz="914400" rtl="0" eaLnBrk="1" latinLnBrk="0" hangingPunct="1">
+              <a:lnSpc>
+                <a:spcPct val="90000"/>
+              </a:lnSpc>
+              <a:spcBef>
+                <a:spcPts val="500"/>
+              </a:spcBef>
+              <a:buFont typeface="Arial" panose="020B0604020202020204" pitchFamily="34" charset="0"/>
+              <a:buChar char="•"/>
+              <a:defRPr kumimoji="1" sz="1800" kern="1200">
+                <a:solidFill>
+                  <a:schemeClr val="tx1"/>
+                </a:solidFill>
+                <a:latin typeface="+mn-lt"/>
+                <a:ea typeface="+mn-ea"/>
+                <a:cs typeface="+mn-cs"/>
+              </a:defRPr>
+            </a:lvl9pPr>
+          </a:lstStyle>
+          <a:p>
+            <a:r>
+              <a:rPr lang="en-US" altLang="ja-JP"/>
+              <a:t>python</a:t>
+            </a:r>
+            <a:r>
+              <a:rPr lang="ja-JP" altLang="en-US"/>
+              <a:t>のライブラリが上手く動いているか確認するためのパワポです</a:t>
+            </a:r>
+            <a:endParaRPr lang="ja-JP" altLang="en-US" dirty="0"/>
+          </a:p>
+        </p:txBody>
+      </p:sp>
+      <p:sp>
+        <p:nvSpPr>
+          <p:cNvPr id="5" name="字幕 2">
+            <a:extLst>
+              <a:ext uri="{FF2B5EF4-FFF2-40B4-BE49-F238E27FC236}">
+                <a16:creationId xmlns:a16="http://schemas.microsoft.com/office/drawing/2014/main" id="{45FA83DC-3F80-6F0F-B229-0038FE433706}"/>
+              </a:ext>
+            </a:extLst>
+          </p:cNvPr>
+          <p:cNvSpPr txBox="1">
+            <a:spLocks/>
+          </p:cNvSpPr>
+          <p:nvPr/>
+        </p:nvSpPr>
+        <p:spPr>
+          <a:xfrm>
+            <a:off x="838200" y="4369594"/>
+            <a:ext cx="10515600" cy="1325563"/>
+          </a:xfrm>
+          <a:prstGeom prst="rect">
+            <a:avLst/>
+          </a:prstGeom>
+        </p:spPr>
+        <p:txBody>
+          <a:bodyPr vert="horz" lIns="91440" tIns="45720" rIns="91440" bIns="45720" rtlCol="0">
+            <a:normAutofit/>
+          </a:bodyPr>
+          <a:lstStyle>
+            <a:lvl1pPr marL="228600" indent="-228600" algn="l" defTabSz="914400" rtl="0" eaLnBrk="1" latinLnBrk="0" hangingPunct="1">
+              <a:lnSpc>
+                <a:spcPct val="90000"/>
+              </a:lnSpc>
+              <a:spcBef>
+                <a:spcPts val="1000"/>
+              </a:spcBef>
+              <a:buFont typeface="Arial" panose="020B0604020202020204" pitchFamily="34" charset="0"/>
+              <a:buChar char="•"/>
+              <a:defRPr kumimoji="1" sz="2800" kern="1200">
+                <a:solidFill>
+                  <a:schemeClr val="tx1"/>
+                </a:solidFill>
+                <a:latin typeface="+mn-lt"/>
+                <a:ea typeface="+mn-ea"/>
+                <a:cs typeface="+mn-cs"/>
+              </a:defRPr>
+            </a:lvl1pPr>
+            <a:lvl2pPr marL="685800" indent="-228600" algn="l" defTabSz="914400" rtl="0" eaLnBrk="1" latinLnBrk="0" hangingPunct="1">
+              <a:lnSpc>
+                <a:spcPct val="90000"/>
+              </a:lnSpc>
+              <a:spcBef>
+                <a:spcPts val="500"/>
+              </a:spcBef>
+              <a:buFont typeface="Arial" panose="020B0604020202020204" pitchFamily="34" charset="0"/>
+              <a:buChar char="•"/>
+              <a:defRPr kumimoji="1" sz="2400" kern="1200">
+                <a:solidFill>
+                  <a:schemeClr val="tx1"/>
+                </a:solidFill>
+                <a:latin typeface="+mn-lt"/>
+                <a:ea typeface="+mn-ea"/>
+                <a:cs typeface="+mn-cs"/>
+              </a:defRPr>
+            </a:lvl2pPr>
+            <a:lvl3pPr marL="1143000" indent="-228600" algn="l" defTabSz="914400" rtl="0" eaLnBrk="1" latinLnBrk="0" hangingPunct="1">
+              <a:lnSpc>
+                <a:spcPct val="90000"/>
+              </a:lnSpc>
+              <a:spcBef>
+                <a:spcPts val="500"/>
+              </a:spcBef>
+              <a:buFont typeface="Arial" panose="020B0604020202020204" pitchFamily="34" charset="0"/>
+              <a:buChar char="•"/>
+              <a:defRPr kumimoji="1" sz="2000" kern="1200">
+                <a:solidFill>
+                  <a:schemeClr val="tx1"/>
+                </a:solidFill>
+                <a:latin typeface="+mn-lt"/>
+                <a:ea typeface="+mn-ea"/>
+                <a:cs typeface="+mn-cs"/>
+              </a:defRPr>
+            </a:lvl3pPr>
+            <a:lvl4pPr marL="1600200" indent="-228600" algn="l" defTabSz="914400" rtl="0" eaLnBrk="1" latinLnBrk="0" hangingPunct="1">
+              <a:lnSpc>
+                <a:spcPct val="90000"/>
+              </a:lnSpc>
+              <a:spcBef>
+                <a:spcPts val="500"/>
+              </a:spcBef>
+              <a:buFont typeface="Arial" panose="020B0604020202020204" pitchFamily="34" charset="0"/>
+              <a:buChar char="•"/>
+              <a:defRPr kumimoji="1" sz="1800" kern="1200">
+                <a:solidFill>
+                  <a:schemeClr val="tx1"/>
+                </a:solidFill>
+                <a:latin typeface="+mn-lt"/>
+                <a:ea typeface="+mn-ea"/>
+                <a:cs typeface="+mn-cs"/>
+              </a:defRPr>
+            </a:lvl4pPr>
+            <a:lvl5pPr marL="2057400" indent="-228600" algn="l" defTabSz="914400" rtl="0" eaLnBrk="1" latinLnBrk="0" hangingPunct="1">
+              <a:lnSpc>
+                <a:spcPct val="90000"/>
+              </a:lnSpc>
+              <a:spcBef>
+                <a:spcPts val="500"/>
+              </a:spcBef>
+              <a:buFont typeface="Arial" panose="020B0604020202020204" pitchFamily="34" charset="0"/>
+              <a:buChar char="•"/>
+              <a:defRPr kumimoji="1" sz="1800" kern="1200">
+                <a:solidFill>
+                  <a:schemeClr val="tx1"/>
+                </a:solidFill>
+                <a:latin typeface="+mn-lt"/>
+                <a:ea typeface="+mn-ea"/>
+                <a:cs typeface="+mn-cs"/>
+              </a:defRPr>
+            </a:lvl5pPr>
+            <a:lvl6pPr marL="2514600" indent="-228600" algn="l" defTabSz="914400" rtl="0" eaLnBrk="1" latinLnBrk="0" hangingPunct="1">
+              <a:lnSpc>
+                <a:spcPct val="90000"/>
+              </a:lnSpc>
+              <a:spcBef>
+                <a:spcPts val="500"/>
+              </a:spcBef>
+              <a:buFont typeface="Arial" panose="020B0604020202020204" pitchFamily="34" charset="0"/>
+              <a:buChar char="•"/>
+              <a:defRPr kumimoji="1" sz="1800" kern="1200">
+                <a:solidFill>
+                  <a:schemeClr val="tx1"/>
+                </a:solidFill>
+                <a:latin typeface="+mn-lt"/>
+                <a:ea typeface="+mn-ea"/>
+                <a:cs typeface="+mn-cs"/>
+              </a:defRPr>
+            </a:lvl6pPr>
+            <a:lvl7pPr marL="2971800" indent="-228600" algn="l" defTabSz="914400" rtl="0" eaLnBrk="1" latinLnBrk="0" hangingPunct="1">
+              <a:lnSpc>
+                <a:spcPct val="90000"/>
+              </a:lnSpc>
+              <a:spcBef>
+                <a:spcPts val="500"/>
+              </a:spcBef>
+              <a:buFont typeface="Arial" panose="020B0604020202020204" pitchFamily="34" charset="0"/>
+              <a:buChar char="•"/>
+              <a:defRPr kumimoji="1" sz="1800" kern="1200">
+                <a:solidFill>
+                  <a:schemeClr val="tx1"/>
+                </a:solidFill>
+                <a:latin typeface="+mn-lt"/>
+                <a:ea typeface="+mn-ea"/>
+                <a:cs typeface="+mn-cs"/>
+              </a:defRPr>
+            </a:lvl7pPr>
+            <a:lvl8pPr marL="3429000" indent="-228600" algn="l" defTabSz="914400" rtl="0" eaLnBrk="1" latinLnBrk="0" hangingPunct="1">
+              <a:lnSpc>
+                <a:spcPct val="90000"/>
+              </a:lnSpc>
+              <a:spcBef>
+                <a:spcPts val="500"/>
+              </a:spcBef>
+              <a:buFont typeface="Arial" panose="020B0604020202020204" pitchFamily="34" charset="0"/>
+              <a:buChar char="•"/>
+              <a:defRPr kumimoji="1" sz="1800" kern="1200">
+                <a:solidFill>
+                  <a:schemeClr val="tx1"/>
+                </a:solidFill>
+                <a:latin typeface="+mn-lt"/>
+                <a:ea typeface="+mn-ea"/>
+                <a:cs typeface="+mn-cs"/>
+              </a:defRPr>
+            </a:lvl8pPr>
+            <a:lvl9pPr marL="3886200" indent="-228600" algn="l" defTabSz="914400" rtl="0" eaLnBrk="1" latinLnBrk="0" hangingPunct="1">
+              <a:lnSpc>
+                <a:spcPct val="90000"/>
+              </a:lnSpc>
+              <a:spcBef>
+                <a:spcPts val="500"/>
+              </a:spcBef>
+              <a:buFont typeface="Arial" panose="020B0604020202020204" pitchFamily="34" charset="0"/>
+              <a:buChar char="•"/>
+              <a:defRPr kumimoji="1" sz="1800" kern="1200">
+                <a:solidFill>
+                  <a:schemeClr val="tx1"/>
+                </a:solidFill>
+                <a:latin typeface="+mn-lt"/>
+                <a:ea typeface="+mn-ea"/>
+                <a:cs typeface="+mn-cs"/>
+              </a:defRPr>
+            </a:lvl9pPr>
+          </a:lstStyle>
+          <a:p>
+            <a:r>
+              <a:rPr lang="en-US" altLang="ja-JP"/>
+              <a:t>python</a:t>
+            </a:r>
+            <a:r>
+              <a:rPr lang="ja-JP" altLang="en-US"/>
+              <a:t>のライブラリが上手く動いているか確認するためのパワポです</a:t>
+            </a:r>
+            <a:endParaRPr lang="ja-JP" altLang="en-US" dirty="0"/>
           </a:p>
         </p:txBody>
       </p:sp>
     </p:spTree>
     <p:extLst>
       <p:ext uri="{BB962C8B-B14F-4D97-AF65-F5344CB8AC3E}">
-        <p14:creationId xmlns:p14="http://schemas.microsoft.com/office/powerpoint/2010/main" val="2443062006"/>
+        <p14:creationId xmlns:p14="http://schemas.microsoft.com/office/powerpoint/2010/main" val="4171015950"/>
       </p:ext>
     </p:extLst>
   </p:cSld>
@@ -4721,7 +4203,7 @@
 </file>
 
 <file path=ppt/slides/slide3.xml><?xml version="1.0" encoding="utf-8"?>
-<p:sld xmlns:a="http://schemas.openxmlformats.org/drawingml/2006/main" xmlns:r="http://schemas.openxmlformats.org/officeDocument/2006/relationships" xmlns:p="http://schemas.openxmlformats.org/presentationml/2006/main">
+<p:sld xmlns:a="http://schemas.openxmlformats.org/drawingml/2006/main" xmlns:p="http://schemas.openxmlformats.org/presentationml/2006/main" xmlns:r="http://schemas.openxmlformats.org/officeDocument/2006/relationships">
   <p:cSld>
     <p:spTree>
       <p:nvGrpSpPr>
@@ -4729,85 +4211,57 @@
         <p:cNvGrpSpPr/>
         <p:nvPr/>
       </p:nvGrpSpPr>
-      <p:grpSpPr>
-        <a:xfrm>
-          <a:off x="0" y="0"/>
-          <a:ext cx="0" cy="0"/>
-          <a:chOff x="0" y="0"/>
-          <a:chExt cx="0" cy="0"/>
-        </a:xfrm>
-      </p:grpSpPr>
-      <p:sp>
-        <p:nvSpPr>
-          <p:cNvPr id="2" name="タイトル 1">
-            <a:extLst>
-              <a:ext uri="{FF2B5EF4-FFF2-40B4-BE49-F238E27FC236}">
-                <a16:creationId xmlns:a16="http://schemas.microsoft.com/office/drawing/2014/main" id="{8BE0AF4E-16C7-4130-B1B6-563D7B658C68}"/>
-              </a:ext>
-            </a:extLst>
-          </p:cNvPr>
-          <p:cNvSpPr>
-            <a:spLocks noGrp="1"/>
-          </p:cNvSpPr>
-          <p:nvPr>
-            <p:ph type="title"/>
-          </p:nvPr>
+      <p:grpSpPr/>
+      <p:sp>
+        <p:nvSpPr>
+          <p:cNvPr id="2" name="Rectangle 1"/>
+          <p:cNvSpPr/>
+          <p:nvPr/>
         </p:nvSpPr>
         <p:spPr>
           <a:xfrm>
-            <a:off x="315686" y="218168"/>
-            <a:ext cx="10515600" cy="1325563"/>
+            <a:off x="0" y="0"/>
+            <a:ext cx="12193200" cy="1324800"/>
           </a:xfrm>
+          <a:prstGeom prst="rect">
+            <a:avLst/>
+          </a:prstGeom>
+          <a:solidFill>
+            <a:srgbClr val="4472C4"/>
+          </a:solidFill>
         </p:spPr>
-        <p:txBody>
-          <a:bodyPr>
-            <a:normAutofit/>
-          </a:bodyPr>
-          <a:lstStyle/>
-          <a:p>
-            <a:r>
-              <a:rPr kumimoji="1" lang="ja-JP" altLang="en-US" sz="5400" b="1" dirty="0">
-                <a:solidFill>
-                  <a:schemeClr val="bg1"/>
-                </a:solidFill>
-              </a:rPr>
-              <a:t>１．各部門報告</a:t>
-            </a:r>
-            <a:r>
-              <a:rPr kumimoji="1" lang="en-US" altLang="ja-JP" sz="5400" b="1" dirty="0">
-                <a:solidFill>
-                  <a:schemeClr val="bg1"/>
-                </a:solidFill>
-              </a:rPr>
-              <a:t>/</a:t>
-            </a:r>
-            <a:r>
-              <a:rPr kumimoji="1" lang="ja-JP" altLang="en-US" sz="5400" b="1" dirty="0">
-                <a:solidFill>
-                  <a:schemeClr val="bg1"/>
-                </a:solidFill>
-              </a:rPr>
-              <a:t>その他報告</a:t>
-            </a:r>
-          </a:p>
-        </p:txBody>
-      </p:sp>
-      <p:sp>
-        <p:nvSpPr>
-          <p:cNvPr id="3" name="テキスト ボックス 2">
-            <a:extLst>
-              <a:ext uri="{FF2B5EF4-FFF2-40B4-BE49-F238E27FC236}">
-                <a16:creationId xmlns:a16="http://schemas.microsoft.com/office/drawing/2014/main" id="{2DBB6E9C-BC6A-A5DB-E848-6579B901A1F9}"/>
-              </a:ext>
-            </a:extLst>
-          </p:cNvPr>
+        <p:style>
+          <a:lnRef idx="1">
+            <a:schemeClr val="accent1"/>
+          </a:lnRef>
+          <a:fillRef idx="3">
+            <a:schemeClr val="accent1"/>
+          </a:fillRef>
+          <a:effectRef idx="2">
+            <a:schemeClr val="accent1"/>
+          </a:effectRef>
+          <a:fontRef idx="minor">
+            <a:schemeClr val="lt1"/>
+          </a:fontRef>
+        </p:style>
+        <p:txBody>
+          <a:bodyPr rtlCol="0" anchor="ctr"/>
+          <a:lstStyle/>
+          <a:p>
+            <a:pPr algn="ctr"/>
+          </a:p>
+        </p:txBody>
+      </p:sp>
+      <p:sp>
+        <p:nvSpPr>
+          <p:cNvPr id="3" name="TextBox 2"/>
           <p:cNvSpPr txBox="1"/>
           <p:nvPr/>
         </p:nvSpPr>
         <p:spPr>
           <a:xfrm>
-            <a:off x="574066" y="1494188"/>
-            <a:ext cx="10866804" cy="1073371"/>
+            <a:off x="320400" y="288000"/>
+            <a:ext cx="10515600" cy="1324800"/>
           </a:xfrm>
           <a:prstGeom prst="rect">
             <a:avLst/>
@@ -4815,140 +4269,35 @@
           <a:noFill/>
         </p:spPr>
         <p:txBody>
-          <a:bodyPr wrap="square" rtlCol="0">
+          <a:bodyPr wrap="none">
             <a:spAutoFit/>
           </a:bodyPr>
           <a:lstStyle/>
           <a:p>
             <a:pPr>
-              <a:lnSpc>
-                <a:spcPct val="125000"/>
-              </a:lnSpc>
+              <a:defRPr sz="6000" b="1">
+                <a:solidFill>
+                  <a:srgbClr val="FFFFFF"/>
+                </a:solidFill>
+                <a:latin typeface="メイリオ"/>
+              </a:defRPr>
             </a:pPr>
             <a:r>
-              <a:rPr lang="ja-JP" altLang="en-US" sz="3200" b="1" dirty="0">
-                <a:solidFill>
-                  <a:schemeClr val="tx1">
-                    <a:lumMod val="75000"/>
-                    <a:lumOff val="25000"/>
-                  </a:schemeClr>
-                </a:solidFill>
-                <a:latin typeface="+mj-ea"/>
-                <a:ea typeface="+mj-ea"/>
-              </a:rPr>
-              <a:t>○</a:t>
-            </a:r>
-            <a:r>
-              <a:rPr lang="en-US" altLang="ja-JP" sz="3200" b="1" dirty="0">
-                <a:solidFill>
-                  <a:schemeClr val="tx1">
-                    <a:lumMod val="75000"/>
-                    <a:lumOff val="25000"/>
-                  </a:schemeClr>
-                </a:solidFill>
-                <a:latin typeface="+mj-ea"/>
-                <a:ea typeface="+mj-ea"/>
-              </a:rPr>
-              <a:t>Biz</a:t>
-            </a:r>
-            <a:r>
-              <a:rPr lang="ja-JP" altLang="en-US" sz="3200" b="1" dirty="0">
-                <a:solidFill>
-                  <a:schemeClr val="tx1">
-                    <a:lumMod val="75000"/>
-                    <a:lumOff val="25000"/>
-                  </a:schemeClr>
-                </a:solidFill>
-                <a:latin typeface="+mj-ea"/>
-                <a:ea typeface="+mj-ea"/>
-              </a:rPr>
-              <a:t>部門 </a:t>
-            </a:r>
-            <a:r>
-              <a:rPr lang="en-US" altLang="ja-JP" sz="2400" b="1" dirty="0">
-                <a:solidFill>
-                  <a:schemeClr val="tx1">
-                    <a:lumMod val="75000"/>
-                    <a:lumOff val="25000"/>
-                  </a:schemeClr>
-                </a:solidFill>
-                <a:latin typeface="+mj-ea"/>
-                <a:ea typeface="+mj-ea"/>
-              </a:rPr>
-              <a:t>by</a:t>
-            </a:r>
-            <a:r>
-              <a:rPr lang="ja-JP" altLang="en-US" sz="2400" b="1" dirty="0">
-                <a:solidFill>
-                  <a:schemeClr val="tx1">
-                    <a:lumMod val="75000"/>
-                    <a:lumOff val="25000"/>
-                  </a:schemeClr>
-                </a:solidFill>
-                <a:latin typeface="+mj-ea"/>
-                <a:ea typeface="+mj-ea"/>
-              </a:rPr>
-              <a:t>平野</a:t>
-            </a:r>
-            <a:endParaRPr lang="en-US" altLang="ja-JP" sz="3200" b="1" dirty="0">
-              <a:solidFill>
-                <a:schemeClr val="tx1">
-                  <a:lumMod val="75000"/>
-                  <a:lumOff val="25000"/>
-                </a:schemeClr>
-              </a:solidFill>
-              <a:latin typeface="+mj-ea"/>
-              <a:ea typeface="+mj-ea"/>
-            </a:endParaRPr>
-          </a:p>
-          <a:p>
-            <a:pPr>
-              <a:lnSpc>
-                <a:spcPct val="125000"/>
-              </a:lnSpc>
-            </a:pPr>
-            <a:r>
-              <a:rPr lang="ja-JP" altLang="en-US" sz="2000" b="1" dirty="0">
-                <a:solidFill>
-                  <a:schemeClr val="tx1">
-                    <a:lumMod val="75000"/>
-                    <a:lumOff val="25000"/>
-                  </a:schemeClr>
-                </a:solidFill>
-                <a:latin typeface="+mj-ea"/>
-                <a:ea typeface="+mj-ea"/>
-              </a:rPr>
-              <a:t>　・なし</a:t>
-            </a:r>
-            <a:endParaRPr lang="en-US" altLang="ja-JP" sz="2000" b="1" dirty="0">
-              <a:solidFill>
-                <a:schemeClr val="tx1">
-                  <a:lumMod val="75000"/>
-                  <a:lumOff val="25000"/>
-                </a:schemeClr>
-              </a:solidFill>
-              <a:latin typeface="メイリオ" panose="020B0604030504040204" pitchFamily="50" charset="-128"/>
-              <a:ea typeface="メイリオ" panose="020B0604030504040204" pitchFamily="50" charset="-128"/>
-            </a:endParaRPr>
-          </a:p>
-        </p:txBody>
-      </p:sp>
-      <p:sp>
-        <p:nvSpPr>
-          <p:cNvPr id="7" name="テキスト ボックス 6">
-            <a:extLst>
-              <a:ext uri="{FF2B5EF4-FFF2-40B4-BE49-F238E27FC236}">
-                <a16:creationId xmlns:a16="http://schemas.microsoft.com/office/drawing/2014/main" id="{302A7514-5B92-5FD3-C2E8-282481B33B6A}"/>
-              </a:ext>
-            </a:extLst>
-          </p:cNvPr>
+              <a:t>set_typeが正常に実行</a:t>
+            </a:r>
+          </a:p>
+        </p:txBody>
+      </p:sp>
+      <p:sp>
+        <p:nvSpPr>
+          <p:cNvPr id="4" name="TextBox 3"/>
           <p:cNvSpPr txBox="1"/>
           <p:nvPr/>
         </p:nvSpPr>
         <p:spPr>
           <a:xfrm>
-            <a:off x="574066" y="4153333"/>
-            <a:ext cx="10866804" cy="1073371"/>
+            <a:off x="838800" y="1825200"/>
+            <a:ext cx="10515600" cy="4352400"/>
           </a:xfrm>
           <a:prstGeom prst="rect">
             <a:avLst/>
@@ -4956,1512 +4305,39 @@
           <a:noFill/>
         </p:spPr>
         <p:txBody>
-          <a:bodyPr wrap="square" rtlCol="0">
+          <a:bodyPr wrap="square">
             <a:spAutoFit/>
           </a:bodyPr>
           <a:lstStyle/>
           <a:p>
             <a:pPr>
-              <a:lnSpc>
-                <a:spcPct val="125000"/>
-              </a:lnSpc>
+              <a:defRPr sz="4400" b="1">
+                <a:solidFill>
+                  <a:srgbClr val="404040"/>
+                </a:solidFill>
+                <a:latin typeface="メイリオ"/>
+              </a:defRPr>
             </a:pPr>
             <a:r>
-              <a:rPr lang="ja-JP" altLang="en-US" sz="3200" b="1" dirty="0">
+              <a:t>set_contentが正常に実行</a:t>
+            </a:r>
+          </a:p>
+          <a:p>
+            <a:pPr>
+              <a:defRPr sz="3000">
                 <a:solidFill>
-                  <a:schemeClr val="tx1">
-                    <a:lumMod val="75000"/>
-                    <a:lumOff val="25000"/>
-                  </a:schemeClr>
+                  <a:srgbClr val="404040"/>
                 </a:solidFill>
-                <a:latin typeface="+mj-ea"/>
-                <a:ea typeface="+mj-ea"/>
-              </a:rPr>
-              <a:t>○</a:t>
-            </a:r>
-            <a:r>
-              <a:rPr lang="en-US" altLang="ja-JP" sz="3200" b="1" dirty="0">
-                <a:solidFill>
-                  <a:schemeClr val="tx1">
-                    <a:lumMod val="75000"/>
-                    <a:lumOff val="25000"/>
-                  </a:schemeClr>
-                </a:solidFill>
-                <a:latin typeface="+mj-ea"/>
-                <a:ea typeface="+mj-ea"/>
-              </a:rPr>
-              <a:t>DE</a:t>
-            </a:r>
-            <a:r>
-              <a:rPr lang="ja-JP" altLang="en-US" sz="3200" b="1" dirty="0">
-                <a:solidFill>
-                  <a:schemeClr val="tx1">
-                    <a:lumMod val="75000"/>
-                    <a:lumOff val="25000"/>
-                  </a:schemeClr>
-                </a:solidFill>
-                <a:latin typeface="+mj-ea"/>
-                <a:ea typeface="+mj-ea"/>
-              </a:rPr>
-              <a:t>部門 </a:t>
-            </a:r>
-            <a:r>
-              <a:rPr lang="en-US" altLang="ja-JP" sz="2400" b="1" dirty="0">
-                <a:solidFill>
-                  <a:schemeClr val="tx1">
-                    <a:lumMod val="75000"/>
-                    <a:lumOff val="25000"/>
-                  </a:schemeClr>
-                </a:solidFill>
-                <a:latin typeface="+mj-ea"/>
-                <a:ea typeface="+mj-ea"/>
-              </a:rPr>
-              <a:t>by</a:t>
-            </a:r>
-            <a:r>
-              <a:rPr lang="ja-JP" altLang="en-US" sz="2400" b="1" dirty="0">
-                <a:solidFill>
-                  <a:schemeClr val="tx1">
-                    <a:lumMod val="75000"/>
-                    <a:lumOff val="25000"/>
-                  </a:schemeClr>
-                </a:solidFill>
-                <a:latin typeface="+mj-ea"/>
-                <a:ea typeface="+mj-ea"/>
-              </a:rPr>
-              <a:t>猪崎</a:t>
-            </a:r>
-            <a:endParaRPr lang="en-US" altLang="ja-JP" sz="3200" b="1" dirty="0">
-              <a:solidFill>
-                <a:schemeClr val="tx1">
-                  <a:lumMod val="75000"/>
-                  <a:lumOff val="25000"/>
-                </a:schemeClr>
-              </a:solidFill>
-              <a:latin typeface="+mj-ea"/>
-              <a:ea typeface="+mj-ea"/>
-            </a:endParaRPr>
-          </a:p>
-          <a:p>
-            <a:pPr>
-              <a:lnSpc>
-                <a:spcPct val="125000"/>
-              </a:lnSpc>
+                <a:latin typeface="メイリオ"/>
+              </a:defRPr>
             </a:pPr>
             <a:r>
-              <a:rPr lang="ja-JP" altLang="en-US" sz="2000" b="1" dirty="0">
-                <a:solidFill>
-                  <a:schemeClr val="tx1">
-                    <a:lumMod val="75000"/>
-                    <a:lumOff val="25000"/>
-                  </a:schemeClr>
-                </a:solidFill>
-                <a:latin typeface="+mj-ea"/>
-                <a:ea typeface="+mj-ea"/>
-              </a:rPr>
-              <a:t>　・</a:t>
-            </a:r>
-            <a:r>
-              <a:rPr lang="en-US" altLang="ja-JP" sz="2000" b="1" dirty="0">
-                <a:solidFill>
-                  <a:schemeClr val="tx1">
-                    <a:lumMod val="75000"/>
-                    <a:lumOff val="25000"/>
-                  </a:schemeClr>
-                </a:solidFill>
-                <a:latin typeface="+mj-ea"/>
-                <a:ea typeface="+mj-ea"/>
-              </a:rPr>
-              <a:t>Atcoder-Beginner-Contest295</a:t>
-            </a:r>
-          </a:p>
-        </p:txBody>
-      </p:sp>
-      <p:sp>
-        <p:nvSpPr>
-          <p:cNvPr id="8" name="テキスト ボックス 7">
-            <a:extLst>
-              <a:ext uri="{FF2B5EF4-FFF2-40B4-BE49-F238E27FC236}">
-                <a16:creationId xmlns:a16="http://schemas.microsoft.com/office/drawing/2014/main" id="{AFDA64E1-77F0-A0BA-2AF2-9287EDF2F8E5}"/>
-              </a:ext>
-            </a:extLst>
-          </p:cNvPr>
-          <p:cNvSpPr txBox="1"/>
-          <p:nvPr/>
-        </p:nvSpPr>
-        <p:spPr>
-          <a:xfrm>
-            <a:off x="574066" y="2695242"/>
-            <a:ext cx="10866804" cy="1458091"/>
-          </a:xfrm>
-          <a:prstGeom prst="rect">
-            <a:avLst/>
-          </a:prstGeom>
-          <a:noFill/>
-        </p:spPr>
-        <p:txBody>
-          <a:bodyPr wrap="square" rtlCol="0">
-            <a:spAutoFit/>
-          </a:bodyPr>
-          <a:lstStyle/>
-          <a:p>
-            <a:pPr>
-              <a:lnSpc>
-                <a:spcPct val="125000"/>
-              </a:lnSpc>
-            </a:pPr>
-            <a:r>
-              <a:rPr lang="ja-JP" altLang="en-US" sz="3200" b="1" dirty="0">
-                <a:solidFill>
-                  <a:schemeClr val="tx1">
-                    <a:lumMod val="75000"/>
-                    <a:lumOff val="25000"/>
-                  </a:schemeClr>
-                </a:solidFill>
-                <a:latin typeface="+mj-ea"/>
-                <a:ea typeface="+mj-ea"/>
-              </a:rPr>
-              <a:t>○</a:t>
-            </a:r>
-            <a:r>
-              <a:rPr lang="en-US" altLang="ja-JP" sz="3200" b="1" dirty="0">
-                <a:solidFill>
-                  <a:schemeClr val="tx1">
-                    <a:lumMod val="75000"/>
-                    <a:lumOff val="25000"/>
-                  </a:schemeClr>
-                </a:solidFill>
-                <a:latin typeface="+mj-ea"/>
-                <a:ea typeface="+mj-ea"/>
-              </a:rPr>
-              <a:t>DS</a:t>
-            </a:r>
-            <a:r>
-              <a:rPr lang="ja-JP" altLang="en-US" sz="3200" b="1" dirty="0">
-                <a:solidFill>
-                  <a:schemeClr val="tx1">
-                    <a:lumMod val="75000"/>
-                    <a:lumOff val="25000"/>
-                  </a:schemeClr>
-                </a:solidFill>
-                <a:latin typeface="+mj-ea"/>
-                <a:ea typeface="+mj-ea"/>
-              </a:rPr>
-              <a:t>部門 </a:t>
-            </a:r>
-            <a:r>
-              <a:rPr lang="en-US" altLang="ja-JP" sz="2400" b="1" dirty="0">
-                <a:solidFill>
-                  <a:schemeClr val="tx1">
-                    <a:lumMod val="75000"/>
-                    <a:lumOff val="25000"/>
-                  </a:schemeClr>
-                </a:solidFill>
-                <a:latin typeface="+mj-ea"/>
-                <a:ea typeface="+mj-ea"/>
-              </a:rPr>
-              <a:t>by</a:t>
-            </a:r>
-            <a:r>
-              <a:rPr lang="ja-JP" altLang="en-US" sz="2400" b="1" dirty="0">
-                <a:solidFill>
-                  <a:schemeClr val="tx1">
-                    <a:lumMod val="75000"/>
-                    <a:lumOff val="25000"/>
-                  </a:schemeClr>
-                </a:solidFill>
-                <a:latin typeface="+mj-ea"/>
-                <a:ea typeface="+mj-ea"/>
-              </a:rPr>
-              <a:t>香山</a:t>
-            </a:r>
-            <a:endParaRPr lang="en-US" altLang="ja-JP" sz="2000" b="1" dirty="0">
-              <a:solidFill>
-                <a:schemeClr val="tx1">
-                  <a:lumMod val="75000"/>
-                  <a:lumOff val="25000"/>
-                </a:schemeClr>
-              </a:solidFill>
-              <a:latin typeface="+mj-ea"/>
-              <a:ea typeface="+mj-ea"/>
-            </a:endParaRPr>
-          </a:p>
-          <a:p>
-            <a:pPr>
-              <a:lnSpc>
-                <a:spcPct val="125000"/>
-              </a:lnSpc>
-            </a:pPr>
-            <a:r>
-              <a:rPr lang="ja-JP" altLang="en-US" sz="2000" b="1" dirty="0">
-                <a:solidFill>
-                  <a:schemeClr val="tx1">
-                    <a:lumMod val="75000"/>
-                    <a:lumOff val="25000"/>
-                  </a:schemeClr>
-                </a:solidFill>
-                <a:latin typeface="+mj-ea"/>
-                <a:ea typeface="+mj-ea"/>
-              </a:rPr>
-              <a:t>　・</a:t>
-            </a:r>
-            <a:r>
-              <a:rPr lang="en-US" altLang="ja-JP" sz="2000" b="1" dirty="0">
-                <a:solidFill>
-                  <a:schemeClr val="tx1">
-                    <a:lumMod val="75000"/>
-                    <a:lumOff val="25000"/>
-                  </a:schemeClr>
-                </a:solidFill>
-                <a:latin typeface="+mj-ea"/>
-                <a:ea typeface="+mj-ea"/>
-              </a:rPr>
-              <a:t> </a:t>
-            </a:r>
-            <a:r>
-              <a:rPr lang="ja-JP" altLang="en-US" sz="2000" b="1" dirty="0">
-                <a:solidFill>
-                  <a:schemeClr val="tx1">
-                    <a:lumMod val="75000"/>
-                    <a:lumOff val="25000"/>
-                  </a:schemeClr>
-                </a:solidFill>
-                <a:latin typeface="+mj-ea"/>
-                <a:ea typeface="+mj-ea"/>
-              </a:rPr>
-              <a:t>個人活動</a:t>
-            </a:r>
-            <a:endParaRPr lang="en-US" altLang="ja-JP" sz="2000" b="1" dirty="0">
-              <a:solidFill>
-                <a:schemeClr val="tx1">
-                  <a:lumMod val="75000"/>
-                  <a:lumOff val="25000"/>
-                </a:schemeClr>
-              </a:solidFill>
-              <a:latin typeface="+mj-ea"/>
-              <a:ea typeface="+mj-ea"/>
-            </a:endParaRPr>
-          </a:p>
-          <a:p>
-            <a:pPr>
-              <a:lnSpc>
-                <a:spcPct val="125000"/>
-              </a:lnSpc>
-            </a:pPr>
-            <a:r>
-              <a:rPr lang="ja-JP" altLang="en-US" sz="2000" b="1" dirty="0">
-                <a:solidFill>
-                  <a:schemeClr val="tx1">
-                    <a:lumMod val="75000"/>
-                    <a:lumOff val="25000"/>
-                  </a:schemeClr>
-                </a:solidFill>
-                <a:latin typeface="+mj-ea"/>
-                <a:ea typeface="+mj-ea"/>
-              </a:rPr>
-              <a:t>　・</a:t>
-            </a:r>
-            <a:r>
-              <a:rPr lang="en-US" altLang="ja-JP" sz="2000" b="1" dirty="0" err="1">
-                <a:solidFill>
-                  <a:schemeClr val="tx1">
-                    <a:lumMod val="75000"/>
-                    <a:lumOff val="25000"/>
-                  </a:schemeClr>
-                </a:solidFill>
-                <a:latin typeface="+mj-ea"/>
-                <a:ea typeface="+mj-ea"/>
-              </a:rPr>
-              <a:t>machine_coder</a:t>
-            </a:r>
-            <a:endParaRPr lang="en-US" altLang="ja-JP" sz="2000" b="1" dirty="0">
-              <a:solidFill>
-                <a:schemeClr val="tx1">
-                  <a:lumMod val="75000"/>
-                  <a:lumOff val="25000"/>
-                </a:schemeClr>
-              </a:solidFill>
-              <a:latin typeface="+mj-ea"/>
-              <a:ea typeface="+mj-ea"/>
-            </a:endParaRPr>
+              <a:t>set_contentが正常に実行set_contentが正常に実行set_contentが正常に実行set_contentが正常に実行set_contentが正常に実行set_contentが正常に実行</a:t>
+            </a:r>
           </a:p>
         </p:txBody>
       </p:sp>
     </p:spTree>
-    <p:extLst>
-      <p:ext uri="{BB962C8B-B14F-4D97-AF65-F5344CB8AC3E}">
-        <p14:creationId xmlns:p14="http://schemas.microsoft.com/office/powerpoint/2010/main" val="2122905749"/>
-      </p:ext>
-    </p:extLst>
-  </p:cSld>
-  <p:clrMapOvr>
-    <a:masterClrMapping/>
-  </p:clrMapOvr>
-</p:sld>
-</file>
-
-<file path=ppt/slides/slide4.xml><?xml version="1.0" encoding="utf-8"?>
-<p:sld xmlns:a="http://schemas.openxmlformats.org/drawingml/2006/main" xmlns:r="http://schemas.openxmlformats.org/officeDocument/2006/relationships" xmlns:p="http://schemas.openxmlformats.org/presentationml/2006/main">
-  <p:cSld>
-    <p:spTree>
-      <p:nvGrpSpPr>
-        <p:cNvPr id="1" name=""/>
-        <p:cNvGrpSpPr/>
-        <p:nvPr/>
-      </p:nvGrpSpPr>
-      <p:grpSpPr>
-        <a:xfrm>
-          <a:off x="0" y="0"/>
-          <a:ext cx="0" cy="0"/>
-          <a:chOff x="0" y="0"/>
-          <a:chExt cx="0" cy="0"/>
-        </a:xfrm>
-      </p:grpSpPr>
-      <p:sp>
-        <p:nvSpPr>
-          <p:cNvPr id="2" name="タイトル 1">
-            <a:extLst>
-              <a:ext uri="{FF2B5EF4-FFF2-40B4-BE49-F238E27FC236}">
-                <a16:creationId xmlns:a16="http://schemas.microsoft.com/office/drawing/2014/main" id="{E8CBF806-088F-A02A-5C6F-73EFDB6EAFC5}"/>
-              </a:ext>
-            </a:extLst>
-          </p:cNvPr>
-          <p:cNvSpPr>
-            <a:spLocks noGrp="1"/>
-          </p:cNvSpPr>
-          <p:nvPr>
-            <p:ph type="title"/>
-          </p:nvPr>
-        </p:nvSpPr>
-        <p:spPr/>
-        <p:txBody>
-          <a:bodyPr/>
-          <a:lstStyle/>
-          <a:p>
-            <a:r>
-              <a:rPr kumimoji="1" lang="en-US" altLang="ja-JP" sz="4400" b="1" dirty="0">
-                <a:solidFill>
-                  <a:schemeClr val="bg1"/>
-                </a:solidFill>
-              </a:rPr>
-              <a:t>2 . </a:t>
-            </a:r>
-            <a:r>
-              <a:rPr kumimoji="1" lang="ja-JP" altLang="en-US" sz="4400" b="1" dirty="0">
-                <a:solidFill>
-                  <a:schemeClr val="bg1"/>
-                </a:solidFill>
-              </a:rPr>
-              <a:t>連絡事項</a:t>
-            </a:r>
-            <a:endParaRPr kumimoji="1" lang="ja-JP" altLang="en-US" dirty="0"/>
-          </a:p>
-        </p:txBody>
-      </p:sp>
-      <p:sp>
-        <p:nvSpPr>
-          <p:cNvPr id="3" name="コンテンツ プレースホルダー 2">
-            <a:extLst>
-              <a:ext uri="{FF2B5EF4-FFF2-40B4-BE49-F238E27FC236}">
-                <a16:creationId xmlns:a16="http://schemas.microsoft.com/office/drawing/2014/main" id="{48108E73-7461-4C4F-C689-D49F5494A025}"/>
-              </a:ext>
-            </a:extLst>
-          </p:cNvPr>
-          <p:cNvSpPr>
-            <a:spLocks noGrp="1"/>
-          </p:cNvSpPr>
-          <p:nvPr>
-            <p:ph idx="1"/>
-          </p:nvPr>
-        </p:nvSpPr>
-        <p:spPr>
-          <a:xfrm>
-            <a:off x="120316" y="1825625"/>
-            <a:ext cx="11951368" cy="4351338"/>
-          </a:xfrm>
-        </p:spPr>
-        <p:txBody>
-          <a:bodyPr anchor="ctr">
-            <a:normAutofit/>
-          </a:bodyPr>
-          <a:lstStyle/>
-          <a:p>
-            <a:pPr marL="0" indent="0" algn="ctr">
-              <a:buNone/>
-            </a:pPr>
-            <a:r>
-              <a:rPr lang="ja-JP" altLang="en-US" sz="3200" b="0" i="0" dirty="0">
-                <a:solidFill>
-                  <a:srgbClr val="1D1C1D"/>
-                </a:solidFill>
-                <a:effectLst/>
-                <a:latin typeface="NotoSansJP"/>
-              </a:rPr>
-              <a:t>掲示が遅れましたが</a:t>
-            </a:r>
-            <a:r>
-              <a:rPr lang="ja-JP" altLang="en-US" sz="3200" b="1" i="0" dirty="0">
-                <a:solidFill>
-                  <a:srgbClr val="1D1C1D"/>
-                </a:solidFill>
-                <a:effectLst/>
-                <a:latin typeface="NotoSansJP"/>
-              </a:rPr>
-              <a:t>春から活動予定の</a:t>
-            </a:r>
-            <a:r>
-              <a:rPr lang="en-US" altLang="ja-JP" sz="3200" b="1" i="0" dirty="0">
-                <a:solidFill>
-                  <a:srgbClr val="1D1C1D"/>
-                </a:solidFill>
-                <a:effectLst/>
-                <a:latin typeface="NotoSansJP"/>
-              </a:rPr>
-              <a:t>discord</a:t>
-            </a:r>
-            <a:r>
-              <a:rPr lang="ja-JP" altLang="en-US" sz="3200" b="1" i="0" dirty="0">
-                <a:solidFill>
-                  <a:srgbClr val="1D1C1D"/>
-                </a:solidFill>
-                <a:effectLst/>
-                <a:latin typeface="NotoSansJP"/>
-              </a:rPr>
-              <a:t>のリンク</a:t>
-            </a:r>
-            <a:r>
-              <a:rPr lang="ja-JP" altLang="en-US" sz="3200" b="0" i="0" dirty="0">
-                <a:solidFill>
-                  <a:srgbClr val="1D1C1D"/>
-                </a:solidFill>
-                <a:effectLst/>
-                <a:latin typeface="NotoSansJP"/>
-              </a:rPr>
-              <a:t>です！</a:t>
-            </a:r>
-            <a:br>
-              <a:rPr lang="ja-JP" altLang="en-US" sz="3200" dirty="0"/>
-            </a:br>
-            <a:r>
-              <a:rPr lang="en-US" altLang="ja-JP" sz="3200" b="0" i="0" u="none" strike="noStrike" dirty="0">
-                <a:effectLst/>
-                <a:latin typeface="NotoSansJP"/>
-                <a:hlinkClick r:id="rId2"/>
-              </a:rPr>
-              <a:t>https://discord.gg/GvketDmJ</a:t>
-            </a:r>
-            <a:endParaRPr lang="en-US" altLang="ja-JP" sz="3200" b="0" i="0" u="none" strike="noStrike" dirty="0">
-              <a:effectLst/>
-              <a:latin typeface="NotoSansJP"/>
-            </a:endParaRPr>
-          </a:p>
-          <a:p>
-            <a:pPr marL="0" indent="0" algn="ctr">
-              <a:buNone/>
-            </a:pPr>
-            <a:endParaRPr lang="en-US" altLang="ja-JP" sz="3200" b="0" i="0" u="none" strike="noStrike" dirty="0">
-              <a:effectLst/>
-              <a:latin typeface="NotoSansJP"/>
-            </a:endParaRPr>
-          </a:p>
-          <a:p>
-            <a:pPr marL="0" indent="0" algn="ctr">
-              <a:buNone/>
-            </a:pPr>
-            <a:r>
-              <a:rPr lang="ja-JP" altLang="en-US" sz="3200" b="0" i="0" dirty="0">
-                <a:solidFill>
-                  <a:srgbClr val="1D1C1D"/>
-                </a:solidFill>
-                <a:effectLst/>
-                <a:latin typeface="NotoSansJP"/>
-              </a:rPr>
-              <a:t>部員だけの場所というよりも</a:t>
-            </a:r>
-            <a:r>
-              <a:rPr lang="ja-JP" altLang="en-US" sz="3200" b="1" i="0" dirty="0">
-                <a:solidFill>
-                  <a:srgbClr val="1D1C1D"/>
-                </a:solidFill>
-                <a:effectLst/>
-                <a:latin typeface="NotoSansJP"/>
-              </a:rPr>
-              <a:t>新入生の体験入部なども含めた</a:t>
-            </a:r>
-            <a:endParaRPr lang="en-US" altLang="ja-JP" sz="3200" b="1" i="0" dirty="0">
-              <a:solidFill>
-                <a:srgbClr val="1D1C1D"/>
-              </a:solidFill>
-              <a:effectLst/>
-              <a:latin typeface="NotoSansJP"/>
-            </a:endParaRPr>
-          </a:p>
-          <a:p>
-            <a:pPr marL="0" indent="0" algn="ctr">
-              <a:buNone/>
-            </a:pPr>
-            <a:r>
-              <a:rPr lang="en-US" altLang="ja-JP" sz="3200" b="1" i="0" dirty="0">
-                <a:solidFill>
-                  <a:srgbClr val="1D1C1D"/>
-                </a:solidFill>
-                <a:effectLst/>
-                <a:latin typeface="NotoSansJP"/>
-              </a:rPr>
-              <a:t>DA</a:t>
-            </a:r>
-            <a:r>
-              <a:rPr lang="ja-JP" altLang="en-US" sz="3200" b="1" i="0" dirty="0">
-                <a:solidFill>
-                  <a:srgbClr val="1D1C1D"/>
-                </a:solidFill>
-                <a:effectLst/>
-                <a:latin typeface="NotoSansJP"/>
-              </a:rPr>
-              <a:t>研の活動全般をこのサーバで行う予定</a:t>
-            </a:r>
-            <a:r>
-              <a:rPr lang="ja-JP" altLang="en-US" sz="3200" b="0" i="0" dirty="0">
-                <a:solidFill>
-                  <a:srgbClr val="1D1C1D"/>
-                </a:solidFill>
-                <a:effectLst/>
-                <a:latin typeface="NotoSansJP"/>
-              </a:rPr>
-              <a:t>なのでぜひ</a:t>
-            </a:r>
-            <a:r>
-              <a:rPr lang="en-US" altLang="ja-JP" sz="3200" b="0" i="0" dirty="0">
-                <a:solidFill>
-                  <a:srgbClr val="1D1C1D"/>
-                </a:solidFill>
-                <a:effectLst/>
-                <a:latin typeface="NotoSansJP"/>
-              </a:rPr>
-              <a:t>OB</a:t>
-            </a:r>
-            <a:r>
-              <a:rPr lang="ja-JP" altLang="en-US" sz="3200" b="0" i="0" dirty="0">
-                <a:solidFill>
-                  <a:srgbClr val="1D1C1D"/>
-                </a:solidFill>
-                <a:effectLst/>
-                <a:latin typeface="NotoSansJP"/>
-              </a:rPr>
-              <a:t>・</a:t>
-            </a:r>
-            <a:r>
-              <a:rPr lang="en-US" altLang="ja-JP" sz="3200" b="0" i="0" dirty="0">
-                <a:solidFill>
-                  <a:srgbClr val="1D1C1D"/>
-                </a:solidFill>
-                <a:effectLst/>
-                <a:latin typeface="NotoSansJP"/>
-              </a:rPr>
-              <a:t>OG</a:t>
-            </a:r>
-            <a:r>
-              <a:rPr lang="ja-JP" altLang="en-US" sz="3200" b="0" i="0" dirty="0">
-                <a:solidFill>
-                  <a:srgbClr val="1D1C1D"/>
-                </a:solidFill>
-                <a:effectLst/>
-                <a:latin typeface="NotoSansJP"/>
-              </a:rPr>
-              <a:t>の</a:t>
-            </a:r>
-            <a:endParaRPr lang="en-US" altLang="ja-JP" sz="3200" b="0" i="0" dirty="0">
-              <a:solidFill>
-                <a:srgbClr val="1D1C1D"/>
-              </a:solidFill>
-              <a:effectLst/>
-              <a:latin typeface="NotoSansJP"/>
-            </a:endParaRPr>
-          </a:p>
-          <a:p>
-            <a:pPr marL="0" indent="0" algn="ctr">
-              <a:buNone/>
-            </a:pPr>
-            <a:r>
-              <a:rPr lang="ja-JP" altLang="en-US" sz="3200" b="0" i="0" dirty="0">
-                <a:solidFill>
-                  <a:srgbClr val="1D1C1D"/>
-                </a:solidFill>
-                <a:effectLst/>
-                <a:latin typeface="NotoSansJP"/>
-              </a:rPr>
-              <a:t>方々も参加していただければと思います！！</a:t>
-            </a:r>
-            <a:endParaRPr kumimoji="1" lang="en-US" altLang="ja-JP" sz="4400" b="1" dirty="0"/>
-          </a:p>
-        </p:txBody>
-      </p:sp>
-    </p:spTree>
-    <p:extLst>
-      <p:ext uri="{BB962C8B-B14F-4D97-AF65-F5344CB8AC3E}">
-        <p14:creationId xmlns:p14="http://schemas.microsoft.com/office/powerpoint/2010/main" val="3423514607"/>
-      </p:ext>
-    </p:extLst>
-  </p:cSld>
-  <p:clrMapOvr>
-    <a:masterClrMapping/>
-  </p:clrMapOvr>
-</p:sld>
-</file>
-
-<file path=ppt/slides/slide5.xml><?xml version="1.0" encoding="utf-8"?>
-<p:sld xmlns:a="http://schemas.openxmlformats.org/drawingml/2006/main" xmlns:r="http://schemas.openxmlformats.org/officeDocument/2006/relationships" xmlns:p="http://schemas.openxmlformats.org/presentationml/2006/main">
-  <p:cSld>
-    <p:spTree>
-      <p:nvGrpSpPr>
-        <p:cNvPr id="1" name=""/>
-        <p:cNvGrpSpPr/>
-        <p:nvPr/>
-      </p:nvGrpSpPr>
-      <p:grpSpPr>
-        <a:xfrm>
-          <a:off x="0" y="0"/>
-          <a:ext cx="0" cy="0"/>
-          <a:chOff x="0" y="0"/>
-          <a:chExt cx="0" cy="0"/>
-        </a:xfrm>
-      </p:grpSpPr>
-      <p:sp>
-        <p:nvSpPr>
-          <p:cNvPr id="2" name="タイトル 1">
-            <a:extLst>
-              <a:ext uri="{FF2B5EF4-FFF2-40B4-BE49-F238E27FC236}">
-                <a16:creationId xmlns:a16="http://schemas.microsoft.com/office/drawing/2014/main" id="{E8CBF806-088F-A02A-5C6F-73EFDB6EAFC5}"/>
-              </a:ext>
-            </a:extLst>
-          </p:cNvPr>
-          <p:cNvSpPr>
-            <a:spLocks noGrp="1"/>
-          </p:cNvSpPr>
-          <p:nvPr>
-            <p:ph type="title"/>
-          </p:nvPr>
-        </p:nvSpPr>
-        <p:spPr/>
-        <p:txBody>
-          <a:bodyPr/>
-          <a:lstStyle/>
-          <a:p>
-            <a:r>
-              <a:rPr kumimoji="1" lang="en-US" altLang="ja-JP" sz="4400" b="1" dirty="0">
-                <a:solidFill>
-                  <a:schemeClr val="bg1"/>
-                </a:solidFill>
-              </a:rPr>
-              <a:t>2 . </a:t>
-            </a:r>
-            <a:r>
-              <a:rPr kumimoji="1" lang="ja-JP" altLang="en-US" sz="4400" b="1" dirty="0">
-                <a:solidFill>
-                  <a:schemeClr val="bg1"/>
-                </a:solidFill>
-              </a:rPr>
-              <a:t>連絡事項</a:t>
-            </a:r>
-            <a:endParaRPr kumimoji="1" lang="ja-JP" altLang="en-US" dirty="0"/>
-          </a:p>
-        </p:txBody>
-      </p:sp>
-      <p:sp>
-        <p:nvSpPr>
-          <p:cNvPr id="5" name="コンテンツ プレースホルダー 4">
-            <a:extLst>
-              <a:ext uri="{FF2B5EF4-FFF2-40B4-BE49-F238E27FC236}">
-                <a16:creationId xmlns:a16="http://schemas.microsoft.com/office/drawing/2014/main" id="{3BFE9A73-DE60-7CC5-AA59-6E9B3A5B5113}"/>
-              </a:ext>
-            </a:extLst>
-          </p:cNvPr>
-          <p:cNvSpPr>
-            <a:spLocks noGrp="1"/>
-          </p:cNvSpPr>
-          <p:nvPr>
-            <p:ph idx="1"/>
-          </p:nvPr>
-        </p:nvSpPr>
-        <p:spPr/>
-        <p:txBody>
-          <a:bodyPr/>
-          <a:lstStyle/>
-          <a:p>
-            <a:pPr marL="0" indent="0">
-              <a:buNone/>
-            </a:pPr>
-            <a:r>
-              <a:rPr lang="ja-JP" altLang="en-US" dirty="0"/>
-              <a:t>経営陣の募集、続投の可否決定をします！</a:t>
-            </a:r>
-            <a:endParaRPr lang="en-US" altLang="ja-JP" dirty="0"/>
-          </a:p>
-          <a:p>
-            <a:pPr marL="0" indent="0">
-              <a:buNone/>
-            </a:pPr>
-            <a:endParaRPr lang="en-US" altLang="ja-JP" b="1" dirty="0"/>
-          </a:p>
-          <a:p>
-            <a:pPr marL="0" indent="0">
-              <a:buNone/>
-            </a:pPr>
-            <a:r>
-              <a:rPr lang="ja-JP" altLang="en-US" sz="3600" b="1" dirty="0"/>
-              <a:t>〇企画・広報、副部長の募集</a:t>
-            </a:r>
-            <a:endParaRPr lang="en-US" altLang="ja-JP" sz="3600" b="1" dirty="0"/>
-          </a:p>
-          <a:p>
-            <a:pPr marL="0" indent="0">
-              <a:buNone/>
-            </a:pPr>
-            <a:r>
-              <a:rPr lang="ja-JP" altLang="en-US" sz="3600" b="1" dirty="0"/>
-              <a:t>〇部長の続投の可否決定</a:t>
-            </a:r>
-            <a:endParaRPr lang="en-US" altLang="ja-JP" sz="3600" b="1" dirty="0"/>
-          </a:p>
-          <a:p>
-            <a:pPr marL="0" indent="0">
-              <a:buNone/>
-            </a:pPr>
-            <a:endParaRPr lang="en-US" altLang="ja-JP" sz="3600" dirty="0"/>
-          </a:p>
-          <a:p>
-            <a:pPr marL="0" indent="0">
-              <a:buNone/>
-            </a:pPr>
-            <a:r>
-              <a:rPr lang="ja-JP" altLang="en-US" dirty="0"/>
-              <a:t>今後の議会で決定します。</a:t>
-            </a:r>
-          </a:p>
-        </p:txBody>
-      </p:sp>
-    </p:spTree>
-    <p:extLst>
-      <p:ext uri="{BB962C8B-B14F-4D97-AF65-F5344CB8AC3E}">
-        <p14:creationId xmlns:p14="http://schemas.microsoft.com/office/powerpoint/2010/main" val="3459076127"/>
-      </p:ext>
-    </p:extLst>
-  </p:cSld>
-  <p:clrMapOvr>
-    <a:masterClrMapping/>
-  </p:clrMapOvr>
-</p:sld>
-</file>
-
-<file path=ppt/slides/slide6.xml><?xml version="1.0" encoding="utf-8"?>
-<p:sld xmlns:a="http://schemas.openxmlformats.org/drawingml/2006/main" xmlns:r="http://schemas.openxmlformats.org/officeDocument/2006/relationships" xmlns:p="http://schemas.openxmlformats.org/presentationml/2006/main">
-  <p:cSld>
-    <p:spTree>
-      <p:nvGrpSpPr>
-        <p:cNvPr id="1" name=""/>
-        <p:cNvGrpSpPr/>
-        <p:nvPr/>
-      </p:nvGrpSpPr>
-      <p:grpSpPr>
-        <a:xfrm>
-          <a:off x="0" y="0"/>
-          <a:ext cx="0" cy="0"/>
-          <a:chOff x="0" y="0"/>
-          <a:chExt cx="0" cy="0"/>
-        </a:xfrm>
-      </p:grpSpPr>
-      <p:sp>
-        <p:nvSpPr>
-          <p:cNvPr id="2" name="タイトル 1">
-            <a:extLst>
-              <a:ext uri="{FF2B5EF4-FFF2-40B4-BE49-F238E27FC236}">
-                <a16:creationId xmlns:a16="http://schemas.microsoft.com/office/drawing/2014/main" id="{E8CBF806-088F-A02A-5C6F-73EFDB6EAFC5}"/>
-              </a:ext>
-            </a:extLst>
-          </p:cNvPr>
-          <p:cNvSpPr>
-            <a:spLocks noGrp="1"/>
-          </p:cNvSpPr>
-          <p:nvPr>
-            <p:ph type="title"/>
-          </p:nvPr>
-        </p:nvSpPr>
-        <p:spPr/>
-        <p:txBody>
-          <a:bodyPr/>
-          <a:lstStyle/>
-          <a:p>
-            <a:r>
-              <a:rPr kumimoji="1" lang="en-US" altLang="ja-JP" sz="4400" b="1" dirty="0">
-                <a:solidFill>
-                  <a:schemeClr val="bg1"/>
-                </a:solidFill>
-              </a:rPr>
-              <a:t>2 . </a:t>
-            </a:r>
-            <a:r>
-              <a:rPr kumimoji="1" lang="ja-JP" altLang="en-US" sz="4400" b="1" dirty="0">
-                <a:solidFill>
-                  <a:schemeClr val="bg1"/>
-                </a:solidFill>
-              </a:rPr>
-              <a:t>連絡事項</a:t>
-            </a:r>
-            <a:endParaRPr kumimoji="1" lang="ja-JP" altLang="en-US" dirty="0"/>
-          </a:p>
-        </p:txBody>
-      </p:sp>
-      <p:sp>
-        <p:nvSpPr>
-          <p:cNvPr id="5" name="コンテンツ プレースホルダー 4">
-            <a:extLst>
-              <a:ext uri="{FF2B5EF4-FFF2-40B4-BE49-F238E27FC236}">
-                <a16:creationId xmlns:a16="http://schemas.microsoft.com/office/drawing/2014/main" id="{D3BA5351-99EF-2DAE-05B9-A2E75EE2D72C}"/>
-              </a:ext>
-            </a:extLst>
-          </p:cNvPr>
-          <p:cNvSpPr>
-            <a:spLocks noGrp="1"/>
-          </p:cNvSpPr>
-          <p:nvPr>
-            <p:ph idx="1"/>
-          </p:nvPr>
-        </p:nvSpPr>
-        <p:spPr/>
-        <p:txBody>
-          <a:bodyPr/>
-          <a:lstStyle/>
-          <a:p>
-            <a:pPr marL="0" indent="0">
-              <a:buNone/>
-            </a:pPr>
-            <a:r>
-              <a:rPr lang="ja-JP" altLang="en-US" sz="4400" b="1" dirty="0"/>
-              <a:t>新歓の実施</a:t>
-            </a:r>
-            <a:r>
-              <a:rPr lang="en-US" altLang="ja-JP" sz="4400" b="1" dirty="0"/>
-              <a:t>!!!</a:t>
-            </a:r>
-            <a:endParaRPr lang="en-US" altLang="ja-JP" sz="4000" b="1" dirty="0"/>
-          </a:p>
-          <a:p>
-            <a:pPr marL="0" indent="0">
-              <a:buNone/>
-            </a:pPr>
-            <a:r>
-              <a:rPr lang="ja-JP" altLang="en-US" dirty="0"/>
-              <a:t>新歓を知るカフェを貸し切りの形で実施しようと考えています！</a:t>
-            </a:r>
-            <a:endParaRPr lang="en-US" altLang="ja-JP" dirty="0"/>
-          </a:p>
-          <a:p>
-            <a:pPr marL="0" indent="0">
-              <a:buNone/>
-            </a:pPr>
-            <a:r>
-              <a:rPr lang="ja-JP" altLang="en-US" dirty="0"/>
-              <a:t>日程は</a:t>
-            </a:r>
-            <a:r>
-              <a:rPr lang="en-US" altLang="ja-JP" dirty="0"/>
-              <a:t>4/27(</a:t>
-            </a:r>
-            <a:r>
-              <a:rPr lang="ja-JP" altLang="en-US" dirty="0"/>
-              <a:t>木</a:t>
-            </a:r>
-            <a:r>
-              <a:rPr lang="en-US" altLang="ja-JP" dirty="0"/>
-              <a:t>) 16:30~</a:t>
-            </a:r>
-            <a:r>
-              <a:rPr lang="ja-JP" altLang="en-US" dirty="0"/>
-              <a:t>でほぼ決定です！</a:t>
-            </a:r>
-            <a:endParaRPr lang="en-US" altLang="ja-JP" dirty="0"/>
-          </a:p>
-          <a:p>
-            <a:pPr marL="0" indent="0">
-              <a:buNone/>
-            </a:pPr>
-            <a:endParaRPr lang="en-US" altLang="ja-JP" dirty="0"/>
-          </a:p>
-          <a:p>
-            <a:pPr marL="0" indent="0">
-              <a:buNone/>
-            </a:pPr>
-            <a:r>
-              <a:rPr lang="ja-JP" altLang="en-US" dirty="0"/>
-              <a:t>そのために知るカフェの新規登録が</a:t>
-            </a:r>
-            <a:r>
-              <a:rPr lang="en-US" altLang="ja-JP" dirty="0"/>
-              <a:t>18</a:t>
-            </a:r>
-            <a:r>
-              <a:rPr lang="ja-JP" altLang="en-US" dirty="0"/>
-              <a:t>人必要なのでご協力お願いします！</a:t>
-            </a:r>
-            <a:endParaRPr lang="en-US" altLang="ja-JP" dirty="0"/>
-          </a:p>
-          <a:p>
-            <a:pPr marL="0" indent="0">
-              <a:buNone/>
-            </a:pPr>
-            <a:endParaRPr lang="ja-JP" altLang="en-US" dirty="0"/>
-          </a:p>
-        </p:txBody>
-      </p:sp>
-    </p:spTree>
-    <p:extLst>
-      <p:ext uri="{BB962C8B-B14F-4D97-AF65-F5344CB8AC3E}">
-        <p14:creationId xmlns:p14="http://schemas.microsoft.com/office/powerpoint/2010/main" val="2827614838"/>
-      </p:ext>
-    </p:extLst>
-  </p:cSld>
-  <p:clrMapOvr>
-    <a:masterClrMapping/>
-  </p:clrMapOvr>
-</p:sld>
-</file>
-
-<file path=ppt/slides/slide7.xml><?xml version="1.0" encoding="utf-8"?>
-<p:sld xmlns:a="http://schemas.openxmlformats.org/drawingml/2006/main" xmlns:r="http://schemas.openxmlformats.org/officeDocument/2006/relationships" xmlns:p="http://schemas.openxmlformats.org/presentationml/2006/main">
-  <p:cSld>
-    <p:spTree>
-      <p:nvGrpSpPr>
-        <p:cNvPr id="1" name=""/>
-        <p:cNvGrpSpPr/>
-        <p:nvPr/>
-      </p:nvGrpSpPr>
-      <p:grpSpPr>
-        <a:xfrm>
-          <a:off x="0" y="0"/>
-          <a:ext cx="0" cy="0"/>
-          <a:chOff x="0" y="0"/>
-          <a:chExt cx="0" cy="0"/>
-        </a:xfrm>
-      </p:grpSpPr>
-      <p:sp>
-        <p:nvSpPr>
-          <p:cNvPr id="2" name="タイトル 1">
-            <a:extLst>
-              <a:ext uri="{FF2B5EF4-FFF2-40B4-BE49-F238E27FC236}">
-                <a16:creationId xmlns:a16="http://schemas.microsoft.com/office/drawing/2014/main" id="{E8CBF806-088F-A02A-5C6F-73EFDB6EAFC5}"/>
-              </a:ext>
-            </a:extLst>
-          </p:cNvPr>
-          <p:cNvSpPr>
-            <a:spLocks noGrp="1"/>
-          </p:cNvSpPr>
-          <p:nvPr>
-            <p:ph type="title"/>
-          </p:nvPr>
-        </p:nvSpPr>
-        <p:spPr/>
-        <p:txBody>
-          <a:bodyPr/>
-          <a:lstStyle/>
-          <a:p>
-            <a:r>
-              <a:rPr kumimoji="1" lang="en-US" altLang="ja-JP" sz="4400" b="1" dirty="0">
-                <a:solidFill>
-                  <a:schemeClr val="bg1"/>
-                </a:solidFill>
-              </a:rPr>
-              <a:t>2 . </a:t>
-            </a:r>
-            <a:r>
-              <a:rPr kumimoji="1" lang="ja-JP" altLang="en-US" sz="4400" b="1" dirty="0">
-                <a:solidFill>
-                  <a:schemeClr val="bg1"/>
-                </a:solidFill>
-              </a:rPr>
-              <a:t>連絡事項</a:t>
-            </a:r>
-            <a:endParaRPr kumimoji="1" lang="ja-JP" altLang="en-US" dirty="0"/>
-          </a:p>
-        </p:txBody>
-      </p:sp>
-      <p:sp>
-        <p:nvSpPr>
-          <p:cNvPr id="5" name="コンテンツ プレースホルダー 4">
-            <a:extLst>
-              <a:ext uri="{FF2B5EF4-FFF2-40B4-BE49-F238E27FC236}">
-                <a16:creationId xmlns:a16="http://schemas.microsoft.com/office/drawing/2014/main" id="{F2047DB9-0999-9654-5DBA-6FC3AA9B4B04}"/>
-              </a:ext>
-            </a:extLst>
-          </p:cNvPr>
-          <p:cNvSpPr>
-            <a:spLocks noGrp="1"/>
-          </p:cNvSpPr>
-          <p:nvPr>
-            <p:ph idx="1"/>
-          </p:nvPr>
-        </p:nvSpPr>
-        <p:spPr/>
-        <p:txBody>
-          <a:bodyPr/>
-          <a:lstStyle/>
-          <a:p>
-            <a:pPr marL="0" indent="0">
-              <a:buNone/>
-            </a:pPr>
-            <a:r>
-              <a:rPr lang="ja-JP" altLang="en-US" sz="4000" b="1" dirty="0"/>
-              <a:t>カレッジ音楽祭のアンケート調査の募集</a:t>
-            </a:r>
-            <a:r>
-              <a:rPr lang="en-US" altLang="ja-JP" sz="4000" b="1" dirty="0"/>
-              <a:t>!!!</a:t>
-            </a:r>
-          </a:p>
-          <a:p>
-            <a:pPr marL="0" indent="0">
-              <a:buNone/>
-            </a:pPr>
-            <a:r>
-              <a:rPr lang="en-US" altLang="ja-JP" dirty="0"/>
-              <a:t>slack</a:t>
-            </a:r>
-            <a:r>
-              <a:rPr lang="ja-JP" altLang="en-US" dirty="0"/>
-              <a:t>の</a:t>
-            </a:r>
-            <a:r>
-              <a:rPr lang="en-US" altLang="ja-JP" dirty="0"/>
-              <a:t>#1_0_1_gereral</a:t>
-            </a:r>
-            <a:r>
-              <a:rPr lang="ja-JP" altLang="en-US" dirty="0"/>
-              <a:t>で共有されていますが、去年に引き続きカレッジ音楽祭のアンケート調査を手伝ってくれる人を募集しています！</a:t>
-            </a:r>
-            <a:endParaRPr lang="en-US" altLang="ja-JP" dirty="0"/>
-          </a:p>
-          <a:p>
-            <a:pPr marL="0" indent="0">
-              <a:buNone/>
-            </a:pPr>
-            <a:endParaRPr lang="en-US" altLang="ja-JP" dirty="0"/>
-          </a:p>
-          <a:p>
-            <a:pPr marL="0" indent="0">
-              <a:buNone/>
-            </a:pPr>
-            <a:r>
-              <a:rPr lang="ja-JP" altLang="en-US" dirty="0"/>
-              <a:t>振るってご参加ください！！！</a:t>
-            </a:r>
-          </a:p>
-        </p:txBody>
-      </p:sp>
-    </p:spTree>
-    <p:extLst>
-      <p:ext uri="{BB962C8B-B14F-4D97-AF65-F5344CB8AC3E}">
-        <p14:creationId xmlns:p14="http://schemas.microsoft.com/office/powerpoint/2010/main" val="3829462099"/>
-      </p:ext>
-    </p:extLst>
-  </p:cSld>
-  <p:clrMapOvr>
-    <a:masterClrMapping/>
-  </p:clrMapOvr>
-</p:sld>
-</file>
-
-<file path=ppt/slides/slide8.xml><?xml version="1.0" encoding="utf-8"?>
-<p:sld xmlns:a="http://schemas.openxmlformats.org/drawingml/2006/main" xmlns:r="http://schemas.openxmlformats.org/officeDocument/2006/relationships" xmlns:p="http://schemas.openxmlformats.org/presentationml/2006/main">
-  <p:cSld>
-    <p:spTree>
-      <p:nvGrpSpPr>
-        <p:cNvPr id="1" name=""/>
-        <p:cNvGrpSpPr/>
-        <p:nvPr/>
-      </p:nvGrpSpPr>
-      <p:grpSpPr>
-        <a:xfrm>
-          <a:off x="0" y="0"/>
-          <a:ext cx="0" cy="0"/>
-          <a:chOff x="0" y="0"/>
-          <a:chExt cx="0" cy="0"/>
-        </a:xfrm>
-      </p:grpSpPr>
-      <p:sp>
-        <p:nvSpPr>
-          <p:cNvPr id="2" name="タイトル 1">
-            <a:extLst>
-              <a:ext uri="{FF2B5EF4-FFF2-40B4-BE49-F238E27FC236}">
-                <a16:creationId xmlns:a16="http://schemas.microsoft.com/office/drawing/2014/main" id="{E8CBF806-088F-A02A-5C6F-73EFDB6EAFC5}"/>
-              </a:ext>
-            </a:extLst>
-          </p:cNvPr>
-          <p:cNvSpPr>
-            <a:spLocks noGrp="1"/>
-          </p:cNvSpPr>
-          <p:nvPr>
-            <p:ph type="title"/>
-          </p:nvPr>
-        </p:nvSpPr>
-        <p:spPr/>
-        <p:txBody>
-          <a:bodyPr/>
-          <a:lstStyle/>
-          <a:p>
-            <a:r>
-              <a:rPr kumimoji="1" lang="en-US" altLang="ja-JP" sz="4400" b="1" dirty="0">
-                <a:solidFill>
-                  <a:schemeClr val="bg1"/>
-                </a:solidFill>
-              </a:rPr>
-              <a:t>2 . </a:t>
-            </a:r>
-            <a:r>
-              <a:rPr kumimoji="1" lang="ja-JP" altLang="en-US" sz="4400" b="1" dirty="0">
-                <a:solidFill>
-                  <a:schemeClr val="bg1"/>
-                </a:solidFill>
-              </a:rPr>
-              <a:t>連絡事項</a:t>
-            </a:r>
-            <a:endParaRPr kumimoji="1" lang="ja-JP" altLang="en-US" dirty="0"/>
-          </a:p>
-        </p:txBody>
-      </p:sp>
-      <p:sp>
-        <p:nvSpPr>
-          <p:cNvPr id="5" name="コンテンツ プレースホルダー 4">
-            <a:extLst>
-              <a:ext uri="{FF2B5EF4-FFF2-40B4-BE49-F238E27FC236}">
-                <a16:creationId xmlns:a16="http://schemas.microsoft.com/office/drawing/2014/main" id="{F2047DB9-0999-9654-5DBA-6FC3AA9B4B04}"/>
-              </a:ext>
-            </a:extLst>
-          </p:cNvPr>
-          <p:cNvSpPr>
-            <a:spLocks noGrp="1"/>
-          </p:cNvSpPr>
-          <p:nvPr>
-            <p:ph idx="1"/>
-          </p:nvPr>
-        </p:nvSpPr>
-        <p:spPr/>
-        <p:txBody>
-          <a:bodyPr>
-            <a:normAutofit/>
-          </a:bodyPr>
-          <a:lstStyle/>
-          <a:p>
-            <a:pPr marL="0" indent="0">
-              <a:buNone/>
-            </a:pPr>
-            <a:r>
-              <a:rPr lang="en-US" altLang="ja-JP" sz="4000" b="1" dirty="0"/>
-              <a:t>machine-coder</a:t>
-            </a:r>
-            <a:r>
-              <a:rPr lang="ja-JP" altLang="en-US" sz="4000" b="1" dirty="0"/>
-              <a:t>のこれからについて</a:t>
-            </a:r>
-            <a:endParaRPr lang="en-US" altLang="ja-JP" sz="4000" b="1" dirty="0"/>
-          </a:p>
-          <a:p>
-            <a:pPr marL="0" indent="0">
-              <a:buNone/>
-            </a:pPr>
-            <a:r>
-              <a:rPr lang="ja-JP" altLang="en-US" dirty="0"/>
-              <a:t>活動内容：そのまま</a:t>
-            </a:r>
-            <a:endParaRPr lang="en-US" altLang="ja-JP" dirty="0"/>
-          </a:p>
-          <a:p>
-            <a:pPr marL="0" indent="0">
-              <a:buNone/>
-            </a:pPr>
-            <a:r>
-              <a:rPr lang="en-US" altLang="ja-JP" dirty="0"/>
-              <a:t>	</a:t>
-            </a:r>
-            <a:r>
-              <a:rPr lang="ja-JP" altLang="en-US" dirty="0"/>
-              <a:t>学期中は</a:t>
-            </a:r>
-            <a:r>
-              <a:rPr lang="en-US" altLang="ja-JP" dirty="0"/>
-              <a:t>Kaggle</a:t>
-            </a:r>
-            <a:r>
-              <a:rPr lang="ja-JP" altLang="en-US" dirty="0"/>
-              <a:t>のデータセットを利用した分析</a:t>
-            </a:r>
-            <a:endParaRPr lang="en-US" altLang="ja-JP" dirty="0"/>
-          </a:p>
-          <a:p>
-            <a:pPr marL="0" indent="0">
-              <a:buNone/>
-            </a:pPr>
-            <a:r>
-              <a:rPr lang="en-US" altLang="ja-JP" dirty="0"/>
-              <a:t>	</a:t>
-            </a:r>
-            <a:r>
-              <a:rPr lang="ja-JP" altLang="en-US" dirty="0"/>
-              <a:t>長期休みは様々なモデルを利用した実装活動</a:t>
-            </a:r>
-            <a:endParaRPr lang="en-US" altLang="ja-JP" dirty="0"/>
-          </a:p>
-          <a:p>
-            <a:pPr marL="0" indent="0">
-              <a:buNone/>
-            </a:pPr>
-            <a:r>
-              <a:rPr lang="ja-JP" altLang="en-US" dirty="0"/>
-              <a:t>活動開始：</a:t>
-            </a:r>
-            <a:r>
-              <a:rPr lang="en-US" altLang="ja-JP" dirty="0"/>
-              <a:t>4/24~. </a:t>
-            </a:r>
-            <a:r>
-              <a:rPr lang="ja-JP" altLang="en-US" dirty="0"/>
-              <a:t>それまでは定例会後に学期内の活動を決める</a:t>
-            </a:r>
-            <a:endParaRPr lang="en-US" altLang="ja-JP" dirty="0"/>
-          </a:p>
-          <a:p>
-            <a:pPr marL="0" indent="0">
-              <a:buNone/>
-            </a:pPr>
-            <a:r>
-              <a:rPr lang="ja-JP" altLang="en-US" dirty="0"/>
-              <a:t>活動日数：増加</a:t>
-            </a:r>
-            <a:endParaRPr lang="en-US" altLang="ja-JP" dirty="0"/>
-          </a:p>
-          <a:p>
-            <a:pPr marL="0" indent="0">
-              <a:buNone/>
-            </a:pPr>
-            <a:r>
-              <a:rPr lang="en-US" altLang="ja-JP" dirty="0"/>
-              <a:t>	</a:t>
-            </a:r>
-            <a:r>
-              <a:rPr lang="ja-JP" altLang="en-US" dirty="0"/>
-              <a:t>これまで週</a:t>
-            </a:r>
-            <a:r>
-              <a:rPr lang="en-US" altLang="ja-JP" dirty="0"/>
-              <a:t>1</a:t>
-            </a:r>
-            <a:r>
-              <a:rPr lang="ja-JP" altLang="en-US" dirty="0"/>
-              <a:t>だったものを、任意参加で１日増やし実装会</a:t>
-            </a:r>
-            <a:endParaRPr lang="en-US" altLang="ja-JP" dirty="0"/>
-          </a:p>
-          <a:p>
-            <a:pPr marL="0" indent="0">
-              <a:buNone/>
-            </a:pPr>
-            <a:r>
-              <a:rPr lang="en-US" altLang="ja-JP" dirty="0"/>
-              <a:t>	</a:t>
-            </a:r>
-            <a:r>
-              <a:rPr lang="ja-JP" altLang="en-US" dirty="0"/>
-              <a:t>を設けることにする</a:t>
-            </a:r>
-            <a:endParaRPr lang="en-US" altLang="ja-JP" dirty="0"/>
-          </a:p>
-        </p:txBody>
-      </p:sp>
-    </p:spTree>
-    <p:extLst>
-      <p:ext uri="{BB962C8B-B14F-4D97-AF65-F5344CB8AC3E}">
-        <p14:creationId xmlns:p14="http://schemas.microsoft.com/office/powerpoint/2010/main" val="3755795154"/>
-      </p:ext>
-    </p:extLst>
-  </p:cSld>
-  <p:clrMapOvr>
-    <a:masterClrMapping/>
-  </p:clrMapOvr>
-</p:sld>
-</file>
-
-<file path=ppt/slides/slide9.xml><?xml version="1.0" encoding="utf-8"?>
-<p:sld xmlns:a="http://schemas.openxmlformats.org/drawingml/2006/main" xmlns:r="http://schemas.openxmlformats.org/officeDocument/2006/relationships" xmlns:p="http://schemas.openxmlformats.org/presentationml/2006/main">
-  <p:cSld>
-    <p:spTree>
-      <p:nvGrpSpPr>
-        <p:cNvPr id="1" name=""/>
-        <p:cNvGrpSpPr/>
-        <p:nvPr/>
-      </p:nvGrpSpPr>
-      <p:grpSpPr>
-        <a:xfrm>
-          <a:off x="0" y="0"/>
-          <a:ext cx="0" cy="0"/>
-          <a:chOff x="0" y="0"/>
-          <a:chExt cx="0" cy="0"/>
-        </a:xfrm>
-      </p:grpSpPr>
-      <p:sp>
-        <p:nvSpPr>
-          <p:cNvPr id="2" name="タイトル 1">
-            <a:extLst>
-              <a:ext uri="{FF2B5EF4-FFF2-40B4-BE49-F238E27FC236}">
-                <a16:creationId xmlns:a16="http://schemas.microsoft.com/office/drawing/2014/main" id="{E8CBF806-088F-A02A-5C6F-73EFDB6EAFC5}"/>
-              </a:ext>
-            </a:extLst>
-          </p:cNvPr>
-          <p:cNvSpPr>
-            <a:spLocks noGrp="1"/>
-          </p:cNvSpPr>
-          <p:nvPr>
-            <p:ph type="title"/>
-          </p:nvPr>
-        </p:nvSpPr>
-        <p:spPr/>
-        <p:txBody>
-          <a:bodyPr/>
-          <a:lstStyle/>
-          <a:p>
-            <a:r>
-              <a:rPr kumimoji="1" lang="en-US" altLang="ja-JP" sz="4400" b="1" dirty="0">
-                <a:solidFill>
-                  <a:schemeClr val="bg1"/>
-                </a:solidFill>
-              </a:rPr>
-              <a:t>2 . </a:t>
-            </a:r>
-            <a:r>
-              <a:rPr kumimoji="1" lang="ja-JP" altLang="en-US" sz="4400" b="1" dirty="0">
-                <a:solidFill>
-                  <a:schemeClr val="bg1"/>
-                </a:solidFill>
-              </a:rPr>
-              <a:t>連絡事項</a:t>
-            </a:r>
-            <a:endParaRPr kumimoji="1" lang="ja-JP" altLang="en-US" dirty="0"/>
-          </a:p>
-        </p:txBody>
-      </p:sp>
-      <p:sp>
-        <p:nvSpPr>
-          <p:cNvPr id="5" name="コンテンツ プレースホルダー 4">
-            <a:extLst>
-              <a:ext uri="{FF2B5EF4-FFF2-40B4-BE49-F238E27FC236}">
-                <a16:creationId xmlns:a16="http://schemas.microsoft.com/office/drawing/2014/main" id="{F2047DB9-0999-9654-5DBA-6FC3AA9B4B04}"/>
-              </a:ext>
-            </a:extLst>
-          </p:cNvPr>
-          <p:cNvSpPr>
-            <a:spLocks noGrp="1"/>
-          </p:cNvSpPr>
-          <p:nvPr>
-            <p:ph idx="1"/>
-          </p:nvPr>
-        </p:nvSpPr>
-        <p:spPr/>
-        <p:txBody>
-          <a:bodyPr>
-            <a:normAutofit/>
-          </a:bodyPr>
-          <a:lstStyle/>
-          <a:p>
-            <a:pPr marL="0" indent="0">
-              <a:buNone/>
-            </a:pPr>
-            <a:r>
-              <a:rPr lang="en-US" altLang="ja-JP" sz="4000" b="1" dirty="0"/>
-              <a:t>machine-coder</a:t>
-            </a:r>
-            <a:r>
-              <a:rPr lang="ja-JP" altLang="en-US" sz="4000" b="1" dirty="0"/>
-              <a:t>に向けた勉強会の設置</a:t>
-            </a:r>
-            <a:endParaRPr lang="en-US" altLang="ja-JP" dirty="0"/>
-          </a:p>
-          <a:p>
-            <a:pPr marL="0" indent="0">
-              <a:buNone/>
-            </a:pPr>
-            <a:r>
-              <a:rPr lang="en-US" altLang="ja-JP" dirty="0"/>
-              <a:t>Machine-coder</a:t>
-            </a:r>
-            <a:r>
-              <a:rPr lang="ja-JP" altLang="en-US"/>
-              <a:t>開始時期に合わせてスタートさせます</a:t>
-            </a:r>
-            <a:endParaRPr lang="en-US" altLang="ja-JP"/>
-          </a:p>
-          <a:p>
-            <a:pPr marL="0" indent="0">
-              <a:buNone/>
-            </a:pPr>
-            <a:r>
-              <a:rPr lang="ja-JP" altLang="en-US" dirty="0"/>
-              <a:t>プログラミング勉強会：岡山担当</a:t>
-            </a:r>
-            <a:endParaRPr lang="en-US" altLang="ja-JP" dirty="0"/>
-          </a:p>
-          <a:p>
-            <a:pPr marL="0" indent="0">
-              <a:buNone/>
-            </a:pPr>
-            <a:r>
-              <a:rPr lang="ja-JP" altLang="en-US" dirty="0"/>
-              <a:t>統計モデリング勉強会：河内担当</a:t>
-            </a:r>
-            <a:endParaRPr lang="en-US" altLang="ja-JP" dirty="0"/>
-          </a:p>
-          <a:p>
-            <a:pPr marL="0" indent="0">
-              <a:buNone/>
-            </a:pPr>
-            <a:r>
-              <a:rPr lang="ja-JP" altLang="en-US" dirty="0"/>
-              <a:t>深層学習勉強会：香山担当</a:t>
-            </a:r>
-          </a:p>
-        </p:txBody>
-      </p:sp>
-      <p:pic>
-        <p:nvPicPr>
-          <p:cNvPr id="4" name="図 3">
-            <a:extLst>
-              <a:ext uri="{FF2B5EF4-FFF2-40B4-BE49-F238E27FC236}">
-                <a16:creationId xmlns:a16="http://schemas.microsoft.com/office/drawing/2014/main" id="{3801AD59-708D-97F8-715B-2BE31F635A81}"/>
-              </a:ext>
-            </a:extLst>
-          </p:cNvPr>
-          <p:cNvPicPr>
-            <a:picLocks noChangeAspect="1"/>
-          </p:cNvPicPr>
-          <p:nvPr/>
-        </p:nvPicPr>
-        <p:blipFill rotWithShape="1">
-          <a:blip r:embed="rId2"/>
-          <a:srcRect l="1755" t="4152" r="3127" b="5411"/>
-          <a:stretch/>
-        </p:blipFill>
-        <p:spPr>
-          <a:xfrm>
-            <a:off x="5462452" y="4202519"/>
-            <a:ext cx="6487887" cy="2412276"/>
-          </a:xfrm>
-          <a:prstGeom prst="rect">
-            <a:avLst/>
-          </a:prstGeom>
-        </p:spPr>
-      </p:pic>
-    </p:spTree>
-    <p:extLst>
-      <p:ext uri="{BB962C8B-B14F-4D97-AF65-F5344CB8AC3E}">
-        <p14:creationId xmlns:p14="http://schemas.microsoft.com/office/powerpoint/2010/main" val="2858706052"/>
-      </p:ext>
-    </p:extLst>
   </p:cSld>
   <p:clrMapOvr>
     <a:masterClrMapping/>
@@ -6470,267 +4346,6 @@
 </file>
 
 <file path=ppt/theme/theme1.xml><?xml version="1.0" encoding="utf-8"?>
-<a:theme xmlns:a="http://schemas.openxmlformats.org/drawingml/2006/main" name="Office テーマ">
-  <a:themeElements>
-    <a:clrScheme name="Office">
-      <a:dk1>
-        <a:sysClr val="windowText" lastClr="000000"/>
-      </a:dk1>
-      <a:lt1>
-        <a:sysClr val="window" lastClr="FFFFFF"/>
-      </a:lt1>
-      <a:dk2>
-        <a:srgbClr val="44546A"/>
-      </a:dk2>
-      <a:lt2>
-        <a:srgbClr val="E7E6E6"/>
-      </a:lt2>
-      <a:accent1>
-        <a:srgbClr val="4472C4"/>
-      </a:accent1>
-      <a:accent2>
-        <a:srgbClr val="ED7D31"/>
-      </a:accent2>
-      <a:accent3>
-        <a:srgbClr val="A5A5A5"/>
-      </a:accent3>
-      <a:accent4>
-        <a:srgbClr val="FFC000"/>
-      </a:accent4>
-      <a:accent5>
-        <a:srgbClr val="5B9BD5"/>
-      </a:accent5>
-      <a:accent6>
-        <a:srgbClr val="70AD47"/>
-      </a:accent6>
-      <a:hlink>
-        <a:srgbClr val="0563C1"/>
-      </a:hlink>
-      <a:folHlink>
-        <a:srgbClr val="954F72"/>
-      </a:folHlink>
-    </a:clrScheme>
-    <a:fontScheme name="Calibri">
-      <a:majorFont>
-        <a:latin typeface="Calibri" panose="020F0502020204030204"/>
-        <a:ea typeface=""/>
-        <a:cs typeface=""/>
-        <a:font script="Jpan" typeface="メイリオ"/>
-        <a:font script="Hang" typeface="맑은 고딕"/>
-        <a:font script="Hans" typeface="宋体"/>
-        <a:font script="Hant" typeface="新細明體"/>
-        <a:font script="Arab" typeface="Arial"/>
-        <a:font script="Hebr" typeface="Arial"/>
-        <a:font script="Thai" typeface="Cordia New"/>
-        <a:font script="Ethi" typeface="Nyala"/>
-        <a:font script="Beng" typeface="Vrinda"/>
-        <a:font script="Gujr" typeface="Shruti"/>
-        <a:font script="Khmr" typeface="DaunPenh"/>
-        <a:font script="Knda" typeface="Tunga"/>
-        <a:font script="Guru" typeface="Raavi"/>
-        <a:font script="Cans" typeface="Euphemia"/>
-        <a:font script="Cher" typeface="Plantagenet Cherokee"/>
-        <a:font script="Yiii" typeface="Microsoft Yi Baiti"/>
-        <a:font script="Tibt" typeface="Microsoft Himalaya"/>
-        <a:font script="Thaa" typeface="MV Boli"/>
-        <a:font script="Deva" typeface="Mangal"/>
-        <a:font script="Telu" typeface="Gautami"/>
-        <a:font script="Taml" typeface="Latha"/>
-        <a:font script="Syrc" typeface="Estrangelo Edessa"/>
-        <a:font script="Orya" typeface="Kalinga"/>
-        <a:font script="Mlym" typeface="Kartika"/>
-        <a:font script="Laoo" typeface="DokChampa"/>
-        <a:font script="Sinh" typeface="Iskoola Pota"/>
-        <a:font script="Mong" typeface="Mongolian Baiti"/>
-        <a:font script="Viet" typeface="Tahoma"/>
-        <a:font script="Uigh" typeface="Microsoft Uighur"/>
-        <a:font script="Geor" typeface="Sylfaen"/>
-      </a:majorFont>
-      <a:minorFont>
-        <a:latin typeface="Calibri" panose="020F0502020204030204"/>
-        <a:ea typeface=""/>
-        <a:cs typeface=""/>
-        <a:font script="Jpan" typeface="メイリオ"/>
-        <a:font script="Hang" typeface="맑은 고딕"/>
-        <a:font script="Hans" typeface="宋体"/>
-        <a:font script="Hant" typeface="新細明體"/>
-        <a:font script="Arab" typeface="Arial"/>
-        <a:font script="Hebr" typeface="Arial"/>
-        <a:font script="Thai" typeface="Cordia New"/>
-        <a:font script="Ethi" typeface="Nyala"/>
-        <a:font script="Beng" typeface="Vrinda"/>
-        <a:font script="Gujr" typeface="Shruti"/>
-        <a:font script="Khmr" typeface="DaunPenh"/>
-        <a:font script="Knda" typeface="Tunga"/>
-        <a:font script="Guru" typeface="Raavi"/>
-        <a:font script="Cans" typeface="Euphemia"/>
-        <a:font script="Cher" typeface="Plantagenet Cherokee"/>
-        <a:font script="Yiii" typeface="Microsoft Yi Baiti"/>
-        <a:font script="Tibt" typeface="Microsoft Himalaya"/>
-        <a:font script="Thaa" typeface="MV Boli"/>
-        <a:font script="Deva" typeface="Mangal"/>
-        <a:font script="Telu" typeface="Gautami"/>
-        <a:font script="Taml" typeface="Latha"/>
-        <a:font script="Syrc" typeface="Estrangelo Edessa"/>
-        <a:font script="Orya" typeface="Kalinga"/>
-        <a:font script="Mlym" typeface="Kartika"/>
-        <a:font script="Laoo" typeface="DokChampa"/>
-        <a:font script="Sinh" typeface="Iskoola Pota"/>
-        <a:font script="Mong" typeface="Mongolian Baiti"/>
-        <a:font script="Viet" typeface="Tahoma"/>
-        <a:font script="Uigh" typeface="Microsoft Uighur"/>
-        <a:font script="Geor" typeface="Sylfaen"/>
-      </a:minorFont>
-    </a:fontScheme>
-    <a:fmtScheme name="Office">
-      <a:fillStyleLst>
-        <a:solidFill>
-          <a:schemeClr val="phClr"/>
-        </a:solidFill>
-        <a:gradFill rotWithShape="1">
-          <a:gsLst>
-            <a:gs pos="0">
-              <a:schemeClr val="phClr">
-                <a:lumMod val="110000"/>
-                <a:satMod val="105000"/>
-                <a:tint val="67000"/>
-              </a:schemeClr>
-            </a:gs>
-            <a:gs pos="50000">
-              <a:schemeClr val="phClr">
-                <a:lumMod val="105000"/>
-                <a:satMod val="103000"/>
-                <a:tint val="73000"/>
-              </a:schemeClr>
-            </a:gs>
-            <a:gs pos="100000">
-              <a:schemeClr val="phClr">
-                <a:lumMod val="105000"/>
-                <a:satMod val="109000"/>
-                <a:tint val="81000"/>
-              </a:schemeClr>
-            </a:gs>
-          </a:gsLst>
-          <a:lin ang="5400000" scaled="0"/>
-        </a:gradFill>
-        <a:gradFill rotWithShape="1">
-          <a:gsLst>
-            <a:gs pos="0">
-              <a:schemeClr val="phClr">
-                <a:satMod val="103000"/>
-                <a:lumMod val="102000"/>
-                <a:tint val="94000"/>
-              </a:schemeClr>
-            </a:gs>
-            <a:gs pos="50000">
-              <a:schemeClr val="phClr">
-                <a:satMod val="110000"/>
-                <a:lumMod val="100000"/>
-                <a:shade val="100000"/>
-              </a:schemeClr>
-            </a:gs>
-            <a:gs pos="100000">
-              <a:schemeClr val="phClr">
-                <a:lumMod val="99000"/>
-                <a:satMod val="120000"/>
-                <a:shade val="78000"/>
-              </a:schemeClr>
-            </a:gs>
-          </a:gsLst>
-          <a:lin ang="5400000" scaled="0"/>
-        </a:gradFill>
-      </a:fillStyleLst>
-      <a:lnStyleLst>
-        <a:ln w="6350" cap="flat" cmpd="sng" algn="ctr">
-          <a:solidFill>
-            <a:schemeClr val="phClr"/>
-          </a:solidFill>
-          <a:prstDash val="solid"/>
-          <a:miter lim="800000"/>
-        </a:ln>
-        <a:ln w="12700" cap="flat" cmpd="sng" algn="ctr">
-          <a:solidFill>
-            <a:schemeClr val="phClr"/>
-          </a:solidFill>
-          <a:prstDash val="solid"/>
-          <a:miter lim="800000"/>
-        </a:ln>
-        <a:ln w="19050" cap="flat" cmpd="sng" algn="ctr">
-          <a:solidFill>
-            <a:schemeClr val="phClr"/>
-          </a:solidFill>
-          <a:prstDash val="solid"/>
-          <a:miter lim="800000"/>
-        </a:ln>
-      </a:lnStyleLst>
-      <a:effectStyleLst>
-        <a:effectStyle>
-          <a:effectLst/>
-        </a:effectStyle>
-        <a:effectStyle>
-          <a:effectLst/>
-        </a:effectStyle>
-        <a:effectStyle>
-          <a:effectLst>
-            <a:outerShdw blurRad="57150" dist="19050" dir="5400000" algn="ctr" rotWithShape="0">
-              <a:srgbClr val="000000">
-                <a:alpha val="63000"/>
-              </a:srgbClr>
-            </a:outerShdw>
-          </a:effectLst>
-        </a:effectStyle>
-      </a:effectStyleLst>
-      <a:bgFillStyleLst>
-        <a:solidFill>
-          <a:schemeClr val="phClr"/>
-        </a:solidFill>
-        <a:solidFill>
-          <a:schemeClr val="phClr">
-            <a:tint val="95000"/>
-            <a:satMod val="170000"/>
-          </a:schemeClr>
-        </a:solidFill>
-        <a:gradFill rotWithShape="1">
-          <a:gsLst>
-            <a:gs pos="0">
-              <a:schemeClr val="phClr">
-                <a:tint val="93000"/>
-                <a:satMod val="150000"/>
-                <a:shade val="98000"/>
-                <a:lumMod val="102000"/>
-              </a:schemeClr>
-            </a:gs>
-            <a:gs pos="50000">
-              <a:schemeClr val="phClr">
-                <a:tint val="98000"/>
-                <a:satMod val="130000"/>
-                <a:shade val="90000"/>
-                <a:lumMod val="103000"/>
-              </a:schemeClr>
-            </a:gs>
-            <a:gs pos="100000">
-              <a:schemeClr val="phClr">
-                <a:shade val="63000"/>
-                <a:satMod val="120000"/>
-              </a:schemeClr>
-            </a:gs>
-          </a:gsLst>
-          <a:lin ang="5400000" scaled="0"/>
-        </a:gradFill>
-      </a:bgFillStyleLst>
-    </a:fmtScheme>
-  </a:themeElements>
-  <a:objectDefaults/>
-  <a:extraClrSchemeLst/>
-  <a:extLst>
-    <a:ext uri="{05A4C25C-085E-4340-85A3-A5531E510DB2}">
-      <thm15:themeFamily xmlns:thm15="http://schemas.microsoft.com/office/thememl/2012/main" name="Office Theme" id="{62F939B6-93AF-4DB8-9C6B-D6C7DFDC589F}" vid="{4A3C46E8-61CC-4603-A589-7422A47A8E4A}"/>
-    </a:ext>
-  </a:extLst>
-</a:theme>
-</file>
-
-<file path=ppt/theme/theme2.xml><?xml version="1.0" encoding="utf-8"?>
 <a:theme xmlns:a="http://schemas.openxmlformats.org/drawingml/2006/main" name="Office テーマ">
   <a:themeElements>
     <a:clrScheme name="Office">

--- a/backend/outputs/output.pptx
+++ b/backend/outputs/output.pptx
@@ -8,6 +8,7 @@
     <p:sldId id="256" r:id="rId2"/>
     <p:sldId id="257" r:id="rId3"/>
     <p:sldId id="258" r:id="rId8"/>
+    <p:sldId id="259" r:id="rId9"/>
   </p:sldIdLst>
   <p:sldSz cx="12192000" cy="6858000"/>
   <p:notesSz cx="6858000" cy="9144000"/>
@@ -4345,6 +4346,149 @@
 </p:sld>
 </file>
 
+<file path=ppt/slides/slide4.xml><?xml version="1.0" encoding="utf-8"?>
+<p:sld xmlns:a="http://schemas.openxmlformats.org/drawingml/2006/main" xmlns:p="http://schemas.openxmlformats.org/presentationml/2006/main" xmlns:r="http://schemas.openxmlformats.org/officeDocument/2006/relationships">
+  <p:cSld>
+    <p:spTree>
+      <p:nvGrpSpPr>
+        <p:cNvPr id="1" name=""/>
+        <p:cNvGrpSpPr/>
+        <p:nvPr/>
+      </p:nvGrpSpPr>
+      <p:grpSpPr/>
+      <p:sp>
+        <p:nvSpPr>
+          <p:cNvPr id="2" name="Rectangle 1"/>
+          <p:cNvSpPr/>
+          <p:nvPr/>
+        </p:nvSpPr>
+        <p:spPr>
+          <a:xfrm>
+            <a:off x="0" y="0"/>
+            <a:ext cx="12193200" cy="1324800"/>
+          </a:xfrm>
+          <a:prstGeom prst="rect">
+            <a:avLst/>
+          </a:prstGeom>
+          <a:solidFill>
+            <a:srgbClr val="4472C4"/>
+          </a:solidFill>
+        </p:spPr>
+        <p:style>
+          <a:lnRef idx="1">
+            <a:schemeClr val="accent1"/>
+          </a:lnRef>
+          <a:fillRef idx="3">
+            <a:schemeClr val="accent1"/>
+          </a:fillRef>
+          <a:effectRef idx="2">
+            <a:schemeClr val="accent1"/>
+          </a:effectRef>
+          <a:fontRef idx="minor">
+            <a:schemeClr val="lt1"/>
+          </a:fontRef>
+        </p:style>
+        <p:txBody>
+          <a:bodyPr rtlCol="0" anchor="ctr"/>
+          <a:lstStyle/>
+          <a:p>
+            <a:pPr algn="ctr"/>
+          </a:p>
+        </p:txBody>
+      </p:sp>
+      <p:sp>
+        <p:nvSpPr>
+          <p:cNvPr id="3" name="TextBox 2"/>
+          <p:cNvSpPr txBox="1"/>
+          <p:nvPr/>
+        </p:nvSpPr>
+        <p:spPr>
+          <a:xfrm>
+            <a:off x="320400" y="288000"/>
+            <a:ext cx="10515600" cy="1324800"/>
+          </a:xfrm>
+          <a:prstGeom prst="rect">
+            <a:avLst/>
+          </a:prstGeom>
+          <a:noFill/>
+        </p:spPr>
+        <p:txBody>
+          <a:bodyPr wrap="none">
+            <a:spAutoFit/>
+          </a:bodyPr>
+          <a:lstStyle/>
+          <a:p>
+            <a:pPr>
+              <a:defRPr sz="6000" b="1">
+                <a:solidFill>
+                  <a:srgbClr val="FFFFFF"/>
+                </a:solidFill>
+                <a:latin typeface="メイリオ"/>
+              </a:defRPr>
+            </a:pPr>
+            <a:r>
+              <a:t>set_typeが正常に実行</a:t>
+            </a:r>
+          </a:p>
+        </p:txBody>
+      </p:sp>
+      <p:sp>
+        <p:nvSpPr>
+          <p:cNvPr id="4" name="TextBox 3"/>
+          <p:cNvSpPr txBox="1"/>
+          <p:nvPr/>
+        </p:nvSpPr>
+        <p:spPr>
+          <a:xfrm>
+            <a:off x="838800" y="1825200"/>
+            <a:ext cx="10515600" cy="4352400"/>
+          </a:xfrm>
+          <a:prstGeom prst="rect">
+            <a:avLst/>
+          </a:prstGeom>
+          <a:noFill/>
+        </p:spPr>
+        <p:txBody>
+          <a:bodyPr wrap="square">
+            <a:spAutoFit/>
+          </a:bodyPr>
+          <a:lstStyle/>
+          <a:p>
+            <a:pPr>
+              <a:defRPr sz="4400" b="1">
+                <a:solidFill>
+                  <a:srgbClr val="404040"/>
+                </a:solidFill>
+                <a:latin typeface="メイリオ"/>
+              </a:defRPr>
+            </a:pPr>
+            <a:r>
+              <a:t>set_contentが正常に実行</a:t>
+            </a:r>
+          </a:p>
+          <a:p>
+            <a:pPr>
+              <a:defRPr sz="3000">
+                <a:solidFill>
+                  <a:srgbClr val="404040"/>
+                </a:solidFill>
+                <a:latin typeface="メイリオ"/>
+              </a:defRPr>
+            </a:pPr>
+            <a:r>
+              <a:t>set_contentが正常に実行set_contentが正常に実行set_contentが正常に実行set_contentが正常に実行set_contentが正常に実行set_contentが正常に実行</a:t>
+            </a:r>
+          </a:p>
+        </p:txBody>
+      </p:sp>
+    </p:spTree>
+  </p:cSld>
+  <p:clrMapOvr>
+    <a:masterClrMapping/>
+  </p:clrMapOvr>
+</p:sld>
+</file>
+
 <file path=ppt/theme/theme1.xml><?xml version="1.0" encoding="utf-8"?>
 <a:theme xmlns:a="http://schemas.openxmlformats.org/drawingml/2006/main" name="Office テーマ">
   <a:themeElements>

--- a/backend/outputs/output.pptx
+++ b/backend/outputs/output.pptx
@@ -1,23 +1,22 @@
 
 <file path=ppt/presentation.xml><?xml version="1.0" encoding="utf-8"?>
-<p:presentation xmlns:a="http://schemas.openxmlformats.org/drawingml/2006/main" xmlns:r="http://schemas.openxmlformats.org/officeDocument/2006/relationships" xmlns:p="http://schemas.openxmlformats.org/presentationml/2006/main" saveSubsetFonts="1">
+<p:presentation xmlns:a="http://schemas.openxmlformats.org/drawingml/2006/main" xmlns:r="http://schemas.openxmlformats.org/officeDocument/2006/relationships" xmlns:p="http://schemas.openxmlformats.org/presentationml/2006/main" saveSubsetFonts="1" autoCompressPictures="0">
   <p:sldMasterIdLst>
     <p:sldMasterId id="2147483648" r:id="rId1"/>
   </p:sldMasterIdLst>
   <p:sldIdLst>
-    <p:sldId id="256" r:id="rId2"/>
-    <p:sldId id="257" r:id="rId3"/>
-    <p:sldId id="258" r:id="rId8"/>
-    <p:sldId id="259" r:id="rId9"/>
+    <p:sldId id="256" r:id="rId7"/>
+    <p:sldId id="257" r:id="rId8"/>
+    <p:sldId id="258" r:id="rId9"/>
   </p:sldIdLst>
-  <p:sldSz cx="12192000" cy="6858000"/>
+  <p:sldSz cx="12192000" cy="6858000" type="screen4x3"/>
   <p:notesSz cx="6858000" cy="9144000"/>
   <p:defaultTextStyle>
     <a:defPPr>
-      <a:defRPr lang="ja-JP"/>
+      <a:defRPr lang="en-US"/>
     </a:defPPr>
-    <a:lvl1pPr marL="0" algn="l" defTabSz="914400" rtl="0" eaLnBrk="1" latinLnBrk="0" hangingPunct="1">
-      <a:defRPr kumimoji="1" sz="1800" kern="1200">
+    <a:lvl1pPr marL="0" algn="l" defTabSz="457200" rtl="0" eaLnBrk="1" latinLnBrk="0" hangingPunct="1">
+      <a:defRPr sz="1800" kern="1200">
         <a:solidFill>
           <a:schemeClr val="tx1"/>
         </a:solidFill>
@@ -26,8 +25,8 @@
         <a:cs typeface="+mn-cs"/>
       </a:defRPr>
     </a:lvl1pPr>
-    <a:lvl2pPr marL="457200" algn="l" defTabSz="914400" rtl="0" eaLnBrk="1" latinLnBrk="0" hangingPunct="1">
-      <a:defRPr kumimoji="1" sz="1800" kern="1200">
+    <a:lvl2pPr marL="457200" algn="l" defTabSz="457200" rtl="0" eaLnBrk="1" latinLnBrk="0" hangingPunct="1">
+      <a:defRPr sz="1800" kern="1200">
         <a:solidFill>
           <a:schemeClr val="tx1"/>
         </a:solidFill>
@@ -36,8 +35,8 @@
         <a:cs typeface="+mn-cs"/>
       </a:defRPr>
     </a:lvl2pPr>
-    <a:lvl3pPr marL="914400" algn="l" defTabSz="914400" rtl="0" eaLnBrk="1" latinLnBrk="0" hangingPunct="1">
-      <a:defRPr kumimoji="1" sz="1800" kern="1200">
+    <a:lvl3pPr marL="914400" algn="l" defTabSz="457200" rtl="0" eaLnBrk="1" latinLnBrk="0" hangingPunct="1">
+      <a:defRPr sz="1800" kern="1200">
         <a:solidFill>
           <a:schemeClr val="tx1"/>
         </a:solidFill>
@@ -46,8 +45,8 @@
         <a:cs typeface="+mn-cs"/>
       </a:defRPr>
     </a:lvl3pPr>
-    <a:lvl4pPr marL="1371600" algn="l" defTabSz="914400" rtl="0" eaLnBrk="1" latinLnBrk="0" hangingPunct="1">
-      <a:defRPr kumimoji="1" sz="1800" kern="1200">
+    <a:lvl4pPr marL="1371600" algn="l" defTabSz="457200" rtl="0" eaLnBrk="1" latinLnBrk="0" hangingPunct="1">
+      <a:defRPr sz="1800" kern="1200">
         <a:solidFill>
           <a:schemeClr val="tx1"/>
         </a:solidFill>
@@ -56,8 +55,8 @@
         <a:cs typeface="+mn-cs"/>
       </a:defRPr>
     </a:lvl4pPr>
-    <a:lvl5pPr marL="1828800" algn="l" defTabSz="914400" rtl="0" eaLnBrk="1" latinLnBrk="0" hangingPunct="1">
-      <a:defRPr kumimoji="1" sz="1800" kern="1200">
+    <a:lvl5pPr marL="1828800" algn="l" defTabSz="457200" rtl="0" eaLnBrk="1" latinLnBrk="0" hangingPunct="1">
+      <a:defRPr sz="1800" kern="1200">
         <a:solidFill>
           <a:schemeClr val="tx1"/>
         </a:solidFill>
@@ -66,8 +65,8 @@
         <a:cs typeface="+mn-cs"/>
       </a:defRPr>
     </a:lvl5pPr>
-    <a:lvl6pPr marL="2286000" algn="l" defTabSz="914400" rtl="0" eaLnBrk="1" latinLnBrk="0" hangingPunct="1">
-      <a:defRPr kumimoji="1" sz="1800" kern="1200">
+    <a:lvl6pPr marL="2286000" algn="l" defTabSz="457200" rtl="0" eaLnBrk="1" latinLnBrk="0" hangingPunct="1">
+      <a:defRPr sz="1800" kern="1200">
         <a:solidFill>
           <a:schemeClr val="tx1"/>
         </a:solidFill>
@@ -76,8 +75,8 @@
         <a:cs typeface="+mn-cs"/>
       </a:defRPr>
     </a:lvl6pPr>
-    <a:lvl7pPr marL="2743200" algn="l" defTabSz="914400" rtl="0" eaLnBrk="1" latinLnBrk="0" hangingPunct="1">
-      <a:defRPr kumimoji="1" sz="1800" kern="1200">
+    <a:lvl7pPr marL="2743200" algn="l" defTabSz="457200" rtl="0" eaLnBrk="1" latinLnBrk="0" hangingPunct="1">
+      <a:defRPr sz="1800" kern="1200">
         <a:solidFill>
           <a:schemeClr val="tx1"/>
         </a:solidFill>
@@ -86,8 +85,8 @@
         <a:cs typeface="+mn-cs"/>
       </a:defRPr>
     </a:lvl7pPr>
-    <a:lvl8pPr marL="3200400" algn="l" defTabSz="914400" rtl="0" eaLnBrk="1" latinLnBrk="0" hangingPunct="1">
-      <a:defRPr kumimoji="1" sz="1800" kern="1200">
+    <a:lvl8pPr marL="3200400" algn="l" defTabSz="457200" rtl="0" eaLnBrk="1" latinLnBrk="0" hangingPunct="1">
+      <a:defRPr sz="1800" kern="1200">
         <a:solidFill>
           <a:schemeClr val="tx1"/>
         </a:solidFill>
@@ -96,8 +95,8 @@
         <a:cs typeface="+mn-cs"/>
       </a:defRPr>
     </a:lvl8pPr>
-    <a:lvl9pPr marL="3657600" algn="l" defTabSz="914400" rtl="0" eaLnBrk="1" latinLnBrk="0" hangingPunct="1">
-      <a:defRPr kumimoji="1" sz="1800" kern="1200">
+    <a:lvl9pPr marL="3657600" algn="l" defTabSz="457200" rtl="0" eaLnBrk="1" latinLnBrk="0" hangingPunct="1">
+      <a:defRPr sz="1800" kern="1200">
         <a:solidFill>
           <a:schemeClr val="tx1"/>
         </a:solidFill>
@@ -107,17 +106,12 @@
       </a:defRPr>
     </a:lvl9pPr>
   </p:defaultTextStyle>
-  <p:extLst>
-    <p:ext uri="{EFAFB233-063F-42B5-8137-9DF3F51BA10A}">
-      <p15:sldGuideLst xmlns:p15="http://schemas.microsoft.com/office/powerpoint/2012/main"/>
-    </p:ext>
-  </p:extLst>
 </p:presentation>
 </file>
 
 <file path=ppt/slideLayouts/slideLayout1.xml><?xml version="1.0" encoding="utf-8"?>
 <p:sldLayout xmlns:a="http://schemas.openxmlformats.org/drawingml/2006/main" xmlns:r="http://schemas.openxmlformats.org/officeDocument/2006/relationships" xmlns:p="http://schemas.openxmlformats.org/presentationml/2006/main" type="title" preserve="1">
-  <p:cSld name="タイトル スライド">
+  <p:cSld name="Title Slide">
     <p:spTree>
       <p:nvGrpSpPr>
         <p:cNvPr id="1" name=""/>
@@ -134,13 +128,7 @@
       </p:grpSpPr>
       <p:sp>
         <p:nvSpPr>
-          <p:cNvPr id="2" name="タイトル 1">
-            <a:extLst>
-              <a:ext uri="{FF2B5EF4-FFF2-40B4-BE49-F238E27FC236}">
-                <a16:creationId xmlns:a16="http://schemas.microsoft.com/office/drawing/2014/main" id="{6FBF0581-1DE1-5ED8-A505-B03006936B6B}"/>
-              </a:ext>
-            </a:extLst>
-          </p:cNvPr>
+          <p:cNvPr id="2" name="Title 1"/>
           <p:cNvSpPr>
             <a:spLocks noGrp="1"/>
           </p:cNvSpPr>
@@ -150,34 +138,25 @@
         </p:nvSpPr>
         <p:spPr>
           <a:xfrm>
-            <a:off x="1524000" y="1122363"/>
-            <a:ext cx="9144000" cy="2387600"/>
+            <a:off x="685800" y="2130425"/>
+            <a:ext cx="7772400" cy="1470025"/>
           </a:xfrm>
         </p:spPr>
         <p:txBody>
-          <a:bodyPr anchor="b"/>
-          <a:lstStyle>
-            <a:lvl1pPr algn="ctr">
-              <a:defRPr sz="6000"/>
-            </a:lvl1pPr>
-          </a:lstStyle>
-          <a:p>
-            <a:r>
-              <a:rPr kumimoji="1" lang="ja-JP" altLang="en-US"/>
-              <a:t>マスター タイトルの書式設定</a:t>
-            </a:r>
-          </a:p>
-        </p:txBody>
-      </p:sp>
-      <p:sp>
-        <p:nvSpPr>
-          <p:cNvPr id="3" name="字幕 2">
-            <a:extLst>
-              <a:ext uri="{FF2B5EF4-FFF2-40B4-BE49-F238E27FC236}">
-                <a16:creationId xmlns:a16="http://schemas.microsoft.com/office/drawing/2014/main" id="{FAC9A360-8672-7CD1-3B60-3B39462C9149}"/>
-              </a:ext>
-            </a:extLst>
-          </p:cNvPr>
+          <a:bodyPr/>
+          <a:lstStyle/>
+          <a:p>
+            <a:r>
+              <a:rPr lang="en-US" smtClean="0"/>
+              <a:t>Click to edit Master title style</a:t>
+            </a:r>
+            <a:endParaRPr lang="en-US"/>
+          </a:p>
+        </p:txBody>
+      </p:sp>
+      <p:sp>
+        <p:nvSpPr>
+          <p:cNvPr id="3" name="Subtitle 2"/>
           <p:cNvSpPr>
             <a:spLocks noGrp="1"/>
           </p:cNvSpPr>
@@ -187,8 +166,8 @@
         </p:nvSpPr>
         <p:spPr>
           <a:xfrm>
-            <a:off x="1524000" y="3602038"/>
-            <a:ext cx="9144000" cy="1655762"/>
+            <a:off x="1371600" y="3886200"/>
+            <a:ext cx="6400800" cy="1752600"/>
           </a:xfrm>
         </p:spPr>
         <p:txBody>
@@ -196,58 +175,107 @@
           <a:lstStyle>
             <a:lvl1pPr marL="0" indent="0" algn="ctr">
               <a:buNone/>
-              <a:defRPr sz="2400"/>
+              <a:defRPr>
+                <a:solidFill>
+                  <a:schemeClr val="tx1">
+                    <a:tint val="75000"/>
+                  </a:schemeClr>
+                </a:solidFill>
+              </a:defRPr>
             </a:lvl1pPr>
             <a:lvl2pPr marL="457200" indent="0" algn="ctr">
               <a:buNone/>
-              <a:defRPr sz="2000"/>
+              <a:defRPr>
+                <a:solidFill>
+                  <a:schemeClr val="tx1">
+                    <a:tint val="75000"/>
+                  </a:schemeClr>
+                </a:solidFill>
+              </a:defRPr>
             </a:lvl2pPr>
             <a:lvl3pPr marL="914400" indent="0" algn="ctr">
               <a:buNone/>
-              <a:defRPr sz="1800"/>
+              <a:defRPr>
+                <a:solidFill>
+                  <a:schemeClr val="tx1">
+                    <a:tint val="75000"/>
+                  </a:schemeClr>
+                </a:solidFill>
+              </a:defRPr>
             </a:lvl3pPr>
             <a:lvl4pPr marL="1371600" indent="0" algn="ctr">
               <a:buNone/>
-              <a:defRPr sz="1600"/>
+              <a:defRPr>
+                <a:solidFill>
+                  <a:schemeClr val="tx1">
+                    <a:tint val="75000"/>
+                  </a:schemeClr>
+                </a:solidFill>
+              </a:defRPr>
             </a:lvl4pPr>
             <a:lvl5pPr marL="1828800" indent="0" algn="ctr">
               <a:buNone/>
-              <a:defRPr sz="1600"/>
+              <a:defRPr>
+                <a:solidFill>
+                  <a:schemeClr val="tx1">
+                    <a:tint val="75000"/>
+                  </a:schemeClr>
+                </a:solidFill>
+              </a:defRPr>
             </a:lvl5pPr>
             <a:lvl6pPr marL="2286000" indent="0" algn="ctr">
               <a:buNone/>
-              <a:defRPr sz="1600"/>
+              <a:defRPr>
+                <a:solidFill>
+                  <a:schemeClr val="tx1">
+                    <a:tint val="75000"/>
+                  </a:schemeClr>
+                </a:solidFill>
+              </a:defRPr>
             </a:lvl6pPr>
             <a:lvl7pPr marL="2743200" indent="0" algn="ctr">
               <a:buNone/>
-              <a:defRPr sz="1600"/>
+              <a:defRPr>
+                <a:solidFill>
+                  <a:schemeClr val="tx1">
+                    <a:tint val="75000"/>
+                  </a:schemeClr>
+                </a:solidFill>
+              </a:defRPr>
             </a:lvl7pPr>
             <a:lvl8pPr marL="3200400" indent="0" algn="ctr">
               <a:buNone/>
-              <a:defRPr sz="1600"/>
+              <a:defRPr>
+                <a:solidFill>
+                  <a:schemeClr val="tx1">
+                    <a:tint val="75000"/>
+                  </a:schemeClr>
+                </a:solidFill>
+              </a:defRPr>
             </a:lvl8pPr>
             <a:lvl9pPr marL="3657600" indent="0" algn="ctr">
               <a:buNone/>
-              <a:defRPr sz="1600"/>
+              <a:defRPr>
+                <a:solidFill>
+                  <a:schemeClr val="tx1">
+                    <a:tint val="75000"/>
+                  </a:schemeClr>
+                </a:solidFill>
+              </a:defRPr>
             </a:lvl9pPr>
           </a:lstStyle>
           <a:p>
             <a:r>
-              <a:rPr kumimoji="1" lang="ja-JP" altLang="en-US"/>
-              <a:t>マスター サブタイトルの書式設定</a:t>
-            </a:r>
-          </a:p>
-        </p:txBody>
-      </p:sp>
-      <p:sp>
-        <p:nvSpPr>
-          <p:cNvPr id="4" name="日付プレースホルダー 3">
-            <a:extLst>
-              <a:ext uri="{FF2B5EF4-FFF2-40B4-BE49-F238E27FC236}">
-                <a16:creationId xmlns:a16="http://schemas.microsoft.com/office/drawing/2014/main" id="{66A483AE-C0C5-29D8-3BFB-E204C8DABD0F}"/>
-              </a:ext>
-            </a:extLst>
-          </p:cNvPr>
+              <a:rPr lang="en-US" smtClean="0"/>
+              <a:t>Click to edit Master subtitle style</a:t>
+            </a:r>
+            <a:endParaRPr lang="en-US"/>
+          </a:p>
+        </p:txBody>
+      </p:sp>
+      <p:sp>
+        <p:nvSpPr>
+          <p:cNvPr id="4" name="Date Placeholder 3"/>
           <p:cNvSpPr>
             <a:spLocks noGrp="1"/>
           </p:cNvSpPr>
@@ -260,23 +288,17 @@
           <a:bodyPr/>
           <a:lstStyle/>
           <a:p>
-            <a:fld id="{690E477F-8790-4710-B968-AEEF74883170}" type="datetimeFigureOut">
-              <a:rPr kumimoji="1" lang="ja-JP" altLang="en-US" smtClean="0"/>
-              <a:t>2023/4/10</a:t>
+            <a:fld id="{5BCAD085-E8A6-8845-BD4E-CB4CCA059FC4}" type="datetimeFigureOut">
+              <a:rPr lang="en-US" smtClean="0"/>
+              <a:t>1/27/13</a:t>
             </a:fld>
-            <a:endParaRPr kumimoji="1" lang="ja-JP" altLang="en-US"/>
-          </a:p>
-        </p:txBody>
-      </p:sp>
-      <p:sp>
-        <p:nvSpPr>
-          <p:cNvPr id="5" name="フッター プレースホルダー 4">
-            <a:extLst>
-              <a:ext uri="{FF2B5EF4-FFF2-40B4-BE49-F238E27FC236}">
-                <a16:creationId xmlns:a16="http://schemas.microsoft.com/office/drawing/2014/main" id="{C03ED0F5-C1D6-9A30-B22E-23FEB4F5A9FC}"/>
-              </a:ext>
-            </a:extLst>
-          </p:cNvPr>
+            <a:endParaRPr lang="en-US"/>
+          </a:p>
+        </p:txBody>
+      </p:sp>
+      <p:sp>
+        <p:nvSpPr>
+          <p:cNvPr id="5" name="Footer Placeholder 4"/>
           <p:cNvSpPr>
             <a:spLocks noGrp="1"/>
           </p:cNvSpPr>
@@ -289,19 +311,13 @@
           <a:bodyPr/>
           <a:lstStyle/>
           <a:p>
-            <a:endParaRPr kumimoji="1" lang="ja-JP" altLang="en-US"/>
-          </a:p>
-        </p:txBody>
-      </p:sp>
-      <p:sp>
-        <p:nvSpPr>
-          <p:cNvPr id="6" name="スライド番号プレースホルダー 5">
-            <a:extLst>
-              <a:ext uri="{FF2B5EF4-FFF2-40B4-BE49-F238E27FC236}">
-                <a16:creationId xmlns:a16="http://schemas.microsoft.com/office/drawing/2014/main" id="{2E5046D4-72A8-5567-37E3-6478E4B6C718}"/>
-              </a:ext>
-            </a:extLst>
-          </p:cNvPr>
+            <a:endParaRPr lang="en-US"/>
+          </a:p>
+        </p:txBody>
+      </p:sp>
+      <p:sp>
+        <p:nvSpPr>
+          <p:cNvPr id="6" name="Slide Number Placeholder 5"/>
           <p:cNvSpPr>
             <a:spLocks noGrp="1"/>
           </p:cNvSpPr>
@@ -314,18 +330,18 @@
           <a:bodyPr/>
           <a:lstStyle/>
           <a:p>
-            <a:fld id="{6A52849B-4EC1-4B23-B151-A15F80D0261D}" type="slidenum">
-              <a:rPr kumimoji="1" lang="ja-JP" altLang="en-US" smtClean="0"/>
+            <a:fld id="{C1FF6DA9-008F-8B48-92A6-B652298478BF}" type="slidenum">
+              <a:rPr lang="en-US" smtClean="0"/>
               <a:t>‹#›</a:t>
             </a:fld>
-            <a:endParaRPr kumimoji="1" lang="ja-JP" altLang="en-US"/>
+            <a:endParaRPr lang="en-US"/>
           </a:p>
         </p:txBody>
       </p:sp>
     </p:spTree>
     <p:extLst>
       <p:ext uri="{BB962C8B-B14F-4D97-AF65-F5344CB8AC3E}">
-        <p14:creationId xmlns:p14="http://schemas.microsoft.com/office/powerpoint/2010/main" val="375203606"/>
+        <p14:creationId xmlns:p14="http://schemas.microsoft.com/office/powerpoint/2010/main" val="3168075583"/>
       </p:ext>
     </p:extLst>
   </p:cSld>
@@ -337,7 +353,7 @@
 
 <file path=ppt/slideLayouts/slideLayout10.xml><?xml version="1.0" encoding="utf-8"?>
 <p:sldLayout xmlns:a="http://schemas.openxmlformats.org/drawingml/2006/main" xmlns:r="http://schemas.openxmlformats.org/officeDocument/2006/relationships" xmlns:p="http://schemas.openxmlformats.org/presentationml/2006/main" type="vertTx" preserve="1">
-  <p:cSld name="タイトルと縦書きテキスト">
+  <p:cSld name="Title and Vertical Text">
     <p:spTree>
       <p:nvGrpSpPr>
         <p:cNvPr id="1" name=""/>
@@ -354,13 +370,7 @@
       </p:grpSpPr>
       <p:sp>
         <p:nvSpPr>
-          <p:cNvPr id="2" name="タイトル 1">
-            <a:extLst>
-              <a:ext uri="{FF2B5EF4-FFF2-40B4-BE49-F238E27FC236}">
-                <a16:creationId xmlns:a16="http://schemas.microsoft.com/office/drawing/2014/main" id="{AC4872B4-9E88-3798-AD0D-BD22293E30FC}"/>
-              </a:ext>
-            </a:extLst>
-          </p:cNvPr>
+          <p:cNvPr id="2" name="Title 1"/>
           <p:cNvSpPr>
             <a:spLocks noGrp="1"/>
           </p:cNvSpPr>
@@ -374,21 +384,16 @@
           <a:lstStyle/>
           <a:p>
             <a:r>
-              <a:rPr kumimoji="1" lang="ja-JP" altLang="en-US"/>
-              <a:t>マスター タイトルの書式設定</a:t>
-            </a:r>
-          </a:p>
-        </p:txBody>
-      </p:sp>
-      <p:sp>
-        <p:nvSpPr>
-          <p:cNvPr id="3" name="縦書きテキスト プレースホルダー 2">
-            <a:extLst>
-              <a:ext uri="{FF2B5EF4-FFF2-40B4-BE49-F238E27FC236}">
-                <a16:creationId xmlns:a16="http://schemas.microsoft.com/office/drawing/2014/main" id="{DD84ACC8-44AE-0B60-9391-A32E0A9F3509}"/>
-              </a:ext>
-            </a:extLst>
-          </p:cNvPr>
+              <a:rPr lang="en-US" smtClean="0"/>
+              <a:t>Click to edit Master title style</a:t>
+            </a:r>
+            <a:endParaRPr lang="en-US"/>
+          </a:p>
+        </p:txBody>
+      </p:sp>
+      <p:sp>
+        <p:nvSpPr>
+          <p:cNvPr id="3" name="Vertical Text Placeholder 2"/>
           <p:cNvSpPr>
             <a:spLocks noGrp="1"/>
           </p:cNvSpPr>
@@ -403,81 +408,44 @@
           <a:p>
             <a:pPr lvl="0"/>
             <a:r>
-              <a:rPr kumimoji="1" lang="ja-JP" altLang="en-US"/>
-              <a:t>マスター テキストの書式設定</a:t>
+              <a:rPr lang="en-US" smtClean="0"/>
+              <a:t>Click to edit Master text styles</a:t>
             </a:r>
           </a:p>
           <a:p>
             <a:pPr lvl="1"/>
             <a:r>
-              <a:rPr kumimoji="1" lang="ja-JP" altLang="en-US"/>
-              <a:t>第 </a:t>
-            </a:r>
-            <a:r>
-              <a:rPr kumimoji="1" lang="en-US" altLang="ja-JP"/>
-              <a:t>2 </a:t>
-            </a:r>
-            <a:r>
-              <a:rPr kumimoji="1" lang="ja-JP" altLang="en-US"/>
-              <a:t>レベル</a:t>
+              <a:rPr lang="en-US" smtClean="0"/>
+              <a:t>Second level</a:t>
             </a:r>
           </a:p>
           <a:p>
             <a:pPr lvl="2"/>
             <a:r>
-              <a:rPr kumimoji="1" lang="ja-JP" altLang="en-US"/>
-              <a:t>第 </a:t>
-            </a:r>
-            <a:r>
-              <a:rPr kumimoji="1" lang="en-US" altLang="ja-JP"/>
-              <a:t>3 </a:t>
-            </a:r>
-            <a:r>
-              <a:rPr kumimoji="1" lang="ja-JP" altLang="en-US"/>
-              <a:t>レベル</a:t>
+              <a:rPr lang="en-US" smtClean="0"/>
+              <a:t>Third level</a:t>
             </a:r>
           </a:p>
           <a:p>
             <a:pPr lvl="3"/>
             <a:r>
-              <a:rPr kumimoji="1" lang="ja-JP" altLang="en-US"/>
-              <a:t>第 </a:t>
-            </a:r>
-            <a:r>
-              <a:rPr kumimoji="1" lang="en-US" altLang="ja-JP"/>
-              <a:t>4 </a:t>
-            </a:r>
-            <a:r>
-              <a:rPr kumimoji="1" lang="ja-JP" altLang="en-US"/>
-              <a:t>レベル</a:t>
+              <a:rPr lang="en-US" smtClean="0"/>
+              <a:t>Fourth level</a:t>
             </a:r>
           </a:p>
           <a:p>
             <a:pPr lvl="4"/>
             <a:r>
-              <a:rPr kumimoji="1" lang="ja-JP" altLang="en-US"/>
-              <a:t>第 </a:t>
-            </a:r>
-            <a:r>
-              <a:rPr kumimoji="1" lang="en-US" altLang="ja-JP"/>
-              <a:t>5 </a:t>
-            </a:r>
-            <a:r>
-              <a:rPr kumimoji="1" lang="ja-JP" altLang="en-US"/>
-              <a:t>レベル</a:t>
-            </a:r>
-          </a:p>
-        </p:txBody>
-      </p:sp>
-      <p:sp>
-        <p:nvSpPr>
-          <p:cNvPr id="4" name="日付プレースホルダー 3">
-            <a:extLst>
-              <a:ext uri="{FF2B5EF4-FFF2-40B4-BE49-F238E27FC236}">
-                <a16:creationId xmlns:a16="http://schemas.microsoft.com/office/drawing/2014/main" id="{3F1277DA-67FD-42B9-340B-DC48EC7F0DB4}"/>
-              </a:ext>
-            </a:extLst>
-          </p:cNvPr>
+              <a:rPr lang="en-US" smtClean="0"/>
+              <a:t>Fifth level</a:t>
+            </a:r>
+            <a:endParaRPr lang="en-US"/>
+          </a:p>
+        </p:txBody>
+      </p:sp>
+      <p:sp>
+        <p:nvSpPr>
+          <p:cNvPr id="4" name="Date Placeholder 3"/>
           <p:cNvSpPr>
             <a:spLocks noGrp="1"/>
           </p:cNvSpPr>
@@ -490,23 +458,17 @@
           <a:bodyPr/>
           <a:lstStyle/>
           <a:p>
-            <a:fld id="{690E477F-8790-4710-B968-AEEF74883170}" type="datetimeFigureOut">
-              <a:rPr kumimoji="1" lang="ja-JP" altLang="en-US" smtClean="0"/>
-              <a:t>2023/4/10</a:t>
+            <a:fld id="{5BCAD085-E8A6-8845-BD4E-CB4CCA059FC4}" type="datetimeFigureOut">
+              <a:rPr lang="en-US" smtClean="0"/>
+              <a:t>1/27/13</a:t>
             </a:fld>
-            <a:endParaRPr kumimoji="1" lang="ja-JP" altLang="en-US"/>
-          </a:p>
-        </p:txBody>
-      </p:sp>
-      <p:sp>
-        <p:nvSpPr>
-          <p:cNvPr id="5" name="フッター プレースホルダー 4">
-            <a:extLst>
-              <a:ext uri="{FF2B5EF4-FFF2-40B4-BE49-F238E27FC236}">
-                <a16:creationId xmlns:a16="http://schemas.microsoft.com/office/drawing/2014/main" id="{8E075824-3972-A6AE-29F9-269ED81226B3}"/>
-              </a:ext>
-            </a:extLst>
-          </p:cNvPr>
+            <a:endParaRPr lang="en-US"/>
+          </a:p>
+        </p:txBody>
+      </p:sp>
+      <p:sp>
+        <p:nvSpPr>
+          <p:cNvPr id="5" name="Footer Placeholder 4"/>
           <p:cNvSpPr>
             <a:spLocks noGrp="1"/>
           </p:cNvSpPr>
@@ -519,19 +481,13 @@
           <a:bodyPr/>
           <a:lstStyle/>
           <a:p>
-            <a:endParaRPr kumimoji="1" lang="ja-JP" altLang="en-US"/>
-          </a:p>
-        </p:txBody>
-      </p:sp>
-      <p:sp>
-        <p:nvSpPr>
-          <p:cNvPr id="6" name="スライド番号プレースホルダー 5">
-            <a:extLst>
-              <a:ext uri="{FF2B5EF4-FFF2-40B4-BE49-F238E27FC236}">
-                <a16:creationId xmlns:a16="http://schemas.microsoft.com/office/drawing/2014/main" id="{5101EBD5-9A2F-3AF8-E098-DDF1758F6FAB}"/>
-              </a:ext>
-            </a:extLst>
-          </p:cNvPr>
+            <a:endParaRPr lang="en-US"/>
+          </a:p>
+        </p:txBody>
+      </p:sp>
+      <p:sp>
+        <p:nvSpPr>
+          <p:cNvPr id="6" name="Slide Number Placeholder 5"/>
           <p:cNvSpPr>
             <a:spLocks noGrp="1"/>
           </p:cNvSpPr>
@@ -544,18 +500,18 @@
           <a:bodyPr/>
           <a:lstStyle/>
           <a:p>
-            <a:fld id="{6A52849B-4EC1-4B23-B151-A15F80D0261D}" type="slidenum">
-              <a:rPr kumimoji="1" lang="ja-JP" altLang="en-US" smtClean="0"/>
+            <a:fld id="{C1FF6DA9-008F-8B48-92A6-B652298478BF}" type="slidenum">
+              <a:rPr lang="en-US" smtClean="0"/>
               <a:t>‹#›</a:t>
             </a:fld>
-            <a:endParaRPr kumimoji="1" lang="ja-JP" altLang="en-US"/>
+            <a:endParaRPr lang="en-US"/>
           </a:p>
         </p:txBody>
       </p:sp>
     </p:spTree>
     <p:extLst>
       <p:ext uri="{BB962C8B-B14F-4D97-AF65-F5344CB8AC3E}">
-        <p14:creationId xmlns:p14="http://schemas.microsoft.com/office/powerpoint/2010/main" val="1228389590"/>
+        <p14:creationId xmlns:p14="http://schemas.microsoft.com/office/powerpoint/2010/main" val="2910927964"/>
       </p:ext>
     </p:extLst>
   </p:cSld>
@@ -567,7 +523,7 @@
 
 <file path=ppt/slideLayouts/slideLayout11.xml><?xml version="1.0" encoding="utf-8"?>
 <p:sldLayout xmlns:a="http://schemas.openxmlformats.org/drawingml/2006/main" xmlns:r="http://schemas.openxmlformats.org/officeDocument/2006/relationships" xmlns:p="http://schemas.openxmlformats.org/presentationml/2006/main" type="vertTitleAndTx" preserve="1">
-  <p:cSld name="縦書きタイトルと&#10;縦書きテキスト">
+  <p:cSld name="Vertical Title and Text">
     <p:spTree>
       <p:nvGrpSpPr>
         <p:cNvPr id="1" name=""/>
@@ -584,13 +540,7 @@
       </p:grpSpPr>
       <p:sp>
         <p:nvSpPr>
-          <p:cNvPr id="2" name="縦書きタイトル 1">
-            <a:extLst>
-              <a:ext uri="{FF2B5EF4-FFF2-40B4-BE49-F238E27FC236}">
-                <a16:creationId xmlns:a16="http://schemas.microsoft.com/office/drawing/2014/main" id="{44ABC8C7-71DD-AC9F-DE6B-4F2B77AFAB8F}"/>
-              </a:ext>
-            </a:extLst>
-          </p:cNvPr>
+          <p:cNvPr id="2" name="Vertical Title 1"/>
           <p:cNvSpPr>
             <a:spLocks noGrp="1"/>
           </p:cNvSpPr>
@@ -600,8 +550,8 @@
         </p:nvSpPr>
         <p:spPr>
           <a:xfrm>
-            <a:off x="8724900" y="365125"/>
-            <a:ext cx="2628900" cy="5811838"/>
+            <a:off x="6629400" y="274638"/>
+            <a:ext cx="2057400" cy="5851525"/>
           </a:xfrm>
         </p:spPr>
         <p:txBody>
@@ -609,21 +559,16 @@
           <a:lstStyle/>
           <a:p>
             <a:r>
-              <a:rPr kumimoji="1" lang="ja-JP" altLang="en-US"/>
-              <a:t>マスター タイトルの書式設定</a:t>
-            </a:r>
-          </a:p>
-        </p:txBody>
-      </p:sp>
-      <p:sp>
-        <p:nvSpPr>
-          <p:cNvPr id="3" name="縦書きテキスト プレースホルダー 2">
-            <a:extLst>
-              <a:ext uri="{FF2B5EF4-FFF2-40B4-BE49-F238E27FC236}">
-                <a16:creationId xmlns:a16="http://schemas.microsoft.com/office/drawing/2014/main" id="{16011CE6-4DA9-0979-A935-7520DD558470}"/>
-              </a:ext>
-            </a:extLst>
-          </p:cNvPr>
+              <a:rPr lang="en-US" smtClean="0"/>
+              <a:t>Click to edit Master title style</a:t>
+            </a:r>
+            <a:endParaRPr lang="en-US"/>
+          </a:p>
+        </p:txBody>
+      </p:sp>
+      <p:sp>
+        <p:nvSpPr>
+          <p:cNvPr id="3" name="Vertical Text Placeholder 2"/>
           <p:cNvSpPr>
             <a:spLocks noGrp="1"/>
           </p:cNvSpPr>
@@ -633,8 +578,8 @@
         </p:nvSpPr>
         <p:spPr>
           <a:xfrm>
-            <a:off x="838200" y="365125"/>
-            <a:ext cx="7734300" cy="5811838"/>
+            <a:off x="457200" y="274638"/>
+            <a:ext cx="6019800" cy="5851525"/>
           </a:xfrm>
         </p:spPr>
         <p:txBody>
@@ -643,81 +588,44 @@
           <a:p>
             <a:pPr lvl="0"/>
             <a:r>
-              <a:rPr kumimoji="1" lang="ja-JP" altLang="en-US"/>
-              <a:t>マスター テキストの書式設定</a:t>
+              <a:rPr lang="en-US" smtClean="0"/>
+              <a:t>Click to edit Master text styles</a:t>
             </a:r>
           </a:p>
           <a:p>
             <a:pPr lvl="1"/>
             <a:r>
-              <a:rPr kumimoji="1" lang="ja-JP" altLang="en-US"/>
-              <a:t>第 </a:t>
-            </a:r>
-            <a:r>
-              <a:rPr kumimoji="1" lang="en-US" altLang="ja-JP"/>
-              <a:t>2 </a:t>
-            </a:r>
-            <a:r>
-              <a:rPr kumimoji="1" lang="ja-JP" altLang="en-US"/>
-              <a:t>レベル</a:t>
+              <a:rPr lang="en-US" smtClean="0"/>
+              <a:t>Second level</a:t>
             </a:r>
           </a:p>
           <a:p>
             <a:pPr lvl="2"/>
             <a:r>
-              <a:rPr kumimoji="1" lang="ja-JP" altLang="en-US"/>
-              <a:t>第 </a:t>
-            </a:r>
-            <a:r>
-              <a:rPr kumimoji="1" lang="en-US" altLang="ja-JP"/>
-              <a:t>3 </a:t>
-            </a:r>
-            <a:r>
-              <a:rPr kumimoji="1" lang="ja-JP" altLang="en-US"/>
-              <a:t>レベル</a:t>
+              <a:rPr lang="en-US" smtClean="0"/>
+              <a:t>Third level</a:t>
             </a:r>
           </a:p>
           <a:p>
             <a:pPr lvl="3"/>
             <a:r>
-              <a:rPr kumimoji="1" lang="ja-JP" altLang="en-US"/>
-              <a:t>第 </a:t>
-            </a:r>
-            <a:r>
-              <a:rPr kumimoji="1" lang="en-US" altLang="ja-JP"/>
-              <a:t>4 </a:t>
-            </a:r>
-            <a:r>
-              <a:rPr kumimoji="1" lang="ja-JP" altLang="en-US"/>
-              <a:t>レベル</a:t>
+              <a:rPr lang="en-US" smtClean="0"/>
+              <a:t>Fourth level</a:t>
             </a:r>
           </a:p>
           <a:p>
             <a:pPr lvl="4"/>
             <a:r>
-              <a:rPr kumimoji="1" lang="ja-JP" altLang="en-US"/>
-              <a:t>第 </a:t>
-            </a:r>
-            <a:r>
-              <a:rPr kumimoji="1" lang="en-US" altLang="ja-JP"/>
-              <a:t>5 </a:t>
-            </a:r>
-            <a:r>
-              <a:rPr kumimoji="1" lang="ja-JP" altLang="en-US"/>
-              <a:t>レベル</a:t>
-            </a:r>
-          </a:p>
-        </p:txBody>
-      </p:sp>
-      <p:sp>
-        <p:nvSpPr>
-          <p:cNvPr id="4" name="日付プレースホルダー 3">
-            <a:extLst>
-              <a:ext uri="{FF2B5EF4-FFF2-40B4-BE49-F238E27FC236}">
-                <a16:creationId xmlns:a16="http://schemas.microsoft.com/office/drawing/2014/main" id="{45BF31FD-BB60-2449-0E1A-A2DFBBCFC044}"/>
-              </a:ext>
-            </a:extLst>
-          </p:cNvPr>
+              <a:rPr lang="en-US" smtClean="0"/>
+              <a:t>Fifth level</a:t>
+            </a:r>
+            <a:endParaRPr lang="en-US"/>
+          </a:p>
+        </p:txBody>
+      </p:sp>
+      <p:sp>
+        <p:nvSpPr>
+          <p:cNvPr id="4" name="Date Placeholder 3"/>
           <p:cNvSpPr>
             <a:spLocks noGrp="1"/>
           </p:cNvSpPr>
@@ -730,23 +638,17 @@
           <a:bodyPr/>
           <a:lstStyle/>
           <a:p>
-            <a:fld id="{690E477F-8790-4710-B968-AEEF74883170}" type="datetimeFigureOut">
-              <a:rPr kumimoji="1" lang="ja-JP" altLang="en-US" smtClean="0"/>
-              <a:t>2023/4/10</a:t>
+            <a:fld id="{5BCAD085-E8A6-8845-BD4E-CB4CCA059FC4}" type="datetimeFigureOut">
+              <a:rPr lang="en-US" smtClean="0"/>
+              <a:t>1/27/13</a:t>
             </a:fld>
-            <a:endParaRPr kumimoji="1" lang="ja-JP" altLang="en-US"/>
-          </a:p>
-        </p:txBody>
-      </p:sp>
-      <p:sp>
-        <p:nvSpPr>
-          <p:cNvPr id="5" name="フッター プレースホルダー 4">
-            <a:extLst>
-              <a:ext uri="{FF2B5EF4-FFF2-40B4-BE49-F238E27FC236}">
-                <a16:creationId xmlns:a16="http://schemas.microsoft.com/office/drawing/2014/main" id="{111182F1-D781-2FD5-1743-09A6541C5F82}"/>
-              </a:ext>
-            </a:extLst>
-          </p:cNvPr>
+            <a:endParaRPr lang="en-US"/>
+          </a:p>
+        </p:txBody>
+      </p:sp>
+      <p:sp>
+        <p:nvSpPr>
+          <p:cNvPr id="5" name="Footer Placeholder 4"/>
           <p:cNvSpPr>
             <a:spLocks noGrp="1"/>
           </p:cNvSpPr>
@@ -759,19 +661,13 @@
           <a:bodyPr/>
           <a:lstStyle/>
           <a:p>
-            <a:endParaRPr kumimoji="1" lang="ja-JP" altLang="en-US"/>
-          </a:p>
-        </p:txBody>
-      </p:sp>
-      <p:sp>
-        <p:nvSpPr>
-          <p:cNvPr id="6" name="スライド番号プレースホルダー 5">
-            <a:extLst>
-              <a:ext uri="{FF2B5EF4-FFF2-40B4-BE49-F238E27FC236}">
-                <a16:creationId xmlns:a16="http://schemas.microsoft.com/office/drawing/2014/main" id="{158EE41F-DD57-9925-CCC1-714D72DC57DB}"/>
-              </a:ext>
-            </a:extLst>
-          </p:cNvPr>
+            <a:endParaRPr lang="en-US"/>
+          </a:p>
+        </p:txBody>
+      </p:sp>
+      <p:sp>
+        <p:nvSpPr>
+          <p:cNvPr id="6" name="Slide Number Placeholder 5"/>
           <p:cNvSpPr>
             <a:spLocks noGrp="1"/>
           </p:cNvSpPr>
@@ -784,18 +680,18 @@
           <a:bodyPr/>
           <a:lstStyle/>
           <a:p>
-            <a:fld id="{6A52849B-4EC1-4B23-B151-A15F80D0261D}" type="slidenum">
-              <a:rPr kumimoji="1" lang="ja-JP" altLang="en-US" smtClean="0"/>
+            <a:fld id="{C1FF6DA9-008F-8B48-92A6-B652298478BF}" type="slidenum">
+              <a:rPr lang="en-US" smtClean="0"/>
               <a:t>‹#›</a:t>
             </a:fld>
-            <a:endParaRPr kumimoji="1" lang="ja-JP" altLang="en-US"/>
+            <a:endParaRPr lang="en-US"/>
           </a:p>
         </p:txBody>
       </p:sp>
     </p:spTree>
     <p:extLst>
       <p:ext uri="{BB962C8B-B14F-4D97-AF65-F5344CB8AC3E}">
-        <p14:creationId xmlns:p14="http://schemas.microsoft.com/office/powerpoint/2010/main" val="1520027759"/>
+        <p14:creationId xmlns:p14="http://schemas.microsoft.com/office/powerpoint/2010/main" val="3612223792"/>
       </p:ext>
     </p:extLst>
   </p:cSld>
@@ -807,7 +703,7 @@
 
 <file path=ppt/slideLayouts/slideLayout2.xml><?xml version="1.0" encoding="utf-8"?>
 <p:sldLayout xmlns:a="http://schemas.openxmlformats.org/drawingml/2006/main" xmlns:r="http://schemas.openxmlformats.org/officeDocument/2006/relationships" xmlns:p="http://schemas.openxmlformats.org/presentationml/2006/main" type="obj" preserve="1">
-  <p:cSld name="タイトルとコンテンツ">
+  <p:cSld name="Title and Content">
     <p:spTree>
       <p:nvGrpSpPr>
         <p:cNvPr id="1" name=""/>
@@ -824,13 +720,7 @@
       </p:grpSpPr>
       <p:sp>
         <p:nvSpPr>
-          <p:cNvPr id="2" name="タイトル 1">
-            <a:extLst>
-              <a:ext uri="{FF2B5EF4-FFF2-40B4-BE49-F238E27FC236}">
-                <a16:creationId xmlns:a16="http://schemas.microsoft.com/office/drawing/2014/main" id="{C1748001-9297-B791-98DF-2EF762F72F81}"/>
-              </a:ext>
-            </a:extLst>
-          </p:cNvPr>
+          <p:cNvPr id="2" name="Title 1"/>
           <p:cNvSpPr>
             <a:spLocks noGrp="1"/>
           </p:cNvSpPr>
@@ -844,21 +734,16 @@
           <a:lstStyle/>
           <a:p>
             <a:r>
-              <a:rPr kumimoji="1" lang="ja-JP" altLang="en-US"/>
-              <a:t>マスター タイトルの書式設定</a:t>
-            </a:r>
-          </a:p>
-        </p:txBody>
-      </p:sp>
-      <p:sp>
-        <p:nvSpPr>
-          <p:cNvPr id="3" name="コンテンツ プレースホルダー 2">
-            <a:extLst>
-              <a:ext uri="{FF2B5EF4-FFF2-40B4-BE49-F238E27FC236}">
-                <a16:creationId xmlns:a16="http://schemas.microsoft.com/office/drawing/2014/main" id="{9954627F-3587-92EC-0E61-E3996490BDE1}"/>
-              </a:ext>
-            </a:extLst>
-          </p:cNvPr>
+              <a:rPr lang="en-US" smtClean="0"/>
+              <a:t>Click to edit Master title style</a:t>
+            </a:r>
+            <a:endParaRPr lang="en-US"/>
+          </a:p>
+        </p:txBody>
+      </p:sp>
+      <p:sp>
+        <p:nvSpPr>
+          <p:cNvPr id="3" name="Content Placeholder 2"/>
           <p:cNvSpPr>
             <a:spLocks noGrp="1"/>
           </p:cNvSpPr>
@@ -873,81 +758,44 @@
           <a:p>
             <a:pPr lvl="0"/>
             <a:r>
-              <a:rPr kumimoji="1" lang="ja-JP" altLang="en-US"/>
-              <a:t>マスター テキストの書式設定</a:t>
+              <a:rPr lang="en-US" smtClean="0"/>
+              <a:t>Click to edit Master text styles</a:t>
             </a:r>
           </a:p>
           <a:p>
             <a:pPr lvl="1"/>
             <a:r>
-              <a:rPr kumimoji="1" lang="ja-JP" altLang="en-US"/>
-              <a:t>第 </a:t>
-            </a:r>
-            <a:r>
-              <a:rPr kumimoji="1" lang="en-US" altLang="ja-JP"/>
-              <a:t>2 </a:t>
-            </a:r>
-            <a:r>
-              <a:rPr kumimoji="1" lang="ja-JP" altLang="en-US"/>
-              <a:t>レベル</a:t>
+              <a:rPr lang="en-US" smtClean="0"/>
+              <a:t>Second level</a:t>
             </a:r>
           </a:p>
           <a:p>
             <a:pPr lvl="2"/>
             <a:r>
-              <a:rPr kumimoji="1" lang="ja-JP" altLang="en-US"/>
-              <a:t>第 </a:t>
-            </a:r>
-            <a:r>
-              <a:rPr kumimoji="1" lang="en-US" altLang="ja-JP"/>
-              <a:t>3 </a:t>
-            </a:r>
-            <a:r>
-              <a:rPr kumimoji="1" lang="ja-JP" altLang="en-US"/>
-              <a:t>レベル</a:t>
+              <a:rPr lang="en-US" smtClean="0"/>
+              <a:t>Third level</a:t>
             </a:r>
           </a:p>
           <a:p>
             <a:pPr lvl="3"/>
             <a:r>
-              <a:rPr kumimoji="1" lang="ja-JP" altLang="en-US"/>
-              <a:t>第 </a:t>
-            </a:r>
-            <a:r>
-              <a:rPr kumimoji="1" lang="en-US" altLang="ja-JP"/>
-              <a:t>4 </a:t>
-            </a:r>
-            <a:r>
-              <a:rPr kumimoji="1" lang="ja-JP" altLang="en-US"/>
-              <a:t>レベル</a:t>
+              <a:rPr lang="en-US" smtClean="0"/>
+              <a:t>Fourth level</a:t>
             </a:r>
           </a:p>
           <a:p>
             <a:pPr lvl="4"/>
             <a:r>
-              <a:rPr kumimoji="1" lang="ja-JP" altLang="en-US"/>
-              <a:t>第 </a:t>
-            </a:r>
-            <a:r>
-              <a:rPr kumimoji="1" lang="en-US" altLang="ja-JP"/>
-              <a:t>5 </a:t>
-            </a:r>
-            <a:r>
-              <a:rPr kumimoji="1" lang="ja-JP" altLang="en-US"/>
-              <a:t>レベル</a:t>
-            </a:r>
-          </a:p>
-        </p:txBody>
-      </p:sp>
-      <p:sp>
-        <p:nvSpPr>
-          <p:cNvPr id="4" name="日付プレースホルダー 3">
-            <a:extLst>
-              <a:ext uri="{FF2B5EF4-FFF2-40B4-BE49-F238E27FC236}">
-                <a16:creationId xmlns:a16="http://schemas.microsoft.com/office/drawing/2014/main" id="{E080E38B-8D85-A632-F518-DAEE7FE609E9}"/>
-              </a:ext>
-            </a:extLst>
-          </p:cNvPr>
+              <a:rPr lang="en-US" smtClean="0"/>
+              <a:t>Fifth level</a:t>
+            </a:r>
+            <a:endParaRPr lang="en-US"/>
+          </a:p>
+        </p:txBody>
+      </p:sp>
+      <p:sp>
+        <p:nvSpPr>
+          <p:cNvPr id="4" name="Date Placeholder 3"/>
           <p:cNvSpPr>
             <a:spLocks noGrp="1"/>
           </p:cNvSpPr>
@@ -960,23 +808,17 @@
           <a:bodyPr/>
           <a:lstStyle/>
           <a:p>
-            <a:fld id="{690E477F-8790-4710-B968-AEEF74883170}" type="datetimeFigureOut">
-              <a:rPr kumimoji="1" lang="ja-JP" altLang="en-US" smtClean="0"/>
-              <a:t>2023/4/10</a:t>
+            <a:fld id="{5BCAD085-E8A6-8845-BD4E-CB4CCA059FC4}" type="datetimeFigureOut">
+              <a:rPr lang="en-US" smtClean="0"/>
+              <a:t>1/27/13</a:t>
             </a:fld>
-            <a:endParaRPr kumimoji="1" lang="ja-JP" altLang="en-US"/>
-          </a:p>
-        </p:txBody>
-      </p:sp>
-      <p:sp>
-        <p:nvSpPr>
-          <p:cNvPr id="5" name="フッター プレースホルダー 4">
-            <a:extLst>
-              <a:ext uri="{FF2B5EF4-FFF2-40B4-BE49-F238E27FC236}">
-                <a16:creationId xmlns:a16="http://schemas.microsoft.com/office/drawing/2014/main" id="{12A7FB14-72BF-F4E7-24FC-09195AC4FD75}"/>
-              </a:ext>
-            </a:extLst>
-          </p:cNvPr>
+            <a:endParaRPr lang="en-US"/>
+          </a:p>
+        </p:txBody>
+      </p:sp>
+      <p:sp>
+        <p:nvSpPr>
+          <p:cNvPr id="5" name="Footer Placeholder 4"/>
           <p:cNvSpPr>
             <a:spLocks noGrp="1"/>
           </p:cNvSpPr>
@@ -989,19 +831,13 @@
           <a:bodyPr/>
           <a:lstStyle/>
           <a:p>
-            <a:endParaRPr kumimoji="1" lang="ja-JP" altLang="en-US"/>
-          </a:p>
-        </p:txBody>
-      </p:sp>
-      <p:sp>
-        <p:nvSpPr>
-          <p:cNvPr id="6" name="スライド番号プレースホルダー 5">
-            <a:extLst>
-              <a:ext uri="{FF2B5EF4-FFF2-40B4-BE49-F238E27FC236}">
-                <a16:creationId xmlns:a16="http://schemas.microsoft.com/office/drawing/2014/main" id="{6C111996-9FE5-1C71-691B-8D5DDD58C1B3}"/>
-              </a:ext>
-            </a:extLst>
-          </p:cNvPr>
+            <a:endParaRPr lang="en-US"/>
+          </a:p>
+        </p:txBody>
+      </p:sp>
+      <p:sp>
+        <p:nvSpPr>
+          <p:cNvPr id="6" name="Slide Number Placeholder 5"/>
           <p:cNvSpPr>
             <a:spLocks noGrp="1"/>
           </p:cNvSpPr>
@@ -1014,18 +850,18 @@
           <a:bodyPr/>
           <a:lstStyle/>
           <a:p>
-            <a:fld id="{6A52849B-4EC1-4B23-B151-A15F80D0261D}" type="slidenum">
-              <a:rPr kumimoji="1" lang="ja-JP" altLang="en-US" smtClean="0"/>
+            <a:fld id="{C1FF6DA9-008F-8B48-92A6-B652298478BF}" type="slidenum">
+              <a:rPr lang="en-US" smtClean="0"/>
               <a:t>‹#›</a:t>
             </a:fld>
-            <a:endParaRPr kumimoji="1" lang="ja-JP" altLang="en-US"/>
+            <a:endParaRPr lang="en-US"/>
           </a:p>
         </p:txBody>
       </p:sp>
     </p:spTree>
     <p:extLst>
       <p:ext uri="{BB962C8B-B14F-4D97-AF65-F5344CB8AC3E}">
-        <p14:creationId xmlns:p14="http://schemas.microsoft.com/office/powerpoint/2010/main" val="31933288"/>
+        <p14:creationId xmlns:p14="http://schemas.microsoft.com/office/powerpoint/2010/main" val="2614314258"/>
       </p:ext>
     </p:extLst>
   </p:cSld>
@@ -1037,7 +873,7 @@
 
 <file path=ppt/slideLayouts/slideLayout3.xml><?xml version="1.0" encoding="utf-8"?>
 <p:sldLayout xmlns:a="http://schemas.openxmlformats.org/drawingml/2006/main" xmlns:r="http://schemas.openxmlformats.org/officeDocument/2006/relationships" xmlns:p="http://schemas.openxmlformats.org/presentationml/2006/main" type="secHead" preserve="1">
-  <p:cSld name="セクション見出し">
+  <p:cSld name="Section Header">
     <p:spTree>
       <p:nvGrpSpPr>
         <p:cNvPr id="1" name=""/>
@@ -1054,13 +890,7 @@
       </p:grpSpPr>
       <p:sp>
         <p:nvSpPr>
-          <p:cNvPr id="2" name="タイトル 1">
-            <a:extLst>
-              <a:ext uri="{FF2B5EF4-FFF2-40B4-BE49-F238E27FC236}">
-                <a16:creationId xmlns:a16="http://schemas.microsoft.com/office/drawing/2014/main" id="{892C1C1E-49C7-7F2D-1063-4132F77F7E65}"/>
-              </a:ext>
-            </a:extLst>
-          </p:cNvPr>
+          <p:cNvPr id="2" name="Title 1"/>
           <p:cNvSpPr>
             <a:spLocks noGrp="1"/>
           </p:cNvSpPr>
@@ -1070,53 +900,48 @@
         </p:nvSpPr>
         <p:spPr>
           <a:xfrm>
-            <a:off x="831850" y="1709738"/>
-            <a:ext cx="10515600" cy="2852737"/>
+            <a:off x="722313" y="4406900"/>
+            <a:ext cx="7772400" cy="1362075"/>
           </a:xfrm>
         </p:spPr>
         <p:txBody>
+          <a:bodyPr anchor="t"/>
+          <a:lstStyle>
+            <a:lvl1pPr algn="l">
+              <a:defRPr sz="4000" b="1" cap="all"/>
+            </a:lvl1pPr>
+          </a:lstStyle>
+          <a:p>
+            <a:r>
+              <a:rPr lang="en-US" smtClean="0"/>
+              <a:t>Click to edit Master title style</a:t>
+            </a:r>
+            <a:endParaRPr lang="en-US"/>
+          </a:p>
+        </p:txBody>
+      </p:sp>
+      <p:sp>
+        <p:nvSpPr>
+          <p:cNvPr id="3" name="Text Placeholder 2"/>
+          <p:cNvSpPr>
+            <a:spLocks noGrp="1"/>
+          </p:cNvSpPr>
+          <p:nvPr>
+            <p:ph type="body" idx="1"/>
+          </p:nvPr>
+        </p:nvSpPr>
+        <p:spPr>
+          <a:xfrm>
+            <a:off x="722313" y="2906713"/>
+            <a:ext cx="7772400" cy="1500187"/>
+          </a:xfrm>
+        </p:spPr>
+        <p:txBody>
           <a:bodyPr anchor="b"/>
           <a:lstStyle>
-            <a:lvl1pPr>
-              <a:defRPr sz="6000"/>
-            </a:lvl1pPr>
-          </a:lstStyle>
-          <a:p>
-            <a:r>
-              <a:rPr kumimoji="1" lang="ja-JP" altLang="en-US"/>
-              <a:t>マスター タイトルの書式設定</a:t>
-            </a:r>
-          </a:p>
-        </p:txBody>
-      </p:sp>
-      <p:sp>
-        <p:nvSpPr>
-          <p:cNvPr id="3" name="テキスト プレースホルダー 2">
-            <a:extLst>
-              <a:ext uri="{FF2B5EF4-FFF2-40B4-BE49-F238E27FC236}">
-                <a16:creationId xmlns:a16="http://schemas.microsoft.com/office/drawing/2014/main" id="{3E7AC2A8-61EA-E91C-CE16-D998D48ED31E}"/>
-              </a:ext>
-            </a:extLst>
-          </p:cNvPr>
-          <p:cNvSpPr>
-            <a:spLocks noGrp="1"/>
-          </p:cNvSpPr>
-          <p:nvPr>
-            <p:ph type="body" idx="1"/>
-          </p:nvPr>
-        </p:nvSpPr>
-        <p:spPr>
-          <a:xfrm>
-            <a:off x="831850" y="4589463"/>
-            <a:ext cx="10515600" cy="1500187"/>
-          </a:xfrm>
-        </p:spPr>
-        <p:txBody>
-          <a:bodyPr/>
-          <a:lstStyle>
             <a:lvl1pPr marL="0" indent="0">
               <a:buNone/>
-              <a:defRPr sz="2400">
+              <a:defRPr sz="2000">
                 <a:solidFill>
                   <a:schemeClr val="tx1">
                     <a:tint val="75000"/>
@@ -1126,7 +951,7 @@
             </a:lvl1pPr>
             <a:lvl2pPr marL="457200" indent="0">
               <a:buNone/>
-              <a:defRPr sz="2000">
+              <a:defRPr sz="1800">
                 <a:solidFill>
                   <a:schemeClr val="tx1">
                     <a:tint val="75000"/>
@@ -1136,7 +961,7 @@
             </a:lvl2pPr>
             <a:lvl3pPr marL="914400" indent="0">
               <a:buNone/>
-              <a:defRPr sz="1800">
+              <a:defRPr sz="1600">
                 <a:solidFill>
                   <a:schemeClr val="tx1">
                     <a:tint val="75000"/>
@@ -1146,7 +971,7 @@
             </a:lvl3pPr>
             <a:lvl4pPr marL="1371600" indent="0">
               <a:buNone/>
-              <a:defRPr sz="1600">
+              <a:defRPr sz="1400">
                 <a:solidFill>
                   <a:schemeClr val="tx1">
                     <a:tint val="75000"/>
@@ -1156,7 +981,7 @@
             </a:lvl4pPr>
             <a:lvl5pPr marL="1828800" indent="0">
               <a:buNone/>
-              <a:defRPr sz="1600">
+              <a:defRPr sz="1400">
                 <a:solidFill>
                   <a:schemeClr val="tx1">
                     <a:tint val="75000"/>
@@ -1166,7 +991,7 @@
             </a:lvl5pPr>
             <a:lvl6pPr marL="2286000" indent="0">
               <a:buNone/>
-              <a:defRPr sz="1600">
+              <a:defRPr sz="1400">
                 <a:solidFill>
                   <a:schemeClr val="tx1">
                     <a:tint val="75000"/>
@@ -1176,7 +1001,7 @@
             </a:lvl6pPr>
             <a:lvl7pPr marL="2743200" indent="0">
               <a:buNone/>
-              <a:defRPr sz="1600">
+              <a:defRPr sz="1400">
                 <a:solidFill>
                   <a:schemeClr val="tx1">
                     <a:tint val="75000"/>
@@ -1186,7 +1011,7 @@
             </a:lvl7pPr>
             <a:lvl8pPr marL="3200400" indent="0">
               <a:buNone/>
-              <a:defRPr sz="1600">
+              <a:defRPr sz="1400">
                 <a:solidFill>
                   <a:schemeClr val="tx1">
                     <a:tint val="75000"/>
@@ -1196,7 +1021,7 @@
             </a:lvl8pPr>
             <a:lvl9pPr marL="3657600" indent="0">
               <a:buNone/>
-              <a:defRPr sz="1600">
+              <a:defRPr sz="1400">
                 <a:solidFill>
                   <a:schemeClr val="tx1">
                     <a:tint val="75000"/>
@@ -1208,21 +1033,15 @@
           <a:p>
             <a:pPr lvl="0"/>
             <a:r>
-              <a:rPr kumimoji="1" lang="ja-JP" altLang="en-US"/>
-              <a:t>マスター テキストの書式設定</a:t>
-            </a:r>
-          </a:p>
-        </p:txBody>
-      </p:sp>
-      <p:sp>
-        <p:nvSpPr>
-          <p:cNvPr id="4" name="日付プレースホルダー 3">
-            <a:extLst>
-              <a:ext uri="{FF2B5EF4-FFF2-40B4-BE49-F238E27FC236}">
-                <a16:creationId xmlns:a16="http://schemas.microsoft.com/office/drawing/2014/main" id="{0916DC87-8596-B44E-E634-5411A2C30B01}"/>
-              </a:ext>
-            </a:extLst>
-          </p:cNvPr>
+              <a:rPr lang="en-US" smtClean="0"/>
+              <a:t>Click to edit Master text styles</a:t>
+            </a:r>
+          </a:p>
+        </p:txBody>
+      </p:sp>
+      <p:sp>
+        <p:nvSpPr>
+          <p:cNvPr id="4" name="Date Placeholder 3"/>
           <p:cNvSpPr>
             <a:spLocks noGrp="1"/>
           </p:cNvSpPr>
@@ -1235,23 +1054,17 @@
           <a:bodyPr/>
           <a:lstStyle/>
           <a:p>
-            <a:fld id="{690E477F-8790-4710-B968-AEEF74883170}" type="datetimeFigureOut">
-              <a:rPr kumimoji="1" lang="ja-JP" altLang="en-US" smtClean="0"/>
-              <a:t>2023/4/10</a:t>
+            <a:fld id="{5BCAD085-E8A6-8845-BD4E-CB4CCA059FC4}" type="datetimeFigureOut">
+              <a:rPr lang="en-US" smtClean="0"/>
+              <a:t>1/27/13</a:t>
             </a:fld>
-            <a:endParaRPr kumimoji="1" lang="ja-JP" altLang="en-US"/>
-          </a:p>
-        </p:txBody>
-      </p:sp>
-      <p:sp>
-        <p:nvSpPr>
-          <p:cNvPr id="5" name="フッター プレースホルダー 4">
-            <a:extLst>
-              <a:ext uri="{FF2B5EF4-FFF2-40B4-BE49-F238E27FC236}">
-                <a16:creationId xmlns:a16="http://schemas.microsoft.com/office/drawing/2014/main" id="{06C84024-C778-E06C-7593-C622FBB09CD1}"/>
-              </a:ext>
-            </a:extLst>
-          </p:cNvPr>
+            <a:endParaRPr lang="en-US"/>
+          </a:p>
+        </p:txBody>
+      </p:sp>
+      <p:sp>
+        <p:nvSpPr>
+          <p:cNvPr id="5" name="Footer Placeholder 4"/>
           <p:cNvSpPr>
             <a:spLocks noGrp="1"/>
           </p:cNvSpPr>
@@ -1264,19 +1077,13 @@
           <a:bodyPr/>
           <a:lstStyle/>
           <a:p>
-            <a:endParaRPr kumimoji="1" lang="ja-JP" altLang="en-US"/>
-          </a:p>
-        </p:txBody>
-      </p:sp>
-      <p:sp>
-        <p:nvSpPr>
-          <p:cNvPr id="6" name="スライド番号プレースホルダー 5">
-            <a:extLst>
-              <a:ext uri="{FF2B5EF4-FFF2-40B4-BE49-F238E27FC236}">
-                <a16:creationId xmlns:a16="http://schemas.microsoft.com/office/drawing/2014/main" id="{6947DE66-8E43-D71D-7E83-1D2166CF0752}"/>
-              </a:ext>
-            </a:extLst>
-          </p:cNvPr>
+            <a:endParaRPr lang="en-US"/>
+          </a:p>
+        </p:txBody>
+      </p:sp>
+      <p:sp>
+        <p:nvSpPr>
+          <p:cNvPr id="6" name="Slide Number Placeholder 5"/>
           <p:cNvSpPr>
             <a:spLocks noGrp="1"/>
           </p:cNvSpPr>
@@ -1289,18 +1096,18 @@
           <a:bodyPr/>
           <a:lstStyle/>
           <a:p>
-            <a:fld id="{6A52849B-4EC1-4B23-B151-A15F80D0261D}" type="slidenum">
-              <a:rPr kumimoji="1" lang="ja-JP" altLang="en-US" smtClean="0"/>
+            <a:fld id="{C1FF6DA9-008F-8B48-92A6-B652298478BF}" type="slidenum">
+              <a:rPr lang="en-US" smtClean="0"/>
               <a:t>‹#›</a:t>
             </a:fld>
-            <a:endParaRPr kumimoji="1" lang="ja-JP" altLang="en-US"/>
+            <a:endParaRPr lang="en-US"/>
           </a:p>
         </p:txBody>
       </p:sp>
     </p:spTree>
     <p:extLst>
       <p:ext uri="{BB962C8B-B14F-4D97-AF65-F5344CB8AC3E}">
-        <p14:creationId xmlns:p14="http://schemas.microsoft.com/office/powerpoint/2010/main" val="3720083673"/>
+        <p14:creationId xmlns:p14="http://schemas.microsoft.com/office/powerpoint/2010/main" val="960648375"/>
       </p:ext>
     </p:extLst>
   </p:cSld>
@@ -1312,7 +1119,7 @@
 
 <file path=ppt/slideLayouts/slideLayout4.xml><?xml version="1.0" encoding="utf-8"?>
 <p:sldLayout xmlns:a="http://schemas.openxmlformats.org/drawingml/2006/main" xmlns:r="http://schemas.openxmlformats.org/officeDocument/2006/relationships" xmlns:p="http://schemas.openxmlformats.org/presentationml/2006/main" type="twoObj" preserve="1">
-  <p:cSld name="2 つのコンテンツ">
+  <p:cSld name="Two Content">
     <p:spTree>
       <p:nvGrpSpPr>
         <p:cNvPr id="1" name=""/>
@@ -1329,13 +1136,7 @@
       </p:grpSpPr>
       <p:sp>
         <p:nvSpPr>
-          <p:cNvPr id="2" name="タイトル 1">
-            <a:extLst>
-              <a:ext uri="{FF2B5EF4-FFF2-40B4-BE49-F238E27FC236}">
-                <a16:creationId xmlns:a16="http://schemas.microsoft.com/office/drawing/2014/main" id="{AEC9053A-DA67-6C43-D4DB-40F92238BD9C}"/>
-              </a:ext>
-            </a:extLst>
-          </p:cNvPr>
+          <p:cNvPr id="2" name="Title 1"/>
           <p:cNvSpPr>
             <a:spLocks noGrp="1"/>
           </p:cNvSpPr>
@@ -1349,21 +1150,16 @@
           <a:lstStyle/>
           <a:p>
             <a:r>
-              <a:rPr kumimoji="1" lang="ja-JP" altLang="en-US"/>
-              <a:t>マスター タイトルの書式設定</a:t>
-            </a:r>
-          </a:p>
-        </p:txBody>
-      </p:sp>
-      <p:sp>
-        <p:nvSpPr>
-          <p:cNvPr id="3" name="コンテンツ プレースホルダー 2">
-            <a:extLst>
-              <a:ext uri="{FF2B5EF4-FFF2-40B4-BE49-F238E27FC236}">
-                <a16:creationId xmlns:a16="http://schemas.microsoft.com/office/drawing/2014/main" id="{9B9A725B-1E9F-325C-B7DC-6AAD29124002}"/>
-              </a:ext>
-            </a:extLst>
-          </p:cNvPr>
+              <a:rPr lang="en-US" smtClean="0"/>
+              <a:t>Click to edit Master title style</a:t>
+            </a:r>
+            <a:endParaRPr lang="en-US"/>
+          </a:p>
+        </p:txBody>
+      </p:sp>
+      <p:sp>
+        <p:nvSpPr>
+          <p:cNvPr id="3" name="Content Placeholder 2"/>
           <p:cNvSpPr>
             <a:spLocks noGrp="1"/>
           </p:cNvSpPr>
@@ -1373,91 +1169,82 @@
         </p:nvSpPr>
         <p:spPr>
           <a:xfrm>
-            <a:off x="838200" y="1825625"/>
-            <a:ext cx="5181600" cy="4351338"/>
+            <a:off x="457200" y="1600200"/>
+            <a:ext cx="4038600" cy="4525963"/>
           </a:xfrm>
         </p:spPr>
         <p:txBody>
           <a:bodyPr/>
-          <a:lstStyle/>
+          <a:lstStyle>
+            <a:lvl1pPr>
+              <a:defRPr sz="2800"/>
+            </a:lvl1pPr>
+            <a:lvl2pPr>
+              <a:defRPr sz="2400"/>
+            </a:lvl2pPr>
+            <a:lvl3pPr>
+              <a:defRPr sz="2000"/>
+            </a:lvl3pPr>
+            <a:lvl4pPr>
+              <a:defRPr sz="1800"/>
+            </a:lvl4pPr>
+            <a:lvl5pPr>
+              <a:defRPr sz="1800"/>
+            </a:lvl5pPr>
+            <a:lvl6pPr>
+              <a:defRPr sz="1800"/>
+            </a:lvl6pPr>
+            <a:lvl7pPr>
+              <a:defRPr sz="1800"/>
+            </a:lvl7pPr>
+            <a:lvl8pPr>
+              <a:defRPr sz="1800"/>
+            </a:lvl8pPr>
+            <a:lvl9pPr>
+              <a:defRPr sz="1800"/>
+            </a:lvl9pPr>
+          </a:lstStyle>
           <a:p>
             <a:pPr lvl="0"/>
             <a:r>
-              <a:rPr kumimoji="1" lang="ja-JP" altLang="en-US"/>
-              <a:t>マスター テキストの書式設定</a:t>
+              <a:rPr lang="en-US" smtClean="0"/>
+              <a:t>Click to edit Master text styles</a:t>
             </a:r>
           </a:p>
           <a:p>
             <a:pPr lvl="1"/>
             <a:r>
-              <a:rPr kumimoji="1" lang="ja-JP" altLang="en-US"/>
-              <a:t>第 </a:t>
-            </a:r>
-            <a:r>
-              <a:rPr kumimoji="1" lang="en-US" altLang="ja-JP"/>
-              <a:t>2 </a:t>
-            </a:r>
-            <a:r>
-              <a:rPr kumimoji="1" lang="ja-JP" altLang="en-US"/>
-              <a:t>レベル</a:t>
+              <a:rPr lang="en-US" smtClean="0"/>
+              <a:t>Second level</a:t>
             </a:r>
           </a:p>
           <a:p>
             <a:pPr lvl="2"/>
             <a:r>
-              <a:rPr kumimoji="1" lang="ja-JP" altLang="en-US"/>
-              <a:t>第 </a:t>
-            </a:r>
-            <a:r>
-              <a:rPr kumimoji="1" lang="en-US" altLang="ja-JP"/>
-              <a:t>3 </a:t>
-            </a:r>
-            <a:r>
-              <a:rPr kumimoji="1" lang="ja-JP" altLang="en-US"/>
-              <a:t>レベル</a:t>
+              <a:rPr lang="en-US" smtClean="0"/>
+              <a:t>Third level</a:t>
             </a:r>
           </a:p>
           <a:p>
             <a:pPr lvl="3"/>
             <a:r>
-              <a:rPr kumimoji="1" lang="ja-JP" altLang="en-US"/>
-              <a:t>第 </a:t>
-            </a:r>
-            <a:r>
-              <a:rPr kumimoji="1" lang="en-US" altLang="ja-JP"/>
-              <a:t>4 </a:t>
-            </a:r>
-            <a:r>
-              <a:rPr kumimoji="1" lang="ja-JP" altLang="en-US"/>
-              <a:t>レベル</a:t>
+              <a:rPr lang="en-US" smtClean="0"/>
+              <a:t>Fourth level</a:t>
             </a:r>
           </a:p>
           <a:p>
             <a:pPr lvl="4"/>
             <a:r>
-              <a:rPr kumimoji="1" lang="ja-JP" altLang="en-US"/>
-              <a:t>第 </a:t>
-            </a:r>
-            <a:r>
-              <a:rPr kumimoji="1" lang="en-US" altLang="ja-JP"/>
-              <a:t>5 </a:t>
-            </a:r>
-            <a:r>
-              <a:rPr kumimoji="1" lang="ja-JP" altLang="en-US"/>
-              <a:t>レベル</a:t>
-            </a:r>
-          </a:p>
-        </p:txBody>
-      </p:sp>
-      <p:sp>
-        <p:nvSpPr>
-          <p:cNvPr id="4" name="コンテンツ プレースホルダー 3">
-            <a:extLst>
-              <a:ext uri="{FF2B5EF4-FFF2-40B4-BE49-F238E27FC236}">
-                <a16:creationId xmlns:a16="http://schemas.microsoft.com/office/drawing/2014/main" id="{5653964E-F653-9B2E-793E-8A509A9E1F02}"/>
-              </a:ext>
-            </a:extLst>
-          </p:cNvPr>
+              <a:rPr lang="en-US" smtClean="0"/>
+              <a:t>Fifth level</a:t>
+            </a:r>
+            <a:endParaRPr lang="en-US"/>
+          </a:p>
+        </p:txBody>
+      </p:sp>
+      <p:sp>
+        <p:nvSpPr>
+          <p:cNvPr id="4" name="Content Placeholder 3"/>
           <p:cNvSpPr>
             <a:spLocks noGrp="1"/>
           </p:cNvSpPr>
@@ -1467,91 +1254,82 @@
         </p:nvSpPr>
         <p:spPr>
           <a:xfrm>
-            <a:off x="6172200" y="1825625"/>
-            <a:ext cx="5181600" cy="4351338"/>
+            <a:off x="4648200" y="1600200"/>
+            <a:ext cx="4038600" cy="4525963"/>
           </a:xfrm>
         </p:spPr>
         <p:txBody>
           <a:bodyPr/>
-          <a:lstStyle/>
+          <a:lstStyle>
+            <a:lvl1pPr>
+              <a:defRPr sz="2800"/>
+            </a:lvl1pPr>
+            <a:lvl2pPr>
+              <a:defRPr sz="2400"/>
+            </a:lvl2pPr>
+            <a:lvl3pPr>
+              <a:defRPr sz="2000"/>
+            </a:lvl3pPr>
+            <a:lvl4pPr>
+              <a:defRPr sz="1800"/>
+            </a:lvl4pPr>
+            <a:lvl5pPr>
+              <a:defRPr sz="1800"/>
+            </a:lvl5pPr>
+            <a:lvl6pPr>
+              <a:defRPr sz="1800"/>
+            </a:lvl6pPr>
+            <a:lvl7pPr>
+              <a:defRPr sz="1800"/>
+            </a:lvl7pPr>
+            <a:lvl8pPr>
+              <a:defRPr sz="1800"/>
+            </a:lvl8pPr>
+            <a:lvl9pPr>
+              <a:defRPr sz="1800"/>
+            </a:lvl9pPr>
+          </a:lstStyle>
           <a:p>
             <a:pPr lvl="0"/>
             <a:r>
-              <a:rPr kumimoji="1" lang="ja-JP" altLang="en-US"/>
-              <a:t>マスター テキストの書式設定</a:t>
+              <a:rPr lang="en-US" smtClean="0"/>
+              <a:t>Click to edit Master text styles</a:t>
             </a:r>
           </a:p>
           <a:p>
             <a:pPr lvl="1"/>
             <a:r>
-              <a:rPr kumimoji="1" lang="ja-JP" altLang="en-US"/>
-              <a:t>第 </a:t>
-            </a:r>
-            <a:r>
-              <a:rPr kumimoji="1" lang="en-US" altLang="ja-JP"/>
-              <a:t>2 </a:t>
-            </a:r>
-            <a:r>
-              <a:rPr kumimoji="1" lang="ja-JP" altLang="en-US"/>
-              <a:t>レベル</a:t>
+              <a:rPr lang="en-US" smtClean="0"/>
+              <a:t>Second level</a:t>
             </a:r>
           </a:p>
           <a:p>
             <a:pPr lvl="2"/>
             <a:r>
-              <a:rPr kumimoji="1" lang="ja-JP" altLang="en-US"/>
-              <a:t>第 </a:t>
-            </a:r>
-            <a:r>
-              <a:rPr kumimoji="1" lang="en-US" altLang="ja-JP"/>
-              <a:t>3 </a:t>
-            </a:r>
-            <a:r>
-              <a:rPr kumimoji="1" lang="ja-JP" altLang="en-US"/>
-              <a:t>レベル</a:t>
+              <a:rPr lang="en-US" smtClean="0"/>
+              <a:t>Third level</a:t>
             </a:r>
           </a:p>
           <a:p>
             <a:pPr lvl="3"/>
             <a:r>
-              <a:rPr kumimoji="1" lang="ja-JP" altLang="en-US"/>
-              <a:t>第 </a:t>
-            </a:r>
-            <a:r>
-              <a:rPr kumimoji="1" lang="en-US" altLang="ja-JP"/>
-              <a:t>4 </a:t>
-            </a:r>
-            <a:r>
-              <a:rPr kumimoji="1" lang="ja-JP" altLang="en-US"/>
-              <a:t>レベル</a:t>
+              <a:rPr lang="en-US" smtClean="0"/>
+              <a:t>Fourth level</a:t>
             </a:r>
           </a:p>
           <a:p>
             <a:pPr lvl="4"/>
             <a:r>
-              <a:rPr kumimoji="1" lang="ja-JP" altLang="en-US"/>
-              <a:t>第 </a:t>
-            </a:r>
-            <a:r>
-              <a:rPr kumimoji="1" lang="en-US" altLang="ja-JP"/>
-              <a:t>5 </a:t>
-            </a:r>
-            <a:r>
-              <a:rPr kumimoji="1" lang="ja-JP" altLang="en-US"/>
-              <a:t>レベル</a:t>
-            </a:r>
-          </a:p>
-        </p:txBody>
-      </p:sp>
-      <p:sp>
-        <p:nvSpPr>
-          <p:cNvPr id="5" name="日付プレースホルダー 4">
-            <a:extLst>
-              <a:ext uri="{FF2B5EF4-FFF2-40B4-BE49-F238E27FC236}">
-                <a16:creationId xmlns:a16="http://schemas.microsoft.com/office/drawing/2014/main" id="{3432FF52-9B9B-8365-BFDA-C87D00721BAF}"/>
-              </a:ext>
-            </a:extLst>
-          </p:cNvPr>
+              <a:rPr lang="en-US" smtClean="0"/>
+              <a:t>Fifth level</a:t>
+            </a:r>
+            <a:endParaRPr lang="en-US"/>
+          </a:p>
+        </p:txBody>
+      </p:sp>
+      <p:sp>
+        <p:nvSpPr>
+          <p:cNvPr id="5" name="Date Placeholder 4"/>
           <p:cNvSpPr>
             <a:spLocks noGrp="1"/>
           </p:cNvSpPr>
@@ -1564,23 +1342,17 @@
           <a:bodyPr/>
           <a:lstStyle/>
           <a:p>
-            <a:fld id="{690E477F-8790-4710-B968-AEEF74883170}" type="datetimeFigureOut">
-              <a:rPr kumimoji="1" lang="ja-JP" altLang="en-US" smtClean="0"/>
-              <a:t>2023/4/10</a:t>
+            <a:fld id="{5BCAD085-E8A6-8845-BD4E-CB4CCA059FC4}" type="datetimeFigureOut">
+              <a:rPr lang="en-US" smtClean="0"/>
+              <a:t>1/27/13</a:t>
             </a:fld>
-            <a:endParaRPr kumimoji="1" lang="ja-JP" altLang="en-US"/>
-          </a:p>
-        </p:txBody>
-      </p:sp>
-      <p:sp>
-        <p:nvSpPr>
-          <p:cNvPr id="6" name="フッター プレースホルダー 5">
-            <a:extLst>
-              <a:ext uri="{FF2B5EF4-FFF2-40B4-BE49-F238E27FC236}">
-                <a16:creationId xmlns:a16="http://schemas.microsoft.com/office/drawing/2014/main" id="{55158595-6359-EC76-7BD9-C1B7BB71DDCE}"/>
-              </a:ext>
-            </a:extLst>
-          </p:cNvPr>
+            <a:endParaRPr lang="en-US"/>
+          </a:p>
+        </p:txBody>
+      </p:sp>
+      <p:sp>
+        <p:nvSpPr>
+          <p:cNvPr id="6" name="Footer Placeholder 5"/>
           <p:cNvSpPr>
             <a:spLocks noGrp="1"/>
           </p:cNvSpPr>
@@ -1593,19 +1365,13 @@
           <a:bodyPr/>
           <a:lstStyle/>
           <a:p>
-            <a:endParaRPr kumimoji="1" lang="ja-JP" altLang="en-US"/>
-          </a:p>
-        </p:txBody>
-      </p:sp>
-      <p:sp>
-        <p:nvSpPr>
-          <p:cNvPr id="7" name="スライド番号プレースホルダー 6">
-            <a:extLst>
-              <a:ext uri="{FF2B5EF4-FFF2-40B4-BE49-F238E27FC236}">
-                <a16:creationId xmlns:a16="http://schemas.microsoft.com/office/drawing/2014/main" id="{73DD4757-5D30-CD2F-EEE0-EC183BBF0E09}"/>
-              </a:ext>
-            </a:extLst>
-          </p:cNvPr>
+            <a:endParaRPr lang="en-US"/>
+          </a:p>
+        </p:txBody>
+      </p:sp>
+      <p:sp>
+        <p:nvSpPr>
+          <p:cNvPr id="7" name="Slide Number Placeholder 6"/>
           <p:cNvSpPr>
             <a:spLocks noGrp="1"/>
           </p:cNvSpPr>
@@ -1618,18 +1384,18 @@
           <a:bodyPr/>
           <a:lstStyle/>
           <a:p>
-            <a:fld id="{6A52849B-4EC1-4B23-B151-A15F80D0261D}" type="slidenum">
-              <a:rPr kumimoji="1" lang="ja-JP" altLang="en-US" smtClean="0"/>
+            <a:fld id="{C1FF6DA9-008F-8B48-92A6-B652298478BF}" type="slidenum">
+              <a:rPr lang="en-US" smtClean="0"/>
               <a:t>‹#›</a:t>
             </a:fld>
-            <a:endParaRPr kumimoji="1" lang="ja-JP" altLang="en-US"/>
+            <a:endParaRPr lang="en-US"/>
           </a:p>
         </p:txBody>
       </p:sp>
     </p:spTree>
     <p:extLst>
       <p:ext uri="{BB962C8B-B14F-4D97-AF65-F5344CB8AC3E}">
-        <p14:creationId xmlns:p14="http://schemas.microsoft.com/office/powerpoint/2010/main" val="1348701896"/>
+        <p14:creationId xmlns:p14="http://schemas.microsoft.com/office/powerpoint/2010/main" val="2782244947"/>
       </p:ext>
     </p:extLst>
   </p:cSld>
@@ -1641,7 +1407,7 @@
 
 <file path=ppt/slideLayouts/slideLayout5.xml><?xml version="1.0" encoding="utf-8"?>
 <p:sldLayout xmlns:a="http://schemas.openxmlformats.org/drawingml/2006/main" xmlns:r="http://schemas.openxmlformats.org/officeDocument/2006/relationships" xmlns:p="http://schemas.openxmlformats.org/presentationml/2006/main" type="twoTxTwoObj" preserve="1">
-  <p:cSld name="比較">
+  <p:cSld name="Comparison">
     <p:spTree>
       <p:nvGrpSpPr>
         <p:cNvPr id="1" name=""/>
@@ -1658,57 +1424,45 @@
       </p:grpSpPr>
       <p:sp>
         <p:nvSpPr>
-          <p:cNvPr id="2" name="タイトル 1">
-            <a:extLst>
-              <a:ext uri="{FF2B5EF4-FFF2-40B4-BE49-F238E27FC236}">
-                <a16:creationId xmlns:a16="http://schemas.microsoft.com/office/drawing/2014/main" id="{5E0ED008-5908-0B75-36CF-DE7BC01A7E4C}"/>
-              </a:ext>
-            </a:extLst>
-          </p:cNvPr>
+          <p:cNvPr id="2" name="Title 1"/>
           <p:cNvSpPr>
             <a:spLocks noGrp="1"/>
           </p:cNvSpPr>
           <p:nvPr>
             <p:ph type="title"/>
+          </p:nvPr>
+        </p:nvSpPr>
+        <p:spPr/>
+        <p:txBody>
+          <a:bodyPr/>
+          <a:lstStyle>
+            <a:lvl1pPr>
+              <a:defRPr/>
+            </a:lvl1pPr>
+          </a:lstStyle>
+          <a:p>
+            <a:r>
+              <a:rPr lang="en-US" smtClean="0"/>
+              <a:t>Click to edit Master title style</a:t>
+            </a:r>
+            <a:endParaRPr lang="en-US"/>
+          </a:p>
+        </p:txBody>
+      </p:sp>
+      <p:sp>
+        <p:nvSpPr>
+          <p:cNvPr id="3" name="Text Placeholder 2"/>
+          <p:cNvSpPr>
+            <a:spLocks noGrp="1"/>
+          </p:cNvSpPr>
+          <p:nvPr>
+            <p:ph type="body" idx="1"/>
           </p:nvPr>
         </p:nvSpPr>
         <p:spPr>
           <a:xfrm>
-            <a:off x="839788" y="365125"/>
-            <a:ext cx="10515600" cy="1325563"/>
-          </a:xfrm>
-        </p:spPr>
-        <p:txBody>
-          <a:bodyPr/>
-          <a:lstStyle/>
-          <a:p>
-            <a:r>
-              <a:rPr kumimoji="1" lang="ja-JP" altLang="en-US"/>
-              <a:t>マスター タイトルの書式設定</a:t>
-            </a:r>
-          </a:p>
-        </p:txBody>
-      </p:sp>
-      <p:sp>
-        <p:nvSpPr>
-          <p:cNvPr id="3" name="テキスト プレースホルダー 2">
-            <a:extLst>
-              <a:ext uri="{FF2B5EF4-FFF2-40B4-BE49-F238E27FC236}">
-                <a16:creationId xmlns:a16="http://schemas.microsoft.com/office/drawing/2014/main" id="{121C5FC0-854A-5675-5D49-9916AF333652}"/>
-              </a:ext>
-            </a:extLst>
-          </p:cNvPr>
-          <p:cNvSpPr>
-            <a:spLocks noGrp="1"/>
-          </p:cNvSpPr>
-          <p:nvPr>
-            <p:ph type="body" idx="1"/>
-          </p:nvPr>
-        </p:nvSpPr>
-        <p:spPr>
-          <a:xfrm>
-            <a:off x="839788" y="1681163"/>
-            <a:ext cx="5157787" cy="823912"/>
+            <a:off x="457200" y="1535113"/>
+            <a:ext cx="4040188" cy="639762"/>
           </a:xfrm>
         </p:spPr>
         <p:txBody>
@@ -1754,21 +1508,15 @@
           <a:p>
             <a:pPr lvl="0"/>
             <a:r>
-              <a:rPr kumimoji="1" lang="ja-JP" altLang="en-US"/>
-              <a:t>マスター テキストの書式設定</a:t>
-            </a:r>
-          </a:p>
-        </p:txBody>
-      </p:sp>
-      <p:sp>
-        <p:nvSpPr>
-          <p:cNvPr id="4" name="コンテンツ プレースホルダー 3">
-            <a:extLst>
-              <a:ext uri="{FF2B5EF4-FFF2-40B4-BE49-F238E27FC236}">
-                <a16:creationId xmlns:a16="http://schemas.microsoft.com/office/drawing/2014/main" id="{D2256166-82C7-9314-402C-BC16C3E68816}"/>
-              </a:ext>
-            </a:extLst>
-          </p:cNvPr>
+              <a:rPr lang="en-US" smtClean="0"/>
+              <a:t>Click to edit Master text styles</a:t>
+            </a:r>
+          </a:p>
+        </p:txBody>
+      </p:sp>
+      <p:sp>
+        <p:nvSpPr>
+          <p:cNvPr id="4" name="Content Placeholder 3"/>
           <p:cNvSpPr>
             <a:spLocks noGrp="1"/>
           </p:cNvSpPr>
@@ -1778,91 +1526,82 @@
         </p:nvSpPr>
         <p:spPr>
           <a:xfrm>
-            <a:off x="839788" y="2505075"/>
-            <a:ext cx="5157787" cy="3684588"/>
+            <a:off x="457200" y="2174875"/>
+            <a:ext cx="4040188" cy="3951288"/>
           </a:xfrm>
         </p:spPr>
         <p:txBody>
           <a:bodyPr/>
-          <a:lstStyle/>
+          <a:lstStyle>
+            <a:lvl1pPr>
+              <a:defRPr sz="2400"/>
+            </a:lvl1pPr>
+            <a:lvl2pPr>
+              <a:defRPr sz="2000"/>
+            </a:lvl2pPr>
+            <a:lvl3pPr>
+              <a:defRPr sz="1800"/>
+            </a:lvl3pPr>
+            <a:lvl4pPr>
+              <a:defRPr sz="1600"/>
+            </a:lvl4pPr>
+            <a:lvl5pPr>
+              <a:defRPr sz="1600"/>
+            </a:lvl5pPr>
+            <a:lvl6pPr>
+              <a:defRPr sz="1600"/>
+            </a:lvl6pPr>
+            <a:lvl7pPr>
+              <a:defRPr sz="1600"/>
+            </a:lvl7pPr>
+            <a:lvl8pPr>
+              <a:defRPr sz="1600"/>
+            </a:lvl8pPr>
+            <a:lvl9pPr>
+              <a:defRPr sz="1600"/>
+            </a:lvl9pPr>
+          </a:lstStyle>
           <a:p>
             <a:pPr lvl="0"/>
             <a:r>
-              <a:rPr kumimoji="1" lang="ja-JP" altLang="en-US"/>
-              <a:t>マスター テキストの書式設定</a:t>
+              <a:rPr lang="en-US" smtClean="0"/>
+              <a:t>Click to edit Master text styles</a:t>
             </a:r>
           </a:p>
           <a:p>
             <a:pPr lvl="1"/>
             <a:r>
-              <a:rPr kumimoji="1" lang="ja-JP" altLang="en-US"/>
-              <a:t>第 </a:t>
-            </a:r>
-            <a:r>
-              <a:rPr kumimoji="1" lang="en-US" altLang="ja-JP"/>
-              <a:t>2 </a:t>
-            </a:r>
-            <a:r>
-              <a:rPr kumimoji="1" lang="ja-JP" altLang="en-US"/>
-              <a:t>レベル</a:t>
+              <a:rPr lang="en-US" smtClean="0"/>
+              <a:t>Second level</a:t>
             </a:r>
           </a:p>
           <a:p>
             <a:pPr lvl="2"/>
             <a:r>
-              <a:rPr kumimoji="1" lang="ja-JP" altLang="en-US"/>
-              <a:t>第 </a:t>
-            </a:r>
-            <a:r>
-              <a:rPr kumimoji="1" lang="en-US" altLang="ja-JP"/>
-              <a:t>3 </a:t>
-            </a:r>
-            <a:r>
-              <a:rPr kumimoji="1" lang="ja-JP" altLang="en-US"/>
-              <a:t>レベル</a:t>
+              <a:rPr lang="en-US" smtClean="0"/>
+              <a:t>Third level</a:t>
             </a:r>
           </a:p>
           <a:p>
             <a:pPr lvl="3"/>
             <a:r>
-              <a:rPr kumimoji="1" lang="ja-JP" altLang="en-US"/>
-              <a:t>第 </a:t>
-            </a:r>
-            <a:r>
-              <a:rPr kumimoji="1" lang="en-US" altLang="ja-JP"/>
-              <a:t>4 </a:t>
-            </a:r>
-            <a:r>
-              <a:rPr kumimoji="1" lang="ja-JP" altLang="en-US"/>
-              <a:t>レベル</a:t>
+              <a:rPr lang="en-US" smtClean="0"/>
+              <a:t>Fourth level</a:t>
             </a:r>
           </a:p>
           <a:p>
             <a:pPr lvl="4"/>
             <a:r>
-              <a:rPr kumimoji="1" lang="ja-JP" altLang="en-US"/>
-              <a:t>第 </a:t>
-            </a:r>
-            <a:r>
-              <a:rPr kumimoji="1" lang="en-US" altLang="ja-JP"/>
-              <a:t>5 </a:t>
-            </a:r>
-            <a:r>
-              <a:rPr kumimoji="1" lang="ja-JP" altLang="en-US"/>
-              <a:t>レベル</a:t>
-            </a:r>
-          </a:p>
-        </p:txBody>
-      </p:sp>
-      <p:sp>
-        <p:nvSpPr>
-          <p:cNvPr id="5" name="テキスト プレースホルダー 4">
-            <a:extLst>
-              <a:ext uri="{FF2B5EF4-FFF2-40B4-BE49-F238E27FC236}">
-                <a16:creationId xmlns:a16="http://schemas.microsoft.com/office/drawing/2014/main" id="{33BAED81-AA12-3B79-106D-BF1272E57E8C}"/>
-              </a:ext>
-            </a:extLst>
-          </p:cNvPr>
+              <a:rPr lang="en-US" smtClean="0"/>
+              <a:t>Fifth level</a:t>
+            </a:r>
+            <a:endParaRPr lang="en-US"/>
+          </a:p>
+        </p:txBody>
+      </p:sp>
+      <p:sp>
+        <p:nvSpPr>
+          <p:cNvPr id="5" name="Text Placeholder 4"/>
           <p:cNvSpPr>
             <a:spLocks noGrp="1"/>
           </p:cNvSpPr>
@@ -1872,8 +1611,8 @@
         </p:nvSpPr>
         <p:spPr>
           <a:xfrm>
-            <a:off x="6172200" y="1681163"/>
-            <a:ext cx="5183188" cy="823912"/>
+            <a:off x="4645025" y="1535113"/>
+            <a:ext cx="4041775" cy="639762"/>
           </a:xfrm>
         </p:spPr>
         <p:txBody>
@@ -1919,21 +1658,15 @@
           <a:p>
             <a:pPr lvl="0"/>
             <a:r>
-              <a:rPr kumimoji="1" lang="ja-JP" altLang="en-US"/>
-              <a:t>マスター テキストの書式設定</a:t>
-            </a:r>
-          </a:p>
-        </p:txBody>
-      </p:sp>
-      <p:sp>
-        <p:nvSpPr>
-          <p:cNvPr id="6" name="コンテンツ プレースホルダー 5">
-            <a:extLst>
-              <a:ext uri="{FF2B5EF4-FFF2-40B4-BE49-F238E27FC236}">
-                <a16:creationId xmlns:a16="http://schemas.microsoft.com/office/drawing/2014/main" id="{7A45C102-9CDE-725F-A345-EA5A164385DE}"/>
-              </a:ext>
-            </a:extLst>
-          </p:cNvPr>
+              <a:rPr lang="en-US" smtClean="0"/>
+              <a:t>Click to edit Master text styles</a:t>
+            </a:r>
+          </a:p>
+        </p:txBody>
+      </p:sp>
+      <p:sp>
+        <p:nvSpPr>
+          <p:cNvPr id="6" name="Content Placeholder 5"/>
           <p:cNvSpPr>
             <a:spLocks noGrp="1"/>
           </p:cNvSpPr>
@@ -1943,91 +1676,82 @@
         </p:nvSpPr>
         <p:spPr>
           <a:xfrm>
-            <a:off x="6172200" y="2505075"/>
-            <a:ext cx="5183188" cy="3684588"/>
+            <a:off x="4645025" y="2174875"/>
+            <a:ext cx="4041775" cy="3951288"/>
           </a:xfrm>
         </p:spPr>
         <p:txBody>
           <a:bodyPr/>
-          <a:lstStyle/>
+          <a:lstStyle>
+            <a:lvl1pPr>
+              <a:defRPr sz="2400"/>
+            </a:lvl1pPr>
+            <a:lvl2pPr>
+              <a:defRPr sz="2000"/>
+            </a:lvl2pPr>
+            <a:lvl3pPr>
+              <a:defRPr sz="1800"/>
+            </a:lvl3pPr>
+            <a:lvl4pPr>
+              <a:defRPr sz="1600"/>
+            </a:lvl4pPr>
+            <a:lvl5pPr>
+              <a:defRPr sz="1600"/>
+            </a:lvl5pPr>
+            <a:lvl6pPr>
+              <a:defRPr sz="1600"/>
+            </a:lvl6pPr>
+            <a:lvl7pPr>
+              <a:defRPr sz="1600"/>
+            </a:lvl7pPr>
+            <a:lvl8pPr>
+              <a:defRPr sz="1600"/>
+            </a:lvl8pPr>
+            <a:lvl9pPr>
+              <a:defRPr sz="1600"/>
+            </a:lvl9pPr>
+          </a:lstStyle>
           <a:p>
             <a:pPr lvl="0"/>
             <a:r>
-              <a:rPr kumimoji="1" lang="ja-JP" altLang="en-US"/>
-              <a:t>マスター テキストの書式設定</a:t>
+              <a:rPr lang="en-US" smtClean="0"/>
+              <a:t>Click to edit Master text styles</a:t>
             </a:r>
           </a:p>
           <a:p>
             <a:pPr lvl="1"/>
             <a:r>
-              <a:rPr kumimoji="1" lang="ja-JP" altLang="en-US"/>
-              <a:t>第 </a:t>
-            </a:r>
-            <a:r>
-              <a:rPr kumimoji="1" lang="en-US" altLang="ja-JP"/>
-              <a:t>2 </a:t>
-            </a:r>
-            <a:r>
-              <a:rPr kumimoji="1" lang="ja-JP" altLang="en-US"/>
-              <a:t>レベル</a:t>
+              <a:rPr lang="en-US" smtClean="0"/>
+              <a:t>Second level</a:t>
             </a:r>
           </a:p>
           <a:p>
             <a:pPr lvl="2"/>
             <a:r>
-              <a:rPr kumimoji="1" lang="ja-JP" altLang="en-US"/>
-              <a:t>第 </a:t>
-            </a:r>
-            <a:r>
-              <a:rPr kumimoji="1" lang="en-US" altLang="ja-JP"/>
-              <a:t>3 </a:t>
-            </a:r>
-            <a:r>
-              <a:rPr kumimoji="1" lang="ja-JP" altLang="en-US"/>
-              <a:t>レベル</a:t>
+              <a:rPr lang="en-US" smtClean="0"/>
+              <a:t>Third level</a:t>
             </a:r>
           </a:p>
           <a:p>
             <a:pPr lvl="3"/>
             <a:r>
-              <a:rPr kumimoji="1" lang="ja-JP" altLang="en-US"/>
-              <a:t>第 </a:t>
-            </a:r>
-            <a:r>
-              <a:rPr kumimoji="1" lang="en-US" altLang="ja-JP"/>
-              <a:t>4 </a:t>
-            </a:r>
-            <a:r>
-              <a:rPr kumimoji="1" lang="ja-JP" altLang="en-US"/>
-              <a:t>レベル</a:t>
+              <a:rPr lang="en-US" smtClean="0"/>
+              <a:t>Fourth level</a:t>
             </a:r>
           </a:p>
           <a:p>
             <a:pPr lvl="4"/>
             <a:r>
-              <a:rPr kumimoji="1" lang="ja-JP" altLang="en-US"/>
-              <a:t>第 </a:t>
-            </a:r>
-            <a:r>
-              <a:rPr kumimoji="1" lang="en-US" altLang="ja-JP"/>
-              <a:t>5 </a:t>
-            </a:r>
-            <a:r>
-              <a:rPr kumimoji="1" lang="ja-JP" altLang="en-US"/>
-              <a:t>レベル</a:t>
-            </a:r>
-          </a:p>
-        </p:txBody>
-      </p:sp>
-      <p:sp>
-        <p:nvSpPr>
-          <p:cNvPr id="7" name="日付プレースホルダー 6">
-            <a:extLst>
-              <a:ext uri="{FF2B5EF4-FFF2-40B4-BE49-F238E27FC236}">
-                <a16:creationId xmlns:a16="http://schemas.microsoft.com/office/drawing/2014/main" id="{C0AB164F-C95E-263D-EED5-6001DA22CCF2}"/>
-              </a:ext>
-            </a:extLst>
-          </p:cNvPr>
+              <a:rPr lang="en-US" smtClean="0"/>
+              <a:t>Fifth level</a:t>
+            </a:r>
+            <a:endParaRPr lang="en-US"/>
+          </a:p>
+        </p:txBody>
+      </p:sp>
+      <p:sp>
+        <p:nvSpPr>
+          <p:cNvPr id="7" name="Date Placeholder 6"/>
           <p:cNvSpPr>
             <a:spLocks noGrp="1"/>
           </p:cNvSpPr>
@@ -2040,23 +1764,17 @@
           <a:bodyPr/>
           <a:lstStyle/>
           <a:p>
-            <a:fld id="{690E477F-8790-4710-B968-AEEF74883170}" type="datetimeFigureOut">
-              <a:rPr kumimoji="1" lang="ja-JP" altLang="en-US" smtClean="0"/>
-              <a:t>2023/4/10</a:t>
+            <a:fld id="{5BCAD085-E8A6-8845-BD4E-CB4CCA059FC4}" type="datetimeFigureOut">
+              <a:rPr lang="en-US" smtClean="0"/>
+              <a:t>1/27/13</a:t>
             </a:fld>
-            <a:endParaRPr kumimoji="1" lang="ja-JP" altLang="en-US"/>
-          </a:p>
-        </p:txBody>
-      </p:sp>
-      <p:sp>
-        <p:nvSpPr>
-          <p:cNvPr id="8" name="フッター プレースホルダー 7">
-            <a:extLst>
-              <a:ext uri="{FF2B5EF4-FFF2-40B4-BE49-F238E27FC236}">
-                <a16:creationId xmlns:a16="http://schemas.microsoft.com/office/drawing/2014/main" id="{4989F5AA-D11D-7423-6BDC-B2723F53AF04}"/>
-              </a:ext>
-            </a:extLst>
-          </p:cNvPr>
+            <a:endParaRPr lang="en-US"/>
+          </a:p>
+        </p:txBody>
+      </p:sp>
+      <p:sp>
+        <p:nvSpPr>
+          <p:cNvPr id="8" name="Footer Placeholder 7"/>
           <p:cNvSpPr>
             <a:spLocks noGrp="1"/>
           </p:cNvSpPr>
@@ -2069,19 +1787,13 @@
           <a:bodyPr/>
           <a:lstStyle/>
           <a:p>
-            <a:endParaRPr kumimoji="1" lang="ja-JP" altLang="en-US"/>
-          </a:p>
-        </p:txBody>
-      </p:sp>
-      <p:sp>
-        <p:nvSpPr>
-          <p:cNvPr id="9" name="スライド番号プレースホルダー 8">
-            <a:extLst>
-              <a:ext uri="{FF2B5EF4-FFF2-40B4-BE49-F238E27FC236}">
-                <a16:creationId xmlns:a16="http://schemas.microsoft.com/office/drawing/2014/main" id="{F614321D-641B-4B33-3CAD-5977896FD86C}"/>
-              </a:ext>
-            </a:extLst>
-          </p:cNvPr>
+            <a:endParaRPr lang="en-US"/>
+          </a:p>
+        </p:txBody>
+      </p:sp>
+      <p:sp>
+        <p:nvSpPr>
+          <p:cNvPr id="9" name="Slide Number Placeholder 8"/>
           <p:cNvSpPr>
             <a:spLocks noGrp="1"/>
           </p:cNvSpPr>
@@ -2094,18 +1806,18 @@
           <a:bodyPr/>
           <a:lstStyle/>
           <a:p>
-            <a:fld id="{6A52849B-4EC1-4B23-B151-A15F80D0261D}" type="slidenum">
-              <a:rPr kumimoji="1" lang="ja-JP" altLang="en-US" smtClean="0"/>
+            <a:fld id="{C1FF6DA9-008F-8B48-92A6-B652298478BF}" type="slidenum">
+              <a:rPr lang="en-US" smtClean="0"/>
               <a:t>‹#›</a:t>
             </a:fld>
-            <a:endParaRPr kumimoji="1" lang="ja-JP" altLang="en-US"/>
+            <a:endParaRPr lang="en-US"/>
           </a:p>
         </p:txBody>
       </p:sp>
     </p:spTree>
     <p:extLst>
       <p:ext uri="{BB962C8B-B14F-4D97-AF65-F5344CB8AC3E}">
-        <p14:creationId xmlns:p14="http://schemas.microsoft.com/office/powerpoint/2010/main" val="4220507090"/>
+        <p14:creationId xmlns:p14="http://schemas.microsoft.com/office/powerpoint/2010/main" val="990158736"/>
       </p:ext>
     </p:extLst>
   </p:cSld>
@@ -2117,7 +1829,7 @@
 
 <file path=ppt/slideLayouts/slideLayout6.xml><?xml version="1.0" encoding="utf-8"?>
 <p:sldLayout xmlns:a="http://schemas.openxmlformats.org/drawingml/2006/main" xmlns:r="http://schemas.openxmlformats.org/officeDocument/2006/relationships" xmlns:p="http://schemas.openxmlformats.org/presentationml/2006/main" type="titleOnly" preserve="1">
-  <p:cSld name="タイトルのみ">
+  <p:cSld name="Title Only">
     <p:spTree>
       <p:nvGrpSpPr>
         <p:cNvPr id="1" name=""/>
@@ -2134,13 +1846,7 @@
       </p:grpSpPr>
       <p:sp>
         <p:nvSpPr>
-          <p:cNvPr id="2" name="タイトル 1">
-            <a:extLst>
-              <a:ext uri="{FF2B5EF4-FFF2-40B4-BE49-F238E27FC236}">
-                <a16:creationId xmlns:a16="http://schemas.microsoft.com/office/drawing/2014/main" id="{D0E9CFC8-8F23-02B4-8656-D35BB1D1FEE8}"/>
-              </a:ext>
-            </a:extLst>
-          </p:cNvPr>
+          <p:cNvPr id="2" name="Title 1"/>
           <p:cNvSpPr>
             <a:spLocks noGrp="1"/>
           </p:cNvSpPr>
@@ -2154,21 +1860,16 @@
           <a:lstStyle/>
           <a:p>
             <a:r>
-              <a:rPr kumimoji="1" lang="ja-JP" altLang="en-US"/>
-              <a:t>マスター タイトルの書式設定</a:t>
-            </a:r>
-          </a:p>
-        </p:txBody>
-      </p:sp>
-      <p:sp>
-        <p:nvSpPr>
-          <p:cNvPr id="3" name="日付プレースホルダー 2">
-            <a:extLst>
-              <a:ext uri="{FF2B5EF4-FFF2-40B4-BE49-F238E27FC236}">
-                <a16:creationId xmlns:a16="http://schemas.microsoft.com/office/drawing/2014/main" id="{14AED479-4295-0AAA-FCBD-13D91DE230F2}"/>
-              </a:ext>
-            </a:extLst>
-          </p:cNvPr>
+              <a:rPr lang="en-US" smtClean="0"/>
+              <a:t>Click to edit Master title style</a:t>
+            </a:r>
+            <a:endParaRPr lang="en-US"/>
+          </a:p>
+        </p:txBody>
+      </p:sp>
+      <p:sp>
+        <p:nvSpPr>
+          <p:cNvPr id="3" name="Date Placeholder 2"/>
           <p:cNvSpPr>
             <a:spLocks noGrp="1"/>
           </p:cNvSpPr>
@@ -2181,23 +1882,17 @@
           <a:bodyPr/>
           <a:lstStyle/>
           <a:p>
-            <a:fld id="{690E477F-8790-4710-B968-AEEF74883170}" type="datetimeFigureOut">
-              <a:rPr kumimoji="1" lang="ja-JP" altLang="en-US" smtClean="0"/>
-              <a:t>2023/4/10</a:t>
+            <a:fld id="{5BCAD085-E8A6-8845-BD4E-CB4CCA059FC4}" type="datetimeFigureOut">
+              <a:rPr lang="en-US" smtClean="0"/>
+              <a:t>1/27/13</a:t>
             </a:fld>
-            <a:endParaRPr kumimoji="1" lang="ja-JP" altLang="en-US"/>
-          </a:p>
-        </p:txBody>
-      </p:sp>
-      <p:sp>
-        <p:nvSpPr>
-          <p:cNvPr id="4" name="フッター プレースホルダー 3">
-            <a:extLst>
-              <a:ext uri="{FF2B5EF4-FFF2-40B4-BE49-F238E27FC236}">
-                <a16:creationId xmlns:a16="http://schemas.microsoft.com/office/drawing/2014/main" id="{68E8AA89-D728-EF76-D8F4-CD071FE097D2}"/>
-              </a:ext>
-            </a:extLst>
-          </p:cNvPr>
+            <a:endParaRPr lang="en-US"/>
+          </a:p>
+        </p:txBody>
+      </p:sp>
+      <p:sp>
+        <p:nvSpPr>
+          <p:cNvPr id="4" name="Footer Placeholder 3"/>
           <p:cNvSpPr>
             <a:spLocks noGrp="1"/>
           </p:cNvSpPr>
@@ -2210,19 +1905,13 @@
           <a:bodyPr/>
           <a:lstStyle/>
           <a:p>
-            <a:endParaRPr kumimoji="1" lang="ja-JP" altLang="en-US"/>
-          </a:p>
-        </p:txBody>
-      </p:sp>
-      <p:sp>
-        <p:nvSpPr>
-          <p:cNvPr id="5" name="スライド番号プレースホルダー 4">
-            <a:extLst>
-              <a:ext uri="{FF2B5EF4-FFF2-40B4-BE49-F238E27FC236}">
-                <a16:creationId xmlns:a16="http://schemas.microsoft.com/office/drawing/2014/main" id="{BE97B3CF-B468-B460-A584-18980898FB47}"/>
-              </a:ext>
-            </a:extLst>
-          </p:cNvPr>
+            <a:endParaRPr lang="en-US"/>
+          </a:p>
+        </p:txBody>
+      </p:sp>
+      <p:sp>
+        <p:nvSpPr>
+          <p:cNvPr id="5" name="Slide Number Placeholder 4"/>
           <p:cNvSpPr>
             <a:spLocks noGrp="1"/>
           </p:cNvSpPr>
@@ -2235,18 +1924,18 @@
           <a:bodyPr/>
           <a:lstStyle/>
           <a:p>
-            <a:fld id="{6A52849B-4EC1-4B23-B151-A15F80D0261D}" type="slidenum">
-              <a:rPr kumimoji="1" lang="ja-JP" altLang="en-US" smtClean="0"/>
+            <a:fld id="{C1FF6DA9-008F-8B48-92A6-B652298478BF}" type="slidenum">
+              <a:rPr lang="en-US" smtClean="0"/>
               <a:t>‹#›</a:t>
             </a:fld>
-            <a:endParaRPr kumimoji="1" lang="ja-JP" altLang="en-US"/>
+            <a:endParaRPr lang="en-US"/>
           </a:p>
         </p:txBody>
       </p:sp>
     </p:spTree>
     <p:extLst>
       <p:ext uri="{BB962C8B-B14F-4D97-AF65-F5344CB8AC3E}">
-        <p14:creationId xmlns:p14="http://schemas.microsoft.com/office/powerpoint/2010/main" val="3364096725"/>
+        <p14:creationId xmlns:p14="http://schemas.microsoft.com/office/powerpoint/2010/main" val="727027711"/>
       </p:ext>
     </p:extLst>
   </p:cSld>
@@ -2258,7 +1947,7 @@
 
 <file path=ppt/slideLayouts/slideLayout7.xml><?xml version="1.0" encoding="utf-8"?>
 <p:sldLayout xmlns:a="http://schemas.openxmlformats.org/drawingml/2006/main" xmlns:r="http://schemas.openxmlformats.org/officeDocument/2006/relationships" xmlns:p="http://schemas.openxmlformats.org/presentationml/2006/main" type="blank" preserve="1">
-  <p:cSld name="白紙">
+  <p:cSld name="Blank">
     <p:spTree>
       <p:nvGrpSpPr>
         <p:cNvPr id="1" name=""/>
@@ -2275,13 +1964,7 @@
       </p:grpSpPr>
       <p:sp>
         <p:nvSpPr>
-          <p:cNvPr id="2" name="日付プレースホルダー 1">
-            <a:extLst>
-              <a:ext uri="{FF2B5EF4-FFF2-40B4-BE49-F238E27FC236}">
-                <a16:creationId xmlns:a16="http://schemas.microsoft.com/office/drawing/2014/main" id="{027557A8-CFFC-0931-3325-2A40D2A52258}"/>
-              </a:ext>
-            </a:extLst>
-          </p:cNvPr>
+          <p:cNvPr id="2" name="Date Placeholder 1"/>
           <p:cNvSpPr>
             <a:spLocks noGrp="1"/>
           </p:cNvSpPr>
@@ -2294,23 +1977,17 @@
           <a:bodyPr/>
           <a:lstStyle/>
           <a:p>
-            <a:fld id="{690E477F-8790-4710-B968-AEEF74883170}" type="datetimeFigureOut">
-              <a:rPr kumimoji="1" lang="ja-JP" altLang="en-US" smtClean="0"/>
-              <a:t>2023/4/10</a:t>
+            <a:fld id="{5BCAD085-E8A6-8845-BD4E-CB4CCA059FC4}" type="datetimeFigureOut">
+              <a:rPr lang="en-US" smtClean="0"/>
+              <a:t>1/27/13</a:t>
             </a:fld>
-            <a:endParaRPr kumimoji="1" lang="ja-JP" altLang="en-US"/>
-          </a:p>
-        </p:txBody>
-      </p:sp>
-      <p:sp>
-        <p:nvSpPr>
-          <p:cNvPr id="3" name="フッター プレースホルダー 2">
-            <a:extLst>
-              <a:ext uri="{FF2B5EF4-FFF2-40B4-BE49-F238E27FC236}">
-                <a16:creationId xmlns:a16="http://schemas.microsoft.com/office/drawing/2014/main" id="{393B7BD9-CABD-0464-94D2-CDDFE2BE2A5C}"/>
-              </a:ext>
-            </a:extLst>
-          </p:cNvPr>
+            <a:endParaRPr lang="en-US"/>
+          </a:p>
+        </p:txBody>
+      </p:sp>
+      <p:sp>
+        <p:nvSpPr>
+          <p:cNvPr id="3" name="Footer Placeholder 2"/>
           <p:cNvSpPr>
             <a:spLocks noGrp="1"/>
           </p:cNvSpPr>
@@ -2323,19 +2000,13 @@
           <a:bodyPr/>
           <a:lstStyle/>
           <a:p>
-            <a:endParaRPr kumimoji="1" lang="ja-JP" altLang="en-US"/>
-          </a:p>
-        </p:txBody>
-      </p:sp>
-      <p:sp>
-        <p:nvSpPr>
-          <p:cNvPr id="4" name="スライド番号プレースホルダー 3">
-            <a:extLst>
-              <a:ext uri="{FF2B5EF4-FFF2-40B4-BE49-F238E27FC236}">
-                <a16:creationId xmlns:a16="http://schemas.microsoft.com/office/drawing/2014/main" id="{35012AB3-BC72-58B9-C482-D3E961FDCEDD}"/>
-              </a:ext>
-            </a:extLst>
-          </p:cNvPr>
+            <a:endParaRPr lang="en-US"/>
+          </a:p>
+        </p:txBody>
+      </p:sp>
+      <p:sp>
+        <p:nvSpPr>
+          <p:cNvPr id="4" name="Slide Number Placeholder 3"/>
           <p:cNvSpPr>
             <a:spLocks noGrp="1"/>
           </p:cNvSpPr>
@@ -2348,18 +2019,18 @@
           <a:bodyPr/>
           <a:lstStyle/>
           <a:p>
-            <a:fld id="{6A52849B-4EC1-4B23-B151-A15F80D0261D}" type="slidenum">
-              <a:rPr kumimoji="1" lang="ja-JP" altLang="en-US" smtClean="0"/>
+            <a:fld id="{C1FF6DA9-008F-8B48-92A6-B652298478BF}" type="slidenum">
+              <a:rPr lang="en-US" smtClean="0"/>
               <a:t>‹#›</a:t>
             </a:fld>
-            <a:endParaRPr kumimoji="1" lang="ja-JP" altLang="en-US"/>
+            <a:endParaRPr lang="en-US"/>
           </a:p>
         </p:txBody>
       </p:sp>
     </p:spTree>
     <p:extLst>
       <p:ext uri="{BB962C8B-B14F-4D97-AF65-F5344CB8AC3E}">
-        <p14:creationId xmlns:p14="http://schemas.microsoft.com/office/powerpoint/2010/main" val="1721512925"/>
+        <p14:creationId xmlns:p14="http://schemas.microsoft.com/office/powerpoint/2010/main" val="1212999818"/>
       </p:ext>
     </p:extLst>
   </p:cSld>
@@ -2371,7 +2042,7 @@
 
 <file path=ppt/slideLayouts/slideLayout8.xml><?xml version="1.0" encoding="utf-8"?>
 <p:sldLayout xmlns:a="http://schemas.openxmlformats.org/drawingml/2006/main" xmlns:r="http://schemas.openxmlformats.org/officeDocument/2006/relationships" xmlns:p="http://schemas.openxmlformats.org/presentationml/2006/main" type="objTx" preserve="1">
-  <p:cSld name="タイトル付きのコンテンツ">
+  <p:cSld name="Content with Caption">
     <p:spTree>
       <p:nvGrpSpPr>
         <p:cNvPr id="1" name=""/>
@@ -2388,13 +2059,7 @@
       </p:grpSpPr>
       <p:sp>
         <p:nvSpPr>
-          <p:cNvPr id="2" name="タイトル 1">
-            <a:extLst>
-              <a:ext uri="{FF2B5EF4-FFF2-40B4-BE49-F238E27FC236}">
-                <a16:creationId xmlns:a16="http://schemas.microsoft.com/office/drawing/2014/main" id="{496B0982-7F33-1DE6-04A0-A7AA3D549BFF}"/>
-              </a:ext>
-            </a:extLst>
-          </p:cNvPr>
+          <p:cNvPr id="2" name="Title 1"/>
           <p:cNvSpPr>
             <a:spLocks noGrp="1"/>
           </p:cNvSpPr>
@@ -2404,34 +2069,29 @@
         </p:nvSpPr>
         <p:spPr>
           <a:xfrm>
-            <a:off x="839788" y="457200"/>
-            <a:ext cx="3932237" cy="1600200"/>
+            <a:off x="457200" y="273050"/>
+            <a:ext cx="3008313" cy="1162050"/>
           </a:xfrm>
         </p:spPr>
         <p:txBody>
           <a:bodyPr anchor="b"/>
           <a:lstStyle>
-            <a:lvl1pPr>
-              <a:defRPr sz="3200"/>
+            <a:lvl1pPr algn="l">
+              <a:defRPr sz="2000" b="1"/>
             </a:lvl1pPr>
           </a:lstStyle>
           <a:p>
             <a:r>
-              <a:rPr kumimoji="1" lang="ja-JP" altLang="en-US"/>
-              <a:t>マスター タイトルの書式設定</a:t>
-            </a:r>
-          </a:p>
-        </p:txBody>
-      </p:sp>
-      <p:sp>
-        <p:nvSpPr>
-          <p:cNvPr id="3" name="コンテンツ プレースホルダー 2">
-            <a:extLst>
-              <a:ext uri="{FF2B5EF4-FFF2-40B4-BE49-F238E27FC236}">
-                <a16:creationId xmlns:a16="http://schemas.microsoft.com/office/drawing/2014/main" id="{F2D16290-2F5B-6CAE-A4EE-1638E22C062B}"/>
-              </a:ext>
-            </a:extLst>
-          </p:cNvPr>
+              <a:rPr lang="en-US" smtClean="0"/>
+              <a:t>Click to edit Master title style</a:t>
+            </a:r>
+            <a:endParaRPr lang="en-US"/>
+          </a:p>
+        </p:txBody>
+      </p:sp>
+      <p:sp>
+        <p:nvSpPr>
+          <p:cNvPr id="3" name="Content Placeholder 2"/>
           <p:cNvSpPr>
             <a:spLocks noGrp="1"/>
           </p:cNvSpPr>
@@ -2441,8 +2101,8 @@
         </p:nvSpPr>
         <p:spPr>
           <a:xfrm>
-            <a:off x="5183188" y="987425"/>
-            <a:ext cx="6172200" cy="4873625"/>
+            <a:off x="3575050" y="273050"/>
+            <a:ext cx="5111750" cy="5853113"/>
           </a:xfrm>
         </p:spPr>
         <p:txBody>
@@ -2479,81 +2139,44 @@
           <a:p>
             <a:pPr lvl="0"/>
             <a:r>
-              <a:rPr kumimoji="1" lang="ja-JP" altLang="en-US"/>
-              <a:t>マスター テキストの書式設定</a:t>
+              <a:rPr lang="en-US" smtClean="0"/>
+              <a:t>Click to edit Master text styles</a:t>
             </a:r>
           </a:p>
           <a:p>
             <a:pPr lvl="1"/>
             <a:r>
-              <a:rPr kumimoji="1" lang="ja-JP" altLang="en-US"/>
-              <a:t>第 </a:t>
-            </a:r>
-            <a:r>
-              <a:rPr kumimoji="1" lang="en-US" altLang="ja-JP"/>
-              <a:t>2 </a:t>
-            </a:r>
-            <a:r>
-              <a:rPr kumimoji="1" lang="ja-JP" altLang="en-US"/>
-              <a:t>レベル</a:t>
+              <a:rPr lang="en-US" smtClean="0"/>
+              <a:t>Second level</a:t>
             </a:r>
           </a:p>
           <a:p>
             <a:pPr lvl="2"/>
             <a:r>
-              <a:rPr kumimoji="1" lang="ja-JP" altLang="en-US"/>
-              <a:t>第 </a:t>
-            </a:r>
-            <a:r>
-              <a:rPr kumimoji="1" lang="en-US" altLang="ja-JP"/>
-              <a:t>3 </a:t>
-            </a:r>
-            <a:r>
-              <a:rPr kumimoji="1" lang="ja-JP" altLang="en-US"/>
-              <a:t>レベル</a:t>
+              <a:rPr lang="en-US" smtClean="0"/>
+              <a:t>Third level</a:t>
             </a:r>
           </a:p>
           <a:p>
             <a:pPr lvl="3"/>
             <a:r>
-              <a:rPr kumimoji="1" lang="ja-JP" altLang="en-US"/>
-              <a:t>第 </a:t>
-            </a:r>
-            <a:r>
-              <a:rPr kumimoji="1" lang="en-US" altLang="ja-JP"/>
-              <a:t>4 </a:t>
-            </a:r>
-            <a:r>
-              <a:rPr kumimoji="1" lang="ja-JP" altLang="en-US"/>
-              <a:t>レベル</a:t>
+              <a:rPr lang="en-US" smtClean="0"/>
+              <a:t>Fourth level</a:t>
             </a:r>
           </a:p>
           <a:p>
             <a:pPr lvl="4"/>
             <a:r>
-              <a:rPr kumimoji="1" lang="ja-JP" altLang="en-US"/>
-              <a:t>第 </a:t>
-            </a:r>
-            <a:r>
-              <a:rPr kumimoji="1" lang="en-US" altLang="ja-JP"/>
-              <a:t>5 </a:t>
-            </a:r>
-            <a:r>
-              <a:rPr kumimoji="1" lang="ja-JP" altLang="en-US"/>
-              <a:t>レベル</a:t>
-            </a:r>
-          </a:p>
-        </p:txBody>
-      </p:sp>
-      <p:sp>
-        <p:nvSpPr>
-          <p:cNvPr id="4" name="テキスト プレースホルダー 3">
-            <a:extLst>
-              <a:ext uri="{FF2B5EF4-FFF2-40B4-BE49-F238E27FC236}">
-                <a16:creationId xmlns:a16="http://schemas.microsoft.com/office/drawing/2014/main" id="{0CBC93DB-4FC5-6FA3-82C4-8D52561E9683}"/>
-              </a:ext>
-            </a:extLst>
-          </p:cNvPr>
+              <a:rPr lang="en-US" smtClean="0"/>
+              <a:t>Fifth level</a:t>
+            </a:r>
+            <a:endParaRPr lang="en-US"/>
+          </a:p>
+        </p:txBody>
+      </p:sp>
+      <p:sp>
+        <p:nvSpPr>
+          <p:cNvPr id="4" name="Text Placeholder 3"/>
           <p:cNvSpPr>
             <a:spLocks noGrp="1"/>
           </p:cNvSpPr>
@@ -2563,8 +2186,8 @@
         </p:nvSpPr>
         <p:spPr>
           <a:xfrm>
-            <a:off x="839788" y="2057400"/>
-            <a:ext cx="3932237" cy="3811588"/>
+            <a:off x="457200" y="1435100"/>
+            <a:ext cx="3008313" cy="4691063"/>
           </a:xfrm>
         </p:spPr>
         <p:txBody>
@@ -2572,59 +2195,53 @@
           <a:lstStyle>
             <a:lvl1pPr marL="0" indent="0">
               <a:buNone/>
-              <a:defRPr sz="1600"/>
+              <a:defRPr sz="1400"/>
             </a:lvl1pPr>
             <a:lvl2pPr marL="457200" indent="0">
               <a:buNone/>
-              <a:defRPr sz="1400"/>
+              <a:defRPr sz="1200"/>
             </a:lvl2pPr>
             <a:lvl3pPr marL="914400" indent="0">
               <a:buNone/>
-              <a:defRPr sz="1200"/>
+              <a:defRPr sz="1000"/>
             </a:lvl3pPr>
             <a:lvl4pPr marL="1371600" indent="0">
               <a:buNone/>
-              <a:defRPr sz="1000"/>
+              <a:defRPr sz="900"/>
             </a:lvl4pPr>
             <a:lvl5pPr marL="1828800" indent="0">
               <a:buNone/>
-              <a:defRPr sz="1000"/>
+              <a:defRPr sz="900"/>
             </a:lvl5pPr>
             <a:lvl6pPr marL="2286000" indent="0">
               <a:buNone/>
-              <a:defRPr sz="1000"/>
+              <a:defRPr sz="900"/>
             </a:lvl6pPr>
             <a:lvl7pPr marL="2743200" indent="0">
               <a:buNone/>
-              <a:defRPr sz="1000"/>
+              <a:defRPr sz="900"/>
             </a:lvl7pPr>
             <a:lvl8pPr marL="3200400" indent="0">
               <a:buNone/>
-              <a:defRPr sz="1000"/>
+              <a:defRPr sz="900"/>
             </a:lvl8pPr>
             <a:lvl9pPr marL="3657600" indent="0">
               <a:buNone/>
-              <a:defRPr sz="1000"/>
+              <a:defRPr sz="900"/>
             </a:lvl9pPr>
           </a:lstStyle>
           <a:p>
             <a:pPr lvl="0"/>
             <a:r>
-              <a:rPr kumimoji="1" lang="ja-JP" altLang="en-US"/>
-              <a:t>マスター テキストの書式設定</a:t>
-            </a:r>
-          </a:p>
-        </p:txBody>
-      </p:sp>
-      <p:sp>
-        <p:nvSpPr>
-          <p:cNvPr id="5" name="日付プレースホルダー 4">
-            <a:extLst>
-              <a:ext uri="{FF2B5EF4-FFF2-40B4-BE49-F238E27FC236}">
-                <a16:creationId xmlns:a16="http://schemas.microsoft.com/office/drawing/2014/main" id="{DBEEC909-CD42-AAB3-E70E-C4CF26CEDABD}"/>
-              </a:ext>
-            </a:extLst>
-          </p:cNvPr>
+              <a:rPr lang="en-US" smtClean="0"/>
+              <a:t>Click to edit Master text styles</a:t>
+            </a:r>
+          </a:p>
+        </p:txBody>
+      </p:sp>
+      <p:sp>
+        <p:nvSpPr>
+          <p:cNvPr id="5" name="Date Placeholder 4"/>
           <p:cNvSpPr>
             <a:spLocks noGrp="1"/>
           </p:cNvSpPr>
@@ -2637,23 +2254,17 @@
           <a:bodyPr/>
           <a:lstStyle/>
           <a:p>
-            <a:fld id="{690E477F-8790-4710-B968-AEEF74883170}" type="datetimeFigureOut">
-              <a:rPr kumimoji="1" lang="ja-JP" altLang="en-US" smtClean="0"/>
-              <a:t>2023/4/10</a:t>
+            <a:fld id="{5BCAD085-E8A6-8845-BD4E-CB4CCA059FC4}" type="datetimeFigureOut">
+              <a:rPr lang="en-US" smtClean="0"/>
+              <a:t>1/27/13</a:t>
             </a:fld>
-            <a:endParaRPr kumimoji="1" lang="ja-JP" altLang="en-US"/>
-          </a:p>
-        </p:txBody>
-      </p:sp>
-      <p:sp>
-        <p:nvSpPr>
-          <p:cNvPr id="6" name="フッター プレースホルダー 5">
-            <a:extLst>
-              <a:ext uri="{FF2B5EF4-FFF2-40B4-BE49-F238E27FC236}">
-                <a16:creationId xmlns:a16="http://schemas.microsoft.com/office/drawing/2014/main" id="{A41FA123-B484-4850-8A84-46D78AD28744}"/>
-              </a:ext>
-            </a:extLst>
-          </p:cNvPr>
+            <a:endParaRPr lang="en-US"/>
+          </a:p>
+        </p:txBody>
+      </p:sp>
+      <p:sp>
+        <p:nvSpPr>
+          <p:cNvPr id="6" name="Footer Placeholder 5"/>
           <p:cNvSpPr>
             <a:spLocks noGrp="1"/>
           </p:cNvSpPr>
@@ -2666,19 +2277,13 @@
           <a:bodyPr/>
           <a:lstStyle/>
           <a:p>
-            <a:endParaRPr kumimoji="1" lang="ja-JP" altLang="en-US"/>
-          </a:p>
-        </p:txBody>
-      </p:sp>
-      <p:sp>
-        <p:nvSpPr>
-          <p:cNvPr id="7" name="スライド番号プレースホルダー 6">
-            <a:extLst>
-              <a:ext uri="{FF2B5EF4-FFF2-40B4-BE49-F238E27FC236}">
-                <a16:creationId xmlns:a16="http://schemas.microsoft.com/office/drawing/2014/main" id="{F748751E-B4EF-58A7-0D73-978CC8953DF9}"/>
-              </a:ext>
-            </a:extLst>
-          </p:cNvPr>
+            <a:endParaRPr lang="en-US"/>
+          </a:p>
+        </p:txBody>
+      </p:sp>
+      <p:sp>
+        <p:nvSpPr>
+          <p:cNvPr id="7" name="Slide Number Placeholder 6"/>
           <p:cNvSpPr>
             <a:spLocks noGrp="1"/>
           </p:cNvSpPr>
@@ -2691,18 +2296,18 @@
           <a:bodyPr/>
           <a:lstStyle/>
           <a:p>
-            <a:fld id="{6A52849B-4EC1-4B23-B151-A15F80D0261D}" type="slidenum">
-              <a:rPr kumimoji="1" lang="ja-JP" altLang="en-US" smtClean="0"/>
+            <a:fld id="{C1FF6DA9-008F-8B48-92A6-B652298478BF}" type="slidenum">
+              <a:rPr lang="en-US" smtClean="0"/>
               <a:t>‹#›</a:t>
             </a:fld>
-            <a:endParaRPr kumimoji="1" lang="ja-JP" altLang="en-US"/>
+            <a:endParaRPr lang="en-US"/>
           </a:p>
         </p:txBody>
       </p:sp>
     </p:spTree>
     <p:extLst>
       <p:ext uri="{BB962C8B-B14F-4D97-AF65-F5344CB8AC3E}">
-        <p14:creationId xmlns:p14="http://schemas.microsoft.com/office/powerpoint/2010/main" val="2187500830"/>
+        <p14:creationId xmlns:p14="http://schemas.microsoft.com/office/powerpoint/2010/main" val="1840726560"/>
       </p:ext>
     </p:extLst>
   </p:cSld>
@@ -2714,7 +2319,7 @@
 
 <file path=ppt/slideLayouts/slideLayout9.xml><?xml version="1.0" encoding="utf-8"?>
 <p:sldLayout xmlns:a="http://schemas.openxmlformats.org/drawingml/2006/main" xmlns:r="http://schemas.openxmlformats.org/officeDocument/2006/relationships" xmlns:p="http://schemas.openxmlformats.org/presentationml/2006/main" type="picTx" preserve="1">
-  <p:cSld name="タイトル付きの図">
+  <p:cSld name="Picture with Caption">
     <p:spTree>
       <p:nvGrpSpPr>
         <p:cNvPr id="1" name=""/>
@@ -2731,13 +2336,7 @@
       </p:grpSpPr>
       <p:sp>
         <p:nvSpPr>
-          <p:cNvPr id="2" name="タイトル 1">
-            <a:extLst>
-              <a:ext uri="{FF2B5EF4-FFF2-40B4-BE49-F238E27FC236}">
-                <a16:creationId xmlns:a16="http://schemas.microsoft.com/office/drawing/2014/main" id="{67B62CC2-BBBF-0C5C-DA9F-F51411530121}"/>
-              </a:ext>
-            </a:extLst>
-          </p:cNvPr>
+          <p:cNvPr id="2" name="Title 1"/>
           <p:cNvSpPr>
             <a:spLocks noGrp="1"/>
           </p:cNvSpPr>
@@ -2747,34 +2346,29 @@
         </p:nvSpPr>
         <p:spPr>
           <a:xfrm>
-            <a:off x="839788" y="457200"/>
-            <a:ext cx="3932237" cy="1600200"/>
+            <a:off x="1792288" y="4800600"/>
+            <a:ext cx="5486400" cy="566738"/>
           </a:xfrm>
         </p:spPr>
         <p:txBody>
           <a:bodyPr anchor="b"/>
           <a:lstStyle>
-            <a:lvl1pPr>
-              <a:defRPr sz="3200"/>
+            <a:lvl1pPr algn="l">
+              <a:defRPr sz="2000" b="1"/>
             </a:lvl1pPr>
           </a:lstStyle>
           <a:p>
             <a:r>
-              <a:rPr kumimoji="1" lang="ja-JP" altLang="en-US"/>
-              <a:t>マスター タイトルの書式設定</a:t>
-            </a:r>
-          </a:p>
-        </p:txBody>
-      </p:sp>
-      <p:sp>
-        <p:nvSpPr>
-          <p:cNvPr id="3" name="図プレースホルダー 2">
-            <a:extLst>
-              <a:ext uri="{FF2B5EF4-FFF2-40B4-BE49-F238E27FC236}">
-                <a16:creationId xmlns:a16="http://schemas.microsoft.com/office/drawing/2014/main" id="{5E8D8364-49D5-522B-5D53-F252B6023970}"/>
-              </a:ext>
-            </a:extLst>
-          </p:cNvPr>
+              <a:rPr lang="en-US" smtClean="0"/>
+              <a:t>Click to edit Master title style</a:t>
+            </a:r>
+            <a:endParaRPr lang="en-US"/>
+          </a:p>
+        </p:txBody>
+      </p:sp>
+      <p:sp>
+        <p:nvSpPr>
+          <p:cNvPr id="3" name="Picture Placeholder 2"/>
           <p:cNvSpPr>
             <a:spLocks noGrp="1"/>
           </p:cNvSpPr>
@@ -2784,8 +2378,8 @@
         </p:nvSpPr>
         <p:spPr>
           <a:xfrm>
-            <a:off x="5183188" y="987425"/>
-            <a:ext cx="6172200" cy="4873625"/>
+            <a:off x="1792288" y="612775"/>
+            <a:ext cx="5486400" cy="4114800"/>
           </a:xfrm>
         </p:spPr>
         <p:txBody>
@@ -2829,19 +2423,13 @@
             </a:lvl9pPr>
           </a:lstStyle>
           <a:p>
-            <a:endParaRPr kumimoji="1" lang="ja-JP" altLang="en-US"/>
-          </a:p>
-        </p:txBody>
-      </p:sp>
-      <p:sp>
-        <p:nvSpPr>
-          <p:cNvPr id="4" name="テキスト プレースホルダー 3">
-            <a:extLst>
-              <a:ext uri="{FF2B5EF4-FFF2-40B4-BE49-F238E27FC236}">
-                <a16:creationId xmlns:a16="http://schemas.microsoft.com/office/drawing/2014/main" id="{91259941-3D21-360F-151F-E2B4EE1D97DC}"/>
-              </a:ext>
-            </a:extLst>
-          </p:cNvPr>
+            <a:endParaRPr lang="en-US"/>
+          </a:p>
+        </p:txBody>
+      </p:sp>
+      <p:sp>
+        <p:nvSpPr>
+          <p:cNvPr id="4" name="Text Placeholder 3"/>
           <p:cNvSpPr>
             <a:spLocks noGrp="1"/>
           </p:cNvSpPr>
@@ -2851,8 +2439,8 @@
         </p:nvSpPr>
         <p:spPr>
           <a:xfrm>
-            <a:off x="839788" y="2057400"/>
-            <a:ext cx="3932237" cy="3811588"/>
+            <a:off x="1792288" y="5367338"/>
+            <a:ext cx="5486400" cy="804862"/>
           </a:xfrm>
         </p:spPr>
         <p:txBody>
@@ -2860,59 +2448,53 @@
           <a:lstStyle>
             <a:lvl1pPr marL="0" indent="0">
               <a:buNone/>
-              <a:defRPr sz="1600"/>
+              <a:defRPr sz="1400"/>
             </a:lvl1pPr>
             <a:lvl2pPr marL="457200" indent="0">
               <a:buNone/>
-              <a:defRPr sz="1400"/>
+              <a:defRPr sz="1200"/>
             </a:lvl2pPr>
             <a:lvl3pPr marL="914400" indent="0">
               <a:buNone/>
-              <a:defRPr sz="1200"/>
+              <a:defRPr sz="1000"/>
             </a:lvl3pPr>
             <a:lvl4pPr marL="1371600" indent="0">
               <a:buNone/>
-              <a:defRPr sz="1000"/>
+              <a:defRPr sz="900"/>
             </a:lvl4pPr>
             <a:lvl5pPr marL="1828800" indent="0">
               <a:buNone/>
-              <a:defRPr sz="1000"/>
+              <a:defRPr sz="900"/>
             </a:lvl5pPr>
             <a:lvl6pPr marL="2286000" indent="0">
               <a:buNone/>
-              <a:defRPr sz="1000"/>
+              <a:defRPr sz="900"/>
             </a:lvl6pPr>
             <a:lvl7pPr marL="2743200" indent="0">
               <a:buNone/>
-              <a:defRPr sz="1000"/>
+              <a:defRPr sz="900"/>
             </a:lvl7pPr>
             <a:lvl8pPr marL="3200400" indent="0">
               <a:buNone/>
-              <a:defRPr sz="1000"/>
+              <a:defRPr sz="900"/>
             </a:lvl8pPr>
             <a:lvl9pPr marL="3657600" indent="0">
               <a:buNone/>
-              <a:defRPr sz="1000"/>
+              <a:defRPr sz="900"/>
             </a:lvl9pPr>
           </a:lstStyle>
           <a:p>
             <a:pPr lvl="0"/>
             <a:r>
-              <a:rPr kumimoji="1" lang="ja-JP" altLang="en-US"/>
-              <a:t>マスター テキストの書式設定</a:t>
-            </a:r>
-          </a:p>
-        </p:txBody>
-      </p:sp>
-      <p:sp>
-        <p:nvSpPr>
-          <p:cNvPr id="5" name="日付プレースホルダー 4">
-            <a:extLst>
-              <a:ext uri="{FF2B5EF4-FFF2-40B4-BE49-F238E27FC236}">
-                <a16:creationId xmlns:a16="http://schemas.microsoft.com/office/drawing/2014/main" id="{32886623-27B8-4476-495A-CADB8C705514}"/>
-              </a:ext>
-            </a:extLst>
-          </p:cNvPr>
+              <a:rPr lang="en-US" smtClean="0"/>
+              <a:t>Click to edit Master text styles</a:t>
+            </a:r>
+          </a:p>
+        </p:txBody>
+      </p:sp>
+      <p:sp>
+        <p:nvSpPr>
+          <p:cNvPr id="5" name="Date Placeholder 4"/>
           <p:cNvSpPr>
             <a:spLocks noGrp="1"/>
           </p:cNvSpPr>
@@ -2925,23 +2507,17 @@
           <a:bodyPr/>
           <a:lstStyle/>
           <a:p>
-            <a:fld id="{690E477F-8790-4710-B968-AEEF74883170}" type="datetimeFigureOut">
-              <a:rPr kumimoji="1" lang="ja-JP" altLang="en-US" smtClean="0"/>
-              <a:t>2023/4/10</a:t>
+            <a:fld id="{5BCAD085-E8A6-8845-BD4E-CB4CCA059FC4}" type="datetimeFigureOut">
+              <a:rPr lang="en-US" smtClean="0"/>
+              <a:t>1/27/13</a:t>
             </a:fld>
-            <a:endParaRPr kumimoji="1" lang="ja-JP" altLang="en-US"/>
-          </a:p>
-        </p:txBody>
-      </p:sp>
-      <p:sp>
-        <p:nvSpPr>
-          <p:cNvPr id="6" name="フッター プレースホルダー 5">
-            <a:extLst>
-              <a:ext uri="{FF2B5EF4-FFF2-40B4-BE49-F238E27FC236}">
-                <a16:creationId xmlns:a16="http://schemas.microsoft.com/office/drawing/2014/main" id="{C29F44FA-5E72-161C-4859-3E5F6AF605EA}"/>
-              </a:ext>
-            </a:extLst>
-          </p:cNvPr>
+            <a:endParaRPr lang="en-US"/>
+          </a:p>
+        </p:txBody>
+      </p:sp>
+      <p:sp>
+        <p:nvSpPr>
+          <p:cNvPr id="6" name="Footer Placeholder 5"/>
           <p:cNvSpPr>
             <a:spLocks noGrp="1"/>
           </p:cNvSpPr>
@@ -2954,19 +2530,13 @@
           <a:bodyPr/>
           <a:lstStyle/>
           <a:p>
-            <a:endParaRPr kumimoji="1" lang="ja-JP" altLang="en-US"/>
-          </a:p>
-        </p:txBody>
-      </p:sp>
-      <p:sp>
-        <p:nvSpPr>
-          <p:cNvPr id="7" name="スライド番号プレースホルダー 6">
-            <a:extLst>
-              <a:ext uri="{FF2B5EF4-FFF2-40B4-BE49-F238E27FC236}">
-                <a16:creationId xmlns:a16="http://schemas.microsoft.com/office/drawing/2014/main" id="{61F0E8AC-754C-A075-1487-CDA04649996F}"/>
-              </a:ext>
-            </a:extLst>
-          </p:cNvPr>
+            <a:endParaRPr lang="en-US"/>
+          </a:p>
+        </p:txBody>
+      </p:sp>
+      <p:sp>
+        <p:nvSpPr>
+          <p:cNvPr id="7" name="Slide Number Placeholder 6"/>
           <p:cNvSpPr>
             <a:spLocks noGrp="1"/>
           </p:cNvSpPr>
@@ -2979,18 +2549,18 @@
           <a:bodyPr/>
           <a:lstStyle/>
           <a:p>
-            <a:fld id="{6A52849B-4EC1-4B23-B151-A15F80D0261D}" type="slidenum">
-              <a:rPr kumimoji="1" lang="ja-JP" altLang="en-US" smtClean="0"/>
+            <a:fld id="{C1FF6DA9-008F-8B48-92A6-B652298478BF}" type="slidenum">
+              <a:rPr lang="en-US" smtClean="0"/>
               <a:t>‹#›</a:t>
             </a:fld>
-            <a:endParaRPr kumimoji="1" lang="ja-JP" altLang="en-US"/>
+            <a:endParaRPr lang="en-US"/>
           </a:p>
         </p:txBody>
       </p:sp>
     </p:spTree>
     <p:extLst>
       <p:ext uri="{BB962C8B-B14F-4D97-AF65-F5344CB8AC3E}">
-        <p14:creationId xmlns:p14="http://schemas.microsoft.com/office/powerpoint/2010/main" val="3645590084"/>
+        <p14:creationId xmlns:p14="http://schemas.microsoft.com/office/powerpoint/2010/main" val="3889236939"/>
       </p:ext>
     </p:extLst>
   </p:cSld>
@@ -3024,13 +2594,7 @@
       </p:grpSpPr>
       <p:sp>
         <p:nvSpPr>
-          <p:cNvPr id="2" name="タイトル プレースホルダー 1">
-            <a:extLst>
-              <a:ext uri="{FF2B5EF4-FFF2-40B4-BE49-F238E27FC236}">
-                <a16:creationId xmlns:a16="http://schemas.microsoft.com/office/drawing/2014/main" id="{980AFB54-6329-8900-05C7-61C0C38B1DCC}"/>
-              </a:ext>
-            </a:extLst>
-          </p:cNvPr>
+          <p:cNvPr id="2" name="Title Placeholder 1"/>
           <p:cNvSpPr>
             <a:spLocks noGrp="1"/>
           </p:cNvSpPr>
@@ -3040,8 +2604,8 @@
         </p:nvSpPr>
         <p:spPr>
           <a:xfrm>
-            <a:off x="838200" y="365125"/>
-            <a:ext cx="10515600" cy="1325563"/>
+            <a:off x="457200" y="274638"/>
+            <a:ext cx="8229600" cy="1143000"/>
           </a:xfrm>
           <a:prstGeom prst="rect">
             <a:avLst/>
@@ -3054,21 +2618,16 @@
           <a:lstStyle/>
           <a:p>
             <a:r>
-              <a:rPr kumimoji="1" lang="ja-JP" altLang="en-US"/>
-              <a:t>マスター タイトルの書式設定</a:t>
-            </a:r>
-          </a:p>
-        </p:txBody>
-      </p:sp>
-      <p:sp>
-        <p:nvSpPr>
-          <p:cNvPr id="3" name="テキスト プレースホルダー 2">
-            <a:extLst>
-              <a:ext uri="{FF2B5EF4-FFF2-40B4-BE49-F238E27FC236}">
-                <a16:creationId xmlns:a16="http://schemas.microsoft.com/office/drawing/2014/main" id="{267B79F4-1C1F-749C-A77C-9BF9BF1F86D4}"/>
-              </a:ext>
-            </a:extLst>
-          </p:cNvPr>
+              <a:rPr lang="en-US" smtClean="0"/>
+              <a:t>Click to edit Master title style</a:t>
+            </a:r>
+            <a:endParaRPr lang="en-US"/>
+          </a:p>
+        </p:txBody>
+      </p:sp>
+      <p:sp>
+        <p:nvSpPr>
+          <p:cNvPr id="3" name="Text Placeholder 2"/>
           <p:cNvSpPr>
             <a:spLocks noGrp="1"/>
           </p:cNvSpPr>
@@ -3078,8 +2637,8 @@
         </p:nvSpPr>
         <p:spPr>
           <a:xfrm>
-            <a:off x="838200" y="1825625"/>
-            <a:ext cx="10515600" cy="4351338"/>
+            <a:off x="457200" y="1600200"/>
+            <a:ext cx="8229600" cy="4525963"/>
           </a:xfrm>
           <a:prstGeom prst="rect">
             <a:avLst/>
@@ -3093,81 +2652,44 @@
           <a:p>
             <a:pPr lvl="0"/>
             <a:r>
-              <a:rPr kumimoji="1" lang="ja-JP" altLang="en-US"/>
-              <a:t>マスター テキストの書式設定</a:t>
+              <a:rPr lang="en-US" smtClean="0"/>
+              <a:t>Click to edit Master text styles</a:t>
             </a:r>
           </a:p>
           <a:p>
             <a:pPr lvl="1"/>
             <a:r>
-              <a:rPr kumimoji="1" lang="ja-JP" altLang="en-US"/>
-              <a:t>第 </a:t>
-            </a:r>
-            <a:r>
-              <a:rPr kumimoji="1" lang="en-US" altLang="ja-JP"/>
-              <a:t>2 </a:t>
-            </a:r>
-            <a:r>
-              <a:rPr kumimoji="1" lang="ja-JP" altLang="en-US"/>
-              <a:t>レベル</a:t>
+              <a:rPr lang="en-US" smtClean="0"/>
+              <a:t>Second level</a:t>
             </a:r>
           </a:p>
           <a:p>
             <a:pPr lvl="2"/>
             <a:r>
-              <a:rPr kumimoji="1" lang="ja-JP" altLang="en-US"/>
-              <a:t>第 </a:t>
-            </a:r>
-            <a:r>
-              <a:rPr kumimoji="1" lang="en-US" altLang="ja-JP"/>
-              <a:t>3 </a:t>
-            </a:r>
-            <a:r>
-              <a:rPr kumimoji="1" lang="ja-JP" altLang="en-US"/>
-              <a:t>レベル</a:t>
+              <a:rPr lang="en-US" smtClean="0"/>
+              <a:t>Third level</a:t>
             </a:r>
           </a:p>
           <a:p>
             <a:pPr lvl="3"/>
             <a:r>
-              <a:rPr kumimoji="1" lang="ja-JP" altLang="en-US"/>
-              <a:t>第 </a:t>
-            </a:r>
-            <a:r>
-              <a:rPr kumimoji="1" lang="en-US" altLang="ja-JP"/>
-              <a:t>4 </a:t>
-            </a:r>
-            <a:r>
-              <a:rPr kumimoji="1" lang="ja-JP" altLang="en-US"/>
-              <a:t>レベル</a:t>
+              <a:rPr lang="en-US" smtClean="0"/>
+              <a:t>Fourth level</a:t>
             </a:r>
           </a:p>
           <a:p>
             <a:pPr lvl="4"/>
             <a:r>
-              <a:rPr kumimoji="1" lang="ja-JP" altLang="en-US"/>
-              <a:t>第 </a:t>
-            </a:r>
-            <a:r>
-              <a:rPr kumimoji="1" lang="en-US" altLang="ja-JP"/>
-              <a:t>5 </a:t>
-            </a:r>
-            <a:r>
-              <a:rPr kumimoji="1" lang="ja-JP" altLang="en-US"/>
-              <a:t>レベル</a:t>
-            </a:r>
-          </a:p>
-        </p:txBody>
-      </p:sp>
-      <p:sp>
-        <p:nvSpPr>
-          <p:cNvPr id="4" name="日付プレースホルダー 3">
-            <a:extLst>
-              <a:ext uri="{FF2B5EF4-FFF2-40B4-BE49-F238E27FC236}">
-                <a16:creationId xmlns:a16="http://schemas.microsoft.com/office/drawing/2014/main" id="{CEB02BB8-A444-8DCF-7F7C-146BBA20225A}"/>
-              </a:ext>
-            </a:extLst>
-          </p:cNvPr>
+              <a:rPr lang="en-US" smtClean="0"/>
+              <a:t>Fifth level</a:t>
+            </a:r>
+            <a:endParaRPr lang="en-US"/>
+          </a:p>
+        </p:txBody>
+      </p:sp>
+      <p:sp>
+        <p:nvSpPr>
+          <p:cNvPr id="4" name="Date Placeholder 3"/>
           <p:cNvSpPr>
             <a:spLocks noGrp="1"/>
           </p:cNvSpPr>
@@ -3177,8 +2699,8 @@
         </p:nvSpPr>
         <p:spPr>
           <a:xfrm>
-            <a:off x="838200" y="6356350"/>
-            <a:ext cx="2743200" cy="365125"/>
+            <a:off x="457200" y="6356350"/>
+            <a:ext cx="2133600" cy="365125"/>
           </a:xfrm>
           <a:prstGeom prst="rect">
             <a:avLst/>
@@ -3198,23 +2720,17 @@
             </a:lvl1pPr>
           </a:lstStyle>
           <a:p>
-            <a:fld id="{690E477F-8790-4710-B968-AEEF74883170}" type="datetimeFigureOut">
-              <a:rPr kumimoji="1" lang="ja-JP" altLang="en-US" smtClean="0"/>
-              <a:t>2023/4/10</a:t>
+            <a:fld id="{5BCAD085-E8A6-8845-BD4E-CB4CCA059FC4}" type="datetimeFigureOut">
+              <a:rPr lang="en-US" smtClean="0"/>
+              <a:t>1/27/13</a:t>
             </a:fld>
-            <a:endParaRPr kumimoji="1" lang="ja-JP" altLang="en-US"/>
-          </a:p>
-        </p:txBody>
-      </p:sp>
-      <p:sp>
-        <p:nvSpPr>
-          <p:cNvPr id="5" name="フッター プレースホルダー 4">
-            <a:extLst>
-              <a:ext uri="{FF2B5EF4-FFF2-40B4-BE49-F238E27FC236}">
-                <a16:creationId xmlns:a16="http://schemas.microsoft.com/office/drawing/2014/main" id="{12422F16-7AF3-6F47-6696-5A00DD5A7A82}"/>
-              </a:ext>
-            </a:extLst>
-          </p:cNvPr>
+            <a:endParaRPr lang="en-US"/>
+          </a:p>
+        </p:txBody>
+      </p:sp>
+      <p:sp>
+        <p:nvSpPr>
+          <p:cNvPr id="5" name="Footer Placeholder 4"/>
           <p:cNvSpPr>
             <a:spLocks noGrp="1"/>
           </p:cNvSpPr>
@@ -3224,8 +2740,8 @@
         </p:nvSpPr>
         <p:spPr>
           <a:xfrm>
-            <a:off x="4038600" y="6356350"/>
-            <a:ext cx="4114800" cy="365125"/>
+            <a:off x="3124200" y="6356350"/>
+            <a:ext cx="2895600" cy="365125"/>
           </a:xfrm>
           <a:prstGeom prst="rect">
             <a:avLst/>
@@ -3245,19 +2761,13 @@
             </a:lvl1pPr>
           </a:lstStyle>
           <a:p>
-            <a:endParaRPr kumimoji="1" lang="ja-JP" altLang="en-US"/>
-          </a:p>
-        </p:txBody>
-      </p:sp>
-      <p:sp>
-        <p:nvSpPr>
-          <p:cNvPr id="6" name="スライド番号プレースホルダー 5">
-            <a:extLst>
-              <a:ext uri="{FF2B5EF4-FFF2-40B4-BE49-F238E27FC236}">
-                <a16:creationId xmlns:a16="http://schemas.microsoft.com/office/drawing/2014/main" id="{C25D1D83-B0B9-3E59-FBD9-75F1AF523E6E}"/>
-              </a:ext>
-            </a:extLst>
-          </p:cNvPr>
+            <a:endParaRPr lang="en-US"/>
+          </a:p>
+        </p:txBody>
+      </p:sp>
+      <p:sp>
+        <p:nvSpPr>
+          <p:cNvPr id="6" name="Slide Number Placeholder 5"/>
           <p:cNvSpPr>
             <a:spLocks noGrp="1"/>
           </p:cNvSpPr>
@@ -3267,8 +2777,8 @@
         </p:nvSpPr>
         <p:spPr>
           <a:xfrm>
-            <a:off x="8610600" y="6356350"/>
-            <a:ext cx="2743200" cy="365125"/>
+            <a:off x="6553200" y="6356350"/>
+            <a:ext cx="2133600" cy="365125"/>
           </a:xfrm>
           <a:prstGeom prst="rect">
             <a:avLst/>
@@ -3288,18 +2798,18 @@
             </a:lvl1pPr>
           </a:lstStyle>
           <a:p>
-            <a:fld id="{6A52849B-4EC1-4B23-B151-A15F80D0261D}" type="slidenum">
-              <a:rPr kumimoji="1" lang="ja-JP" altLang="en-US" smtClean="0"/>
+            <a:fld id="{C1FF6DA9-008F-8B48-92A6-B652298478BF}" type="slidenum">
+              <a:rPr lang="en-US" smtClean="0"/>
               <a:t>‹#›</a:t>
             </a:fld>
-            <a:endParaRPr kumimoji="1" lang="ja-JP" altLang="en-US"/>
+            <a:endParaRPr lang="en-US"/>
           </a:p>
         </p:txBody>
       </p:sp>
     </p:spTree>
     <p:extLst>
       <p:ext uri="{BB962C8B-B14F-4D97-AF65-F5344CB8AC3E}">
-        <p14:creationId xmlns:p14="http://schemas.microsoft.com/office/powerpoint/2010/main" val="3247691926"/>
+        <p14:creationId xmlns:p14="http://schemas.microsoft.com/office/powerpoint/2010/main" val="2209977519"/>
       </p:ext>
     </p:extLst>
   </p:cSld>
@@ -3319,15 +2829,12 @@
   </p:sldLayoutIdLst>
   <p:txStyles>
     <p:titleStyle>
-      <a:lvl1pPr algn="l" defTabSz="914400" rtl="0" eaLnBrk="1" latinLnBrk="0" hangingPunct="1">
-        <a:lnSpc>
-          <a:spcPct val="90000"/>
-        </a:lnSpc>
+      <a:lvl1pPr algn="ctr" defTabSz="457200" rtl="0" eaLnBrk="1" latinLnBrk="0" hangingPunct="1">
         <a:spcBef>
           <a:spcPct val="0"/>
         </a:spcBef>
         <a:buNone/>
-        <a:defRPr kumimoji="1" sz="4400" kern="1200">
+        <a:defRPr sz="4400" kern="1200">
           <a:solidFill>
             <a:schemeClr val="tx1"/>
           </a:solidFill>
@@ -3338,16 +2845,13 @@
       </a:lvl1pPr>
     </p:titleStyle>
     <p:bodyStyle>
-      <a:lvl1pPr marL="228600" indent="-228600" algn="l" defTabSz="914400" rtl="0" eaLnBrk="1" latinLnBrk="0" hangingPunct="1">
-        <a:lnSpc>
-          <a:spcPct val="90000"/>
-        </a:lnSpc>
+      <a:lvl1pPr marL="342900" indent="-342900" algn="l" defTabSz="457200" rtl="0" eaLnBrk="1" latinLnBrk="0" hangingPunct="1">
         <a:spcBef>
-          <a:spcPts val="1000"/>
+          <a:spcPct val="20000"/>
         </a:spcBef>
-        <a:buFont typeface="Arial" panose="020B0604020202020204" pitchFamily="34" charset="0"/>
+        <a:buFont typeface="Arial"/>
         <a:buChar char="•"/>
-        <a:defRPr kumimoji="1" sz="2800" kern="1200">
+        <a:defRPr sz="3200" kern="1200">
           <a:solidFill>
             <a:schemeClr val="tx1"/>
           </a:solidFill>
@@ -3356,16 +2860,13 @@
           <a:cs typeface="+mn-cs"/>
         </a:defRPr>
       </a:lvl1pPr>
-      <a:lvl2pPr marL="685800" indent="-228600" algn="l" defTabSz="914400" rtl="0" eaLnBrk="1" latinLnBrk="0" hangingPunct="1">
-        <a:lnSpc>
-          <a:spcPct val="90000"/>
-        </a:lnSpc>
+      <a:lvl2pPr marL="742950" indent="-285750" algn="l" defTabSz="457200" rtl="0" eaLnBrk="1" latinLnBrk="0" hangingPunct="1">
         <a:spcBef>
-          <a:spcPts val="500"/>
+          <a:spcPct val="20000"/>
         </a:spcBef>
-        <a:buFont typeface="Arial" panose="020B0604020202020204" pitchFamily="34" charset="0"/>
-        <a:buChar char="•"/>
-        <a:defRPr kumimoji="1" sz="2400" kern="1200">
+        <a:buFont typeface="Arial"/>
+        <a:buChar char="–"/>
+        <a:defRPr sz="2800" kern="1200">
           <a:solidFill>
             <a:schemeClr val="tx1"/>
           </a:solidFill>
@@ -3374,16 +2875,13 @@
           <a:cs typeface="+mn-cs"/>
         </a:defRPr>
       </a:lvl2pPr>
-      <a:lvl3pPr marL="1143000" indent="-228600" algn="l" defTabSz="914400" rtl="0" eaLnBrk="1" latinLnBrk="0" hangingPunct="1">
-        <a:lnSpc>
-          <a:spcPct val="90000"/>
-        </a:lnSpc>
+      <a:lvl3pPr marL="1143000" indent="-228600" algn="l" defTabSz="457200" rtl="0" eaLnBrk="1" latinLnBrk="0" hangingPunct="1">
         <a:spcBef>
-          <a:spcPts val="500"/>
+          <a:spcPct val="20000"/>
         </a:spcBef>
-        <a:buFont typeface="Arial" panose="020B0604020202020204" pitchFamily="34" charset="0"/>
+        <a:buFont typeface="Arial"/>
         <a:buChar char="•"/>
-        <a:defRPr kumimoji="1" sz="2000" kern="1200">
+        <a:defRPr sz="2400" kern="1200">
           <a:solidFill>
             <a:schemeClr val="tx1"/>
           </a:solidFill>
@@ -3392,16 +2890,13 @@
           <a:cs typeface="+mn-cs"/>
         </a:defRPr>
       </a:lvl3pPr>
-      <a:lvl4pPr marL="1600200" indent="-228600" algn="l" defTabSz="914400" rtl="0" eaLnBrk="1" latinLnBrk="0" hangingPunct="1">
-        <a:lnSpc>
-          <a:spcPct val="90000"/>
-        </a:lnSpc>
+      <a:lvl4pPr marL="1600200" indent="-228600" algn="l" defTabSz="457200" rtl="0" eaLnBrk="1" latinLnBrk="0" hangingPunct="1">
         <a:spcBef>
-          <a:spcPts val="500"/>
+          <a:spcPct val="20000"/>
         </a:spcBef>
-        <a:buFont typeface="Arial" panose="020B0604020202020204" pitchFamily="34" charset="0"/>
-        <a:buChar char="•"/>
-        <a:defRPr kumimoji="1" sz="1800" kern="1200">
+        <a:buFont typeface="Arial"/>
+        <a:buChar char="–"/>
+        <a:defRPr sz="2000" kern="1200">
           <a:solidFill>
             <a:schemeClr val="tx1"/>
           </a:solidFill>
@@ -3410,16 +2905,13 @@
           <a:cs typeface="+mn-cs"/>
         </a:defRPr>
       </a:lvl4pPr>
-      <a:lvl5pPr marL="2057400" indent="-228600" algn="l" defTabSz="914400" rtl="0" eaLnBrk="1" latinLnBrk="0" hangingPunct="1">
-        <a:lnSpc>
-          <a:spcPct val="90000"/>
-        </a:lnSpc>
+      <a:lvl5pPr marL="2057400" indent="-228600" algn="l" defTabSz="457200" rtl="0" eaLnBrk="1" latinLnBrk="0" hangingPunct="1">
         <a:spcBef>
-          <a:spcPts val="500"/>
+          <a:spcPct val="20000"/>
         </a:spcBef>
-        <a:buFont typeface="Arial" panose="020B0604020202020204" pitchFamily="34" charset="0"/>
-        <a:buChar char="•"/>
-        <a:defRPr kumimoji="1" sz="1800" kern="1200">
+        <a:buFont typeface="Arial"/>
+        <a:buChar char="»"/>
+        <a:defRPr sz="2000" kern="1200">
           <a:solidFill>
             <a:schemeClr val="tx1"/>
           </a:solidFill>
@@ -3428,16 +2920,13 @@
           <a:cs typeface="+mn-cs"/>
         </a:defRPr>
       </a:lvl5pPr>
-      <a:lvl6pPr marL="2514600" indent="-228600" algn="l" defTabSz="914400" rtl="0" eaLnBrk="1" latinLnBrk="0" hangingPunct="1">
-        <a:lnSpc>
-          <a:spcPct val="90000"/>
-        </a:lnSpc>
+      <a:lvl6pPr marL="2514600" indent="-228600" algn="l" defTabSz="457200" rtl="0" eaLnBrk="1" latinLnBrk="0" hangingPunct="1">
         <a:spcBef>
-          <a:spcPts val="500"/>
+          <a:spcPct val="20000"/>
         </a:spcBef>
-        <a:buFont typeface="Arial" panose="020B0604020202020204" pitchFamily="34" charset="0"/>
+        <a:buFont typeface="Arial"/>
         <a:buChar char="•"/>
-        <a:defRPr kumimoji="1" sz="1800" kern="1200">
+        <a:defRPr sz="2000" kern="1200">
           <a:solidFill>
             <a:schemeClr val="tx1"/>
           </a:solidFill>
@@ -3446,16 +2935,13 @@
           <a:cs typeface="+mn-cs"/>
         </a:defRPr>
       </a:lvl6pPr>
-      <a:lvl7pPr marL="2971800" indent="-228600" algn="l" defTabSz="914400" rtl="0" eaLnBrk="1" latinLnBrk="0" hangingPunct="1">
-        <a:lnSpc>
-          <a:spcPct val="90000"/>
-        </a:lnSpc>
+      <a:lvl7pPr marL="2971800" indent="-228600" algn="l" defTabSz="457200" rtl="0" eaLnBrk="1" latinLnBrk="0" hangingPunct="1">
         <a:spcBef>
-          <a:spcPts val="500"/>
+          <a:spcPct val="20000"/>
         </a:spcBef>
-        <a:buFont typeface="Arial" panose="020B0604020202020204" pitchFamily="34" charset="0"/>
+        <a:buFont typeface="Arial"/>
         <a:buChar char="•"/>
-        <a:defRPr kumimoji="1" sz="1800" kern="1200">
+        <a:defRPr sz="2000" kern="1200">
           <a:solidFill>
             <a:schemeClr val="tx1"/>
           </a:solidFill>
@@ -3464,16 +2950,13 @@
           <a:cs typeface="+mn-cs"/>
         </a:defRPr>
       </a:lvl7pPr>
-      <a:lvl8pPr marL="3429000" indent="-228600" algn="l" defTabSz="914400" rtl="0" eaLnBrk="1" latinLnBrk="0" hangingPunct="1">
-        <a:lnSpc>
-          <a:spcPct val="90000"/>
-        </a:lnSpc>
+      <a:lvl8pPr marL="3429000" indent="-228600" algn="l" defTabSz="457200" rtl="0" eaLnBrk="1" latinLnBrk="0" hangingPunct="1">
         <a:spcBef>
-          <a:spcPts val="500"/>
+          <a:spcPct val="20000"/>
         </a:spcBef>
-        <a:buFont typeface="Arial" panose="020B0604020202020204" pitchFamily="34" charset="0"/>
+        <a:buFont typeface="Arial"/>
         <a:buChar char="•"/>
-        <a:defRPr kumimoji="1" sz="1800" kern="1200">
+        <a:defRPr sz="2000" kern="1200">
           <a:solidFill>
             <a:schemeClr val="tx1"/>
           </a:solidFill>
@@ -3482,16 +2965,13 @@
           <a:cs typeface="+mn-cs"/>
         </a:defRPr>
       </a:lvl8pPr>
-      <a:lvl9pPr marL="3886200" indent="-228600" algn="l" defTabSz="914400" rtl="0" eaLnBrk="1" latinLnBrk="0" hangingPunct="1">
-        <a:lnSpc>
-          <a:spcPct val="90000"/>
-        </a:lnSpc>
+      <a:lvl9pPr marL="3886200" indent="-228600" algn="l" defTabSz="457200" rtl="0" eaLnBrk="1" latinLnBrk="0" hangingPunct="1">
         <a:spcBef>
-          <a:spcPts val="500"/>
+          <a:spcPct val="20000"/>
         </a:spcBef>
-        <a:buFont typeface="Arial" panose="020B0604020202020204" pitchFamily="34" charset="0"/>
+        <a:buFont typeface="Arial"/>
         <a:buChar char="•"/>
-        <a:defRPr kumimoji="1" sz="1800" kern="1200">
+        <a:defRPr sz="2000" kern="1200">
           <a:solidFill>
             <a:schemeClr val="tx1"/>
           </a:solidFill>
@@ -3503,10 +2983,10 @@
     </p:bodyStyle>
     <p:otherStyle>
       <a:defPPr>
-        <a:defRPr lang="ja-JP"/>
+        <a:defRPr lang="en-US"/>
       </a:defPPr>
-      <a:lvl1pPr marL="0" algn="l" defTabSz="914400" rtl="0" eaLnBrk="1" latinLnBrk="0" hangingPunct="1">
-        <a:defRPr kumimoji="1" sz="1800" kern="1200">
+      <a:lvl1pPr marL="0" algn="l" defTabSz="457200" rtl="0" eaLnBrk="1" latinLnBrk="0" hangingPunct="1">
+        <a:defRPr sz="1800" kern="1200">
           <a:solidFill>
             <a:schemeClr val="tx1"/>
           </a:solidFill>
@@ -3515,8 +2995,8 @@
           <a:cs typeface="+mn-cs"/>
         </a:defRPr>
       </a:lvl1pPr>
-      <a:lvl2pPr marL="457200" algn="l" defTabSz="914400" rtl="0" eaLnBrk="1" latinLnBrk="0" hangingPunct="1">
-        <a:defRPr kumimoji="1" sz="1800" kern="1200">
+      <a:lvl2pPr marL="457200" algn="l" defTabSz="457200" rtl="0" eaLnBrk="1" latinLnBrk="0" hangingPunct="1">
+        <a:defRPr sz="1800" kern="1200">
           <a:solidFill>
             <a:schemeClr val="tx1"/>
           </a:solidFill>
@@ -3525,8 +3005,8 @@
           <a:cs typeface="+mn-cs"/>
         </a:defRPr>
       </a:lvl2pPr>
-      <a:lvl3pPr marL="914400" algn="l" defTabSz="914400" rtl="0" eaLnBrk="1" latinLnBrk="0" hangingPunct="1">
-        <a:defRPr kumimoji="1" sz="1800" kern="1200">
+      <a:lvl3pPr marL="914400" algn="l" defTabSz="457200" rtl="0" eaLnBrk="1" latinLnBrk="0" hangingPunct="1">
+        <a:defRPr sz="1800" kern="1200">
           <a:solidFill>
             <a:schemeClr val="tx1"/>
           </a:solidFill>
@@ -3535,8 +3015,8 @@
           <a:cs typeface="+mn-cs"/>
         </a:defRPr>
       </a:lvl3pPr>
-      <a:lvl4pPr marL="1371600" algn="l" defTabSz="914400" rtl="0" eaLnBrk="1" latinLnBrk="0" hangingPunct="1">
-        <a:defRPr kumimoji="1" sz="1800" kern="1200">
+      <a:lvl4pPr marL="1371600" algn="l" defTabSz="457200" rtl="0" eaLnBrk="1" latinLnBrk="0" hangingPunct="1">
+        <a:defRPr sz="1800" kern="1200">
           <a:solidFill>
             <a:schemeClr val="tx1"/>
           </a:solidFill>
@@ -3545,8 +3025,8 @@
           <a:cs typeface="+mn-cs"/>
         </a:defRPr>
       </a:lvl4pPr>
-      <a:lvl5pPr marL="1828800" algn="l" defTabSz="914400" rtl="0" eaLnBrk="1" latinLnBrk="0" hangingPunct="1">
-        <a:defRPr kumimoji="1" sz="1800" kern="1200">
+      <a:lvl5pPr marL="1828800" algn="l" defTabSz="457200" rtl="0" eaLnBrk="1" latinLnBrk="0" hangingPunct="1">
+        <a:defRPr sz="1800" kern="1200">
           <a:solidFill>
             <a:schemeClr val="tx1"/>
           </a:solidFill>
@@ -3555,8 +3035,8 @@
           <a:cs typeface="+mn-cs"/>
         </a:defRPr>
       </a:lvl5pPr>
-      <a:lvl6pPr marL="2286000" algn="l" defTabSz="914400" rtl="0" eaLnBrk="1" latinLnBrk="0" hangingPunct="1">
-        <a:defRPr kumimoji="1" sz="1800" kern="1200">
+      <a:lvl6pPr marL="2286000" algn="l" defTabSz="457200" rtl="0" eaLnBrk="1" latinLnBrk="0" hangingPunct="1">
+        <a:defRPr sz="1800" kern="1200">
           <a:solidFill>
             <a:schemeClr val="tx1"/>
           </a:solidFill>
@@ -3565,8 +3045,8 @@
           <a:cs typeface="+mn-cs"/>
         </a:defRPr>
       </a:lvl6pPr>
-      <a:lvl7pPr marL="2743200" algn="l" defTabSz="914400" rtl="0" eaLnBrk="1" latinLnBrk="0" hangingPunct="1">
-        <a:defRPr kumimoji="1" sz="1800" kern="1200">
+      <a:lvl7pPr marL="2743200" algn="l" defTabSz="457200" rtl="0" eaLnBrk="1" latinLnBrk="0" hangingPunct="1">
+        <a:defRPr sz="1800" kern="1200">
           <a:solidFill>
             <a:schemeClr val="tx1"/>
           </a:solidFill>
@@ -3575,8 +3055,8 @@
           <a:cs typeface="+mn-cs"/>
         </a:defRPr>
       </a:lvl7pPr>
-      <a:lvl8pPr marL="3200400" algn="l" defTabSz="914400" rtl="0" eaLnBrk="1" latinLnBrk="0" hangingPunct="1">
-        <a:defRPr kumimoji="1" sz="1800" kern="1200">
+      <a:lvl8pPr marL="3200400" algn="l" defTabSz="457200" rtl="0" eaLnBrk="1" latinLnBrk="0" hangingPunct="1">
+        <a:defRPr sz="1800" kern="1200">
           <a:solidFill>
             <a:schemeClr val="tx1"/>
           </a:solidFill>
@@ -3585,8 +3065,8 @@
           <a:cs typeface="+mn-cs"/>
         </a:defRPr>
       </a:lvl8pPr>
-      <a:lvl9pPr marL="3657600" algn="l" defTabSz="914400" rtl="0" eaLnBrk="1" latinLnBrk="0" hangingPunct="1">
-        <a:defRPr kumimoji="1" sz="1800" kern="1200">
+      <a:lvl9pPr marL="3657600" algn="l" defTabSz="457200" rtl="0" eaLnBrk="1" latinLnBrk="0" hangingPunct="1">
+        <a:defRPr sz="1800" kern="1200">
           <a:solidFill>
             <a:schemeClr val="tx1"/>
           </a:solidFill>
@@ -3601,7 +3081,7 @@
 </file>
 
 <file path=ppt/slides/slide1.xml><?xml version="1.0" encoding="utf-8"?>
-<p:sld xmlns:a="http://schemas.openxmlformats.org/drawingml/2006/main" xmlns:r="http://schemas.openxmlformats.org/officeDocument/2006/relationships" xmlns:p="http://schemas.openxmlformats.org/presentationml/2006/main">
+<p:sld xmlns:a="http://schemas.openxmlformats.org/drawingml/2006/main" xmlns:p="http://schemas.openxmlformats.org/presentationml/2006/main" xmlns:r="http://schemas.openxmlformats.org/officeDocument/2006/relationships">
   <p:cSld>
     <p:spTree>
       <p:nvGrpSpPr>
@@ -3609,85 +3089,80 @@
         <p:cNvGrpSpPr/>
         <p:nvPr/>
       </p:nvGrpSpPr>
-      <p:grpSpPr>
-        <a:xfrm>
-          <a:off x="0" y="0"/>
-          <a:ext cx="0" cy="0"/>
-          <a:chOff x="0" y="0"/>
-          <a:chExt cx="0" cy="0"/>
-        </a:xfrm>
-      </p:grpSpPr>
-      <p:sp>
-        <p:nvSpPr>
-          <p:cNvPr id="2" name="タイトル 1">
-            <a:extLst>
-              <a:ext uri="{FF2B5EF4-FFF2-40B4-BE49-F238E27FC236}">
-                <a16:creationId xmlns:a16="http://schemas.microsoft.com/office/drawing/2014/main" id="{81F1AE97-8C8E-633B-8C8B-F2221C379883}"/>
-              </a:ext>
-            </a:extLst>
-          </p:cNvPr>
-          <p:cNvSpPr>
-            <a:spLocks noGrp="1"/>
-          </p:cNvSpPr>
-          <p:nvPr>
-            <p:ph type="ctrTitle"/>
-          </p:nvPr>
-        </p:nvSpPr>
-        <p:spPr/>
-        <p:txBody>
-          <a:bodyPr/>
-          <a:lstStyle/>
-          <a:p>
-            <a:r>
-              <a:rPr kumimoji="1" lang="en-US" altLang="ja-JP" dirty="0"/>
-              <a:t>Template </a:t>
-            </a:r>
-            <a:r>
-              <a:rPr kumimoji="1" lang="en-US" altLang="ja-JP" dirty="0" err="1"/>
-              <a:t>powerpoint</a:t>
-            </a:r>
-            <a:endParaRPr kumimoji="1" lang="ja-JP" altLang="en-US" dirty="0"/>
-          </a:p>
-        </p:txBody>
-      </p:sp>
-      <p:sp>
-        <p:nvSpPr>
-          <p:cNvPr id="3" name="字幕 2">
-            <a:extLst>
-              <a:ext uri="{FF2B5EF4-FFF2-40B4-BE49-F238E27FC236}">
-                <a16:creationId xmlns:a16="http://schemas.microsoft.com/office/drawing/2014/main" id="{647440A1-5B67-D899-3D5D-0098C7B25BC2}"/>
-              </a:ext>
-            </a:extLst>
-          </p:cNvPr>
-          <p:cNvSpPr>
-            <a:spLocks noGrp="1"/>
-          </p:cNvSpPr>
-          <p:nvPr>
-            <p:ph type="subTitle" idx="1"/>
-          </p:nvPr>
-        </p:nvSpPr>
-        <p:spPr/>
-        <p:txBody>
-          <a:bodyPr/>
-          <a:lstStyle/>
-          <a:p>
-            <a:r>
-              <a:rPr kumimoji="1" lang="en-US" altLang="ja-JP" dirty="0"/>
-              <a:t>python</a:t>
-            </a:r>
-            <a:r>
-              <a:rPr kumimoji="1" lang="ja-JP" altLang="en-US" dirty="0"/>
-              <a:t>のライブラリが上手く動いているか確認するためのパワポです</a:t>
+      <p:grpSpPr/>
+      <p:sp>
+        <p:nvSpPr>
+          <p:cNvPr id="2" name="TextBox 1"/>
+          <p:cNvSpPr txBox="1"/>
+          <p:nvPr/>
+        </p:nvSpPr>
+        <p:spPr>
+          <a:xfrm>
+            <a:off x="1522800" y="1630800"/>
+            <a:ext cx="9144000" cy="2386800"/>
+          </a:xfrm>
+          <a:prstGeom prst="rect">
+            <a:avLst/>
+          </a:prstGeom>
+          <a:noFill/>
+        </p:spPr>
+        <p:txBody>
+          <a:bodyPr wrap="none">
+            <a:spAutoFit/>
+          </a:bodyPr>
+          <a:lstStyle/>
+          <a:p>
+            <a:pPr algn="ctr">
+              <a:defRPr sz="13800" b="1">
+                <a:solidFill>
+                  <a:srgbClr val="404040"/>
+                </a:solidFill>
+                <a:latin typeface="メイリオ"/>
+              </a:defRPr>
+            </a:pPr>
+            <a:r>
+              <a:t>報告会</a:t>
+            </a:r>
+          </a:p>
+        </p:txBody>
+      </p:sp>
+      <p:sp>
+        <p:nvSpPr>
+          <p:cNvPr id="3" name="TextBox 2"/>
+          <p:cNvSpPr txBox="1"/>
+          <p:nvPr/>
+        </p:nvSpPr>
+        <p:spPr>
+          <a:xfrm>
+            <a:off x="1522800" y="3751200"/>
+            <a:ext cx="9144000" cy="712800"/>
+          </a:xfrm>
+          <a:prstGeom prst="rect">
+            <a:avLst/>
+          </a:prstGeom>
+          <a:noFill/>
+        </p:spPr>
+        <p:txBody>
+          <a:bodyPr wrap="none">
+            <a:spAutoFit/>
+          </a:bodyPr>
+          <a:lstStyle/>
+          <a:p>
+            <a:pPr algn="ctr">
+              <a:defRPr sz="4000" b="1">
+                <a:solidFill>
+                  <a:srgbClr val="404040"/>
+                </a:solidFill>
+                <a:latin typeface="メイリオ"/>
+              </a:defRPr>
+            </a:pPr>
+            <a:r>
+              <a:t>2023年4月7日（金）</a:t>
             </a:r>
           </a:p>
         </p:txBody>
       </p:sp>
     </p:spTree>
-    <p:extLst>
-      <p:ext uri="{BB962C8B-B14F-4D97-AF65-F5344CB8AC3E}">
-        <p14:creationId xmlns:p14="http://schemas.microsoft.com/office/powerpoint/2010/main" val="2246301377"/>
-      </p:ext>
-    </p:extLst>
   </p:cSld>
   <p:clrMapOvr>
     <a:masterClrMapping/>
@@ -3696,514 +3171,6 @@
 </file>
 
 <file path=ppt/slides/slide2.xml><?xml version="1.0" encoding="utf-8"?>
-<p:sld xmlns:a="http://schemas.openxmlformats.org/drawingml/2006/main" xmlns:r="http://schemas.openxmlformats.org/officeDocument/2006/relationships" xmlns:p="http://schemas.openxmlformats.org/presentationml/2006/main">
-  <p:cSld>
-    <p:spTree>
-      <p:nvGrpSpPr>
-        <p:cNvPr id="1" name=""/>
-        <p:cNvGrpSpPr/>
-        <p:nvPr/>
-      </p:nvGrpSpPr>
-      <p:grpSpPr>
-        <a:xfrm>
-          <a:off x="0" y="0"/>
-          <a:ext cx="0" cy="0"/>
-          <a:chOff x="0" y="0"/>
-          <a:chExt cx="0" cy="0"/>
-        </a:xfrm>
-      </p:grpSpPr>
-      <p:sp>
-        <p:nvSpPr>
-          <p:cNvPr id="2" name="タイトル 1">
-            <a:extLst>
-              <a:ext uri="{FF2B5EF4-FFF2-40B4-BE49-F238E27FC236}">
-                <a16:creationId xmlns:a16="http://schemas.microsoft.com/office/drawing/2014/main" id="{81F1AE97-8C8E-633B-8C8B-F2221C379883}"/>
-              </a:ext>
-            </a:extLst>
-          </p:cNvPr>
-          <p:cNvSpPr>
-            <a:spLocks noGrp="1"/>
-          </p:cNvSpPr>
-          <p:nvPr>
-            <p:ph type="title"/>
-          </p:nvPr>
-        </p:nvSpPr>
-        <p:spPr/>
-        <p:txBody>
-          <a:bodyPr/>
-          <a:lstStyle/>
-          <a:p>
-            <a:r>
-              <a:rPr kumimoji="1" lang="en-US" altLang="ja-JP" dirty="0"/>
-              <a:t>Template </a:t>
-            </a:r>
-            <a:r>
-              <a:rPr kumimoji="1" lang="en-US" altLang="ja-JP" dirty="0" err="1"/>
-              <a:t>powerpoint</a:t>
-            </a:r>
-            <a:endParaRPr kumimoji="1" lang="ja-JP" altLang="en-US" dirty="0"/>
-          </a:p>
-        </p:txBody>
-      </p:sp>
-      <p:sp>
-        <p:nvSpPr>
-          <p:cNvPr id="3" name="字幕 2">
-            <a:extLst>
-              <a:ext uri="{FF2B5EF4-FFF2-40B4-BE49-F238E27FC236}">
-                <a16:creationId xmlns:a16="http://schemas.microsoft.com/office/drawing/2014/main" id="{647440A1-5B67-D899-3D5D-0098C7B25BC2}"/>
-              </a:ext>
-            </a:extLst>
-          </p:cNvPr>
-          <p:cNvSpPr>
-            <a:spLocks noGrp="1"/>
-          </p:cNvSpPr>
-          <p:nvPr>
-            <p:ph idx="1"/>
-          </p:nvPr>
-        </p:nvSpPr>
-        <p:spPr>
-          <a:xfrm>
-            <a:off x="838200" y="1825625"/>
-            <a:ext cx="10515600" cy="1325563"/>
-          </a:xfrm>
-        </p:spPr>
-        <p:txBody>
-          <a:bodyPr/>
-          <a:lstStyle/>
-          <a:p>
-            <a:r>
-              <a:rPr kumimoji="1" lang="en-US" altLang="ja-JP" dirty="0"/>
-              <a:t>python</a:t>
-            </a:r>
-            <a:r>
-              <a:rPr kumimoji="1" lang="ja-JP" altLang="en-US" dirty="0"/>
-              <a:t>のライブラリが上手く動いているか確認するためのパワポです</a:t>
-            </a:r>
-          </a:p>
-        </p:txBody>
-      </p:sp>
-      <p:sp>
-        <p:nvSpPr>
-          <p:cNvPr id="4" name="字幕 2">
-            <a:extLst>
-              <a:ext uri="{FF2B5EF4-FFF2-40B4-BE49-F238E27FC236}">
-                <a16:creationId xmlns:a16="http://schemas.microsoft.com/office/drawing/2014/main" id="{45826ECC-4640-450F-BA30-58BA404D3934}"/>
-              </a:ext>
-            </a:extLst>
-          </p:cNvPr>
-          <p:cNvSpPr txBox="1">
-            <a:spLocks/>
-          </p:cNvSpPr>
-          <p:nvPr/>
-        </p:nvSpPr>
-        <p:spPr>
-          <a:xfrm>
-            <a:off x="838200" y="3044031"/>
-            <a:ext cx="10515600" cy="1325563"/>
-          </a:xfrm>
-          <a:prstGeom prst="rect">
-            <a:avLst/>
-          </a:prstGeom>
-        </p:spPr>
-        <p:txBody>
-          <a:bodyPr vert="horz" lIns="91440" tIns="45720" rIns="91440" bIns="45720" rtlCol="0">
-            <a:normAutofit/>
-          </a:bodyPr>
-          <a:lstStyle>
-            <a:lvl1pPr marL="228600" indent="-228600" algn="l" defTabSz="914400" rtl="0" eaLnBrk="1" latinLnBrk="0" hangingPunct="1">
-              <a:lnSpc>
-                <a:spcPct val="90000"/>
-              </a:lnSpc>
-              <a:spcBef>
-                <a:spcPts val="1000"/>
-              </a:spcBef>
-              <a:buFont typeface="Arial" panose="020B0604020202020204" pitchFamily="34" charset="0"/>
-              <a:buChar char="•"/>
-              <a:defRPr kumimoji="1" sz="2800" kern="1200">
-                <a:solidFill>
-                  <a:schemeClr val="tx1"/>
-                </a:solidFill>
-                <a:latin typeface="+mn-lt"/>
-                <a:ea typeface="+mn-ea"/>
-                <a:cs typeface="+mn-cs"/>
-              </a:defRPr>
-            </a:lvl1pPr>
-            <a:lvl2pPr marL="685800" indent="-228600" algn="l" defTabSz="914400" rtl="0" eaLnBrk="1" latinLnBrk="0" hangingPunct="1">
-              <a:lnSpc>
-                <a:spcPct val="90000"/>
-              </a:lnSpc>
-              <a:spcBef>
-                <a:spcPts val="500"/>
-              </a:spcBef>
-              <a:buFont typeface="Arial" panose="020B0604020202020204" pitchFamily="34" charset="0"/>
-              <a:buChar char="•"/>
-              <a:defRPr kumimoji="1" sz="2400" kern="1200">
-                <a:solidFill>
-                  <a:schemeClr val="tx1"/>
-                </a:solidFill>
-                <a:latin typeface="+mn-lt"/>
-                <a:ea typeface="+mn-ea"/>
-                <a:cs typeface="+mn-cs"/>
-              </a:defRPr>
-            </a:lvl2pPr>
-            <a:lvl3pPr marL="1143000" indent="-228600" algn="l" defTabSz="914400" rtl="0" eaLnBrk="1" latinLnBrk="0" hangingPunct="1">
-              <a:lnSpc>
-                <a:spcPct val="90000"/>
-              </a:lnSpc>
-              <a:spcBef>
-                <a:spcPts val="500"/>
-              </a:spcBef>
-              <a:buFont typeface="Arial" panose="020B0604020202020204" pitchFamily="34" charset="0"/>
-              <a:buChar char="•"/>
-              <a:defRPr kumimoji="1" sz="2000" kern="1200">
-                <a:solidFill>
-                  <a:schemeClr val="tx1"/>
-                </a:solidFill>
-                <a:latin typeface="+mn-lt"/>
-                <a:ea typeface="+mn-ea"/>
-                <a:cs typeface="+mn-cs"/>
-              </a:defRPr>
-            </a:lvl3pPr>
-            <a:lvl4pPr marL="1600200" indent="-228600" algn="l" defTabSz="914400" rtl="0" eaLnBrk="1" latinLnBrk="0" hangingPunct="1">
-              <a:lnSpc>
-                <a:spcPct val="90000"/>
-              </a:lnSpc>
-              <a:spcBef>
-                <a:spcPts val="500"/>
-              </a:spcBef>
-              <a:buFont typeface="Arial" panose="020B0604020202020204" pitchFamily="34" charset="0"/>
-              <a:buChar char="•"/>
-              <a:defRPr kumimoji="1" sz="1800" kern="1200">
-                <a:solidFill>
-                  <a:schemeClr val="tx1"/>
-                </a:solidFill>
-                <a:latin typeface="+mn-lt"/>
-                <a:ea typeface="+mn-ea"/>
-                <a:cs typeface="+mn-cs"/>
-              </a:defRPr>
-            </a:lvl4pPr>
-            <a:lvl5pPr marL="2057400" indent="-228600" algn="l" defTabSz="914400" rtl="0" eaLnBrk="1" latinLnBrk="0" hangingPunct="1">
-              <a:lnSpc>
-                <a:spcPct val="90000"/>
-              </a:lnSpc>
-              <a:spcBef>
-                <a:spcPts val="500"/>
-              </a:spcBef>
-              <a:buFont typeface="Arial" panose="020B0604020202020204" pitchFamily="34" charset="0"/>
-              <a:buChar char="•"/>
-              <a:defRPr kumimoji="1" sz="1800" kern="1200">
-                <a:solidFill>
-                  <a:schemeClr val="tx1"/>
-                </a:solidFill>
-                <a:latin typeface="+mn-lt"/>
-                <a:ea typeface="+mn-ea"/>
-                <a:cs typeface="+mn-cs"/>
-              </a:defRPr>
-            </a:lvl5pPr>
-            <a:lvl6pPr marL="2514600" indent="-228600" algn="l" defTabSz="914400" rtl="0" eaLnBrk="1" latinLnBrk="0" hangingPunct="1">
-              <a:lnSpc>
-                <a:spcPct val="90000"/>
-              </a:lnSpc>
-              <a:spcBef>
-                <a:spcPts val="500"/>
-              </a:spcBef>
-              <a:buFont typeface="Arial" panose="020B0604020202020204" pitchFamily="34" charset="0"/>
-              <a:buChar char="•"/>
-              <a:defRPr kumimoji="1" sz="1800" kern="1200">
-                <a:solidFill>
-                  <a:schemeClr val="tx1"/>
-                </a:solidFill>
-                <a:latin typeface="+mn-lt"/>
-                <a:ea typeface="+mn-ea"/>
-                <a:cs typeface="+mn-cs"/>
-              </a:defRPr>
-            </a:lvl6pPr>
-            <a:lvl7pPr marL="2971800" indent="-228600" algn="l" defTabSz="914400" rtl="0" eaLnBrk="1" latinLnBrk="0" hangingPunct="1">
-              <a:lnSpc>
-                <a:spcPct val="90000"/>
-              </a:lnSpc>
-              <a:spcBef>
-                <a:spcPts val="500"/>
-              </a:spcBef>
-              <a:buFont typeface="Arial" panose="020B0604020202020204" pitchFamily="34" charset="0"/>
-              <a:buChar char="•"/>
-              <a:defRPr kumimoji="1" sz="1800" kern="1200">
-                <a:solidFill>
-                  <a:schemeClr val="tx1"/>
-                </a:solidFill>
-                <a:latin typeface="+mn-lt"/>
-                <a:ea typeface="+mn-ea"/>
-                <a:cs typeface="+mn-cs"/>
-              </a:defRPr>
-            </a:lvl7pPr>
-            <a:lvl8pPr marL="3429000" indent="-228600" algn="l" defTabSz="914400" rtl="0" eaLnBrk="1" latinLnBrk="0" hangingPunct="1">
-              <a:lnSpc>
-                <a:spcPct val="90000"/>
-              </a:lnSpc>
-              <a:spcBef>
-                <a:spcPts val="500"/>
-              </a:spcBef>
-              <a:buFont typeface="Arial" panose="020B0604020202020204" pitchFamily="34" charset="0"/>
-              <a:buChar char="•"/>
-              <a:defRPr kumimoji="1" sz="1800" kern="1200">
-                <a:solidFill>
-                  <a:schemeClr val="tx1"/>
-                </a:solidFill>
-                <a:latin typeface="+mn-lt"/>
-                <a:ea typeface="+mn-ea"/>
-                <a:cs typeface="+mn-cs"/>
-              </a:defRPr>
-            </a:lvl8pPr>
-            <a:lvl9pPr marL="3886200" indent="-228600" algn="l" defTabSz="914400" rtl="0" eaLnBrk="1" latinLnBrk="0" hangingPunct="1">
-              <a:lnSpc>
-                <a:spcPct val="90000"/>
-              </a:lnSpc>
-              <a:spcBef>
-                <a:spcPts val="500"/>
-              </a:spcBef>
-              <a:buFont typeface="Arial" panose="020B0604020202020204" pitchFamily="34" charset="0"/>
-              <a:buChar char="•"/>
-              <a:defRPr kumimoji="1" sz="1800" kern="1200">
-                <a:solidFill>
-                  <a:schemeClr val="tx1"/>
-                </a:solidFill>
-                <a:latin typeface="+mn-lt"/>
-                <a:ea typeface="+mn-ea"/>
-                <a:cs typeface="+mn-cs"/>
-              </a:defRPr>
-            </a:lvl9pPr>
-          </a:lstStyle>
-          <a:p>
-            <a:r>
-              <a:rPr lang="en-US" altLang="ja-JP"/>
-              <a:t>python</a:t>
-            </a:r>
-            <a:r>
-              <a:rPr lang="ja-JP" altLang="en-US"/>
-              <a:t>のライブラリが上手く動いているか確認するためのパワポです</a:t>
-            </a:r>
-            <a:endParaRPr lang="ja-JP" altLang="en-US" dirty="0"/>
-          </a:p>
-        </p:txBody>
-      </p:sp>
-      <p:sp>
-        <p:nvSpPr>
-          <p:cNvPr id="5" name="字幕 2">
-            <a:extLst>
-              <a:ext uri="{FF2B5EF4-FFF2-40B4-BE49-F238E27FC236}">
-                <a16:creationId xmlns:a16="http://schemas.microsoft.com/office/drawing/2014/main" id="{45FA83DC-3F80-6F0F-B229-0038FE433706}"/>
-              </a:ext>
-            </a:extLst>
-          </p:cNvPr>
-          <p:cNvSpPr txBox="1">
-            <a:spLocks/>
-          </p:cNvSpPr>
-          <p:nvPr/>
-        </p:nvSpPr>
-        <p:spPr>
-          <a:xfrm>
-            <a:off x="838200" y="4369594"/>
-            <a:ext cx="10515600" cy="1325563"/>
-          </a:xfrm>
-          <a:prstGeom prst="rect">
-            <a:avLst/>
-          </a:prstGeom>
-        </p:spPr>
-        <p:txBody>
-          <a:bodyPr vert="horz" lIns="91440" tIns="45720" rIns="91440" bIns="45720" rtlCol="0">
-            <a:normAutofit/>
-          </a:bodyPr>
-          <a:lstStyle>
-            <a:lvl1pPr marL="228600" indent="-228600" algn="l" defTabSz="914400" rtl="0" eaLnBrk="1" latinLnBrk="0" hangingPunct="1">
-              <a:lnSpc>
-                <a:spcPct val="90000"/>
-              </a:lnSpc>
-              <a:spcBef>
-                <a:spcPts val="1000"/>
-              </a:spcBef>
-              <a:buFont typeface="Arial" panose="020B0604020202020204" pitchFamily="34" charset="0"/>
-              <a:buChar char="•"/>
-              <a:defRPr kumimoji="1" sz="2800" kern="1200">
-                <a:solidFill>
-                  <a:schemeClr val="tx1"/>
-                </a:solidFill>
-                <a:latin typeface="+mn-lt"/>
-                <a:ea typeface="+mn-ea"/>
-                <a:cs typeface="+mn-cs"/>
-              </a:defRPr>
-            </a:lvl1pPr>
-            <a:lvl2pPr marL="685800" indent="-228600" algn="l" defTabSz="914400" rtl="0" eaLnBrk="1" latinLnBrk="0" hangingPunct="1">
-              <a:lnSpc>
-                <a:spcPct val="90000"/>
-              </a:lnSpc>
-              <a:spcBef>
-                <a:spcPts val="500"/>
-              </a:spcBef>
-              <a:buFont typeface="Arial" panose="020B0604020202020204" pitchFamily="34" charset="0"/>
-              <a:buChar char="•"/>
-              <a:defRPr kumimoji="1" sz="2400" kern="1200">
-                <a:solidFill>
-                  <a:schemeClr val="tx1"/>
-                </a:solidFill>
-                <a:latin typeface="+mn-lt"/>
-                <a:ea typeface="+mn-ea"/>
-                <a:cs typeface="+mn-cs"/>
-              </a:defRPr>
-            </a:lvl2pPr>
-            <a:lvl3pPr marL="1143000" indent="-228600" algn="l" defTabSz="914400" rtl="0" eaLnBrk="1" latinLnBrk="0" hangingPunct="1">
-              <a:lnSpc>
-                <a:spcPct val="90000"/>
-              </a:lnSpc>
-              <a:spcBef>
-                <a:spcPts val="500"/>
-              </a:spcBef>
-              <a:buFont typeface="Arial" panose="020B0604020202020204" pitchFamily="34" charset="0"/>
-              <a:buChar char="•"/>
-              <a:defRPr kumimoji="1" sz="2000" kern="1200">
-                <a:solidFill>
-                  <a:schemeClr val="tx1"/>
-                </a:solidFill>
-                <a:latin typeface="+mn-lt"/>
-                <a:ea typeface="+mn-ea"/>
-                <a:cs typeface="+mn-cs"/>
-              </a:defRPr>
-            </a:lvl3pPr>
-            <a:lvl4pPr marL="1600200" indent="-228600" algn="l" defTabSz="914400" rtl="0" eaLnBrk="1" latinLnBrk="0" hangingPunct="1">
-              <a:lnSpc>
-                <a:spcPct val="90000"/>
-              </a:lnSpc>
-              <a:spcBef>
-                <a:spcPts val="500"/>
-              </a:spcBef>
-              <a:buFont typeface="Arial" panose="020B0604020202020204" pitchFamily="34" charset="0"/>
-              <a:buChar char="•"/>
-              <a:defRPr kumimoji="1" sz="1800" kern="1200">
-                <a:solidFill>
-                  <a:schemeClr val="tx1"/>
-                </a:solidFill>
-                <a:latin typeface="+mn-lt"/>
-                <a:ea typeface="+mn-ea"/>
-                <a:cs typeface="+mn-cs"/>
-              </a:defRPr>
-            </a:lvl4pPr>
-            <a:lvl5pPr marL="2057400" indent="-228600" algn="l" defTabSz="914400" rtl="0" eaLnBrk="1" latinLnBrk="0" hangingPunct="1">
-              <a:lnSpc>
-                <a:spcPct val="90000"/>
-              </a:lnSpc>
-              <a:spcBef>
-                <a:spcPts val="500"/>
-              </a:spcBef>
-              <a:buFont typeface="Arial" panose="020B0604020202020204" pitchFamily="34" charset="0"/>
-              <a:buChar char="•"/>
-              <a:defRPr kumimoji="1" sz="1800" kern="1200">
-                <a:solidFill>
-                  <a:schemeClr val="tx1"/>
-                </a:solidFill>
-                <a:latin typeface="+mn-lt"/>
-                <a:ea typeface="+mn-ea"/>
-                <a:cs typeface="+mn-cs"/>
-              </a:defRPr>
-            </a:lvl5pPr>
-            <a:lvl6pPr marL="2514600" indent="-228600" algn="l" defTabSz="914400" rtl="0" eaLnBrk="1" latinLnBrk="0" hangingPunct="1">
-              <a:lnSpc>
-                <a:spcPct val="90000"/>
-              </a:lnSpc>
-              <a:spcBef>
-                <a:spcPts val="500"/>
-              </a:spcBef>
-              <a:buFont typeface="Arial" panose="020B0604020202020204" pitchFamily="34" charset="0"/>
-              <a:buChar char="•"/>
-              <a:defRPr kumimoji="1" sz="1800" kern="1200">
-                <a:solidFill>
-                  <a:schemeClr val="tx1"/>
-                </a:solidFill>
-                <a:latin typeface="+mn-lt"/>
-                <a:ea typeface="+mn-ea"/>
-                <a:cs typeface="+mn-cs"/>
-              </a:defRPr>
-            </a:lvl6pPr>
-            <a:lvl7pPr marL="2971800" indent="-228600" algn="l" defTabSz="914400" rtl="0" eaLnBrk="1" latinLnBrk="0" hangingPunct="1">
-              <a:lnSpc>
-                <a:spcPct val="90000"/>
-              </a:lnSpc>
-              <a:spcBef>
-                <a:spcPts val="500"/>
-              </a:spcBef>
-              <a:buFont typeface="Arial" panose="020B0604020202020204" pitchFamily="34" charset="0"/>
-              <a:buChar char="•"/>
-              <a:defRPr kumimoji="1" sz="1800" kern="1200">
-                <a:solidFill>
-                  <a:schemeClr val="tx1"/>
-                </a:solidFill>
-                <a:latin typeface="+mn-lt"/>
-                <a:ea typeface="+mn-ea"/>
-                <a:cs typeface="+mn-cs"/>
-              </a:defRPr>
-            </a:lvl7pPr>
-            <a:lvl8pPr marL="3429000" indent="-228600" algn="l" defTabSz="914400" rtl="0" eaLnBrk="1" latinLnBrk="0" hangingPunct="1">
-              <a:lnSpc>
-                <a:spcPct val="90000"/>
-              </a:lnSpc>
-              <a:spcBef>
-                <a:spcPts val="500"/>
-              </a:spcBef>
-              <a:buFont typeface="Arial" panose="020B0604020202020204" pitchFamily="34" charset="0"/>
-              <a:buChar char="•"/>
-              <a:defRPr kumimoji="1" sz="1800" kern="1200">
-                <a:solidFill>
-                  <a:schemeClr val="tx1"/>
-                </a:solidFill>
-                <a:latin typeface="+mn-lt"/>
-                <a:ea typeface="+mn-ea"/>
-                <a:cs typeface="+mn-cs"/>
-              </a:defRPr>
-            </a:lvl8pPr>
-            <a:lvl9pPr marL="3886200" indent="-228600" algn="l" defTabSz="914400" rtl="0" eaLnBrk="1" latinLnBrk="0" hangingPunct="1">
-              <a:lnSpc>
-                <a:spcPct val="90000"/>
-              </a:lnSpc>
-              <a:spcBef>
-                <a:spcPts val="500"/>
-              </a:spcBef>
-              <a:buFont typeface="Arial" panose="020B0604020202020204" pitchFamily="34" charset="0"/>
-              <a:buChar char="•"/>
-              <a:defRPr kumimoji="1" sz="1800" kern="1200">
-                <a:solidFill>
-                  <a:schemeClr val="tx1"/>
-                </a:solidFill>
-                <a:latin typeface="+mn-lt"/>
-                <a:ea typeface="+mn-ea"/>
-                <a:cs typeface="+mn-cs"/>
-              </a:defRPr>
-            </a:lvl9pPr>
-          </a:lstStyle>
-          <a:p>
-            <a:r>
-              <a:rPr lang="en-US" altLang="ja-JP"/>
-              <a:t>python</a:t>
-            </a:r>
-            <a:r>
-              <a:rPr lang="ja-JP" altLang="en-US"/>
-              <a:t>のライブラリが上手く動いているか確認するためのパワポです</a:t>
-            </a:r>
-            <a:endParaRPr lang="ja-JP" altLang="en-US" dirty="0"/>
-          </a:p>
-        </p:txBody>
-      </p:sp>
-    </p:spTree>
-    <p:extLst>
-      <p:ext uri="{BB962C8B-B14F-4D97-AF65-F5344CB8AC3E}">
-        <p14:creationId xmlns:p14="http://schemas.microsoft.com/office/powerpoint/2010/main" val="4171015950"/>
-      </p:ext>
-    </p:extLst>
-  </p:cSld>
-  <p:clrMapOvr>
-    <a:masterClrMapping/>
-  </p:clrMapOvr>
-</p:sld>
-</file>
-
-<file path=ppt/slides/slide3.xml><?xml version="1.0" encoding="utf-8"?>
 <p:sld xmlns:a="http://schemas.openxmlformats.org/drawingml/2006/main" xmlns:p="http://schemas.openxmlformats.org/presentationml/2006/main" xmlns:r="http://schemas.openxmlformats.org/officeDocument/2006/relationships">
   <p:cSld>
     <p:spTree>
@@ -4284,7 +3251,7 @@
               </a:defRPr>
             </a:pPr>
             <a:r>
-              <a:t>set_typeが正常に実行</a:t>
+              <a:t>目次</a:t>
             </a:r>
           </a:p>
         </p:txBody>
@@ -4297,8 +3264,8 @@
         </p:nvSpPr>
         <p:spPr>
           <a:xfrm>
-            <a:off x="838800" y="1825200"/>
-            <a:ext cx="10515600" cy="4352400"/>
+            <a:off x="349200" y="1627199"/>
+            <a:ext cx="11422800" cy="4921200"/>
           </a:xfrm>
           <a:prstGeom prst="rect">
             <a:avLst/>
@@ -4306,13 +3273,16 @@
           <a:noFill/>
         </p:spPr>
         <p:txBody>
-          <a:bodyPr wrap="square">
-            <a:spAutoFit/>
+          <a:bodyPr wrap="none" anchor="t">
+            <a:normAutofit/>
           </a:bodyPr>
           <a:lstStyle/>
           <a:p>
             <a:pPr>
-              <a:defRPr sz="4400" b="1">
+              <a:lnSpc>
+                <a:spcPct val="120000"/>
+              </a:lnSpc>
+              <a:defRPr b="1" sz="4000">
                 <a:solidFill>
                   <a:srgbClr val="404040"/>
                 </a:solidFill>
@@ -4320,12 +3290,15 @@
               </a:defRPr>
             </a:pPr>
             <a:r>
-              <a:t>set_contentが正常に実行</a:t>
+              <a:t>1. 部門報告</a:t>
             </a:r>
           </a:p>
           <a:p>
             <a:pPr>
-              <a:defRPr sz="3000">
+              <a:lnSpc>
+                <a:spcPct val="120000"/>
+              </a:lnSpc>
+              <a:defRPr b="1" sz="4000">
                 <a:solidFill>
                   <a:srgbClr val="404040"/>
                 </a:solidFill>
@@ -4333,7 +3306,7 @@
               </a:defRPr>
             </a:pPr>
             <a:r>
-              <a:t>set_contentが正常に実行set_contentが正常に実行set_contentが正常に実行set_contentが正常に実行set_contentが正常に実行set_contentが正常に実行</a:t>
+              <a:t>2. 連絡事項</a:t>
             </a:r>
           </a:p>
         </p:txBody>
@@ -4346,7 +3319,7 @@
 </p:sld>
 </file>
 
-<file path=ppt/slides/slide4.xml><?xml version="1.0" encoding="utf-8"?>
+<file path=ppt/slides/slide3.xml><?xml version="1.0" encoding="utf-8"?>
 <p:sld xmlns:a="http://schemas.openxmlformats.org/drawingml/2006/main" xmlns:p="http://schemas.openxmlformats.org/presentationml/2006/main" xmlns:r="http://schemas.openxmlformats.org/officeDocument/2006/relationships">
   <p:cSld>
     <p:spTree>
@@ -4427,7 +3400,7 @@
               </a:defRPr>
             </a:pPr>
             <a:r>
-              <a:t>set_typeが正常に実行</a:t>
+              <a:t>１．各部門報告/その他報告</a:t>
             </a:r>
           </a:p>
         </p:txBody>
@@ -4440,8 +3413,8 @@
         </p:nvSpPr>
         <p:spPr>
           <a:xfrm>
-            <a:off x="838800" y="1825200"/>
-            <a:ext cx="10515600" cy="4352400"/>
+            <a:off x="651600" y="1627199"/>
+            <a:ext cx="10872000" cy="4921200"/>
           </a:xfrm>
           <a:prstGeom prst="rect">
             <a:avLst/>
@@ -4449,13 +3422,17 @@
           <a:noFill/>
         </p:spPr>
         <p:txBody>
-          <a:bodyPr wrap="square">
+          <a:bodyPr wrap="none">
             <a:spAutoFit/>
           </a:bodyPr>
           <a:lstStyle/>
+          <a:p/>
           <a:p>
             <a:pPr>
-              <a:defRPr sz="4400" b="1">
+              <a:lnSpc>
+                <a:spcPct val="120000"/>
+              </a:lnSpc>
+              <a:defRPr sz="3200" b="1">
                 <a:solidFill>
                   <a:srgbClr val="404040"/>
                 </a:solidFill>
@@ -4463,12 +3440,15 @@
               </a:defRPr>
             </a:pPr>
             <a:r>
-              <a:t>set_contentが正常に実行</a:t>
+              <a:t>DS部門 by山田</a:t>
             </a:r>
           </a:p>
           <a:p>
             <a:pPr>
-              <a:defRPr sz="3000">
+              <a:lnSpc>
+                <a:spcPct val="125000"/>
+              </a:lnSpc>
+              <a:defRPr sz="2000" b="1">
                 <a:solidFill>
                   <a:srgbClr val="404040"/>
                 </a:solidFill>
@@ -4476,7 +3456,135 @@
               </a:defRPr>
             </a:pPr>
             <a:r>
-              <a:t>set_contentが正常に実行set_contentが正常に実行set_contentが正常に実行set_contentが正常に実行set_contentが正常に実行set_contentが正常に実行</a:t>
+              <a:t>	・content1</a:t>
+            </a:r>
+          </a:p>
+          <a:p>
+            <a:pPr>
+              <a:lnSpc>
+                <a:spcPct val="125000"/>
+              </a:lnSpc>
+              <a:defRPr sz="2000" b="1">
+                <a:solidFill>
+                  <a:srgbClr val="404040"/>
+                </a:solidFill>
+                <a:latin typeface="メイリオ"/>
+              </a:defRPr>
+            </a:pPr>
+            <a:r>
+              <a:t>	・content2</a:t>
+            </a:r>
+          </a:p>
+          <a:p>
+            <a:pPr>
+              <a:lnSpc>
+                <a:spcPct val="120000"/>
+              </a:lnSpc>
+              <a:defRPr sz="3200" b="1">
+                <a:solidFill>
+                  <a:srgbClr val="404040"/>
+                </a:solidFill>
+                <a:latin typeface="メイリオ"/>
+              </a:defRPr>
+            </a:pPr>
+            <a:r>
+              <a:t>DE部門 by山田</a:t>
+            </a:r>
+          </a:p>
+          <a:p>
+            <a:pPr>
+              <a:lnSpc>
+                <a:spcPct val="125000"/>
+              </a:lnSpc>
+              <a:defRPr sz="2000" b="1">
+                <a:solidFill>
+                  <a:srgbClr val="404040"/>
+                </a:solidFill>
+                <a:latin typeface="メイリオ"/>
+              </a:defRPr>
+            </a:pPr>
+            <a:r>
+              <a:t>	・content1</a:t>
+            </a:r>
+          </a:p>
+          <a:p>
+            <a:pPr>
+              <a:lnSpc>
+                <a:spcPct val="120000"/>
+              </a:lnSpc>
+              <a:defRPr sz="3200" b="1">
+                <a:solidFill>
+                  <a:srgbClr val="404040"/>
+                </a:solidFill>
+                <a:latin typeface="メイリオ"/>
+              </a:defRPr>
+            </a:pPr>
+            <a:r>
+              <a:t>Biz部門 by山田</a:t>
+            </a:r>
+          </a:p>
+          <a:p>
+            <a:pPr>
+              <a:lnSpc>
+                <a:spcPct val="120000"/>
+              </a:lnSpc>
+              <a:defRPr sz="2000" b="1">
+                <a:solidFill>
+                  <a:srgbClr val="404040"/>
+                </a:solidFill>
+                <a:latin typeface="メイリオ"/>
+              </a:defRPr>
+            </a:pPr>
+            <a:r>
+              <a:t>	・なし</a:t>
+            </a:r>
+          </a:p>
+          <a:p>
+            <a:pPr>
+              <a:lnSpc>
+                <a:spcPct val="120000"/>
+              </a:lnSpc>
+              <a:defRPr sz="3200" b="1">
+                <a:solidFill>
+                  <a:srgbClr val="404040"/>
+                </a:solidFill>
+                <a:latin typeface="メイリオ"/>
+              </a:defRPr>
+            </a:pPr>
+            <a:r>
+              <a:t>CC部門 by山田</a:t>
+            </a:r>
+          </a:p>
+          <a:p>
+            <a:pPr>
+              <a:lnSpc>
+                <a:spcPct val="125000"/>
+              </a:lnSpc>
+              <a:defRPr sz="2000" b="1">
+                <a:solidFill>
+                  <a:srgbClr val="404040"/>
+                </a:solidFill>
+                <a:latin typeface="メイリオ"/>
+              </a:defRPr>
+            </a:pPr>
+            <a:r>
+              <a:t>	・content1</a:t>
+            </a:r>
+          </a:p>
+          <a:p>
+            <a:pPr>
+              <a:lnSpc>
+                <a:spcPct val="125000"/>
+              </a:lnSpc>
+              <a:defRPr sz="2000" b="1">
+                <a:solidFill>
+                  <a:srgbClr val="404040"/>
+                </a:solidFill>
+                <a:latin typeface="メイリオ"/>
+              </a:defRPr>
+            </a:pPr>
+            <a:r>
+              <a:t>	・content2</a:t>
             </a:r>
           </a:p>
         </p:txBody>
@@ -4490,7 +3598,7 @@
 </file>
 
 <file path=ppt/theme/theme1.xml><?xml version="1.0" encoding="utf-8"?>
-<a:theme xmlns:a="http://schemas.openxmlformats.org/drawingml/2006/main" name="Office テーマ">
+<a:theme xmlns:a="http://schemas.openxmlformats.org/drawingml/2006/main" name="Office Theme">
   <a:themeElements>
     <a:clrScheme name="Office">
       <a:dk1>
@@ -4500,44 +3608,44 @@
         <a:sysClr val="window" lastClr="FFFFFF"/>
       </a:lt1>
       <a:dk2>
-        <a:srgbClr val="44546A"/>
+        <a:srgbClr val="1F497D"/>
       </a:dk2>
       <a:lt2>
-        <a:srgbClr val="E7E6E6"/>
+        <a:srgbClr val="EEECE1"/>
       </a:lt2>
       <a:accent1>
-        <a:srgbClr val="4472C4"/>
+        <a:srgbClr val="4F81BD"/>
       </a:accent1>
       <a:accent2>
-        <a:srgbClr val="ED7D31"/>
+        <a:srgbClr val="C0504D"/>
       </a:accent2>
       <a:accent3>
-        <a:srgbClr val="A5A5A5"/>
+        <a:srgbClr val="9BBB59"/>
       </a:accent3>
       <a:accent4>
-        <a:srgbClr val="FFC000"/>
+        <a:srgbClr val="8064A2"/>
       </a:accent4>
       <a:accent5>
-        <a:srgbClr val="5B9BD5"/>
+        <a:srgbClr val="4BACC6"/>
       </a:accent5>
       <a:accent6>
-        <a:srgbClr val="70AD47"/>
+        <a:srgbClr val="F79646"/>
       </a:accent6>
       <a:hlink>
-        <a:srgbClr val="0563C1"/>
+        <a:srgbClr val="0000FF"/>
       </a:hlink>
       <a:folHlink>
-        <a:srgbClr val="954F72"/>
+        <a:srgbClr val="800080"/>
       </a:folHlink>
     </a:clrScheme>
     <a:fontScheme name="Office">
       <a:majorFont>
-        <a:latin typeface="游ゴシック Light" panose="020F0302020204030204"/>
+        <a:latin typeface="Calibri"/>
         <a:ea typeface=""/>
         <a:cs typeface=""/>
-        <a:font script="Jpan" typeface="游ゴシック Light"/>
+        <a:font script="Jpan" typeface="ＭＳ Ｐゴシック"/>
         <a:font script="Hang" typeface="맑은 고딕"/>
-        <a:font script="Hans" typeface="等线 Light"/>
+        <a:font script="Hans" typeface="宋体"/>
         <a:font script="Hant" typeface="新細明體"/>
         <a:font script="Arab" typeface="Times New Roman"/>
         <a:font script="Hebr" typeface="Times New Roman"/>
@@ -4565,31 +3673,14 @@
         <a:font script="Viet" typeface="Times New Roman"/>
         <a:font script="Uigh" typeface="Microsoft Uighur"/>
         <a:font script="Geor" typeface="Sylfaen"/>
-        <a:font script="Armn" typeface="Arial"/>
-        <a:font script="Bugi" typeface="Leelawadee UI"/>
-        <a:font script="Bopo" typeface="Microsoft JhengHei"/>
-        <a:font script="Java" typeface="Javanese Text"/>
-        <a:font script="Lisu" typeface="Segoe UI"/>
-        <a:font script="Mymr" typeface="Myanmar Text"/>
-        <a:font script="Nkoo" typeface="Ebrima"/>
-        <a:font script="Olck" typeface="Nirmala UI"/>
-        <a:font script="Osma" typeface="Ebrima"/>
-        <a:font script="Phag" typeface="Phagspa"/>
-        <a:font script="Syrn" typeface="Estrangelo Edessa"/>
-        <a:font script="Syrj" typeface="Estrangelo Edessa"/>
-        <a:font script="Syre" typeface="Estrangelo Edessa"/>
-        <a:font script="Sora" typeface="Nirmala UI"/>
-        <a:font script="Tale" typeface="Microsoft Tai Le"/>
-        <a:font script="Talu" typeface="Microsoft New Tai Lue"/>
-        <a:font script="Tfng" typeface="Ebrima"/>
       </a:majorFont>
       <a:minorFont>
-        <a:latin typeface="游ゴシック" panose="020F0502020204030204"/>
+        <a:latin typeface="Calibri"/>
         <a:ea typeface=""/>
         <a:cs typeface=""/>
-        <a:font script="Jpan" typeface="游ゴシック"/>
+        <a:font script="Jpan" typeface="ＭＳ Ｐゴシック"/>
         <a:font script="Hang" typeface="맑은 고딕"/>
-        <a:font script="Hans" typeface="等线"/>
+        <a:font script="Hans" typeface="宋体"/>
         <a:font script="Hant" typeface="新細明體"/>
         <a:font script="Arab" typeface="Arial"/>
         <a:font script="Hebr" typeface="Arial"/>
@@ -4617,23 +3708,6 @@
         <a:font script="Viet" typeface="Arial"/>
         <a:font script="Uigh" typeface="Microsoft Uighur"/>
         <a:font script="Geor" typeface="Sylfaen"/>
-        <a:font script="Armn" typeface="Arial"/>
-        <a:font script="Bugi" typeface="Leelawadee UI"/>
-        <a:font script="Bopo" typeface="Microsoft JhengHei"/>
-        <a:font script="Java" typeface="Javanese Text"/>
-        <a:font script="Lisu" typeface="Segoe UI"/>
-        <a:font script="Mymr" typeface="Myanmar Text"/>
-        <a:font script="Nkoo" typeface="Ebrima"/>
-        <a:font script="Olck" typeface="Nirmala UI"/>
-        <a:font script="Osma" typeface="Ebrima"/>
-        <a:font script="Phag" typeface="Phagspa"/>
-        <a:font script="Syrn" typeface="Estrangelo Edessa"/>
-        <a:font script="Syrj" typeface="Estrangelo Edessa"/>
-        <a:font script="Syre" typeface="Estrangelo Edessa"/>
-        <a:font script="Sora" typeface="Nirmala UI"/>
-        <a:font script="Tale" typeface="Microsoft Tai Le"/>
-        <a:font script="Talu" typeface="Microsoft New Tai Lue"/>
-        <a:font script="Tfng" typeface="Ebrima"/>
       </a:minorFont>
     </a:fontScheme>
     <a:fmtScheme name="Office">
@@ -4645,141 +3719,200 @@
           <a:gsLst>
             <a:gs pos="0">
               <a:schemeClr val="phClr">
-                <a:lumMod val="110000"/>
-                <a:satMod val="105000"/>
-                <a:tint val="67000"/>
+                <a:tint val="50000"/>
+                <a:satMod val="300000"/>
               </a:schemeClr>
             </a:gs>
-            <a:gs pos="50000">
+            <a:gs pos="35000">
               <a:schemeClr val="phClr">
-                <a:lumMod val="105000"/>
-                <a:satMod val="103000"/>
-                <a:tint val="73000"/>
+                <a:tint val="37000"/>
+                <a:satMod val="300000"/>
               </a:schemeClr>
             </a:gs>
             <a:gs pos="100000">
               <a:schemeClr val="phClr">
-                <a:lumMod val="105000"/>
-                <a:satMod val="109000"/>
-                <a:tint val="81000"/>
+                <a:tint val="15000"/>
+                <a:satMod val="350000"/>
               </a:schemeClr>
             </a:gs>
           </a:gsLst>
-          <a:lin ang="5400000" scaled="0"/>
+          <a:lin ang="16200000" scaled="1"/>
         </a:gradFill>
         <a:gradFill rotWithShape="1">
           <a:gsLst>
             <a:gs pos="0">
               <a:schemeClr val="phClr">
-                <a:satMod val="103000"/>
-                <a:lumMod val="102000"/>
-                <a:tint val="94000"/>
-              </a:schemeClr>
-            </a:gs>
-            <a:gs pos="50000">
-              <a:schemeClr val="phClr">
-                <a:satMod val="110000"/>
-                <a:lumMod val="100000"/>
+                <a:tint val="100000"/>
                 <a:shade val="100000"/>
+                <a:satMod val="130000"/>
               </a:schemeClr>
             </a:gs>
             <a:gs pos="100000">
               <a:schemeClr val="phClr">
-                <a:lumMod val="99000"/>
-                <a:satMod val="120000"/>
-                <a:shade val="78000"/>
+                <a:tint val="50000"/>
+                <a:shade val="100000"/>
+                <a:satMod val="350000"/>
               </a:schemeClr>
             </a:gs>
           </a:gsLst>
-          <a:lin ang="5400000" scaled="0"/>
+          <a:lin ang="16200000" scaled="0"/>
         </a:gradFill>
       </a:fillStyleLst>
       <a:lnStyleLst>
-        <a:ln w="6350" cap="flat" cmpd="sng" algn="ctr">
+        <a:ln w="9525" cap="flat" cmpd="sng" algn="ctr">
+          <a:solidFill>
+            <a:schemeClr val="phClr">
+              <a:shade val="95000"/>
+              <a:satMod val="105000"/>
+            </a:schemeClr>
+          </a:solidFill>
+          <a:prstDash val="solid"/>
+        </a:ln>
+        <a:ln w="25400" cap="flat" cmpd="sng" algn="ctr">
           <a:solidFill>
             <a:schemeClr val="phClr"/>
           </a:solidFill>
           <a:prstDash val="solid"/>
-          <a:miter lim="800000"/>
         </a:ln>
-        <a:ln w="12700" cap="flat" cmpd="sng" algn="ctr">
+        <a:ln w="38100" cap="flat" cmpd="sng" algn="ctr">
           <a:solidFill>
             <a:schemeClr val="phClr"/>
           </a:solidFill>
           <a:prstDash val="solid"/>
-          <a:miter lim="800000"/>
-        </a:ln>
-        <a:ln w="19050" cap="flat" cmpd="sng" algn="ctr">
-          <a:solidFill>
-            <a:schemeClr val="phClr"/>
-          </a:solidFill>
-          <a:prstDash val="solid"/>
-          <a:miter lim="800000"/>
         </a:ln>
       </a:lnStyleLst>
       <a:effectStyleLst>
         <a:effectStyle>
-          <a:effectLst/>
-        </a:effectStyle>
-        <a:effectStyle>
-          <a:effectLst/>
+          <a:effectLst>
+            <a:outerShdw blurRad="40000" dist="20000" dir="5400000" rotWithShape="0">
+              <a:srgbClr val="000000">
+                <a:alpha val="38000"/>
+              </a:srgbClr>
+            </a:outerShdw>
+          </a:effectLst>
         </a:effectStyle>
         <a:effectStyle>
           <a:effectLst>
-            <a:outerShdw blurRad="57150" dist="19050" dir="5400000" algn="ctr" rotWithShape="0">
+            <a:outerShdw blurRad="40000" dist="23000" dir="5400000" rotWithShape="0">
               <a:srgbClr val="000000">
-                <a:alpha val="63000"/>
+                <a:alpha val="35000"/>
               </a:srgbClr>
             </a:outerShdw>
           </a:effectLst>
+        </a:effectStyle>
+        <a:effectStyle>
+          <a:effectLst>
+            <a:outerShdw blurRad="40000" dist="23000" dir="5400000" rotWithShape="0">
+              <a:srgbClr val="000000">
+                <a:alpha val="35000"/>
+              </a:srgbClr>
+            </a:outerShdw>
+          </a:effectLst>
+          <a:scene3d>
+            <a:camera prst="orthographicFront">
+              <a:rot lat="0" lon="0" rev="0"/>
+            </a:camera>
+            <a:lightRig rig="threePt" dir="t">
+              <a:rot lat="0" lon="0" rev="1200000"/>
+            </a:lightRig>
+          </a:scene3d>
+          <a:sp3d>
+            <a:bevelT w="63500" h="25400"/>
+          </a:sp3d>
         </a:effectStyle>
       </a:effectStyleLst>
       <a:bgFillStyleLst>
         <a:solidFill>
           <a:schemeClr val="phClr"/>
         </a:solidFill>
-        <a:solidFill>
-          <a:schemeClr val="phClr">
-            <a:tint val="95000"/>
-            <a:satMod val="170000"/>
-          </a:schemeClr>
-        </a:solidFill>
         <a:gradFill rotWithShape="1">
           <a:gsLst>
             <a:gs pos="0">
               <a:schemeClr val="phClr">
-                <a:tint val="93000"/>
-                <a:satMod val="150000"/>
-                <a:shade val="98000"/>
-                <a:lumMod val="102000"/>
+                <a:tint val="40000"/>
+                <a:satMod val="350000"/>
               </a:schemeClr>
             </a:gs>
-            <a:gs pos="50000">
+            <a:gs pos="40000">
               <a:schemeClr val="phClr">
-                <a:tint val="98000"/>
-                <a:satMod val="130000"/>
-                <a:shade val="90000"/>
-                <a:lumMod val="103000"/>
+                <a:tint val="45000"/>
+                <a:shade val="99000"/>
+                <a:satMod val="350000"/>
               </a:schemeClr>
             </a:gs>
             <a:gs pos="100000">
               <a:schemeClr val="phClr">
-                <a:shade val="63000"/>
-                <a:satMod val="120000"/>
+                <a:shade val="20000"/>
+                <a:satMod val="255000"/>
               </a:schemeClr>
             </a:gs>
           </a:gsLst>
-          <a:lin ang="5400000" scaled="0"/>
+          <a:path path="circle">
+            <a:fillToRect l="50000" t="-80000" r="50000" b="180000"/>
+          </a:path>
+        </a:gradFill>
+        <a:gradFill rotWithShape="1">
+          <a:gsLst>
+            <a:gs pos="0">
+              <a:schemeClr val="phClr">
+                <a:tint val="80000"/>
+                <a:satMod val="300000"/>
+              </a:schemeClr>
+            </a:gs>
+            <a:gs pos="100000">
+              <a:schemeClr val="phClr">
+                <a:shade val="30000"/>
+                <a:satMod val="200000"/>
+              </a:schemeClr>
+            </a:gs>
+          </a:gsLst>
+          <a:path path="circle">
+            <a:fillToRect l="50000" t="50000" r="50000" b="50000"/>
+          </a:path>
         </a:gradFill>
       </a:bgFillStyleLst>
     </a:fmtScheme>
   </a:themeElements>
-  <a:objectDefaults/>
+  <a:objectDefaults>
+    <a:spDef>
+      <a:spPr/>
+      <a:bodyPr/>
+      <a:lstStyle/>
+      <a:style>
+        <a:lnRef idx="1">
+          <a:schemeClr val="accent1"/>
+        </a:lnRef>
+        <a:fillRef idx="3">
+          <a:schemeClr val="accent1"/>
+        </a:fillRef>
+        <a:effectRef idx="2">
+          <a:schemeClr val="accent1"/>
+        </a:effectRef>
+        <a:fontRef idx="minor">
+          <a:schemeClr val="lt1"/>
+        </a:fontRef>
+      </a:style>
+    </a:spDef>
+    <a:lnDef>
+      <a:spPr/>
+      <a:bodyPr/>
+      <a:lstStyle/>
+      <a:style>
+        <a:lnRef idx="2">
+          <a:schemeClr val="accent1"/>
+        </a:lnRef>
+        <a:fillRef idx="0">
+          <a:schemeClr val="accent1"/>
+        </a:fillRef>
+        <a:effectRef idx="1">
+          <a:schemeClr val="accent1"/>
+        </a:effectRef>
+        <a:fontRef idx="minor">
+          <a:schemeClr val="tx1"/>
+        </a:fontRef>
+      </a:style>
+    </a:lnDef>
+  </a:objectDefaults>
   <a:extraClrSchemeLst/>
-  <a:extLst>
-    <a:ext uri="{05A4C25C-085E-4340-85A3-A5531E510DB2}">
-      <thm15:themeFamily xmlns:thm15="http://schemas.microsoft.com/office/thememl/2012/main" name="Office Theme" id="{62F939B6-93AF-4DB8-9C6B-D6C7DFDC589F}" vid="{4A3C46E8-61CC-4603-A589-7422A47A8E4A}"/>
-    </a:ext>
-  </a:extLst>
 </a:theme>
 </file>
--- a/backend/outputs/output.pptx
+++ b/backend/outputs/output.pptx
@@ -8,6 +8,8 @@
     <p:sldId id="256" r:id="rId7"/>
     <p:sldId id="257" r:id="rId8"/>
     <p:sldId id="258" r:id="rId9"/>
+    <p:sldId id="259" r:id="rId10"/>
+    <p:sldId id="260" r:id="rId11"/>
   </p:sldIdLst>
   <p:sldSz cx="12192000" cy="6858000" type="screen4x3"/>
   <p:notesSz cx="6858000" cy="9144000"/>
@@ -3413,7 +3415,7 @@
         </p:nvSpPr>
         <p:spPr>
           <a:xfrm>
-            <a:off x="651600" y="1627199"/>
+            <a:off x="651600" y="1267200"/>
             <a:ext cx="10872000" cy="4921200"/>
           </a:xfrm>
           <a:prstGeom prst="rect">
@@ -3585,6 +3587,292 @@
             </a:pPr>
             <a:r>
               <a:t>	・content2</a:t>
+            </a:r>
+          </a:p>
+        </p:txBody>
+      </p:sp>
+    </p:spTree>
+  </p:cSld>
+  <p:clrMapOvr>
+    <a:masterClrMapping/>
+  </p:clrMapOvr>
+</p:sld>
+</file>
+
+<file path=ppt/slides/slide4.xml><?xml version="1.0" encoding="utf-8"?>
+<p:sld xmlns:a="http://schemas.openxmlformats.org/drawingml/2006/main" xmlns:p="http://schemas.openxmlformats.org/presentationml/2006/main" xmlns:r="http://schemas.openxmlformats.org/officeDocument/2006/relationships">
+  <p:cSld>
+    <p:spTree>
+      <p:nvGrpSpPr>
+        <p:cNvPr id="1" name=""/>
+        <p:cNvGrpSpPr/>
+        <p:nvPr/>
+      </p:nvGrpSpPr>
+      <p:grpSpPr/>
+      <p:sp>
+        <p:nvSpPr>
+          <p:cNvPr id="2" name="Rectangle 1"/>
+          <p:cNvSpPr/>
+          <p:nvPr/>
+        </p:nvSpPr>
+        <p:spPr>
+          <a:xfrm>
+            <a:off x="0" y="0"/>
+            <a:ext cx="12193200" cy="1324800"/>
+          </a:xfrm>
+          <a:prstGeom prst="rect">
+            <a:avLst/>
+          </a:prstGeom>
+          <a:solidFill>
+            <a:srgbClr val="4472C4"/>
+          </a:solidFill>
+        </p:spPr>
+        <p:style>
+          <a:lnRef idx="1">
+            <a:schemeClr val="accent1"/>
+          </a:lnRef>
+          <a:fillRef idx="3">
+            <a:schemeClr val="accent1"/>
+          </a:fillRef>
+          <a:effectRef idx="2">
+            <a:schemeClr val="accent1"/>
+          </a:effectRef>
+          <a:fontRef idx="minor">
+            <a:schemeClr val="lt1"/>
+          </a:fontRef>
+        </p:style>
+        <p:txBody>
+          <a:bodyPr rtlCol="0" anchor="ctr"/>
+          <a:lstStyle/>
+          <a:p>
+            <a:pPr algn="ctr"/>
+          </a:p>
+        </p:txBody>
+      </p:sp>
+      <p:sp>
+        <p:nvSpPr>
+          <p:cNvPr id="3" name="TextBox 2"/>
+          <p:cNvSpPr txBox="1"/>
+          <p:nvPr/>
+        </p:nvSpPr>
+        <p:spPr>
+          <a:xfrm>
+            <a:off x="320400" y="288000"/>
+            <a:ext cx="10515600" cy="1324800"/>
+          </a:xfrm>
+          <a:prstGeom prst="rect">
+            <a:avLst/>
+          </a:prstGeom>
+          <a:noFill/>
+        </p:spPr>
+        <p:txBody>
+          <a:bodyPr wrap="none">
+            <a:spAutoFit/>
+          </a:bodyPr>
+          <a:lstStyle/>
+          <a:p>
+            <a:pPr>
+              <a:defRPr sz="6000" b="1">
+                <a:solidFill>
+                  <a:srgbClr val="FFFFFF"/>
+                </a:solidFill>
+                <a:latin typeface="メイリオ"/>
+              </a:defRPr>
+            </a:pPr>
+            <a:r>
+              <a:t>連絡事項</a:t>
+            </a:r>
+          </a:p>
+        </p:txBody>
+      </p:sp>
+      <p:sp>
+        <p:nvSpPr>
+          <p:cNvPr id="4" name="TextBox 3"/>
+          <p:cNvSpPr txBox="1"/>
+          <p:nvPr/>
+        </p:nvSpPr>
+        <p:spPr>
+          <a:xfrm>
+            <a:off x="838800" y="1825200"/>
+            <a:ext cx="10515600" cy="4352400"/>
+          </a:xfrm>
+          <a:prstGeom prst="rect">
+            <a:avLst/>
+          </a:prstGeom>
+          <a:noFill/>
+        </p:spPr>
+        <p:txBody>
+          <a:bodyPr wrap="square">
+            <a:spAutoFit/>
+          </a:bodyPr>
+          <a:lstStyle/>
+          <a:p>
+            <a:pPr>
+              <a:defRPr sz="4400" b="1">
+                <a:solidFill>
+                  <a:srgbClr val="404040"/>
+                </a:solidFill>
+                <a:latin typeface="メイリオ"/>
+              </a:defRPr>
+            </a:pPr>
+            <a:r>
+              <a:t>title1</a:t>
+            </a:r>
+          </a:p>
+          <a:p>
+            <a:pPr>
+              <a:defRPr sz="3000">
+                <a:solidFill>
+                  <a:srgbClr val="404040"/>
+                </a:solidFill>
+                <a:latin typeface="メイリオ"/>
+              </a:defRPr>
+            </a:pPr>
+            <a:r>
+              <a:t>content1</a:t>
+            </a:r>
+          </a:p>
+        </p:txBody>
+      </p:sp>
+    </p:spTree>
+  </p:cSld>
+  <p:clrMapOvr>
+    <a:masterClrMapping/>
+  </p:clrMapOvr>
+</p:sld>
+</file>
+
+<file path=ppt/slides/slide5.xml><?xml version="1.0" encoding="utf-8"?>
+<p:sld xmlns:a="http://schemas.openxmlformats.org/drawingml/2006/main" xmlns:p="http://schemas.openxmlformats.org/presentationml/2006/main" xmlns:r="http://schemas.openxmlformats.org/officeDocument/2006/relationships">
+  <p:cSld>
+    <p:spTree>
+      <p:nvGrpSpPr>
+        <p:cNvPr id="1" name=""/>
+        <p:cNvGrpSpPr/>
+        <p:nvPr/>
+      </p:nvGrpSpPr>
+      <p:grpSpPr/>
+      <p:sp>
+        <p:nvSpPr>
+          <p:cNvPr id="2" name="Rectangle 1"/>
+          <p:cNvSpPr/>
+          <p:nvPr/>
+        </p:nvSpPr>
+        <p:spPr>
+          <a:xfrm>
+            <a:off x="0" y="0"/>
+            <a:ext cx="12193200" cy="1324800"/>
+          </a:xfrm>
+          <a:prstGeom prst="rect">
+            <a:avLst/>
+          </a:prstGeom>
+          <a:solidFill>
+            <a:srgbClr val="4472C4"/>
+          </a:solidFill>
+        </p:spPr>
+        <p:style>
+          <a:lnRef idx="1">
+            <a:schemeClr val="accent1"/>
+          </a:lnRef>
+          <a:fillRef idx="3">
+            <a:schemeClr val="accent1"/>
+          </a:fillRef>
+          <a:effectRef idx="2">
+            <a:schemeClr val="accent1"/>
+          </a:effectRef>
+          <a:fontRef idx="minor">
+            <a:schemeClr val="lt1"/>
+          </a:fontRef>
+        </p:style>
+        <p:txBody>
+          <a:bodyPr rtlCol="0" anchor="ctr"/>
+          <a:lstStyle/>
+          <a:p>
+            <a:pPr algn="ctr"/>
+          </a:p>
+        </p:txBody>
+      </p:sp>
+      <p:sp>
+        <p:nvSpPr>
+          <p:cNvPr id="3" name="TextBox 2"/>
+          <p:cNvSpPr txBox="1"/>
+          <p:nvPr/>
+        </p:nvSpPr>
+        <p:spPr>
+          <a:xfrm>
+            <a:off x="320400" y="288000"/>
+            <a:ext cx="10515600" cy="1324800"/>
+          </a:xfrm>
+          <a:prstGeom prst="rect">
+            <a:avLst/>
+          </a:prstGeom>
+          <a:noFill/>
+        </p:spPr>
+        <p:txBody>
+          <a:bodyPr wrap="none">
+            <a:spAutoFit/>
+          </a:bodyPr>
+          <a:lstStyle/>
+          <a:p>
+            <a:pPr>
+              <a:defRPr sz="6000" b="1">
+                <a:solidFill>
+                  <a:srgbClr val="FFFFFF"/>
+                </a:solidFill>
+                <a:latin typeface="メイリオ"/>
+              </a:defRPr>
+            </a:pPr>
+            <a:r>
+              <a:t>連絡事項</a:t>
+            </a:r>
+          </a:p>
+        </p:txBody>
+      </p:sp>
+      <p:sp>
+        <p:nvSpPr>
+          <p:cNvPr id="4" name="TextBox 3"/>
+          <p:cNvSpPr txBox="1"/>
+          <p:nvPr/>
+        </p:nvSpPr>
+        <p:spPr>
+          <a:xfrm>
+            <a:off x="838800" y="1825200"/>
+            <a:ext cx="10515600" cy="4352400"/>
+          </a:xfrm>
+          <a:prstGeom prst="rect">
+            <a:avLst/>
+          </a:prstGeom>
+          <a:noFill/>
+        </p:spPr>
+        <p:txBody>
+          <a:bodyPr wrap="square">
+            <a:spAutoFit/>
+          </a:bodyPr>
+          <a:lstStyle/>
+          <a:p>
+            <a:pPr>
+              <a:defRPr sz="4400" b="1">
+                <a:solidFill>
+                  <a:srgbClr val="404040"/>
+                </a:solidFill>
+                <a:latin typeface="メイリオ"/>
+              </a:defRPr>
+            </a:pPr>
+            <a:r>
+              <a:t>title2</a:t>
+            </a:r>
+          </a:p>
+          <a:p>
+            <a:pPr>
+              <a:defRPr sz="3000">
+                <a:solidFill>
+                  <a:srgbClr val="404040"/>
+                </a:solidFill>
+                <a:latin typeface="メイリオ"/>
+              </a:defRPr>
+            </a:pPr>
+            <a:r>
+              <a:t>content2</a:t>
             </a:r>
           </a:p>
         </p:txBody>
